--- a/present.pptx
+++ b/present.pptx
@@ -5,19 +5,22 @@
     <p:sldMasterId id="2147483738" r:id="rId1"/>
   </p:sldMasterIdLst>
   <p:notesMasterIdLst>
-    <p:notesMasterId r:id="rId12"/>
+    <p:notesMasterId r:id="rId15"/>
   </p:notesMasterIdLst>
   <p:sldIdLst>
     <p:sldId id="256" r:id="rId2"/>
     <p:sldId id="259" r:id="rId3"/>
     <p:sldId id="260" r:id="rId4"/>
     <p:sldId id="261" r:id="rId5"/>
-    <p:sldId id="257" r:id="rId6"/>
-    <p:sldId id="258" r:id="rId7"/>
-    <p:sldId id="262" r:id="rId8"/>
-    <p:sldId id="263" r:id="rId9"/>
-    <p:sldId id="264" r:id="rId10"/>
-    <p:sldId id="265" r:id="rId11"/>
+    <p:sldId id="266" r:id="rId6"/>
+    <p:sldId id="268" r:id="rId7"/>
+    <p:sldId id="257" r:id="rId8"/>
+    <p:sldId id="258" r:id="rId9"/>
+    <p:sldId id="262" r:id="rId10"/>
+    <p:sldId id="267" r:id="rId11"/>
+    <p:sldId id="263" r:id="rId12"/>
+    <p:sldId id="264" r:id="rId13"/>
+    <p:sldId id="265" r:id="rId14"/>
   </p:sldIdLst>
   <p:sldSz cx="12192000" cy="6858000"/>
   <p:notesSz cx="6858000" cy="9144000"/>
@@ -118,7 +121,7 @@
   </p:defaultTextStyle>
   <p:extLst>
     <p:ext uri="{EFAFB233-063F-42B5-8137-9DF3F51BA10A}">
-      <p15:sldGuideLst xmlns:p15="http://schemas.microsoft.com/office/powerpoint/2012/main"/>
+      <p15:sldGuideLst xmlns:p15="http://schemas.microsoft.com/office/powerpoint/2012/main" xmlns=""/>
     </p:ext>
   </p:extLst>
 </p:presentation>
@@ -210,7 +213,7 @@
           <a:p>
             <a:fld id="{E0934AAF-3040-B443-AC40-4517620984B2}" type="datetimeFigureOut">
               <a:rPr lang="ru-RU" smtClean="0"/>
-              <a:t>03.11.2017</a:t>
+              <a:t>04.11.2017</a:t>
             </a:fld>
             <a:endParaRPr lang="ru-RU"/>
           </a:p>
@@ -812,7 +815,7 @@
           <a:p>
             <a:fld id="{7161BF23-218F-AE41-A3A8-35F7D7FFB557}" type="datetimeFigureOut">
               <a:rPr lang="ru-RU" smtClean="0"/>
-              <a:t>03.11.2017</a:t>
+              <a:t>04.11.2017</a:t>
             </a:fld>
             <a:endParaRPr lang="ru-RU"/>
           </a:p>
@@ -1895,7 +1898,7 @@
           <a:p>
             <a:fld id="{7161BF23-218F-AE41-A3A8-35F7D7FFB557}" type="datetimeFigureOut">
               <a:rPr lang="ru-RU" smtClean="0"/>
-              <a:t>03.11.2017</a:t>
+              <a:t>04.11.2017</a:t>
             </a:fld>
             <a:endParaRPr lang="ru-RU"/>
           </a:p>
@@ -2870,7 +2873,7 @@
           <a:p>
             <a:fld id="{7161BF23-218F-AE41-A3A8-35F7D7FFB557}" type="datetimeFigureOut">
               <a:rPr lang="ru-RU" smtClean="0"/>
-              <a:t>03.11.2017</a:t>
+              <a:t>04.11.2017</a:t>
             </a:fld>
             <a:endParaRPr lang="ru-RU"/>
           </a:p>
@@ -3999,7 +4002,7 @@
           <a:p>
             <a:fld id="{7161BF23-218F-AE41-A3A8-35F7D7FFB557}" type="datetimeFigureOut">
               <a:rPr lang="ru-RU" smtClean="0"/>
-              <a:t>03.11.2017</a:t>
+              <a:t>04.11.2017</a:t>
             </a:fld>
             <a:endParaRPr lang="ru-RU"/>
           </a:p>
@@ -5027,7 +5030,7 @@
           <a:p>
             <a:fld id="{7161BF23-218F-AE41-A3A8-35F7D7FFB557}" type="datetimeFigureOut">
               <a:rPr lang="ru-RU" smtClean="0"/>
-              <a:t>03.11.2017</a:t>
+              <a:t>04.11.2017</a:t>
             </a:fld>
             <a:endParaRPr lang="ru-RU"/>
           </a:p>
@@ -5682,7 +5685,7 @@
           <a:p>
             <a:fld id="{7161BF23-218F-AE41-A3A8-35F7D7FFB557}" type="datetimeFigureOut">
               <a:rPr lang="ru-RU" smtClean="0"/>
-              <a:t>03.11.2017</a:t>
+              <a:t>04.11.2017</a:t>
             </a:fld>
             <a:endParaRPr lang="ru-RU"/>
           </a:p>
@@ -6538,7 +6541,7 @@
           <a:p>
             <a:fld id="{7161BF23-218F-AE41-A3A8-35F7D7FFB557}" type="datetimeFigureOut">
               <a:rPr lang="ru-RU" smtClean="0"/>
-              <a:t>03.11.2017</a:t>
+              <a:t>04.11.2017</a:t>
             </a:fld>
             <a:endParaRPr lang="ru-RU"/>
           </a:p>
@@ -6723,7 +6726,7 @@
           <a:p>
             <a:fld id="{7161BF23-218F-AE41-A3A8-35F7D7FFB557}" type="datetimeFigureOut">
               <a:rPr lang="ru-RU" smtClean="0"/>
-              <a:t>03.11.2017</a:t>
+              <a:t>04.11.2017</a:t>
             </a:fld>
             <a:endParaRPr lang="ru-RU"/>
           </a:p>
@@ -7690,7 +7693,7 @@
           <a:p>
             <a:fld id="{7161BF23-218F-AE41-A3A8-35F7D7FFB557}" type="datetimeFigureOut">
               <a:rPr lang="ru-RU" smtClean="0"/>
-              <a:t>03.11.2017</a:t>
+              <a:t>04.11.2017</a:t>
             </a:fld>
             <a:endParaRPr lang="ru-RU"/>
           </a:p>
@@ -7896,7 +7899,7 @@
           <a:p>
             <a:fld id="{7161BF23-218F-AE41-A3A8-35F7D7FFB557}" type="datetimeFigureOut">
               <a:rPr lang="ru-RU" smtClean="0"/>
-              <a:t>03.11.2017</a:t>
+              <a:t>04.11.2017</a:t>
             </a:fld>
             <a:endParaRPr lang="ru-RU"/>
           </a:p>
@@ -8925,7 +8928,7 @@
           <a:p>
             <a:fld id="{7161BF23-218F-AE41-A3A8-35F7D7FFB557}" type="datetimeFigureOut">
               <a:rPr lang="ru-RU" smtClean="0"/>
-              <a:t>03.11.2017</a:t>
+              <a:t>04.11.2017</a:t>
             </a:fld>
             <a:endParaRPr lang="ru-RU"/>
           </a:p>
@@ -9192,7 +9195,7 @@
           <a:p>
             <a:fld id="{7161BF23-218F-AE41-A3A8-35F7D7FFB557}" type="datetimeFigureOut">
               <a:rPr lang="ru-RU" smtClean="0"/>
-              <a:t>03.11.2017</a:t>
+              <a:t>04.11.2017</a:t>
             </a:fld>
             <a:endParaRPr lang="ru-RU"/>
           </a:p>
@@ -9597,7 +9600,7 @@
           <a:p>
             <a:fld id="{7161BF23-218F-AE41-A3A8-35F7D7FFB557}" type="datetimeFigureOut">
               <a:rPr lang="ru-RU" smtClean="0"/>
-              <a:t>03.11.2017</a:t>
+              <a:t>04.11.2017</a:t>
             </a:fld>
             <a:endParaRPr lang="ru-RU"/>
           </a:p>
@@ -9719,7 +9722,7 @@
           <a:p>
             <a:fld id="{7161BF23-218F-AE41-A3A8-35F7D7FFB557}" type="datetimeFigureOut">
               <a:rPr lang="ru-RU" smtClean="0"/>
-              <a:t>03.11.2017</a:t>
+              <a:t>04.11.2017</a:t>
             </a:fld>
             <a:endParaRPr lang="ru-RU"/>
           </a:p>
@@ -9809,7 +9812,7 @@
           <a:p>
             <a:fld id="{7161BF23-218F-AE41-A3A8-35F7D7FFB557}" type="datetimeFigureOut">
               <a:rPr lang="ru-RU" smtClean="0"/>
-              <a:t>03.11.2017</a:t>
+              <a:t>04.11.2017</a:t>
             </a:fld>
             <a:endParaRPr lang="ru-RU"/>
           </a:p>
@@ -10885,7 +10888,7 @@
           <a:p>
             <a:fld id="{7161BF23-218F-AE41-A3A8-35F7D7FFB557}" type="datetimeFigureOut">
               <a:rPr lang="ru-RU" smtClean="0"/>
-              <a:t>03.11.2017</a:t>
+              <a:t>04.11.2017</a:t>
             </a:fld>
             <a:endParaRPr lang="ru-RU"/>
           </a:p>
@@ -11988,7 +11991,7 @@
           <a:p>
             <a:fld id="{7161BF23-218F-AE41-A3A8-35F7D7FFB557}" type="datetimeFigureOut">
               <a:rPr lang="ru-RU" smtClean="0"/>
-              <a:t>03.11.2017</a:t>
+              <a:t>04.11.2017</a:t>
             </a:fld>
             <a:endParaRPr lang="ru-RU"/>
           </a:p>
@@ -12985,7 +12988,7 @@
           <a:p>
             <a:fld id="{7161BF23-218F-AE41-A3A8-35F7D7FFB557}" type="datetimeFigureOut">
               <a:rPr lang="ru-RU" smtClean="0"/>
-              <a:t>03.11.2017</a:t>
+              <a:t>04.11.2017</a:t>
             </a:fld>
             <a:endParaRPr lang="ru-RU"/>
           </a:p>
@@ -13585,7 +13588,7 @@
         </p:nvSpPr>
         <p:spPr>
           <a:xfrm>
-            <a:off x="1154955" y="4346669"/>
+            <a:off x="1154955" y="4567895"/>
             <a:ext cx="8825658" cy="1181933"/>
           </a:xfrm>
         </p:spPr>
@@ -13614,6 +13617,370 @@
           </a:p>
           <a:p>
             <a:endParaRPr lang="ru-RU" dirty="0"/>
+          </a:p>
+        </p:txBody>
+      </p:sp>
+      <p:sp>
+        <p:nvSpPr>
+          <p:cNvPr id="4" name="Заголовок 1"/>
+          <p:cNvSpPr txBox="1">
+            <a:spLocks/>
+          </p:cNvSpPr>
+          <p:nvPr/>
+        </p:nvSpPr>
+        <p:spPr bwMode="gray">
+          <a:xfrm>
+            <a:off x="1562918" y="3145528"/>
+            <a:ext cx="8825658" cy="705853"/>
+          </a:xfrm>
+          <a:prstGeom prst="rect">
+            <a:avLst/>
+          </a:prstGeom>
+        </p:spPr>
+        <p:txBody>
+          <a:bodyPr vert="horz" lIns="91440" tIns="45720" rIns="91440" bIns="45720" rtlCol="0" anchor="b">
+            <a:noAutofit/>
+          </a:bodyPr>
+          <a:lstStyle>
+            <a:lvl1pPr algn="l" defTabSz="457200" rtl="0" eaLnBrk="1" latinLnBrk="0" hangingPunct="1">
+              <a:spcBef>
+                <a:spcPct val="0"/>
+              </a:spcBef>
+              <a:buNone/>
+              <a:defRPr sz="5400" b="0" i="0" kern="1200">
+                <a:solidFill>
+                  <a:schemeClr val="bg2"/>
+                </a:solidFill>
+                <a:latin typeface="+mj-lt"/>
+                <a:ea typeface="+mj-ea"/>
+                <a:cs typeface="+mj-cs"/>
+              </a:defRPr>
+            </a:lvl1pPr>
+            <a:lvl2pPr eaLnBrk="1" hangingPunct="1">
+              <a:defRPr>
+                <a:solidFill>
+                  <a:schemeClr val="tx2"/>
+                </a:solidFill>
+              </a:defRPr>
+            </a:lvl2pPr>
+            <a:lvl3pPr eaLnBrk="1" hangingPunct="1">
+              <a:defRPr>
+                <a:solidFill>
+                  <a:schemeClr val="tx2"/>
+                </a:solidFill>
+              </a:defRPr>
+            </a:lvl3pPr>
+            <a:lvl4pPr eaLnBrk="1" hangingPunct="1">
+              <a:defRPr>
+                <a:solidFill>
+                  <a:schemeClr val="tx2"/>
+                </a:solidFill>
+              </a:defRPr>
+            </a:lvl4pPr>
+            <a:lvl5pPr eaLnBrk="1" hangingPunct="1">
+              <a:defRPr>
+                <a:solidFill>
+                  <a:schemeClr val="tx2"/>
+                </a:solidFill>
+              </a:defRPr>
+            </a:lvl5pPr>
+            <a:lvl6pPr eaLnBrk="1" hangingPunct="1">
+              <a:defRPr>
+                <a:solidFill>
+                  <a:schemeClr val="tx2"/>
+                </a:solidFill>
+              </a:defRPr>
+            </a:lvl6pPr>
+            <a:lvl7pPr eaLnBrk="1" hangingPunct="1">
+              <a:defRPr>
+                <a:solidFill>
+                  <a:schemeClr val="tx2"/>
+                </a:solidFill>
+              </a:defRPr>
+            </a:lvl7pPr>
+            <a:lvl8pPr eaLnBrk="1" hangingPunct="1">
+              <a:defRPr>
+                <a:solidFill>
+                  <a:schemeClr val="tx2"/>
+                </a:solidFill>
+              </a:defRPr>
+            </a:lvl8pPr>
+            <a:lvl9pPr eaLnBrk="1" hangingPunct="1">
+              <a:defRPr>
+                <a:solidFill>
+                  <a:schemeClr val="tx2"/>
+                </a:solidFill>
+              </a:defRPr>
+            </a:lvl9pPr>
+          </a:lstStyle>
+          <a:p>
+            <a:pPr algn="ctr"/>
+            <a:r>
+              <a:rPr lang="ru-RU" sz="4000" b="1" dirty="0" smtClean="0"/>
+              <a:t>Климат умного дома</a:t>
+            </a:r>
+            <a:endParaRPr lang="ru-RU" sz="4000" b="1" dirty="0"/>
+          </a:p>
+        </p:txBody>
+      </p:sp>
+      <p:sp>
+        <p:nvSpPr>
+          <p:cNvPr id="5" name="Подзаголовок 2"/>
+          <p:cNvSpPr txBox="1">
+            <a:spLocks/>
+          </p:cNvSpPr>
+          <p:nvPr/>
+        </p:nvSpPr>
+        <p:spPr bwMode="gray">
+          <a:xfrm>
+            <a:off x="1562918" y="3755703"/>
+            <a:ext cx="8825658" cy="590966"/>
+          </a:xfrm>
+          <a:prstGeom prst="rect">
+            <a:avLst/>
+          </a:prstGeom>
+        </p:spPr>
+        <p:txBody>
+          <a:bodyPr vert="horz" lIns="91440" tIns="45720" rIns="91440" bIns="45720" rtlCol="0" anchor="t">
+            <a:normAutofit/>
+          </a:bodyPr>
+          <a:lstStyle>
+            <a:lvl1pPr marL="0" indent="0" algn="l" defTabSz="457200" rtl="0" eaLnBrk="1" latinLnBrk="0" hangingPunct="1">
+              <a:spcBef>
+                <a:spcPts val="1000"/>
+              </a:spcBef>
+              <a:spcAft>
+                <a:spcPts val="0"/>
+              </a:spcAft>
+              <a:buClr>
+                <a:schemeClr val="accent1"/>
+              </a:buClr>
+              <a:buSzPct val="80000"/>
+              <a:buFont typeface="Wingdings 3" charset="2"/>
+              <a:buNone/>
+              <a:defRPr sz="1800" b="0" i="0" kern="1200" cap="all">
+                <a:solidFill>
+                  <a:schemeClr val="accent1">
+                    <a:lumMod val="60000"/>
+                    <a:lumOff val="40000"/>
+                  </a:schemeClr>
+                </a:solidFill>
+                <a:latin typeface="+mn-lt"/>
+                <a:ea typeface="+mn-ea"/>
+                <a:cs typeface="+mn-cs"/>
+              </a:defRPr>
+            </a:lvl1pPr>
+            <a:lvl2pPr marL="457200" indent="0" algn="ctr" defTabSz="457200" rtl="0" eaLnBrk="1" latinLnBrk="0" hangingPunct="1">
+              <a:spcBef>
+                <a:spcPts val="1000"/>
+              </a:spcBef>
+              <a:spcAft>
+                <a:spcPts val="0"/>
+              </a:spcAft>
+              <a:buClr>
+                <a:schemeClr val="accent1"/>
+              </a:buClr>
+              <a:buSzPct val="80000"/>
+              <a:buFont typeface="Wingdings 3" charset="2"/>
+              <a:buNone/>
+              <a:defRPr sz="1600" b="0" i="0" kern="1200">
+                <a:solidFill>
+                  <a:schemeClr val="tx1">
+                    <a:tint val="75000"/>
+                  </a:schemeClr>
+                </a:solidFill>
+                <a:latin typeface="+mn-lt"/>
+                <a:ea typeface="+mn-ea"/>
+                <a:cs typeface="+mn-cs"/>
+              </a:defRPr>
+            </a:lvl2pPr>
+            <a:lvl3pPr marL="914400" indent="0" algn="ctr" defTabSz="457200" rtl="0" eaLnBrk="1" latinLnBrk="0" hangingPunct="1">
+              <a:spcBef>
+                <a:spcPts val="1000"/>
+              </a:spcBef>
+              <a:spcAft>
+                <a:spcPts val="0"/>
+              </a:spcAft>
+              <a:buClr>
+                <a:schemeClr val="accent1"/>
+              </a:buClr>
+              <a:buSzPct val="80000"/>
+              <a:buFont typeface="Wingdings 3" charset="2"/>
+              <a:buNone/>
+              <a:defRPr sz="1400" b="0" i="0" kern="1200">
+                <a:solidFill>
+                  <a:schemeClr val="tx1">
+                    <a:tint val="75000"/>
+                  </a:schemeClr>
+                </a:solidFill>
+                <a:latin typeface="+mn-lt"/>
+                <a:ea typeface="+mn-ea"/>
+                <a:cs typeface="+mn-cs"/>
+              </a:defRPr>
+            </a:lvl3pPr>
+            <a:lvl4pPr marL="1371600" indent="0" algn="ctr" defTabSz="457200" rtl="0" eaLnBrk="1" latinLnBrk="0" hangingPunct="1">
+              <a:spcBef>
+                <a:spcPts val="1000"/>
+              </a:spcBef>
+              <a:spcAft>
+                <a:spcPts val="0"/>
+              </a:spcAft>
+              <a:buClr>
+                <a:schemeClr val="accent1"/>
+              </a:buClr>
+              <a:buSzPct val="80000"/>
+              <a:buFont typeface="Wingdings 3" charset="2"/>
+              <a:buNone/>
+              <a:defRPr sz="1200" b="0" i="0" kern="1200">
+                <a:solidFill>
+                  <a:schemeClr val="tx1">
+                    <a:tint val="75000"/>
+                  </a:schemeClr>
+                </a:solidFill>
+                <a:latin typeface="+mn-lt"/>
+                <a:ea typeface="+mn-ea"/>
+                <a:cs typeface="+mn-cs"/>
+              </a:defRPr>
+            </a:lvl4pPr>
+            <a:lvl5pPr marL="1828800" indent="0" algn="ctr" defTabSz="457200" rtl="0" eaLnBrk="1" latinLnBrk="0" hangingPunct="1">
+              <a:spcBef>
+                <a:spcPts val="1000"/>
+              </a:spcBef>
+              <a:spcAft>
+                <a:spcPts val="0"/>
+              </a:spcAft>
+              <a:buClr>
+                <a:schemeClr val="accent1"/>
+              </a:buClr>
+              <a:buSzPct val="80000"/>
+              <a:buFont typeface="Wingdings 3" charset="2"/>
+              <a:buNone/>
+              <a:defRPr sz="1200" b="0" i="0" kern="1200">
+                <a:solidFill>
+                  <a:schemeClr val="tx1">
+                    <a:tint val="75000"/>
+                  </a:schemeClr>
+                </a:solidFill>
+                <a:latin typeface="+mn-lt"/>
+                <a:ea typeface="+mn-ea"/>
+                <a:cs typeface="+mn-cs"/>
+              </a:defRPr>
+            </a:lvl5pPr>
+            <a:lvl6pPr marL="2286000" indent="0" algn="ctr" defTabSz="457200" rtl="0" eaLnBrk="1" latinLnBrk="0" hangingPunct="1">
+              <a:spcBef>
+                <a:spcPts val="1000"/>
+              </a:spcBef>
+              <a:spcAft>
+                <a:spcPts val="0"/>
+              </a:spcAft>
+              <a:buClr>
+                <a:schemeClr val="accent1"/>
+              </a:buClr>
+              <a:buSzPct val="80000"/>
+              <a:buFont typeface="Wingdings 3" charset="2"/>
+              <a:buNone/>
+              <a:defRPr sz="1200" b="0" i="0" kern="1200">
+                <a:solidFill>
+                  <a:schemeClr val="tx1">
+                    <a:tint val="75000"/>
+                  </a:schemeClr>
+                </a:solidFill>
+                <a:latin typeface="+mn-lt"/>
+                <a:ea typeface="+mn-ea"/>
+                <a:cs typeface="+mn-cs"/>
+              </a:defRPr>
+            </a:lvl6pPr>
+            <a:lvl7pPr marL="2743200" indent="0" algn="ctr" defTabSz="457200" rtl="0" eaLnBrk="1" latinLnBrk="0" hangingPunct="1">
+              <a:spcBef>
+                <a:spcPts val="1000"/>
+              </a:spcBef>
+              <a:spcAft>
+                <a:spcPts val="0"/>
+              </a:spcAft>
+              <a:buClr>
+                <a:schemeClr val="accent1"/>
+              </a:buClr>
+              <a:buSzPct val="80000"/>
+              <a:buFont typeface="Wingdings 3" charset="2"/>
+              <a:buNone/>
+              <a:defRPr sz="1200" b="0" i="0" kern="1200">
+                <a:solidFill>
+                  <a:schemeClr val="tx1">
+                    <a:tint val="75000"/>
+                  </a:schemeClr>
+                </a:solidFill>
+                <a:latin typeface="+mn-lt"/>
+                <a:ea typeface="+mn-ea"/>
+                <a:cs typeface="+mn-cs"/>
+              </a:defRPr>
+            </a:lvl7pPr>
+            <a:lvl8pPr marL="3200400" indent="0" algn="ctr" defTabSz="457200" rtl="0" eaLnBrk="1" latinLnBrk="0" hangingPunct="1">
+              <a:spcBef>
+                <a:spcPts val="1000"/>
+              </a:spcBef>
+              <a:spcAft>
+                <a:spcPts val="0"/>
+              </a:spcAft>
+              <a:buClr>
+                <a:schemeClr val="accent1"/>
+              </a:buClr>
+              <a:buSzPct val="80000"/>
+              <a:buFont typeface="Wingdings 3" charset="2"/>
+              <a:buNone/>
+              <a:defRPr sz="1200" b="0" i="0" kern="1200">
+                <a:solidFill>
+                  <a:schemeClr val="tx1">
+                    <a:tint val="75000"/>
+                  </a:schemeClr>
+                </a:solidFill>
+                <a:latin typeface="+mn-lt"/>
+                <a:ea typeface="+mn-ea"/>
+                <a:cs typeface="+mn-cs"/>
+              </a:defRPr>
+            </a:lvl8pPr>
+            <a:lvl9pPr marL="3657600" indent="0" algn="ctr" defTabSz="457200" rtl="0" eaLnBrk="1" latinLnBrk="0" hangingPunct="1">
+              <a:spcBef>
+                <a:spcPts val="1000"/>
+              </a:spcBef>
+              <a:spcAft>
+                <a:spcPts val="0"/>
+              </a:spcAft>
+              <a:buClr>
+                <a:schemeClr val="accent1"/>
+              </a:buClr>
+              <a:buSzPct val="80000"/>
+              <a:buFont typeface="Wingdings 3" charset="2"/>
+              <a:buNone/>
+              <a:defRPr sz="1200" b="0" i="0" kern="1200">
+                <a:solidFill>
+                  <a:schemeClr val="tx1">
+                    <a:tint val="75000"/>
+                  </a:schemeClr>
+                </a:solidFill>
+                <a:latin typeface="+mn-lt"/>
+                <a:ea typeface="+mn-ea"/>
+                <a:cs typeface="+mn-cs"/>
+              </a:defRPr>
+            </a:lvl9pPr>
+          </a:lstStyle>
+          <a:p>
+            <a:pPr algn="ctr"/>
+            <a:r>
+              <a:rPr lang="en-US" sz="2400" b="1" dirty="0" smtClean="0"/>
+              <a:t>Smart</a:t>
+            </a:r>
+            <a:r>
+              <a:rPr lang="ru-RU" sz="2400" b="1" dirty="0" smtClean="0"/>
+              <a:t> </a:t>
+            </a:r>
+            <a:r>
+              <a:rPr lang="en-US" sz="2400" b="1" dirty="0" smtClean="0"/>
+              <a:t>thermostat</a:t>
+            </a:r>
+            <a:endParaRPr lang="ru-RU" sz="2400" b="1" dirty="0" smtClean="0"/>
+          </a:p>
+          <a:p>
+            <a:endParaRPr lang="ru-RU" sz="2400" b="1" dirty="0"/>
           </a:p>
         </p:txBody>
       </p:sp>
@@ -13627,6 +13994,13 @@
   <p:clrMapOvr>
     <a:masterClrMapping/>
   </p:clrMapOvr>
+  <p:timing>
+    <p:tnLst>
+      <p:par>
+        <p:cTn id="1" dur="indefinite" restart="never" nodeType="tmRoot"/>
+      </p:par>
+    </p:tnLst>
+  </p:timing>
 </p:sld>
 </file>
 
@@ -13652,7 +14026,820 @@
           <p:cNvPr id="2" name="Заголовок 1">
             <a:extLst>
               <a:ext uri="{FF2B5EF4-FFF2-40B4-BE49-F238E27FC236}">
-                <a16:creationId xmlns:a16="http://schemas.microsoft.com/office/drawing/2014/main" id="{BD7F5098-EF74-44EE-9BD1-19A65926B605}"/>
+                <a16:creationId xmlns:a16="http://schemas.microsoft.com/office/drawing/2014/main" xmlns="" id="{8E37EE3E-7E13-4864-B7D6-188A4C7379AB}"/>
+              </a:ext>
+            </a:extLst>
+          </p:cNvPr>
+          <p:cNvSpPr>
+            <a:spLocks noGrp="1"/>
+          </p:cNvSpPr>
+          <p:nvPr>
+            <p:ph type="title"/>
+          </p:nvPr>
+        </p:nvSpPr>
+        <p:spPr/>
+        <p:txBody>
+          <a:bodyPr/>
+          <a:lstStyle/>
+          <a:p>
+            <a:r>
+              <a:rPr lang="ru-RU" dirty="0" smtClean="0"/>
+              <a:t>Логическая схема проекта</a:t>
+            </a:r>
+            <a:endParaRPr lang="ru-RU" dirty="0"/>
+          </a:p>
+        </p:txBody>
+      </p:sp>
+      <p:sp>
+        <p:nvSpPr>
+          <p:cNvPr id="3" name="Объект 2">
+            <a:extLst>
+              <a:ext uri="{FF2B5EF4-FFF2-40B4-BE49-F238E27FC236}">
+                <a16:creationId xmlns:a16="http://schemas.microsoft.com/office/drawing/2014/main" xmlns="" id="{43A29B75-2ABB-4B1A-A251-8B91867E88E8}"/>
+              </a:ext>
+            </a:extLst>
+          </p:cNvPr>
+          <p:cNvSpPr>
+            <a:spLocks noGrp="1"/>
+          </p:cNvSpPr>
+          <p:nvPr>
+            <p:ph idx="1"/>
+          </p:nvPr>
+        </p:nvSpPr>
+        <p:spPr/>
+        <p:txBody>
+          <a:bodyPr/>
+          <a:lstStyle/>
+          <a:p>
+            <a:endParaRPr lang="ru-RU"/>
+          </a:p>
+        </p:txBody>
+      </p:sp>
+    </p:spTree>
+    <p:extLst>
+      <p:ext uri="{BB962C8B-B14F-4D97-AF65-F5344CB8AC3E}">
+        <p14:creationId xmlns:p14="http://schemas.microsoft.com/office/powerpoint/2010/main" val="1752236804"/>
+      </p:ext>
+    </p:extLst>
+  </p:cSld>
+  <p:clrMapOvr>
+    <a:masterClrMapping/>
+  </p:clrMapOvr>
+  <p:timing>
+    <p:tnLst>
+      <p:par>
+        <p:cTn id="1" dur="indefinite" restart="never" nodeType="tmRoot"/>
+      </p:par>
+    </p:tnLst>
+  </p:timing>
+</p:sld>
+</file>
+
+<file path=ppt/slides/slide11.xml><?xml version="1.0" encoding="utf-8"?>
+<p:sld xmlns:a="http://schemas.openxmlformats.org/drawingml/2006/main" xmlns:r="http://schemas.openxmlformats.org/officeDocument/2006/relationships" xmlns:p="http://schemas.openxmlformats.org/presentationml/2006/main">
+  <p:cSld>
+    <p:spTree>
+      <p:nvGrpSpPr>
+        <p:cNvPr id="1" name=""/>
+        <p:cNvGrpSpPr/>
+        <p:nvPr/>
+      </p:nvGrpSpPr>
+      <p:grpSpPr>
+        <a:xfrm>
+          <a:off x="0" y="0"/>
+          <a:ext cx="0" cy="0"/>
+          <a:chOff x="0" y="0"/>
+          <a:chExt cx="0" cy="0"/>
+        </a:xfrm>
+      </p:grpSpPr>
+      <p:sp>
+        <p:nvSpPr>
+          <p:cNvPr id="2" name="Заголовок 1">
+            <a:extLst>
+              <a:ext uri="{FF2B5EF4-FFF2-40B4-BE49-F238E27FC236}">
+                <a16:creationId xmlns:a16="http://schemas.microsoft.com/office/drawing/2014/main" xmlns="" id="{1EDFF5A3-FBB5-461E-A9C7-923CD6FD0AC5}"/>
+              </a:ext>
+            </a:extLst>
+          </p:cNvPr>
+          <p:cNvSpPr>
+            <a:spLocks noGrp="1"/>
+          </p:cNvSpPr>
+          <p:nvPr>
+            <p:ph type="title"/>
+          </p:nvPr>
+        </p:nvSpPr>
+        <p:spPr/>
+        <p:txBody>
+          <a:bodyPr/>
+          <a:lstStyle/>
+          <a:p>
+            <a:pPr algn="ctr"/>
+            <a:r>
+              <a:rPr lang="ru-RU" dirty="0" smtClean="0"/>
+              <a:t>Платформы </a:t>
+            </a:r>
+            <a:r>
+              <a:rPr lang="ru-RU" dirty="0"/>
+              <a:t>разработки проекта</a:t>
+            </a:r>
+          </a:p>
+        </p:txBody>
+      </p:sp>
+      <p:sp>
+        <p:nvSpPr>
+          <p:cNvPr id="4" name="TextBox 3">
+            <a:extLst>
+              <a:ext uri="{FF2B5EF4-FFF2-40B4-BE49-F238E27FC236}">
+                <a16:creationId xmlns:a16="http://schemas.microsoft.com/office/drawing/2014/main" xmlns="" id="{4E4FA2F1-D15C-41D0-9A52-83F93757370C}"/>
+              </a:ext>
+            </a:extLst>
+          </p:cNvPr>
+          <p:cNvSpPr txBox="1"/>
+          <p:nvPr/>
+        </p:nvSpPr>
+        <p:spPr>
+          <a:xfrm>
+            <a:off x="450166" y="2459026"/>
+            <a:ext cx="5317588" cy="369332"/>
+          </a:xfrm>
+          <a:prstGeom prst="rect">
+            <a:avLst/>
+          </a:prstGeom>
+          <a:noFill/>
+        </p:spPr>
+        <p:txBody>
+          <a:bodyPr wrap="square" rtlCol="0">
+            <a:spAutoFit/>
+          </a:bodyPr>
+          <a:lstStyle/>
+          <a:p>
+            <a:r>
+              <a:rPr lang="ru-RU" dirty="0"/>
+              <a:t>Операционная система </a:t>
+            </a:r>
+            <a:r>
+              <a:rPr lang="ru-RU" dirty="0"/>
+              <a:t>– </a:t>
+            </a:r>
+            <a:r>
+              <a:rPr lang="en-US" b="1" dirty="0"/>
+              <a:t>Ubuntu 16.04 LTS</a:t>
+            </a:r>
+            <a:endParaRPr lang="ru-RU" b="1" dirty="0"/>
+          </a:p>
+        </p:txBody>
+      </p:sp>
+      <p:sp>
+        <p:nvSpPr>
+          <p:cNvPr id="5" name="TextBox 4">
+            <a:extLst>
+              <a:ext uri="{FF2B5EF4-FFF2-40B4-BE49-F238E27FC236}">
+                <a16:creationId xmlns:a16="http://schemas.microsoft.com/office/drawing/2014/main" xmlns="" id="{3D338E15-5DA0-4290-87DD-685B0B4F9354}"/>
+              </a:ext>
+            </a:extLst>
+          </p:cNvPr>
+          <p:cNvSpPr txBox="1"/>
+          <p:nvPr/>
+        </p:nvSpPr>
+        <p:spPr>
+          <a:xfrm>
+            <a:off x="6424246" y="2459026"/>
+            <a:ext cx="4787705" cy="369332"/>
+          </a:xfrm>
+          <a:prstGeom prst="rect">
+            <a:avLst/>
+          </a:prstGeom>
+          <a:noFill/>
+        </p:spPr>
+        <p:txBody>
+          <a:bodyPr wrap="square" rtlCol="0">
+            <a:spAutoFit/>
+          </a:bodyPr>
+          <a:lstStyle/>
+          <a:p>
+            <a:r>
+              <a:rPr lang="ru-RU" dirty="0" smtClean="0"/>
+              <a:t>Веб-сервер </a:t>
+            </a:r>
+            <a:r>
+              <a:rPr lang="ru-RU" dirty="0"/>
+              <a:t>– </a:t>
+            </a:r>
+            <a:r>
+              <a:rPr lang="en-US" b="1" dirty="0"/>
+              <a:t>Apache 2.4 (+ PHP 7.0)</a:t>
+            </a:r>
+            <a:endParaRPr lang="ru-RU" b="1" dirty="0"/>
+          </a:p>
+        </p:txBody>
+      </p:sp>
+      <p:sp>
+        <p:nvSpPr>
+          <p:cNvPr id="6" name="TextBox 5">
+            <a:extLst>
+              <a:ext uri="{FF2B5EF4-FFF2-40B4-BE49-F238E27FC236}">
+                <a16:creationId xmlns:a16="http://schemas.microsoft.com/office/drawing/2014/main" xmlns="" id="{9E4975CE-2E19-4571-8A7C-6D8D2DAC2458}"/>
+              </a:ext>
+            </a:extLst>
+          </p:cNvPr>
+          <p:cNvSpPr txBox="1"/>
+          <p:nvPr/>
+        </p:nvSpPr>
+        <p:spPr>
+          <a:xfrm>
+            <a:off x="450166" y="4682841"/>
+            <a:ext cx="5317588" cy="369332"/>
+          </a:xfrm>
+          <a:prstGeom prst="rect">
+            <a:avLst/>
+          </a:prstGeom>
+          <a:noFill/>
+        </p:spPr>
+        <p:txBody>
+          <a:bodyPr wrap="square" rtlCol="0">
+            <a:spAutoFit/>
+          </a:bodyPr>
+          <a:lstStyle/>
+          <a:p>
+            <a:r>
+              <a:rPr lang="ru-RU" dirty="0"/>
+              <a:t>База данных </a:t>
+            </a:r>
+            <a:r>
+              <a:rPr lang="ru-RU" dirty="0" smtClean="0"/>
+              <a:t>–</a:t>
+            </a:r>
+            <a:r>
+              <a:rPr lang="en-US" dirty="0" smtClean="0"/>
+              <a:t> </a:t>
+            </a:r>
+            <a:r>
+              <a:rPr lang="en-US" b="1" dirty="0" smtClean="0"/>
+              <a:t>PostgreSQL </a:t>
+            </a:r>
+            <a:r>
+              <a:rPr lang="en-US" b="1" dirty="0"/>
+              <a:t>9.5</a:t>
+            </a:r>
+            <a:endParaRPr lang="ru-RU" b="1" dirty="0"/>
+          </a:p>
+        </p:txBody>
+      </p:sp>
+      <p:sp>
+        <p:nvSpPr>
+          <p:cNvPr id="7" name="TextBox 6">
+            <a:extLst>
+              <a:ext uri="{FF2B5EF4-FFF2-40B4-BE49-F238E27FC236}">
+                <a16:creationId xmlns:a16="http://schemas.microsoft.com/office/drawing/2014/main" xmlns="" id="{7AB75CB3-42A9-4E90-97A9-F2EDFFD7B660}"/>
+              </a:ext>
+            </a:extLst>
+          </p:cNvPr>
+          <p:cNvSpPr txBox="1"/>
+          <p:nvPr/>
+        </p:nvSpPr>
+        <p:spPr>
+          <a:xfrm>
+            <a:off x="6424246" y="4682841"/>
+            <a:ext cx="5317588" cy="369332"/>
+          </a:xfrm>
+          <a:prstGeom prst="rect">
+            <a:avLst/>
+          </a:prstGeom>
+          <a:noFill/>
+        </p:spPr>
+        <p:txBody>
+          <a:bodyPr wrap="square" rtlCol="0">
+            <a:spAutoFit/>
+          </a:bodyPr>
+          <a:lstStyle/>
+          <a:p>
+            <a:r>
+              <a:rPr lang="ru-RU" dirty="0"/>
+              <a:t>Платформа </a:t>
+            </a:r>
+            <a:r>
+              <a:rPr lang="ru-RU" dirty="0" smtClean="0"/>
+              <a:t>Модуля НС </a:t>
+            </a:r>
+            <a:r>
+              <a:rPr lang="ru-RU" dirty="0" smtClean="0"/>
+              <a:t>– </a:t>
+            </a:r>
+            <a:r>
+              <a:rPr lang="en-US" b="1" dirty="0"/>
+              <a:t>Python 2.7</a:t>
+            </a:r>
+            <a:endParaRPr lang="ru-RU" b="1" dirty="0"/>
+          </a:p>
+        </p:txBody>
+      </p:sp>
+      <p:pic>
+        <p:nvPicPr>
+          <p:cNvPr id="1026" name="Picture 2" descr="Картинки по запросу ubuntu 16.04 logo">
+            <a:extLst>
+              <a:ext uri="{FF2B5EF4-FFF2-40B4-BE49-F238E27FC236}">
+                <a16:creationId xmlns:a16="http://schemas.microsoft.com/office/drawing/2014/main" xmlns="" id="{649412D1-37AC-4E01-B3BF-EDB810FD218B}"/>
+              </a:ext>
+            </a:extLst>
+          </p:cNvPr>
+          <p:cNvPicPr>
+            <a:picLocks noChangeAspect="1" noChangeArrowheads="1"/>
+          </p:cNvPicPr>
+          <p:nvPr/>
+        </p:nvPicPr>
+        <p:blipFill>
+          <a:blip r:embed="rId2">
+            <a:extLst>
+              <a:ext uri="{28A0092B-C50C-407E-A947-70E740481C1C}">
+                <a14:useLocalDpi xmlns:a14="http://schemas.microsoft.com/office/drawing/2010/main" val="0"/>
+              </a:ext>
+            </a:extLst>
+          </a:blip>
+          <a:srcRect/>
+          <a:stretch>
+            <a:fillRect/>
+          </a:stretch>
+        </p:blipFill>
+        <p:spPr bwMode="auto">
+          <a:xfrm>
+            <a:off x="1674055" y="2600455"/>
+            <a:ext cx="1946763" cy="1946763"/>
+          </a:xfrm>
+          <a:prstGeom prst="rect">
+            <a:avLst/>
+          </a:prstGeom>
+          <a:noFill/>
+          <a:extLst>
+            <a:ext uri="{909E8E84-426E-40DD-AFC4-6F175D3DCCD1}">
+              <a14:hiddenFill xmlns:a14="http://schemas.microsoft.com/office/drawing/2010/main">
+                <a:solidFill>
+                  <a:srgbClr val="FFFFFF"/>
+                </a:solidFill>
+              </a14:hiddenFill>
+            </a:ext>
+          </a:extLst>
+        </p:spPr>
+      </p:pic>
+      <p:pic>
+        <p:nvPicPr>
+          <p:cNvPr id="1028" name="Picture 4" descr="Картинки по запросу apache">
+            <a:extLst>
+              <a:ext uri="{FF2B5EF4-FFF2-40B4-BE49-F238E27FC236}">
+                <a16:creationId xmlns:a16="http://schemas.microsoft.com/office/drawing/2014/main" xmlns="" id="{69EC288F-3BDA-4B82-8173-C158568131B1}"/>
+              </a:ext>
+            </a:extLst>
+          </p:cNvPr>
+          <p:cNvPicPr>
+            <a:picLocks noChangeAspect="1" noChangeArrowheads="1"/>
+          </p:cNvPicPr>
+          <p:nvPr/>
+        </p:nvPicPr>
+        <p:blipFill>
+          <a:blip r:embed="rId3">
+            <a:extLst>
+              <a:ext uri="{28A0092B-C50C-407E-A947-70E740481C1C}">
+                <a14:useLocalDpi xmlns:a14="http://schemas.microsoft.com/office/drawing/2010/main" val="0"/>
+              </a:ext>
+            </a:extLst>
+          </a:blip>
+          <a:srcRect/>
+          <a:stretch>
+            <a:fillRect/>
+          </a:stretch>
+        </p:blipFill>
+        <p:spPr bwMode="auto">
+          <a:xfrm>
+            <a:off x="6409299" y="2829477"/>
+            <a:ext cx="2408799" cy="1884302"/>
+          </a:xfrm>
+          <a:prstGeom prst="rect">
+            <a:avLst/>
+          </a:prstGeom>
+          <a:noFill/>
+          <a:extLst>
+            <a:ext uri="{909E8E84-426E-40DD-AFC4-6F175D3DCCD1}">
+              <a14:hiddenFill xmlns:a14="http://schemas.microsoft.com/office/drawing/2010/main">
+                <a:solidFill>
+                  <a:srgbClr val="FFFFFF"/>
+                </a:solidFill>
+              </a14:hiddenFill>
+            </a:ext>
+          </a:extLst>
+        </p:spPr>
+      </p:pic>
+      <p:pic>
+        <p:nvPicPr>
+          <p:cNvPr id="1030" name="Picture 6" descr="Картинки по запросу php 7.0">
+            <a:extLst>
+              <a:ext uri="{FF2B5EF4-FFF2-40B4-BE49-F238E27FC236}">
+                <a16:creationId xmlns:a16="http://schemas.microsoft.com/office/drawing/2014/main" xmlns="" id="{204DCBAD-AB0E-4EAA-945D-9E89B6DAD8FF}"/>
+              </a:ext>
+            </a:extLst>
+          </p:cNvPr>
+          <p:cNvPicPr>
+            <a:picLocks noChangeAspect="1" noChangeArrowheads="1"/>
+          </p:cNvPicPr>
+          <p:nvPr/>
+        </p:nvPicPr>
+        <p:blipFill>
+          <a:blip r:embed="rId4">
+            <a:extLst>
+              <a:ext uri="{28A0092B-C50C-407E-A947-70E740481C1C}">
+                <a14:useLocalDpi xmlns:a14="http://schemas.microsoft.com/office/drawing/2010/main" val="0"/>
+              </a:ext>
+            </a:extLst>
+          </a:blip>
+          <a:srcRect/>
+          <a:stretch>
+            <a:fillRect/>
+          </a:stretch>
+        </p:blipFill>
+        <p:spPr bwMode="auto">
+          <a:xfrm>
+            <a:off x="9083040" y="3296566"/>
+            <a:ext cx="1760017" cy="1056010"/>
+          </a:xfrm>
+          <a:prstGeom prst="rect">
+            <a:avLst/>
+          </a:prstGeom>
+          <a:noFill/>
+          <a:extLst>
+            <a:ext uri="{909E8E84-426E-40DD-AFC4-6F175D3DCCD1}">
+              <a14:hiddenFill xmlns:a14="http://schemas.microsoft.com/office/drawing/2010/main">
+                <a:solidFill>
+                  <a:srgbClr val="FFFFFF"/>
+                </a:solidFill>
+              </a14:hiddenFill>
+            </a:ext>
+          </a:extLst>
+        </p:spPr>
+      </p:pic>
+      <p:pic>
+        <p:nvPicPr>
+          <p:cNvPr id="1032" name="Picture 8" descr="Картинки по запросу postgresql 9.5 logo">
+            <a:extLst>
+              <a:ext uri="{FF2B5EF4-FFF2-40B4-BE49-F238E27FC236}">
+                <a16:creationId xmlns:a16="http://schemas.microsoft.com/office/drawing/2014/main" xmlns="" id="{3ECD406A-7FCA-450D-8228-497295C73D27}"/>
+              </a:ext>
+            </a:extLst>
+          </p:cNvPr>
+          <p:cNvPicPr>
+            <a:picLocks noChangeAspect="1" noChangeArrowheads="1"/>
+          </p:cNvPicPr>
+          <p:nvPr/>
+        </p:nvPicPr>
+        <p:blipFill>
+          <a:blip r:embed="rId5">
+            <a:extLst>
+              <a:ext uri="{28A0092B-C50C-407E-A947-70E740481C1C}">
+                <a14:useLocalDpi xmlns:a14="http://schemas.microsoft.com/office/drawing/2010/main" val="0"/>
+              </a:ext>
+            </a:extLst>
+          </a:blip>
+          <a:srcRect/>
+          <a:stretch>
+            <a:fillRect/>
+          </a:stretch>
+        </p:blipFill>
+        <p:spPr bwMode="auto">
+          <a:xfrm>
+            <a:off x="1124110" y="5327230"/>
+            <a:ext cx="3046652" cy="1114204"/>
+          </a:xfrm>
+          <a:prstGeom prst="rect">
+            <a:avLst/>
+          </a:prstGeom>
+          <a:noFill/>
+          <a:extLst>
+            <a:ext uri="{909E8E84-426E-40DD-AFC4-6F175D3DCCD1}">
+              <a14:hiddenFill xmlns:a14="http://schemas.microsoft.com/office/drawing/2010/main">
+                <a:solidFill>
+                  <a:srgbClr val="FFFFFF"/>
+                </a:solidFill>
+              </a14:hiddenFill>
+            </a:ext>
+          </a:extLst>
+        </p:spPr>
+      </p:pic>
+      <p:pic>
+        <p:nvPicPr>
+          <p:cNvPr id="1034" name="Picture 10" descr="Картинки по запросу python logo">
+            <a:extLst>
+              <a:ext uri="{FF2B5EF4-FFF2-40B4-BE49-F238E27FC236}">
+                <a16:creationId xmlns:a16="http://schemas.microsoft.com/office/drawing/2014/main" xmlns="" id="{51419B93-0D26-4CAE-A7C8-E30AB18B17CD}"/>
+              </a:ext>
+            </a:extLst>
+          </p:cNvPr>
+          <p:cNvPicPr>
+            <a:picLocks noChangeAspect="1" noChangeArrowheads="1"/>
+          </p:cNvPicPr>
+          <p:nvPr/>
+        </p:nvPicPr>
+        <p:blipFill>
+          <a:blip r:embed="rId6">
+            <a:extLst>
+              <a:ext uri="{28A0092B-C50C-407E-A947-70E740481C1C}">
+                <a14:useLocalDpi xmlns:a14="http://schemas.microsoft.com/office/drawing/2010/main" val="0"/>
+              </a:ext>
+            </a:extLst>
+          </a:blip>
+          <a:srcRect/>
+          <a:stretch>
+            <a:fillRect/>
+          </a:stretch>
+        </p:blipFill>
+        <p:spPr bwMode="auto">
+          <a:xfrm>
+            <a:off x="6986728" y="5263365"/>
+            <a:ext cx="3662740" cy="1237165"/>
+          </a:xfrm>
+          <a:prstGeom prst="rect">
+            <a:avLst/>
+          </a:prstGeom>
+          <a:noFill/>
+          <a:extLst>
+            <a:ext uri="{909E8E84-426E-40DD-AFC4-6F175D3DCCD1}">
+              <a14:hiddenFill xmlns:a14="http://schemas.microsoft.com/office/drawing/2010/main">
+                <a:solidFill>
+                  <a:srgbClr val="FFFFFF"/>
+                </a:solidFill>
+              </a14:hiddenFill>
+            </a:ext>
+          </a:extLst>
+        </p:spPr>
+      </p:pic>
+    </p:spTree>
+    <p:extLst>
+      <p:ext uri="{BB962C8B-B14F-4D97-AF65-F5344CB8AC3E}">
+        <p14:creationId xmlns:p14="http://schemas.microsoft.com/office/powerpoint/2010/main" val="3309981954"/>
+      </p:ext>
+    </p:extLst>
+  </p:cSld>
+  <p:clrMapOvr>
+    <a:masterClrMapping/>
+  </p:clrMapOvr>
+  <p:timing>
+    <p:tnLst>
+      <p:par>
+        <p:cTn id="1" dur="indefinite" restart="never" nodeType="tmRoot"/>
+      </p:par>
+    </p:tnLst>
+  </p:timing>
+</p:sld>
+</file>
+
+<file path=ppt/slides/slide12.xml><?xml version="1.0" encoding="utf-8"?>
+<p:sld xmlns:a="http://schemas.openxmlformats.org/drawingml/2006/main" xmlns:r="http://schemas.openxmlformats.org/officeDocument/2006/relationships" xmlns:p="http://schemas.openxmlformats.org/presentationml/2006/main">
+  <p:cSld>
+    <p:spTree>
+      <p:nvGrpSpPr>
+        <p:cNvPr id="1" name=""/>
+        <p:cNvGrpSpPr/>
+        <p:nvPr/>
+      </p:nvGrpSpPr>
+      <p:grpSpPr>
+        <a:xfrm>
+          <a:off x="0" y="0"/>
+          <a:ext cx="0" cy="0"/>
+          <a:chOff x="0" y="0"/>
+          <a:chExt cx="0" cy="0"/>
+        </a:xfrm>
+      </p:grpSpPr>
+      <p:sp>
+        <p:nvSpPr>
+          <p:cNvPr id="2" name="Заголовок 1">
+            <a:extLst>
+              <a:ext uri="{FF2B5EF4-FFF2-40B4-BE49-F238E27FC236}">
+                <a16:creationId xmlns:a16="http://schemas.microsoft.com/office/drawing/2014/main" xmlns="" id="{7C40EFF8-85D0-4D1F-80A0-E53BE3B6770F}"/>
+              </a:ext>
+            </a:extLst>
+          </p:cNvPr>
+          <p:cNvSpPr>
+            <a:spLocks noGrp="1"/>
+          </p:cNvSpPr>
+          <p:nvPr>
+            <p:ph type="title"/>
+          </p:nvPr>
+        </p:nvSpPr>
+        <p:spPr/>
+        <p:txBody>
+          <a:bodyPr/>
+          <a:lstStyle/>
+          <a:p>
+            <a:pPr algn="ctr"/>
+            <a:r>
+              <a:rPr lang="ru-RU" dirty="0"/>
+              <a:t>Техническая реализация</a:t>
+            </a:r>
+            <a:r>
+              <a:rPr lang="en-US" dirty="0"/>
+              <a:t>/</a:t>
+            </a:r>
+            <a:r>
+              <a:rPr lang="ru-RU" dirty="0"/>
+              <a:t>поддержка устройств</a:t>
+            </a:r>
+          </a:p>
+        </p:txBody>
+      </p:sp>
+      <p:sp>
+        <p:nvSpPr>
+          <p:cNvPr id="3" name="Объект 2">
+            <a:extLst>
+              <a:ext uri="{FF2B5EF4-FFF2-40B4-BE49-F238E27FC236}">
+                <a16:creationId xmlns:a16="http://schemas.microsoft.com/office/drawing/2014/main" xmlns="" id="{D68896F1-0511-40A6-9975-DD7802AA912C}"/>
+              </a:ext>
+            </a:extLst>
+          </p:cNvPr>
+          <p:cNvSpPr>
+            <a:spLocks noGrp="1"/>
+          </p:cNvSpPr>
+          <p:nvPr>
+            <p:ph idx="1"/>
+          </p:nvPr>
+        </p:nvSpPr>
+        <p:spPr>
+          <a:xfrm>
+            <a:off x="1053434" y="2603499"/>
+            <a:ext cx="10085132" cy="4254501"/>
+          </a:xfrm>
+        </p:spPr>
+        <p:txBody>
+          <a:bodyPr>
+            <a:normAutofit/>
+          </a:bodyPr>
+          <a:lstStyle/>
+          <a:p>
+            <a:pPr algn="just"/>
+            <a:r>
+              <a:rPr lang="ru-RU" sz="2000" dirty="0"/>
+              <a:t>Управляющая часть (НС, веб-сервер, СУБД)  расположена на одноплатном компьютере</a:t>
+            </a:r>
+            <a:r>
+              <a:rPr lang="en-US" sz="2000" dirty="0"/>
+              <a:t> – </a:t>
+            </a:r>
+            <a:r>
+              <a:rPr lang="en-US" sz="2000" b="1" dirty="0"/>
+              <a:t>Orange Pi PC. </a:t>
+            </a:r>
+            <a:r>
+              <a:rPr lang="ru-RU" sz="2000" dirty="0"/>
+              <a:t>Это позволяет реализовать ПО с расчетом на экономию ресурсов.</a:t>
+            </a:r>
+          </a:p>
+          <a:p>
+            <a:pPr algn="just"/>
+            <a:r>
+              <a:rPr lang="ru-RU" sz="2000" dirty="0"/>
+              <a:t>В качестве измерительных и управляющих (физически) элементов используются следующие устройства </a:t>
+            </a:r>
+            <a:r>
+              <a:rPr lang="en-US" sz="2000" dirty="0"/>
+              <a:t>Arduino</a:t>
+            </a:r>
+            <a:r>
+              <a:rPr lang="ru-RU" sz="2000" dirty="0"/>
+              <a:t>:</a:t>
+            </a:r>
+          </a:p>
+          <a:p>
+            <a:pPr marL="360363" indent="0" algn="just">
+              <a:buFont typeface="Wingdings" panose="05000000000000000000" pitchFamily="2" charset="2"/>
+              <a:buChar char="v"/>
+            </a:pPr>
+            <a:r>
+              <a:rPr lang="en-US" sz="2000" dirty="0"/>
+              <a:t>DHT </a:t>
+            </a:r>
+            <a:r>
+              <a:rPr lang="ru-RU" sz="2000" dirty="0"/>
+              <a:t>или </a:t>
+            </a:r>
+            <a:r>
+              <a:rPr lang="en-US" sz="2000" dirty="0"/>
+              <a:t>BMP/BME</a:t>
+            </a:r>
+            <a:r>
+              <a:rPr lang="ru-RU" sz="2000" dirty="0"/>
+              <a:t> – датчики температуры;</a:t>
+            </a:r>
+          </a:p>
+          <a:p>
+            <a:pPr marL="360363" indent="0" algn="just">
+              <a:buFont typeface="Wingdings" panose="05000000000000000000" pitchFamily="2" charset="2"/>
+              <a:buChar char="v"/>
+            </a:pPr>
+            <a:r>
+              <a:rPr lang="en-US" sz="2000" dirty="0"/>
+              <a:t>PIR</a:t>
+            </a:r>
+            <a:r>
+              <a:rPr lang="ru-RU" sz="2000" dirty="0"/>
+              <a:t> - датчики движения;</a:t>
+            </a:r>
+          </a:p>
+          <a:p>
+            <a:pPr marL="360363" indent="0" algn="just">
+              <a:buFont typeface="Wingdings" panose="05000000000000000000" pitchFamily="2" charset="2"/>
+              <a:buChar char="v"/>
+            </a:pPr>
+            <a:r>
+              <a:rPr lang="ru-RU" sz="2000" dirty="0"/>
+              <a:t>Двигатели, </a:t>
+            </a:r>
+            <a:r>
+              <a:rPr lang="en-US" sz="2000" dirty="0"/>
+              <a:t>motor</a:t>
+            </a:r>
+            <a:r>
+              <a:rPr lang="ru-RU" sz="2000" dirty="0"/>
+              <a:t> </a:t>
+            </a:r>
+            <a:r>
+              <a:rPr lang="en-US" sz="2000" dirty="0"/>
+              <a:t>shield – </a:t>
+            </a:r>
+            <a:r>
+              <a:rPr lang="ru-RU" sz="2000" dirty="0"/>
+              <a:t>управление задвижками;</a:t>
+            </a:r>
+          </a:p>
+          <a:p>
+            <a:pPr marL="360363" indent="0" algn="just">
+              <a:buFont typeface="Wingdings" panose="05000000000000000000" pitchFamily="2" charset="2"/>
+              <a:buChar char="v"/>
+            </a:pPr>
+            <a:r>
+              <a:rPr lang="en-US" sz="2000" dirty="0"/>
+              <a:t>ESP</a:t>
+            </a:r>
+            <a:r>
+              <a:rPr lang="ru-RU" sz="2000" dirty="0"/>
+              <a:t>8266</a:t>
+            </a:r>
+            <a:r>
+              <a:rPr lang="en-US" sz="2000" dirty="0"/>
+              <a:t> –</a:t>
+            </a:r>
+            <a:r>
+              <a:rPr lang="ru-RU" sz="2000" dirty="0"/>
+              <a:t> </a:t>
+            </a:r>
+            <a:r>
+              <a:rPr lang="en-US" sz="2000" dirty="0"/>
+              <a:t>wi-fi </a:t>
+            </a:r>
+            <a:r>
+              <a:rPr lang="ru-RU" sz="2000" dirty="0"/>
+              <a:t>контроллер для передачи и первоначальной обработки данных.</a:t>
+            </a:r>
+          </a:p>
+        </p:txBody>
+      </p:sp>
+    </p:spTree>
+    <p:extLst>
+      <p:ext uri="{BB962C8B-B14F-4D97-AF65-F5344CB8AC3E}">
+        <p14:creationId xmlns:p14="http://schemas.microsoft.com/office/powerpoint/2010/main" val="3153494820"/>
+      </p:ext>
+    </p:extLst>
+  </p:cSld>
+  <p:clrMapOvr>
+    <a:masterClrMapping/>
+  </p:clrMapOvr>
+  <p:timing>
+    <p:tnLst>
+      <p:par>
+        <p:cTn id="1" dur="indefinite" restart="never" nodeType="tmRoot"/>
+      </p:par>
+    </p:tnLst>
+  </p:timing>
+</p:sld>
+</file>
+
+<file path=ppt/slides/slide13.xml><?xml version="1.0" encoding="utf-8"?>
+<p:sld xmlns:a="http://schemas.openxmlformats.org/drawingml/2006/main" xmlns:r="http://schemas.openxmlformats.org/officeDocument/2006/relationships" xmlns:p="http://schemas.openxmlformats.org/presentationml/2006/main">
+  <p:cSld>
+    <p:spTree>
+      <p:nvGrpSpPr>
+        <p:cNvPr id="1" name=""/>
+        <p:cNvGrpSpPr/>
+        <p:nvPr/>
+      </p:nvGrpSpPr>
+      <p:grpSpPr>
+        <a:xfrm>
+          <a:off x="0" y="0"/>
+          <a:ext cx="0" cy="0"/>
+          <a:chOff x="0" y="0"/>
+          <a:chExt cx="0" cy="0"/>
+        </a:xfrm>
+      </p:grpSpPr>
+      <p:sp>
+        <p:nvSpPr>
+          <p:cNvPr id="2" name="Заголовок 1">
+            <a:extLst>
+              <a:ext uri="{FF2B5EF4-FFF2-40B4-BE49-F238E27FC236}">
+                <a16:creationId xmlns:a16="http://schemas.microsoft.com/office/drawing/2014/main" xmlns="" id="{BD7F5098-EF74-44EE-9BD1-19A65926B605}"/>
               </a:ext>
             </a:extLst>
           </p:cNvPr>
@@ -13712,7 +14899,7 @@
           <p:cNvPr id="8" name="Объект 7">
             <a:extLst>
               <a:ext uri="{FF2B5EF4-FFF2-40B4-BE49-F238E27FC236}">
-                <a16:creationId xmlns:a16="http://schemas.microsoft.com/office/drawing/2014/main" id="{D1DF4AFA-8037-4928-AB2B-238597ABA7F1}"/>
+                <a16:creationId xmlns:a16="http://schemas.microsoft.com/office/drawing/2014/main" xmlns="" id="{D1DF4AFA-8037-4928-AB2B-238597ABA7F1}"/>
               </a:ext>
             </a:extLst>
           </p:cNvPr>
@@ -13731,7 +14918,7 @@
         </p:blipFill>
         <p:spPr>
           <a:xfrm>
-            <a:off x="0" y="1090169"/>
+            <a:off x="1396401" y="1208153"/>
             <a:ext cx="9399198" cy="4486171"/>
           </a:xfrm>
           <a:prstGeom prst="rect">
@@ -13744,7 +14931,7 @@
           <p:cNvPr id="9" name="TextBox 8">
             <a:extLst>
               <a:ext uri="{FF2B5EF4-FFF2-40B4-BE49-F238E27FC236}">
-                <a16:creationId xmlns:a16="http://schemas.microsoft.com/office/drawing/2014/main" id="{C097CCDC-9A2F-459B-9362-C3AEB9188317}"/>
+                <a16:creationId xmlns:a16="http://schemas.microsoft.com/office/drawing/2014/main" xmlns="" id="{C097CCDC-9A2F-459B-9362-C3AEB9188317}"/>
               </a:ext>
             </a:extLst>
           </p:cNvPr>
@@ -13753,8 +14940,8 @@
         </p:nvSpPr>
         <p:spPr>
           <a:xfrm>
-            <a:off x="9248931" y="1933731"/>
-            <a:ext cx="2808157" cy="2862322"/>
+            <a:off x="1266750" y="5340607"/>
+            <a:ext cx="9658501" cy="1200329"/>
           </a:xfrm>
           <a:prstGeom prst="rect">
             <a:avLst/>
@@ -13806,6 +14993,13 @@
   <p:clrMapOvr>
     <a:masterClrMapping/>
   </p:clrMapOvr>
+  <p:timing>
+    <p:tnLst>
+      <p:par>
+        <p:cTn id="1" dur="indefinite" restart="never" nodeType="tmRoot"/>
+      </p:par>
+    </p:tnLst>
+  </p:timing>
 </p:sld>
 </file>
 
@@ -13831,7 +15025,7 @@
           <p:cNvPr id="2" name="Заголовок 1">
             <a:extLst>
               <a:ext uri="{FF2B5EF4-FFF2-40B4-BE49-F238E27FC236}">
-                <a16:creationId xmlns:a16="http://schemas.microsoft.com/office/drawing/2014/main" id="{C5FBDF4D-D35D-46EF-ACB0-763A5E332E5C}"/>
+                <a16:creationId xmlns:a16="http://schemas.microsoft.com/office/drawing/2014/main" xmlns="" id="{C5FBDF4D-D35D-46EF-ACB0-763A5E332E5C}"/>
               </a:ext>
             </a:extLst>
           </p:cNvPr>
@@ -13849,9 +15043,18 @@
           <a:p>
             <a:pPr algn="ctr"/>
             <a:r>
-              <a:rPr lang="ru-RU" dirty="0"/>
-              <a:t>Места учебы представителей команды</a:t>
-            </a:r>
+              <a:rPr lang="ru-RU" dirty="0" smtClean="0"/>
+              <a:t>Команда </a:t>
+            </a:r>
+            <a:r>
+              <a:rPr lang="en-US" dirty="0" smtClean="0"/>
+              <a:t>“Twister Radiator</a:t>
+            </a:r>
+            <a:r>
+              <a:rPr lang="en-US" dirty="0" smtClean="0"/>
+              <a:t>”</a:t>
+            </a:r>
+            <a:endParaRPr lang="ru-RU" dirty="0"/>
           </a:p>
         </p:txBody>
       </p:sp>
@@ -13860,7 +15063,7 @@
           <p:cNvPr id="3" name="Объект 2">
             <a:extLst>
               <a:ext uri="{FF2B5EF4-FFF2-40B4-BE49-F238E27FC236}">
-                <a16:creationId xmlns:a16="http://schemas.microsoft.com/office/drawing/2014/main" id="{9694AABC-1145-4B60-B360-9FD98A57DAB1}"/>
+                <a16:creationId xmlns:a16="http://schemas.microsoft.com/office/drawing/2014/main" xmlns="" id="{9694AABC-1145-4B60-B360-9FD98A57DAB1}"/>
               </a:ext>
             </a:extLst>
           </p:cNvPr>
@@ -13873,8 +15076,8 @@
         </p:nvSpPr>
         <p:spPr>
           <a:xfrm>
-            <a:off x="1122830" y="3429000"/>
-            <a:ext cx="8825659" cy="3416300"/>
+            <a:off x="457200" y="3428999"/>
+            <a:ext cx="11734800" cy="3016045"/>
           </a:xfrm>
         </p:spPr>
         <p:txBody>
@@ -13885,19 +15088,67 @@
           <a:p>
             <a:r>
               <a:rPr lang="ru-RU" sz="2400" dirty="0"/>
-              <a:t>Медведев Д. С. – ИТМО, Санкт-Петербург</a:t>
-            </a:r>
-          </a:p>
-          <a:p>
+              <a:t>Медведев </a:t>
+            </a:r>
+            <a:r>
+              <a:rPr lang="ru-RU" sz="2400" dirty="0" smtClean="0"/>
+              <a:t>Дмитрий Сергеевич </a:t>
+            </a:r>
             <a:r>
               <a:rPr lang="ru-RU" sz="2400" dirty="0"/>
-              <a:t>Игнатов А. Д. – МГУ им. М. В. Ломоносова, Москва</a:t>
-            </a:r>
-          </a:p>
-          <a:p>
+              <a:t>– </a:t>
+            </a:r>
+            <a:r>
+              <a:rPr lang="ru-RU" sz="2400" dirty="0" smtClean="0"/>
+              <a:t>Университет ИТМО</a:t>
+            </a:r>
             <a:r>
               <a:rPr lang="ru-RU" sz="2400" dirty="0"/>
-              <a:t>Рыжов Д. Г. – </a:t>
+              <a:t>, Санкт-Петербург</a:t>
+            </a:r>
+          </a:p>
+          <a:p>
+            <a:r>
+              <a:rPr lang="ru-RU" sz="2400" dirty="0"/>
+              <a:t>Игнатов </a:t>
+            </a:r>
+            <a:r>
+              <a:rPr lang="ru-RU" sz="2400" dirty="0" smtClean="0"/>
+              <a:t>А</a:t>
+            </a:r>
+            <a:r>
+              <a:rPr lang="ru-RU" sz="2400" dirty="0" smtClean="0"/>
+              <a:t>ндрей Дмитриевич</a:t>
+            </a:r>
+            <a:r>
+              <a:rPr lang="ru-RU" sz="2400" dirty="0" smtClean="0"/>
+              <a:t> </a:t>
+            </a:r>
+            <a:r>
+              <a:rPr lang="ru-RU" sz="2400" dirty="0"/>
+              <a:t>– МГУ им. М. В. Ломоносова, Москва</a:t>
+            </a:r>
+          </a:p>
+          <a:p>
+            <a:r>
+              <a:rPr lang="ru-RU" sz="2400" dirty="0"/>
+              <a:t>Рыжов </a:t>
+            </a:r>
+            <a:r>
+              <a:rPr lang="ru-RU" sz="2400" dirty="0" smtClean="0"/>
+              <a:t>Д</a:t>
+            </a:r>
+            <a:r>
+              <a:rPr lang="ru-RU" sz="2400" dirty="0" smtClean="0"/>
+              <a:t>митрий Геннадьевич</a:t>
+            </a:r>
+            <a:r>
+              <a:rPr lang="ru-RU" sz="2400" dirty="0" smtClean="0"/>
+              <a:t> </a:t>
+            </a:r>
+            <a:r>
+              <a:rPr lang="ru-RU" sz="2400" dirty="0"/>
+              <a:t>– </a:t>
             </a:r>
             <a:r>
               <a:rPr lang="ru-RU" sz="2400" dirty="0" err="1"/>
@@ -13920,6 +15171,13 @@
   <p:clrMapOvr>
     <a:masterClrMapping/>
   </p:clrMapOvr>
+  <p:timing>
+    <p:tnLst>
+      <p:par>
+        <p:cTn id="1" dur="indefinite" restart="never" nodeType="tmRoot"/>
+      </p:par>
+    </p:tnLst>
+  </p:timing>
 </p:sld>
 </file>
 
@@ -13945,7 +15203,7 @@
           <p:cNvPr id="2" name="Заголовок 1">
             <a:extLst>
               <a:ext uri="{FF2B5EF4-FFF2-40B4-BE49-F238E27FC236}">
-                <a16:creationId xmlns:a16="http://schemas.microsoft.com/office/drawing/2014/main" id="{7268A71C-E428-46B7-B4BE-DA2E8E9BE6EF}"/>
+                <a16:creationId xmlns:a16="http://schemas.microsoft.com/office/drawing/2014/main" xmlns="" id="{7268A71C-E428-46B7-B4BE-DA2E8E9BE6EF}"/>
               </a:ext>
             </a:extLst>
           </p:cNvPr>
@@ -13964,8 +15222,13 @@
             <a:pPr algn="ctr"/>
             <a:r>
               <a:rPr lang="ru-RU" dirty="0"/>
-              <a:t>Техническое задание (название)</a:t>
-            </a:r>
+              <a:t>Техническое </a:t>
+            </a:r>
+            <a:r>
+              <a:rPr lang="ru-RU" dirty="0" smtClean="0"/>
+              <a:t>задание (название)</a:t>
+            </a:r>
+            <a:endParaRPr lang="ru-RU" dirty="0"/>
           </a:p>
         </p:txBody>
       </p:sp>
@@ -13974,7 +15237,7 @@
           <p:cNvPr id="3" name="Объект 2">
             <a:extLst>
               <a:ext uri="{FF2B5EF4-FFF2-40B4-BE49-F238E27FC236}">
-                <a16:creationId xmlns:a16="http://schemas.microsoft.com/office/drawing/2014/main" id="{C4C87C1D-2FA7-43A3-82F0-27C5516DA9F0}"/>
+                <a16:creationId xmlns:a16="http://schemas.microsoft.com/office/drawing/2014/main" xmlns="" id="{C4C87C1D-2FA7-43A3-82F0-27C5516DA9F0}"/>
               </a:ext>
             </a:extLst>
           </p:cNvPr>
@@ -13997,46 +15260,81 @@
           </a:bodyPr>
           <a:lstStyle/>
           <a:p>
-            <a:pPr marL="0" indent="0">
+            <a:pPr marL="0" indent="0" algn="ctr">
               <a:buNone/>
             </a:pPr>
             <a:r>
-              <a:rPr lang="ru-RU" sz="3600" b="1" dirty="0"/>
-              <a:t>Трек</a:t>
-            </a:r>
-            <a:r>
-              <a:rPr lang="ru-RU" sz="3600" dirty="0"/>
-              <a:t> – «Умный дом»</a:t>
-            </a:r>
-          </a:p>
-          <a:p>
-            <a:pPr marL="0" indent="0">
+              <a:rPr lang="ru-RU" sz="2800" dirty="0" smtClean="0"/>
+              <a:t>Тематический трек </a:t>
+            </a:r>
+            <a:r>
+              <a:rPr lang="ru-RU" sz="2800" b="1" dirty="0" smtClean="0"/>
+              <a:t>«Умный </a:t>
+            </a:r>
+            <a:r>
+              <a:rPr lang="ru-RU" sz="2800" b="1" dirty="0"/>
+              <a:t>дом»</a:t>
+            </a:r>
+          </a:p>
+          <a:p>
+            <a:pPr marL="0" indent="0" algn="ctr">
               <a:buNone/>
             </a:pPr>
             <a:r>
-              <a:rPr lang="ru-RU" sz="3600" b="1" dirty="0"/>
+              <a:rPr lang="ru-RU" sz="2800" dirty="0" smtClean="0"/>
               <a:t>Кейс</a:t>
             </a:r>
             <a:r>
-              <a:rPr lang="ru-RU" sz="3600" dirty="0"/>
-              <a:t> – «Нейронная сеть </a:t>
-            </a:r>
-            <a:r>
-              <a:rPr lang="en-US" sz="3600" dirty="0"/>
+              <a:rPr lang="ru-RU" sz="2800" dirty="0"/>
+              <a:t>:</a:t>
+            </a:r>
+            <a:r>
+              <a:rPr lang="ru-RU" sz="2800" dirty="0" smtClean="0"/>
+              <a:t> </a:t>
+            </a:r>
+            <a:r>
+              <a:rPr lang="ru-RU" sz="2800" b="1" dirty="0"/>
+              <a:t>«Нейронная сеть </a:t>
+            </a:r>
+            <a:r>
+              <a:rPr lang="en-US" sz="2800" b="1" dirty="0"/>
               <a:t>“</a:t>
             </a:r>
             <a:r>
-              <a:rPr lang="ru-RU" sz="3600" dirty="0"/>
+              <a:rPr lang="ru-RU" sz="2800" b="1" dirty="0"/>
               <a:t>Умного дома</a:t>
             </a:r>
             <a:r>
-              <a:rPr lang="en-US" sz="3600" dirty="0"/>
+              <a:rPr lang="en-US" sz="2800" b="1" dirty="0"/>
               <a:t>”</a:t>
             </a:r>
             <a:r>
-              <a:rPr lang="ru-RU" sz="3600" dirty="0"/>
+              <a:rPr lang="ru-RU" sz="2800" b="1" dirty="0" smtClean="0"/>
               <a:t>»</a:t>
             </a:r>
+          </a:p>
+          <a:p>
+            <a:pPr marL="0" indent="0" algn="ctr">
+              <a:buNone/>
+            </a:pPr>
+            <a:r>
+              <a:rPr lang="ru-RU" sz="3600" b="1" dirty="0" smtClean="0"/>
+              <a:t>Климат умного дома</a:t>
+            </a:r>
+          </a:p>
+          <a:p>
+            <a:pPr marL="0" indent="0" algn="ctr">
+              <a:buNone/>
+            </a:pPr>
+            <a:r>
+              <a:rPr lang="ru-RU" sz="3600" b="1" dirty="0" smtClean="0"/>
+              <a:t>(</a:t>
+            </a:r>
+            <a:r>
+              <a:rPr lang="en-US" sz="3600" b="1" dirty="0" smtClean="0"/>
+              <a:t>Smart Thermostat)</a:t>
+            </a:r>
+            <a:endParaRPr lang="ru-RU" sz="3600" b="1" dirty="0"/>
           </a:p>
         </p:txBody>
       </p:sp>
@@ -14050,6 +15348,13 @@
   <p:clrMapOvr>
     <a:masterClrMapping/>
   </p:clrMapOvr>
+  <p:timing>
+    <p:tnLst>
+      <p:par>
+        <p:cTn id="1" dur="indefinite" restart="never" nodeType="tmRoot"/>
+      </p:par>
+    </p:tnLst>
+  </p:timing>
 </p:sld>
 </file>
 
@@ -14072,58 +15377,168 @@
       </p:grpSpPr>
       <p:sp>
         <p:nvSpPr>
-          <p:cNvPr id="2" name="Заголовок 1">
+          <p:cNvPr id="4" name="Заголовок 1">
             <a:extLst>
               <a:ext uri="{FF2B5EF4-FFF2-40B4-BE49-F238E27FC236}">
-                <a16:creationId xmlns:a16="http://schemas.microsoft.com/office/drawing/2014/main" id="{6D07389E-77BD-49D5-BF60-4806B534630F}"/>
+                <a16:creationId xmlns:a16="http://schemas.microsoft.com/office/drawing/2014/main" xmlns="" id="{BD7F5098-EF74-44EE-9BD1-19A65926B605}"/>
               </a:ext>
             </a:extLst>
           </p:cNvPr>
-          <p:cNvSpPr>
-            <a:spLocks noGrp="1"/>
+          <p:cNvSpPr txBox="1">
+            <a:spLocks/>
           </p:cNvSpPr>
-          <p:nvPr>
-            <p:ph type="title"/>
-          </p:nvPr>
+          <p:nvPr/>
         </p:nvSpPr>
-        <p:spPr/>
+        <p:spPr bwMode="gray">
+          <a:xfrm>
+            <a:off x="1" y="177983"/>
+            <a:ext cx="12192000" cy="708025"/>
+          </a:xfrm>
+          <a:prstGeom prst="rect">
+            <a:avLst/>
+          </a:prstGeom>
+        </p:spPr>
         <p:txBody>
-          <a:bodyPr/>
-          <a:lstStyle/>
+          <a:bodyPr vert="horz" lIns="91440" tIns="45720" rIns="91440" bIns="45720" rtlCol="0" anchor="ctr">
+            <a:noAutofit/>
+          </a:bodyPr>
+          <a:lstStyle>
+            <a:lvl1pPr algn="l" defTabSz="457200" rtl="0" eaLnBrk="1" latinLnBrk="0" hangingPunct="1">
+              <a:spcBef>
+                <a:spcPct val="0"/>
+              </a:spcBef>
+              <a:buNone/>
+              <a:defRPr sz="3600" b="0" i="0" kern="1200">
+                <a:solidFill>
+                  <a:schemeClr val="bg2"/>
+                </a:solidFill>
+                <a:latin typeface="+mj-lt"/>
+                <a:ea typeface="+mj-ea"/>
+                <a:cs typeface="+mj-cs"/>
+              </a:defRPr>
+            </a:lvl1pPr>
+            <a:lvl2pPr eaLnBrk="1" hangingPunct="1">
+              <a:defRPr>
+                <a:solidFill>
+                  <a:schemeClr val="tx2"/>
+                </a:solidFill>
+              </a:defRPr>
+            </a:lvl2pPr>
+            <a:lvl3pPr eaLnBrk="1" hangingPunct="1">
+              <a:defRPr>
+                <a:solidFill>
+                  <a:schemeClr val="tx2"/>
+                </a:solidFill>
+              </a:defRPr>
+            </a:lvl3pPr>
+            <a:lvl4pPr eaLnBrk="1" hangingPunct="1">
+              <a:defRPr>
+                <a:solidFill>
+                  <a:schemeClr val="tx2"/>
+                </a:solidFill>
+              </a:defRPr>
+            </a:lvl4pPr>
+            <a:lvl5pPr eaLnBrk="1" hangingPunct="1">
+              <a:defRPr>
+                <a:solidFill>
+                  <a:schemeClr val="tx2"/>
+                </a:solidFill>
+              </a:defRPr>
+            </a:lvl5pPr>
+            <a:lvl6pPr eaLnBrk="1" hangingPunct="1">
+              <a:defRPr>
+                <a:solidFill>
+                  <a:schemeClr val="tx2"/>
+                </a:solidFill>
+              </a:defRPr>
+            </a:lvl6pPr>
+            <a:lvl7pPr eaLnBrk="1" hangingPunct="1">
+              <a:defRPr>
+                <a:solidFill>
+                  <a:schemeClr val="tx2"/>
+                </a:solidFill>
+              </a:defRPr>
+            </a:lvl7pPr>
+            <a:lvl8pPr eaLnBrk="1" hangingPunct="1">
+              <a:defRPr>
+                <a:solidFill>
+                  <a:schemeClr val="tx2"/>
+                </a:solidFill>
+              </a:defRPr>
+            </a:lvl8pPr>
+            <a:lvl9pPr eaLnBrk="1" hangingPunct="1">
+              <a:defRPr>
+                <a:solidFill>
+                  <a:schemeClr val="tx2"/>
+                </a:solidFill>
+              </a:defRPr>
+            </a:lvl9pPr>
+          </a:lstStyle>
           <a:p>
             <a:pPr algn="ctr"/>
             <a:r>
-              <a:rPr lang="ru-RU" dirty="0"/>
-              <a:t>Описание концепции проекта</a:t>
-            </a:r>
+              <a:rPr lang="ru-RU" dirty="0" smtClean="0">
+                <a:solidFill>
+                  <a:schemeClr val="tx1">
+                    <a:lumMod val="75000"/>
+                    <a:lumOff val="25000"/>
+                  </a:schemeClr>
+                </a:solidFill>
+              </a:rPr>
+              <a:t>Основная концепция проекта</a:t>
+            </a:r>
+            <a:endParaRPr lang="ru-RU" dirty="0">
+              <a:solidFill>
+                <a:schemeClr val="tx1">
+                  <a:lumMod val="75000"/>
+                  <a:lumOff val="25000"/>
+                </a:schemeClr>
+              </a:solidFill>
+            </a:endParaRPr>
           </a:p>
         </p:txBody>
       </p:sp>
-      <p:sp>
-        <p:nvSpPr>
-          <p:cNvPr id="3" name="Объект 2">
+      <p:pic>
+        <p:nvPicPr>
+          <p:cNvPr id="1027" name="Picture 3" descr="F:\общая схема.png"/>
+          <p:cNvPicPr>
+            <a:picLocks noChangeAspect="1" noChangeArrowheads="1"/>
+          </p:cNvPicPr>
+          <p:nvPr/>
+        </p:nvPicPr>
+        <p:blipFill>
+          <a:blip r:embed="rId2">
             <a:extLst>
-              <a:ext uri="{FF2B5EF4-FFF2-40B4-BE49-F238E27FC236}">
-                <a16:creationId xmlns:a16="http://schemas.microsoft.com/office/drawing/2014/main" id="{F45DDD9B-4512-46F4-B441-E6046A559AE9}"/>
+              <a:ext uri="{28A0092B-C50C-407E-A947-70E740481C1C}">
+                <a14:useLocalDpi xmlns:a14="http://schemas.microsoft.com/office/drawing/2010/main" val="0"/>
               </a:ext>
             </a:extLst>
-          </p:cNvPr>
-          <p:cNvSpPr>
-            <a:spLocks noGrp="1"/>
-          </p:cNvSpPr>
-          <p:nvPr>
-            <p:ph idx="1"/>
-          </p:nvPr>
-        </p:nvSpPr>
-        <p:spPr/>
-        <p:txBody>
-          <a:bodyPr/>
-          <a:lstStyle/>
-          <a:p>
-            <a:endParaRPr lang="ru-RU"/>
-          </a:p>
-        </p:txBody>
-      </p:sp>
+          </a:blip>
+          <a:srcRect/>
+          <a:stretch>
+            <a:fillRect/>
+          </a:stretch>
+        </p:blipFill>
+        <p:spPr bwMode="auto">
+          <a:xfrm>
+            <a:off x="1347788" y="1060450"/>
+            <a:ext cx="9496425" cy="5387975"/>
+          </a:xfrm>
+          <a:prstGeom prst="rect">
+            <a:avLst/>
+          </a:prstGeom>
+          <a:noFill/>
+          <a:extLst>
+            <a:ext uri="{909E8E84-426E-40DD-AFC4-6F175D3DCCD1}">
+              <a14:hiddenFill xmlns:a14="http://schemas.microsoft.com/office/drawing/2010/main">
+                <a:solidFill>
+                  <a:srgbClr val="FFFFFF"/>
+                </a:solidFill>
+              </a14:hiddenFill>
+            </a:ext>
+          </a:extLst>
+        </p:spPr>
+      </p:pic>
     </p:spTree>
     <p:extLst>
       <p:ext uri="{BB962C8B-B14F-4D97-AF65-F5344CB8AC3E}">
@@ -14134,6 +15549,13 @@
   <p:clrMapOvr>
     <a:masterClrMapping/>
   </p:clrMapOvr>
+  <p:timing>
+    <p:tnLst>
+      <p:par>
+        <p:cTn id="1" dur="indefinite" restart="never" nodeType="tmRoot"/>
+      </p:par>
+    </p:tnLst>
+  </p:timing>
 </p:sld>
 </file>
 
@@ -14169,11 +15591,264 @@
           <a:bodyPr/>
           <a:lstStyle/>
           <a:p>
-            <a:pPr algn="ctr"/>
-            <a:r>
-              <a:rPr lang="ru-RU" dirty="0"/>
-              <a:t>Задание «Комфорт»</a:t>
-            </a:r>
+            <a:r>
+              <a:rPr lang="ru-RU" dirty="0" smtClean="0"/>
+              <a:t>Особенности концепции</a:t>
+            </a:r>
+            <a:endParaRPr lang="ru-RU" dirty="0"/>
+          </a:p>
+        </p:txBody>
+      </p:sp>
+      <p:sp>
+        <p:nvSpPr>
+          <p:cNvPr id="7" name="Объект 6"/>
+          <p:cNvSpPr>
+            <a:spLocks noGrp="1"/>
+          </p:cNvSpPr>
+          <p:nvPr>
+            <p:ph idx="1"/>
+          </p:nvPr>
+        </p:nvSpPr>
+        <p:spPr>
+          <a:xfrm>
+            <a:off x="1154954" y="2603500"/>
+            <a:ext cx="10053820" cy="3416300"/>
+          </a:xfrm>
+        </p:spPr>
+        <p:txBody>
+          <a:bodyPr>
+            <a:normAutofit/>
+          </a:bodyPr>
+          <a:lstStyle/>
+          <a:p>
+            <a:r>
+              <a:rPr lang="ru-RU" sz="2400" dirty="0" smtClean="0"/>
+              <a:t>Гибкость – систему можно подстроить под Умный Дом с любой конфигурацией комнат и датчиков.</a:t>
+            </a:r>
+          </a:p>
+          <a:p>
+            <a:r>
+              <a:rPr lang="ru-RU" sz="2400" dirty="0" smtClean="0"/>
+              <a:t>Переносимость – система работает на популярных платформах и может быть развёрнута на любом домашнем сервере под управлением *</a:t>
+            </a:r>
+            <a:r>
+              <a:rPr lang="en-US" sz="2400" dirty="0" smtClean="0"/>
+              <a:t>NIX</a:t>
+            </a:r>
+            <a:r>
+              <a:rPr lang="ru-RU" sz="2400" dirty="0" smtClean="0"/>
+              <a:t>-подобной системы.</a:t>
+            </a:r>
+          </a:p>
+          <a:p>
+            <a:r>
+              <a:rPr lang="ru-RU" sz="2400" dirty="0" smtClean="0"/>
+              <a:t>Простота использования – для доступа к инструментам системы нужен только браузер.</a:t>
+            </a:r>
+          </a:p>
+        </p:txBody>
+      </p:sp>
+    </p:spTree>
+    <p:extLst>
+      <p:ext uri="{BB962C8B-B14F-4D97-AF65-F5344CB8AC3E}">
+        <p14:creationId xmlns:p14="http://schemas.microsoft.com/office/powerpoint/2010/main" val="2778394215"/>
+      </p:ext>
+    </p:extLst>
+  </p:cSld>
+  <p:clrMapOvr>
+    <a:masterClrMapping/>
+  </p:clrMapOvr>
+  <p:timing>
+    <p:tnLst>
+      <p:par>
+        <p:cTn id="1" dur="indefinite" restart="never" nodeType="tmRoot"/>
+      </p:par>
+    </p:tnLst>
+  </p:timing>
+</p:sld>
+</file>
+
+<file path=ppt/slides/slide6.xml><?xml version="1.0" encoding="utf-8"?>
+<p:sld xmlns:a="http://schemas.openxmlformats.org/drawingml/2006/main" xmlns:r="http://schemas.openxmlformats.org/officeDocument/2006/relationships" xmlns:p="http://schemas.openxmlformats.org/presentationml/2006/main">
+  <p:cSld>
+    <p:spTree>
+      <p:nvGrpSpPr>
+        <p:cNvPr id="1" name=""/>
+        <p:cNvGrpSpPr/>
+        <p:nvPr/>
+      </p:nvGrpSpPr>
+      <p:grpSpPr>
+        <a:xfrm>
+          <a:off x="0" y="0"/>
+          <a:ext cx="0" cy="0"/>
+          <a:chOff x="0" y="0"/>
+          <a:chExt cx="0" cy="0"/>
+        </a:xfrm>
+      </p:grpSpPr>
+      <p:sp>
+        <p:nvSpPr>
+          <p:cNvPr id="2" name="Заголовок 1"/>
+          <p:cNvSpPr>
+            <a:spLocks noGrp="1"/>
+          </p:cNvSpPr>
+          <p:nvPr>
+            <p:ph type="title"/>
+          </p:nvPr>
+        </p:nvSpPr>
+        <p:spPr/>
+        <p:txBody>
+          <a:bodyPr/>
+          <a:lstStyle/>
+          <a:p>
+            <a:r>
+              <a:rPr lang="ru-RU" dirty="0" smtClean="0"/>
+              <a:t>Состав Модуля Нейронной Сети</a:t>
+            </a:r>
+            <a:endParaRPr lang="ru-RU" dirty="0"/>
+          </a:p>
+        </p:txBody>
+      </p:sp>
+      <p:sp>
+        <p:nvSpPr>
+          <p:cNvPr id="3" name="TextBox 2"/>
+          <p:cNvSpPr txBox="1"/>
+          <p:nvPr/>
+        </p:nvSpPr>
+        <p:spPr>
+          <a:xfrm>
+            <a:off x="804434" y="2807108"/>
+            <a:ext cx="2165978" cy="523220"/>
+          </a:xfrm>
+          <a:prstGeom prst="rect">
+            <a:avLst/>
+          </a:prstGeom>
+          <a:noFill/>
+        </p:spPr>
+        <p:txBody>
+          <a:bodyPr wrap="none" rtlCol="0">
+            <a:spAutoFit/>
+          </a:bodyPr>
+          <a:lstStyle/>
+          <a:p>
+            <a:r>
+              <a:rPr lang="ru-RU" sz="2800" b="1" dirty="0" smtClean="0"/>
+              <a:t>Модуль НС</a:t>
+            </a:r>
+            <a:endParaRPr lang="ru-RU" sz="2800" b="1" dirty="0"/>
+          </a:p>
+        </p:txBody>
+      </p:sp>
+      <p:sp>
+        <p:nvSpPr>
+          <p:cNvPr id="6" name="TextBox 5"/>
+          <p:cNvSpPr txBox="1"/>
+          <p:nvPr/>
+        </p:nvSpPr>
+        <p:spPr>
+          <a:xfrm>
+            <a:off x="804434" y="3330328"/>
+            <a:ext cx="10823686" cy="1384995"/>
+          </a:xfrm>
+          <a:prstGeom prst="rect">
+            <a:avLst/>
+          </a:prstGeom>
+          <a:noFill/>
+        </p:spPr>
+        <p:txBody>
+          <a:bodyPr wrap="square" rtlCol="0">
+            <a:spAutoFit/>
+          </a:bodyPr>
+          <a:lstStyle/>
+          <a:p>
+            <a:pPr marL="457200" indent="-457200">
+              <a:buFont typeface="Arial" panose="020B0604020202020204" pitchFamily="34" charset="0"/>
+              <a:buChar char="•"/>
+            </a:pPr>
+            <a:r>
+              <a:rPr lang="ru-RU" sz="2800" dirty="0" smtClean="0"/>
+              <a:t>Основная Нейронная Сеть для режима «Комфорт»</a:t>
+            </a:r>
+          </a:p>
+          <a:p>
+            <a:pPr marL="457200" indent="-457200">
+              <a:buFont typeface="Arial" panose="020B0604020202020204" pitchFamily="34" charset="0"/>
+              <a:buChar char="•"/>
+            </a:pPr>
+            <a:r>
+              <a:rPr lang="ru-RU" sz="2800" dirty="0" smtClean="0"/>
+              <a:t>Дополнительная Нейронная Сеть для режима «Эконом»</a:t>
+            </a:r>
+          </a:p>
+          <a:p>
+            <a:pPr marL="457200" indent="-457200">
+              <a:buFont typeface="Arial" panose="020B0604020202020204" pitchFamily="34" charset="0"/>
+              <a:buChar char="•"/>
+            </a:pPr>
+            <a:r>
+              <a:rPr lang="ru-RU" sz="2800" dirty="0" smtClean="0"/>
+              <a:t>Оптимизирующий алгоритм для режима «Эконом»</a:t>
+            </a:r>
+            <a:endParaRPr lang="ru-RU" sz="2800" dirty="0"/>
+          </a:p>
+        </p:txBody>
+      </p:sp>
+    </p:spTree>
+    <p:extLst>
+      <p:ext uri="{BB962C8B-B14F-4D97-AF65-F5344CB8AC3E}">
+        <p14:creationId xmlns:p14="http://schemas.microsoft.com/office/powerpoint/2010/main" val="3572738686"/>
+      </p:ext>
+    </p:extLst>
+  </p:cSld>
+  <p:clrMapOvr>
+    <a:masterClrMapping/>
+  </p:clrMapOvr>
+  <p:timing>
+    <p:tnLst>
+      <p:par>
+        <p:cTn id="1" dur="indefinite" restart="never" nodeType="tmRoot"/>
+      </p:par>
+    </p:tnLst>
+  </p:timing>
+</p:sld>
+</file>
+
+<file path=ppt/slides/slide7.xml><?xml version="1.0" encoding="utf-8"?>
+<p:sld xmlns:a="http://schemas.openxmlformats.org/drawingml/2006/main" xmlns:r="http://schemas.openxmlformats.org/officeDocument/2006/relationships" xmlns:p="http://schemas.openxmlformats.org/presentationml/2006/main">
+  <p:cSld>
+    <p:spTree>
+      <p:nvGrpSpPr>
+        <p:cNvPr id="1" name=""/>
+        <p:cNvGrpSpPr/>
+        <p:nvPr/>
+      </p:nvGrpSpPr>
+      <p:grpSpPr>
+        <a:xfrm>
+          <a:off x="0" y="0"/>
+          <a:ext cx="0" cy="0"/>
+          <a:chOff x="0" y="0"/>
+          <a:chExt cx="0" cy="0"/>
+        </a:xfrm>
+      </p:grpSpPr>
+      <p:sp>
+        <p:nvSpPr>
+          <p:cNvPr id="2" name="Заголовок 1"/>
+          <p:cNvSpPr>
+            <a:spLocks noGrp="1"/>
+          </p:cNvSpPr>
+          <p:nvPr>
+            <p:ph type="title"/>
+          </p:nvPr>
+        </p:nvSpPr>
+        <p:spPr/>
+        <p:txBody>
+          <a:bodyPr/>
+          <a:lstStyle/>
+          <a:p>
+            <a:r>
+              <a:rPr lang="ru-RU" dirty="0" smtClean="0"/>
+              <a:t>Режим «Комфорт»</a:t>
+            </a:r>
+            <a:endParaRPr lang="ru-RU" dirty="0"/>
           </a:p>
         </p:txBody>
       </p:sp>
@@ -14215,8 +15890,12 @@
               <a:defRPr/>
             </a:pPr>
             <a:r>
+              <a:rPr lang="ru-RU" dirty="0" smtClean="0"/>
+              <a:t>Режим поддерживается Нейронной Сетью, </a:t>
+            </a:r>
+            <a:r>
               <a:rPr lang="ru-RU" dirty="0"/>
-              <a:t>Для выполнения задания была сконструирована и реализована Нейронная Сеть, которая находит зависимость между температурами и показаниями регуляторов.</a:t>
+              <a:t>которая находит зависимость между температурами и показаниями регуляторов.</a:t>
             </a:r>
           </a:p>
         </p:txBody>
@@ -14299,8 +15978,8 @@
           </a:fontRef>
         </p:style>
       </p:cxnSp>
-      <mc:AlternateContent xmlns:mc="http://schemas.openxmlformats.org/markup-compatibility/2006" xmlns:a14="http://schemas.microsoft.com/office/drawing/2010/main">
-        <mc:Choice Requires="a14">
+      <mc:AlternateContent xmlns:mc="http://schemas.openxmlformats.org/markup-compatibility/2006">
+        <mc:Choice xmlns:a14="http://schemas.microsoft.com/office/drawing/2010/main" Requires="a14">
           <p:sp>
             <p:nvSpPr>
               <p:cNvPr id="10" name="TextBox 9"/>
@@ -14334,7 +16013,7 @@
                         <m:dPr>
                           <m:ctrlPr>
                             <a:rPr lang="mr-IN" i="1" smtClean="0">
-                              <a:latin typeface="Cambria Math" panose="02040503050406030204" pitchFamily="18" charset="0"/>
+                              <a:latin typeface="Cambria Math"/>
                             </a:rPr>
                           </m:ctrlPr>
                         </m:dPr>
@@ -14351,7 +16030,7 @@
                               </m:mcs>
                               <m:ctrlPr>
                                 <a:rPr lang="mr-IN" i="1" smtClean="0">
-                                  <a:latin typeface="Cambria Math" panose="02040503050406030204" pitchFamily="18" charset="0"/>
+                                  <a:latin typeface="Cambria Math"/>
                                 </a:rPr>
                               </m:ctrlPr>
                             </m:mPr>
@@ -14372,6 +16051,12 @@
                                   </a:rPr>
                                   <m:t>ремя суток</m:t>
                                 </m:r>
+                                <m:r>
+                                  <a:rPr lang="ru-RU" b="0" i="1" smtClean="0">
+                                    <a:latin typeface="Cambria Math"/>
+                                  </a:rPr>
+                                  <m:t>,</m:t>
+                                </m:r>
                               </m:e>
                             </m:mr>
                             <m:mr>
@@ -14380,7 +16065,7 @@
                                   <m:eqArrPr>
                                     <m:ctrlPr>
                                       <a:rPr lang="ru-RU" b="0" i="1" smtClean="0">
-                                        <a:latin typeface="Cambria Math" panose="02040503050406030204" pitchFamily="18" charset="0"/>
+                                        <a:latin typeface="Cambria Math"/>
                                       </a:rPr>
                                     </m:ctrlPr>
                                   </m:eqArrPr>
@@ -14399,6 +16084,12 @@
                                       </a:rPr>
                                       <m:t>температуры в помещениях</m:t>
                                     </m:r>
+                                    <m:r>
+                                      <a:rPr lang="ru-RU" b="0" i="1" smtClean="0">
+                                        <a:latin typeface="Cambria Math"/>
+                                      </a:rPr>
+                                      <m:t>,</m:t>
+                                    </m:r>
                                   </m:e>
                                 </m:eqArr>
                               </m:e>
@@ -14409,7 +16100,7 @@
                                   <m:eqArrPr>
                                     <m:ctrlPr>
                                       <a:rPr lang="ru-RU" b="0" i="1" smtClean="0">
-                                        <a:latin typeface="Cambria Math" panose="02040503050406030204" pitchFamily="18" charset="0"/>
+                                        <a:latin typeface="Cambria Math"/>
                                       </a:rPr>
                                     </m:ctrlPr>
                                   </m:eqArrPr>
@@ -14443,7 +16134,7 @@
             </p:txBody>
           </p:sp>
         </mc:Choice>
-        <mc:Fallback xmlns="">
+        <mc:Fallback>
           <p:sp>
             <p:nvSpPr>
               <p:cNvPr id="10" name="TextBox 9"/>
@@ -14460,10 +16151,10 @@
               <a:prstGeom prst="rect">
                 <a:avLst/>
               </a:prstGeom>
-              <a:blipFill rotWithShape="0">
+              <a:blipFill rotWithShape="1">
                 <a:blip r:embed="rId2"/>
                 <a:stretch>
-                  <a:fillRect/>
+                  <a:fillRect r="-1273"/>
                 </a:stretch>
               </a:blipFill>
             </p:spPr>
@@ -14550,7 +16241,7 @@
                         <m:dPr>
                           <m:ctrlPr>
                             <a:rPr lang="mr-IN" i="1" smtClean="0">
-                              <a:latin typeface="Cambria Math" panose="02040503050406030204" pitchFamily="18" charset="0"/>
+                              <a:latin typeface="Cambria Math"/>
                             </a:rPr>
                           </m:ctrlPr>
                         </m:dPr>
@@ -14559,7 +16250,7 @@
                             <m:eqArrPr>
                               <m:ctrlPr>
                                 <a:rPr lang="ru-RU" b="0" i="1" smtClean="0">
-                                  <a:latin typeface="Cambria Math" panose="02040503050406030204" pitchFamily="18" charset="0"/>
+                                  <a:latin typeface="Cambria Math"/>
                                 </a:rPr>
                               </m:ctrlPr>
                             </m:eqArrPr>
@@ -14647,10 +16338,17 @@
   <p:clrMapOvr>
     <a:masterClrMapping/>
   </p:clrMapOvr>
+  <p:timing>
+    <p:tnLst>
+      <p:par>
+        <p:cTn id="1" dur="indefinite" restart="never" nodeType="tmRoot"/>
+      </p:par>
+    </p:tnLst>
+  </p:timing>
 </p:sld>
 </file>
 
-<file path=ppt/slides/slide6.xml><?xml version="1.0" encoding="utf-8"?>
+<file path=ppt/slides/slide8.xml><?xml version="1.0" encoding="utf-8"?>
 <p:sld xmlns:a="http://schemas.openxmlformats.org/drawingml/2006/main" xmlns:r="http://schemas.openxmlformats.org/officeDocument/2006/relationships" xmlns:p="http://schemas.openxmlformats.org/presentationml/2006/main">
   <p:cSld>
     <p:spTree>
@@ -14682,10 +16380,13 @@
           <a:bodyPr/>
           <a:lstStyle/>
           <a:p>
-            <a:pPr algn="ctr"/>
+            <a:r>
+              <a:rPr lang="ru-RU" dirty="0" smtClean="0"/>
+              <a:t>Режим «Комфорт</a:t>
+            </a:r>
             <a:r>
               <a:rPr lang="ru-RU" dirty="0"/>
-              <a:t>Задание «Комфорт»</a:t>
+              <a:t>»</a:t>
             </a:r>
           </a:p>
         </p:txBody>
@@ -14702,7 +16403,7 @@
         </p:nvSpPr>
         <p:spPr>
           <a:xfrm>
-            <a:off x="1154954" y="2603500"/>
+            <a:off x="1154954" y="2470768"/>
             <a:ext cx="8825659" cy="1054100"/>
           </a:xfrm>
         </p:spPr>
@@ -14728,8 +16429,12 @@
               <a:defRPr/>
             </a:pPr>
             <a:r>
+              <a:rPr lang="ru-RU" dirty="0" smtClean="0"/>
+              <a:t>Система </a:t>
+            </a:r>
+            <a:r>
               <a:rPr lang="ru-RU" dirty="0"/>
-              <a:t>Разработанная система отслеживает необходимость изменения температуры для ее соответствия поставленным требованиям, и, в случае необходимости, корректирует показания регуляторов.</a:t>
+              <a:t>отслеживает необходимость изменения температуры для ее соответствия поставленным требованиям, и, в случае необходимости, корректирует показания регуляторов.</a:t>
             </a:r>
           </a:p>
         </p:txBody>
@@ -14788,7 +16493,7 @@
                         <m:dPr>
                           <m:ctrlPr>
                             <a:rPr lang="en-US" b="0" i="1" smtClean="0">
-                              <a:latin typeface="Cambria Math" panose="02040503050406030204" pitchFamily="18" charset="0"/>
+                              <a:latin typeface="Cambria Math"/>
                             </a:rPr>
                           </m:ctrlPr>
                         </m:dPr>
@@ -14835,7 +16540,7 @@
                         <m:dPr>
                           <m:ctrlPr>
                             <a:rPr lang="en-US" b="0" i="1" smtClean="0">
-                              <a:latin typeface="Cambria Math" panose="02040503050406030204" pitchFamily="18" charset="0"/>
+                              <a:latin typeface="Cambria Math"/>
                               <a:ea typeface="Cambria Math" charset="0"/>
                               <a:cs typeface="Cambria Math" charset="0"/>
                             </a:rPr>
@@ -15069,544 +16774,13 @@
   <p:clrMapOvr>
     <a:masterClrMapping/>
   </p:clrMapOvr>
-</p:sld>
-</file>
-
-<file path=ppt/slides/slide7.xml><?xml version="1.0" encoding="utf-8"?>
-<p:sld xmlns:a="http://schemas.openxmlformats.org/drawingml/2006/main" xmlns:r="http://schemas.openxmlformats.org/officeDocument/2006/relationships" xmlns:p="http://schemas.openxmlformats.org/presentationml/2006/main">
-  <p:cSld>
-    <p:spTree>
-      <p:nvGrpSpPr>
-        <p:cNvPr id="1" name=""/>
-        <p:cNvGrpSpPr/>
-        <p:nvPr/>
-      </p:nvGrpSpPr>
-      <p:grpSpPr>
-        <a:xfrm>
-          <a:off x="0" y="0"/>
-          <a:ext cx="0" cy="0"/>
-          <a:chOff x="0" y="0"/>
-          <a:chExt cx="0" cy="0"/>
-        </a:xfrm>
-      </p:grpSpPr>
-      <p:sp>
-        <p:nvSpPr>
-          <p:cNvPr id="2" name="Заголовок 1">
-            <a:extLst>
-              <a:ext uri="{FF2B5EF4-FFF2-40B4-BE49-F238E27FC236}">
-                <a16:creationId xmlns:a16="http://schemas.microsoft.com/office/drawing/2014/main" id="{8E37EE3E-7E13-4864-B7D6-188A4C7379AB}"/>
-              </a:ext>
-            </a:extLst>
-          </p:cNvPr>
-          <p:cNvSpPr>
-            <a:spLocks noGrp="1"/>
-          </p:cNvSpPr>
-          <p:nvPr>
-            <p:ph type="title"/>
-          </p:nvPr>
-        </p:nvSpPr>
-        <p:spPr/>
-        <p:txBody>
-          <a:bodyPr/>
-          <a:lstStyle/>
-          <a:p>
-            <a:pPr algn="ctr"/>
-            <a:r>
-              <a:rPr lang="ru-RU" dirty="0"/>
-              <a:t>Задание «Эконом»</a:t>
-            </a:r>
-          </a:p>
-        </p:txBody>
-      </p:sp>
-      <p:sp>
-        <p:nvSpPr>
-          <p:cNvPr id="3" name="Объект 2">
-            <a:extLst>
-              <a:ext uri="{FF2B5EF4-FFF2-40B4-BE49-F238E27FC236}">
-                <a16:creationId xmlns:a16="http://schemas.microsoft.com/office/drawing/2014/main" id="{43A29B75-2ABB-4B1A-A251-8B91867E88E8}"/>
-              </a:ext>
-            </a:extLst>
-          </p:cNvPr>
-          <p:cNvSpPr>
-            <a:spLocks noGrp="1"/>
-          </p:cNvSpPr>
-          <p:nvPr>
-            <p:ph idx="1"/>
-          </p:nvPr>
-        </p:nvSpPr>
-        <p:spPr/>
-        <p:txBody>
-          <a:bodyPr/>
-          <a:lstStyle/>
-          <a:p>
-            <a:endParaRPr lang="ru-RU"/>
-          </a:p>
-        </p:txBody>
-      </p:sp>
-    </p:spTree>
-    <p:extLst>
-      <p:ext uri="{BB962C8B-B14F-4D97-AF65-F5344CB8AC3E}">
-        <p14:creationId xmlns:p14="http://schemas.microsoft.com/office/powerpoint/2010/main" val="2407437876"/>
-      </p:ext>
-    </p:extLst>
-  </p:cSld>
-  <p:clrMapOvr>
-    <a:masterClrMapping/>
-  </p:clrMapOvr>
-</p:sld>
-</file>
-
-<file path=ppt/slides/slide8.xml><?xml version="1.0" encoding="utf-8"?>
-<p:sld xmlns:a="http://schemas.openxmlformats.org/drawingml/2006/main" xmlns:r="http://schemas.openxmlformats.org/officeDocument/2006/relationships" xmlns:p="http://schemas.openxmlformats.org/presentationml/2006/main">
-  <p:cSld>
-    <p:spTree>
-      <p:nvGrpSpPr>
-        <p:cNvPr id="1" name=""/>
-        <p:cNvGrpSpPr/>
-        <p:nvPr/>
-      </p:nvGrpSpPr>
-      <p:grpSpPr>
-        <a:xfrm>
-          <a:off x="0" y="0"/>
-          <a:ext cx="0" cy="0"/>
-          <a:chOff x="0" y="0"/>
-          <a:chExt cx="0" cy="0"/>
-        </a:xfrm>
-      </p:grpSpPr>
-      <p:sp>
-        <p:nvSpPr>
-          <p:cNvPr id="2" name="Заголовок 1">
-            <a:extLst>
-              <a:ext uri="{FF2B5EF4-FFF2-40B4-BE49-F238E27FC236}">
-                <a16:creationId xmlns:a16="http://schemas.microsoft.com/office/drawing/2014/main" id="{1EDFF5A3-FBB5-461E-A9C7-923CD6FD0AC5}"/>
-              </a:ext>
-            </a:extLst>
-          </p:cNvPr>
-          <p:cNvSpPr>
-            <a:spLocks noGrp="1"/>
-          </p:cNvSpPr>
-          <p:nvPr>
-            <p:ph type="title"/>
-          </p:nvPr>
-        </p:nvSpPr>
-        <p:spPr/>
-        <p:txBody>
-          <a:bodyPr/>
-          <a:lstStyle/>
-          <a:p>
-            <a:pPr algn="ctr"/>
-            <a:r>
-              <a:rPr lang="ru-RU" dirty="0"/>
-              <a:t>Использованные платформы разработки проекта</a:t>
-            </a:r>
-          </a:p>
-        </p:txBody>
-      </p:sp>
-      <p:sp>
-        <p:nvSpPr>
-          <p:cNvPr id="4" name="TextBox 3">
-            <a:extLst>
-              <a:ext uri="{FF2B5EF4-FFF2-40B4-BE49-F238E27FC236}">
-                <a16:creationId xmlns:a16="http://schemas.microsoft.com/office/drawing/2014/main" id="{4E4FA2F1-D15C-41D0-9A52-83F93757370C}"/>
-              </a:ext>
-            </a:extLst>
-          </p:cNvPr>
-          <p:cNvSpPr txBox="1"/>
-          <p:nvPr/>
-        </p:nvSpPr>
-        <p:spPr>
-          <a:xfrm>
-            <a:off x="450166" y="2459026"/>
-            <a:ext cx="5317588" cy="369332"/>
-          </a:xfrm>
-          <a:prstGeom prst="rect">
-            <a:avLst/>
-          </a:prstGeom>
-          <a:noFill/>
-        </p:spPr>
-        <p:txBody>
-          <a:bodyPr wrap="square" rtlCol="0">
-            <a:spAutoFit/>
-          </a:bodyPr>
-          <a:lstStyle/>
-          <a:p>
-            <a:r>
-              <a:rPr lang="ru-RU" dirty="0"/>
-              <a:t>Операционная система - </a:t>
-            </a:r>
-            <a:r>
-              <a:rPr lang="en-US" b="1" dirty="0"/>
-              <a:t>Ubuntu 16.04 LTS</a:t>
-            </a:r>
-            <a:endParaRPr lang="ru-RU" b="1" dirty="0"/>
-          </a:p>
-        </p:txBody>
-      </p:sp>
-      <p:sp>
-        <p:nvSpPr>
-          <p:cNvPr id="5" name="TextBox 4">
-            <a:extLst>
-              <a:ext uri="{FF2B5EF4-FFF2-40B4-BE49-F238E27FC236}">
-                <a16:creationId xmlns:a16="http://schemas.microsoft.com/office/drawing/2014/main" id="{3D338E15-5DA0-4290-87DD-685B0B4F9354}"/>
-              </a:ext>
-            </a:extLst>
-          </p:cNvPr>
-          <p:cNvSpPr txBox="1"/>
-          <p:nvPr/>
-        </p:nvSpPr>
-        <p:spPr>
-          <a:xfrm>
-            <a:off x="6424246" y="2459026"/>
-            <a:ext cx="4787705" cy="369332"/>
-          </a:xfrm>
-          <a:prstGeom prst="rect">
-            <a:avLst/>
-          </a:prstGeom>
-          <a:noFill/>
-        </p:spPr>
-        <p:txBody>
-          <a:bodyPr wrap="square" rtlCol="0">
-            <a:spAutoFit/>
-          </a:bodyPr>
-          <a:lstStyle/>
-          <a:p>
-            <a:r>
-              <a:rPr lang="ru-RU" dirty="0"/>
-              <a:t>Веб – сервер – </a:t>
-            </a:r>
-            <a:r>
-              <a:rPr lang="en-US" b="1" dirty="0"/>
-              <a:t>Apache 2.4 (+ PHP 7.0)</a:t>
-            </a:r>
-            <a:endParaRPr lang="ru-RU" b="1" dirty="0"/>
-          </a:p>
-        </p:txBody>
-      </p:sp>
-      <p:sp>
-        <p:nvSpPr>
-          <p:cNvPr id="6" name="TextBox 5">
-            <a:extLst>
-              <a:ext uri="{FF2B5EF4-FFF2-40B4-BE49-F238E27FC236}">
-                <a16:creationId xmlns:a16="http://schemas.microsoft.com/office/drawing/2014/main" id="{9E4975CE-2E19-4571-8A7C-6D8D2DAC2458}"/>
-              </a:ext>
-            </a:extLst>
-          </p:cNvPr>
-          <p:cNvSpPr txBox="1"/>
-          <p:nvPr/>
-        </p:nvSpPr>
-        <p:spPr>
-          <a:xfrm>
-            <a:off x="450166" y="4682841"/>
-            <a:ext cx="5317588" cy="369332"/>
-          </a:xfrm>
-          <a:prstGeom prst="rect">
-            <a:avLst/>
-          </a:prstGeom>
-          <a:noFill/>
-        </p:spPr>
-        <p:txBody>
-          <a:bodyPr wrap="square" rtlCol="0">
-            <a:spAutoFit/>
-          </a:bodyPr>
-          <a:lstStyle/>
-          <a:p>
-            <a:r>
-              <a:rPr lang="ru-RU" dirty="0"/>
-              <a:t>База данных - </a:t>
-            </a:r>
-            <a:r>
-              <a:rPr lang="en-US" b="1" dirty="0"/>
-              <a:t>PostgreSQL 9.5</a:t>
-            </a:r>
-            <a:endParaRPr lang="ru-RU" b="1" dirty="0"/>
-          </a:p>
-        </p:txBody>
-      </p:sp>
-      <p:sp>
-        <p:nvSpPr>
-          <p:cNvPr id="7" name="TextBox 6">
-            <a:extLst>
-              <a:ext uri="{FF2B5EF4-FFF2-40B4-BE49-F238E27FC236}">
-                <a16:creationId xmlns:a16="http://schemas.microsoft.com/office/drawing/2014/main" id="{7AB75CB3-42A9-4E90-97A9-F2EDFFD7B660}"/>
-              </a:ext>
-            </a:extLst>
-          </p:cNvPr>
-          <p:cNvSpPr txBox="1"/>
-          <p:nvPr/>
-        </p:nvSpPr>
-        <p:spPr>
-          <a:xfrm>
-            <a:off x="6424246" y="4682841"/>
-            <a:ext cx="5317588" cy="369332"/>
-          </a:xfrm>
-          <a:prstGeom prst="rect">
-            <a:avLst/>
-          </a:prstGeom>
-          <a:noFill/>
-        </p:spPr>
-        <p:txBody>
-          <a:bodyPr wrap="square" rtlCol="0">
-            <a:spAutoFit/>
-          </a:bodyPr>
-          <a:lstStyle/>
-          <a:p>
-            <a:r>
-              <a:rPr lang="ru-RU" dirty="0"/>
-              <a:t>Платформа нейросети - </a:t>
-            </a:r>
-            <a:r>
-              <a:rPr lang="en-US" b="1" dirty="0"/>
-              <a:t>Python 2.7</a:t>
-            </a:r>
-            <a:endParaRPr lang="ru-RU" b="1" dirty="0"/>
-          </a:p>
-        </p:txBody>
-      </p:sp>
-      <p:pic>
-        <p:nvPicPr>
-          <p:cNvPr id="1026" name="Picture 2" descr="Картинки по запросу ubuntu 16.04 logo">
-            <a:extLst>
-              <a:ext uri="{FF2B5EF4-FFF2-40B4-BE49-F238E27FC236}">
-                <a16:creationId xmlns:a16="http://schemas.microsoft.com/office/drawing/2014/main" id="{649412D1-37AC-4E01-B3BF-EDB810FD218B}"/>
-              </a:ext>
-            </a:extLst>
-          </p:cNvPr>
-          <p:cNvPicPr>
-            <a:picLocks noChangeAspect="1" noChangeArrowheads="1"/>
-          </p:cNvPicPr>
-          <p:nvPr/>
-        </p:nvPicPr>
-        <p:blipFill>
-          <a:blip r:embed="rId2">
-            <a:extLst>
-              <a:ext uri="{28A0092B-C50C-407E-A947-70E740481C1C}">
-                <a14:useLocalDpi xmlns:a14="http://schemas.microsoft.com/office/drawing/2010/main" val="0"/>
-              </a:ext>
-            </a:extLst>
-          </a:blip>
-          <a:srcRect/>
-          <a:stretch>
-            <a:fillRect/>
-          </a:stretch>
-        </p:blipFill>
-        <p:spPr bwMode="auto">
-          <a:xfrm>
-            <a:off x="1674055" y="2600455"/>
-            <a:ext cx="1946763" cy="1946763"/>
-          </a:xfrm>
-          <a:prstGeom prst="rect">
-            <a:avLst/>
-          </a:prstGeom>
-          <a:noFill/>
-          <a:extLst>
-            <a:ext uri="{909E8E84-426E-40DD-AFC4-6F175D3DCCD1}">
-              <a14:hiddenFill xmlns:a14="http://schemas.microsoft.com/office/drawing/2010/main">
-                <a:solidFill>
-                  <a:srgbClr val="FFFFFF"/>
-                </a:solidFill>
-              </a14:hiddenFill>
-            </a:ext>
-          </a:extLst>
-        </p:spPr>
-      </p:pic>
-      <p:pic>
-        <p:nvPicPr>
-          <p:cNvPr id="1028" name="Picture 4" descr="Картинки по запросу apache">
-            <a:extLst>
-              <a:ext uri="{FF2B5EF4-FFF2-40B4-BE49-F238E27FC236}">
-                <a16:creationId xmlns:a16="http://schemas.microsoft.com/office/drawing/2014/main" id="{69EC288F-3BDA-4B82-8173-C158568131B1}"/>
-              </a:ext>
-            </a:extLst>
-          </p:cNvPr>
-          <p:cNvPicPr>
-            <a:picLocks noChangeAspect="1" noChangeArrowheads="1"/>
-          </p:cNvPicPr>
-          <p:nvPr/>
-        </p:nvPicPr>
-        <p:blipFill>
-          <a:blip r:embed="rId3">
-            <a:extLst>
-              <a:ext uri="{28A0092B-C50C-407E-A947-70E740481C1C}">
-                <a14:useLocalDpi xmlns:a14="http://schemas.microsoft.com/office/drawing/2010/main" val="0"/>
-              </a:ext>
-            </a:extLst>
-          </a:blip>
-          <a:srcRect/>
-          <a:stretch>
-            <a:fillRect/>
-          </a:stretch>
-        </p:blipFill>
-        <p:spPr bwMode="auto">
-          <a:xfrm>
-            <a:off x="6409299" y="2829477"/>
-            <a:ext cx="2408799" cy="1884302"/>
-          </a:xfrm>
-          <a:prstGeom prst="rect">
-            <a:avLst/>
-          </a:prstGeom>
-          <a:noFill/>
-          <a:extLst>
-            <a:ext uri="{909E8E84-426E-40DD-AFC4-6F175D3DCCD1}">
-              <a14:hiddenFill xmlns:a14="http://schemas.microsoft.com/office/drawing/2010/main">
-                <a:solidFill>
-                  <a:srgbClr val="FFFFFF"/>
-                </a:solidFill>
-              </a14:hiddenFill>
-            </a:ext>
-          </a:extLst>
-        </p:spPr>
-      </p:pic>
-      <p:pic>
-        <p:nvPicPr>
-          <p:cNvPr id="1030" name="Picture 6" descr="Картинки по запросу php 7.0">
-            <a:extLst>
-              <a:ext uri="{FF2B5EF4-FFF2-40B4-BE49-F238E27FC236}">
-                <a16:creationId xmlns:a16="http://schemas.microsoft.com/office/drawing/2014/main" id="{204DCBAD-AB0E-4EAA-945D-9E89B6DAD8FF}"/>
-              </a:ext>
-            </a:extLst>
-          </p:cNvPr>
-          <p:cNvPicPr>
-            <a:picLocks noChangeAspect="1" noChangeArrowheads="1"/>
-          </p:cNvPicPr>
-          <p:nvPr/>
-        </p:nvPicPr>
-        <p:blipFill>
-          <a:blip r:embed="rId4">
-            <a:extLst>
-              <a:ext uri="{28A0092B-C50C-407E-A947-70E740481C1C}">
-                <a14:useLocalDpi xmlns:a14="http://schemas.microsoft.com/office/drawing/2010/main" val="0"/>
-              </a:ext>
-            </a:extLst>
-          </a:blip>
-          <a:srcRect/>
-          <a:stretch>
-            <a:fillRect/>
-          </a:stretch>
-        </p:blipFill>
-        <p:spPr bwMode="auto">
-          <a:xfrm>
-            <a:off x="9083040" y="3296566"/>
-            <a:ext cx="1760017" cy="1056010"/>
-          </a:xfrm>
-          <a:prstGeom prst="rect">
-            <a:avLst/>
-          </a:prstGeom>
-          <a:noFill/>
-          <a:extLst>
-            <a:ext uri="{909E8E84-426E-40DD-AFC4-6F175D3DCCD1}">
-              <a14:hiddenFill xmlns:a14="http://schemas.microsoft.com/office/drawing/2010/main">
-                <a:solidFill>
-                  <a:srgbClr val="FFFFFF"/>
-                </a:solidFill>
-              </a14:hiddenFill>
-            </a:ext>
-          </a:extLst>
-        </p:spPr>
-      </p:pic>
-      <p:pic>
-        <p:nvPicPr>
-          <p:cNvPr id="1032" name="Picture 8" descr="Картинки по запросу postgresql 9.5 logo">
-            <a:extLst>
-              <a:ext uri="{FF2B5EF4-FFF2-40B4-BE49-F238E27FC236}">
-                <a16:creationId xmlns:a16="http://schemas.microsoft.com/office/drawing/2014/main" id="{3ECD406A-7FCA-450D-8228-497295C73D27}"/>
-              </a:ext>
-            </a:extLst>
-          </p:cNvPr>
-          <p:cNvPicPr>
-            <a:picLocks noChangeAspect="1" noChangeArrowheads="1"/>
-          </p:cNvPicPr>
-          <p:nvPr/>
-        </p:nvPicPr>
-        <p:blipFill>
-          <a:blip r:embed="rId5">
-            <a:extLst>
-              <a:ext uri="{28A0092B-C50C-407E-A947-70E740481C1C}">
-                <a14:useLocalDpi xmlns:a14="http://schemas.microsoft.com/office/drawing/2010/main" val="0"/>
-              </a:ext>
-            </a:extLst>
-          </a:blip>
-          <a:srcRect/>
-          <a:stretch>
-            <a:fillRect/>
-          </a:stretch>
-        </p:blipFill>
-        <p:spPr bwMode="auto">
-          <a:xfrm>
-            <a:off x="1124110" y="5327230"/>
-            <a:ext cx="3046652" cy="1114204"/>
-          </a:xfrm>
-          <a:prstGeom prst="rect">
-            <a:avLst/>
-          </a:prstGeom>
-          <a:noFill/>
-          <a:extLst>
-            <a:ext uri="{909E8E84-426E-40DD-AFC4-6F175D3DCCD1}">
-              <a14:hiddenFill xmlns:a14="http://schemas.microsoft.com/office/drawing/2010/main">
-                <a:solidFill>
-                  <a:srgbClr val="FFFFFF"/>
-                </a:solidFill>
-              </a14:hiddenFill>
-            </a:ext>
-          </a:extLst>
-        </p:spPr>
-      </p:pic>
-      <p:pic>
-        <p:nvPicPr>
-          <p:cNvPr id="1034" name="Picture 10" descr="Картинки по запросу python logo">
-            <a:extLst>
-              <a:ext uri="{FF2B5EF4-FFF2-40B4-BE49-F238E27FC236}">
-                <a16:creationId xmlns:a16="http://schemas.microsoft.com/office/drawing/2014/main" id="{51419B93-0D26-4CAE-A7C8-E30AB18B17CD}"/>
-              </a:ext>
-            </a:extLst>
-          </p:cNvPr>
-          <p:cNvPicPr>
-            <a:picLocks noChangeAspect="1" noChangeArrowheads="1"/>
-          </p:cNvPicPr>
-          <p:nvPr/>
-        </p:nvPicPr>
-        <p:blipFill>
-          <a:blip r:embed="rId6">
-            <a:extLst>
-              <a:ext uri="{28A0092B-C50C-407E-A947-70E740481C1C}">
-                <a14:useLocalDpi xmlns:a14="http://schemas.microsoft.com/office/drawing/2010/main" val="0"/>
-              </a:ext>
-            </a:extLst>
-          </a:blip>
-          <a:srcRect/>
-          <a:stretch>
-            <a:fillRect/>
-          </a:stretch>
-        </p:blipFill>
-        <p:spPr bwMode="auto">
-          <a:xfrm>
-            <a:off x="6986728" y="5263365"/>
-            <a:ext cx="3662740" cy="1237165"/>
-          </a:xfrm>
-          <a:prstGeom prst="rect">
-            <a:avLst/>
-          </a:prstGeom>
-          <a:noFill/>
-          <a:extLst>
-            <a:ext uri="{909E8E84-426E-40DD-AFC4-6F175D3DCCD1}">
-              <a14:hiddenFill xmlns:a14="http://schemas.microsoft.com/office/drawing/2010/main">
-                <a:solidFill>
-                  <a:srgbClr val="FFFFFF"/>
-                </a:solidFill>
-              </a14:hiddenFill>
-            </a:ext>
-          </a:extLst>
-        </p:spPr>
-      </p:pic>
-    </p:spTree>
-    <p:extLst>
-      <p:ext uri="{BB962C8B-B14F-4D97-AF65-F5344CB8AC3E}">
-        <p14:creationId xmlns:p14="http://schemas.microsoft.com/office/powerpoint/2010/main" val="3309981954"/>
-      </p:ext>
-    </p:extLst>
-  </p:cSld>
-  <p:clrMapOvr>
-    <a:masterClrMapping/>
-  </p:clrMapOvr>
+  <p:timing>
+    <p:tnLst>
+      <p:par>
+        <p:cTn id="1" dur="indefinite" restart="never" nodeType="tmRoot"/>
+      </p:par>
+    </p:tnLst>
+  </p:timing>
 </p:sld>
 </file>
 
@@ -15632,7 +16806,7 @@
           <p:cNvPr id="2" name="Заголовок 1">
             <a:extLst>
               <a:ext uri="{FF2B5EF4-FFF2-40B4-BE49-F238E27FC236}">
-                <a16:creationId xmlns:a16="http://schemas.microsoft.com/office/drawing/2014/main" id="{7C40EFF8-85D0-4D1F-80A0-E53BE3B6770F}"/>
+                <a16:creationId xmlns:a16="http://schemas.microsoft.com/office/drawing/2014/main" xmlns="" id="{8E37EE3E-7E13-4864-B7D6-188A4C7379AB}"/>
               </a:ext>
             </a:extLst>
           </p:cNvPr>
@@ -15648,19 +16822,11 @@
           <a:bodyPr/>
           <a:lstStyle/>
           <a:p>
-            <a:pPr algn="ctr"/>
-            <a:r>
-              <a:rPr lang="ru-RU" dirty="0"/>
-              <a:t>Техническая реализация</a:t>
-            </a:r>
-            <a:r>
-              <a:rPr lang="en-US" dirty="0"/>
-              <a:t>/</a:t>
-            </a:r>
-            <a:r>
-              <a:rPr lang="ru-RU" dirty="0"/>
-              <a:t>поддержка устройств</a:t>
-            </a:r>
+            <a:r>
+              <a:rPr lang="ru-RU" dirty="0" smtClean="0"/>
+              <a:t>Режим «Эконом»</a:t>
+            </a:r>
+            <a:endParaRPr lang="ru-RU" dirty="0"/>
           </a:p>
         </p:txBody>
       </p:sp>
@@ -15669,7 +16835,7 @@
           <p:cNvPr id="3" name="Объект 2">
             <a:extLst>
               <a:ext uri="{FF2B5EF4-FFF2-40B4-BE49-F238E27FC236}">
-                <a16:creationId xmlns:a16="http://schemas.microsoft.com/office/drawing/2014/main" id="{D68896F1-0511-40A6-9975-DD7802AA912C}"/>
+                <a16:creationId xmlns:a16="http://schemas.microsoft.com/office/drawing/2014/main" xmlns="" id="{43A29B75-2ABB-4B1A-A251-8B91867E88E8}"/>
               </a:ext>
             </a:extLst>
           </p:cNvPr>
@@ -15680,155 +16846,32 @@
             <p:ph idx="1"/>
           </p:nvPr>
         </p:nvSpPr>
-        <p:spPr>
-          <a:xfrm>
-            <a:off x="1053434" y="2603499"/>
-            <a:ext cx="10085132" cy="4254501"/>
-          </a:xfrm>
-        </p:spPr>
+        <p:spPr/>
         <p:txBody>
-          <a:bodyPr>
-            <a:normAutofit/>
-          </a:bodyPr>
+          <a:bodyPr/>
           <a:lstStyle/>
           <a:p>
-            <a:pPr algn="just"/>
-            <a:r>
-              <a:rPr lang="ru-RU" sz="2000" dirty="0"/>
-              <a:t>Управляющая часть (НС, веб-сервер, СУБД)  расположена на одноплатном компьютере</a:t>
-            </a:r>
-            <a:r>
-              <a:rPr lang="en-US" sz="2000" dirty="0"/>
-              <a:t> – </a:t>
-            </a:r>
-            <a:r>
-              <a:rPr lang="en-US" sz="2000" b="1" dirty="0"/>
-              <a:t>Orange Pi PC. </a:t>
-            </a:r>
-            <a:r>
-              <a:rPr lang="ru-RU" sz="2000" dirty="0"/>
-              <a:t>Это позволяет реализовать ПО с расчетом на экономию ресурсов.</a:t>
-            </a:r>
-          </a:p>
-          <a:p>
-            <a:pPr algn="just"/>
-            <a:r>
-              <a:rPr lang="ru-RU" sz="2000" dirty="0"/>
-              <a:t>В качестве измерительных и управляющих (физически) элементов используются следующие устройства </a:t>
-            </a:r>
-            <a:r>
-              <a:rPr lang="en-US" sz="2000" dirty="0"/>
-              <a:t>Arduino</a:t>
-            </a:r>
-            <a:r>
-              <a:rPr lang="ru-RU" sz="2000" dirty="0"/>
-              <a:t>:</a:t>
-            </a:r>
-          </a:p>
-          <a:p>
-            <a:pPr marL="360363" indent="0" algn="just">
-              <a:buFont typeface="Wingdings" panose="05000000000000000000" pitchFamily="2" charset="2"/>
-              <a:buChar char="v"/>
-            </a:pPr>
-            <a:r>
-              <a:rPr lang="en-US" sz="2000" dirty="0"/>
-              <a:t>DHT </a:t>
-            </a:r>
-            <a:r>
-              <a:rPr lang="ru-RU" sz="2000" dirty="0"/>
-              <a:t>или </a:t>
-            </a:r>
-            <a:r>
-              <a:rPr lang="en-US" sz="2000" dirty="0"/>
-              <a:t>BMP/BME</a:t>
-            </a:r>
-            <a:r>
-              <a:rPr lang="ru-RU" sz="2000" dirty="0"/>
-              <a:t> – датчики температуры;</a:t>
-            </a:r>
-          </a:p>
-          <a:p>
-            <a:pPr marL="360363" indent="0" algn="just">
-              <a:buFont typeface="Wingdings" panose="05000000000000000000" pitchFamily="2" charset="2"/>
-              <a:buChar char="v"/>
-            </a:pPr>
-            <a:r>
-              <a:rPr lang="en-US" sz="2000" dirty="0"/>
-              <a:t>PIR</a:t>
-            </a:r>
-            <a:r>
-              <a:rPr lang="ru-RU" sz="2000" dirty="0"/>
-              <a:t> - датчики движения;</a:t>
-            </a:r>
-          </a:p>
-          <a:p>
-            <a:pPr marL="360363" indent="0" algn="just">
-              <a:buFont typeface="Wingdings" panose="05000000000000000000" pitchFamily="2" charset="2"/>
-              <a:buChar char="v"/>
-            </a:pPr>
-            <a:r>
-              <a:rPr lang="ru-RU" sz="2000" dirty="0"/>
-              <a:t>Двигатели, </a:t>
-            </a:r>
-            <a:r>
-              <a:rPr lang="en-US" sz="2000" dirty="0"/>
-              <a:t>motor</a:t>
-            </a:r>
-            <a:r>
-              <a:rPr lang="ru-RU" sz="2000" dirty="0"/>
-              <a:t> </a:t>
-            </a:r>
-            <a:r>
-              <a:rPr lang="en-US" sz="2000" dirty="0"/>
-              <a:t>shield – </a:t>
-            </a:r>
-            <a:r>
-              <a:rPr lang="ru-RU" sz="2000" dirty="0"/>
-              <a:t>управление задвижками;</a:t>
-            </a:r>
-          </a:p>
-          <a:p>
-            <a:pPr marL="360363" indent="0" algn="just">
-              <a:buFont typeface="Wingdings" panose="05000000000000000000" pitchFamily="2" charset="2"/>
-              <a:buChar char="v"/>
-            </a:pPr>
-            <a:r>
-              <a:rPr lang="en-US" sz="2000" dirty="0"/>
-              <a:t>ESP</a:t>
-            </a:r>
-            <a:r>
-              <a:rPr lang="ru-RU" sz="2000" dirty="0"/>
-              <a:t>8266</a:t>
-            </a:r>
-            <a:r>
-              <a:rPr lang="en-US" sz="2000" dirty="0"/>
-              <a:t> –</a:t>
-            </a:r>
-            <a:r>
-              <a:rPr lang="ru-RU" sz="2000" dirty="0"/>
-              <a:t> </a:t>
-            </a:r>
-            <a:r>
-              <a:rPr lang="en-US" sz="2000" dirty="0"/>
-              <a:t>wi-fi </a:t>
-            </a:r>
-            <a:r>
-              <a:rPr lang="ru-RU" sz="2000" dirty="0"/>
-              <a:t>контроллер для передачи и первоначальной обработки данных.</a:t>
-            </a:r>
+            <a:endParaRPr lang="ru-RU"/>
           </a:p>
         </p:txBody>
       </p:sp>
     </p:spTree>
     <p:extLst>
       <p:ext uri="{BB962C8B-B14F-4D97-AF65-F5344CB8AC3E}">
-        <p14:creationId xmlns:p14="http://schemas.microsoft.com/office/powerpoint/2010/main" val="3153494820"/>
+        <p14:creationId xmlns:p14="http://schemas.microsoft.com/office/powerpoint/2010/main" val="2407437876"/>
       </p:ext>
     </p:extLst>
   </p:cSld>
   <p:clrMapOvr>
     <a:masterClrMapping/>
   </p:clrMapOvr>
+  <p:timing>
+    <p:tnLst>
+      <p:par>
+        <p:cTn id="1" dur="indefinite" restart="never" nodeType="tmRoot"/>
+      </p:par>
+    </p:tnLst>
+  </p:timing>
 </p:sld>
 </file>
 
@@ -16090,7 +17133,7 @@
   <a:extraClrSchemeLst/>
   <a:extLst>
     <a:ext uri="{05A4C25C-085E-4340-85A3-A5531E510DB2}">
-      <thm15:themeFamily xmlns:thm15="http://schemas.microsoft.com/office/thememl/2012/main" name="Ion Boardroom" id="{FC33163D-4339-46B1-8EED-24C834239D99}" vid="{B8502691-933B-45FE-8764-BA278511EF27}"/>
+      <thm15:themeFamily xmlns:thm15="http://schemas.microsoft.com/office/thememl/2012/main" xmlns="" name="Ion Boardroom" id="{FC33163D-4339-46B1-8EED-24C834239D99}" vid="{B8502691-933B-45FE-8764-BA278511EF27}"/>
     </a:ext>
   </a:extLst>
 </a:theme>
@@ -16351,7 +17394,7 @@
   <a:extraClrSchemeLst/>
   <a:extLst>
     <a:ext uri="{05A4C25C-085E-4340-85A3-A5531E510DB2}">
-      <thm15:themeFamily xmlns:thm15="http://schemas.microsoft.com/office/thememl/2012/main" name="Office Theme" id="{62F939B6-93AF-4DB8-9C6B-D6C7DFDC589F}" vid="{4A3C46E8-61CC-4603-A589-7422A47A8E4A}"/>
+      <thm15:themeFamily xmlns:thm15="http://schemas.microsoft.com/office/thememl/2012/main" xmlns="" name="Office Theme" id="{62F939B6-93AF-4DB8-9C6B-D6C7DFDC589F}" vid="{4A3C46E8-61CC-4603-A589-7422A47A8E4A}"/>
     </a:ext>
   </a:extLst>
 </a:theme>

--- a/present.pptx
+++ b/present.pptx
@@ -5,7 +5,7 @@
     <p:sldMasterId id="2147483738" r:id="rId1"/>
   </p:sldMasterIdLst>
   <p:notesMasterIdLst>
-    <p:notesMasterId r:id="rId15"/>
+    <p:notesMasterId r:id="rId16"/>
   </p:notesMasterIdLst>
   <p:sldIdLst>
     <p:sldId id="256" r:id="rId2"/>
@@ -16,11 +16,12 @@
     <p:sldId id="268" r:id="rId7"/>
     <p:sldId id="257" r:id="rId8"/>
     <p:sldId id="258" r:id="rId9"/>
-    <p:sldId id="262" r:id="rId10"/>
-    <p:sldId id="267" r:id="rId11"/>
-    <p:sldId id="263" r:id="rId12"/>
-    <p:sldId id="264" r:id="rId13"/>
-    <p:sldId id="265" r:id="rId14"/>
+    <p:sldId id="269" r:id="rId10"/>
+    <p:sldId id="270" r:id="rId11"/>
+    <p:sldId id="267" r:id="rId12"/>
+    <p:sldId id="263" r:id="rId13"/>
+    <p:sldId id="264" r:id="rId14"/>
+    <p:sldId id="265" r:id="rId15"/>
   </p:sldIdLst>
   <p:sldSz cx="12192000" cy="6858000"/>
   <p:notesSz cx="6858000" cy="9144000"/>
@@ -121,7 +122,18 @@
   </p:defaultTextStyle>
   <p:extLst>
     <p:ext uri="{EFAFB233-063F-42B5-8137-9DF3F51BA10A}">
-      <p15:sldGuideLst xmlns:p15="http://schemas.microsoft.com/office/powerpoint/2012/main" xmlns=""/>
+      <p15:sldGuideLst xmlns:p15="http://schemas.microsoft.com/office/powerpoint/2012/main">
+        <p15:guide id="1" orient="horz" pos="2160">
+          <p15:clr>
+            <a:srgbClr val="A4A3A4"/>
+          </p15:clr>
+        </p15:guide>
+        <p15:guide id="2" pos="3840">
+          <p15:clr>
+            <a:srgbClr val="A4A3A4"/>
+          </p15:clr>
+        </p15:guide>
+      </p15:sldGuideLst>
     </p:ext>
   </p:extLst>
 </p:presentation>
@@ -14023,13 +14035,7 @@
       </p:grpSpPr>
       <p:sp>
         <p:nvSpPr>
-          <p:cNvPr id="2" name="Заголовок 1">
-            <a:extLst>
-              <a:ext uri="{FF2B5EF4-FFF2-40B4-BE49-F238E27FC236}">
-                <a16:creationId xmlns:a16="http://schemas.microsoft.com/office/drawing/2014/main" xmlns="" id="{8E37EE3E-7E13-4864-B7D6-188A4C7379AB}"/>
-              </a:ext>
-            </a:extLst>
-          </p:cNvPr>
+          <p:cNvPr id="2" name="Заголовок 1"/>
           <p:cNvSpPr>
             <a:spLocks noGrp="1"/>
           </p:cNvSpPr>
@@ -14044,7 +14050,11 @@
           <a:p>
             <a:r>
               <a:rPr lang="ru-RU" dirty="0" smtClean="0"/>
-              <a:t>Логическая схема проекта</a:t>
+              <a:t>Режим </a:t>
+            </a:r>
+            <a:r>
+              <a:rPr lang="ru-RU" dirty="0" smtClean="0"/>
+              <a:t>«Эконом»</a:t>
             </a:r>
             <a:endParaRPr lang="ru-RU" dirty="0"/>
           </a:p>
@@ -14052,13 +14062,7 @@
       </p:sp>
       <p:sp>
         <p:nvSpPr>
-          <p:cNvPr id="3" name="Объект 2">
-            <a:extLst>
-              <a:ext uri="{FF2B5EF4-FFF2-40B4-BE49-F238E27FC236}">
-                <a16:creationId xmlns:a16="http://schemas.microsoft.com/office/drawing/2014/main" xmlns="" id="{43A29B75-2ABB-4B1A-A251-8B91867E88E8}"/>
-              </a:ext>
-            </a:extLst>
-          </p:cNvPr>
+          <p:cNvPr id="3" name="Объект 2"/>
           <p:cNvSpPr>
             <a:spLocks noGrp="1"/>
           </p:cNvSpPr>
@@ -14066,19 +14070,1076 @@
             <p:ph idx="1"/>
           </p:nvPr>
         </p:nvSpPr>
-        <p:spPr/>
+        <p:spPr>
+          <a:xfrm>
+            <a:off x="1154954" y="2470768"/>
+            <a:ext cx="8825659" cy="1054100"/>
+          </a:xfrm>
+        </p:spPr>
         <p:txBody>
           <a:bodyPr/>
           <a:lstStyle/>
           <a:p>
-            <a:endParaRPr lang="ru-RU"/>
+            <a:pPr marL="0" marR="0" lvl="0" indent="0" algn="just" defTabSz="914400" eaLnBrk="1" fontAlgn="auto" latinLnBrk="0" hangingPunct="1">
+              <a:lnSpc>
+                <a:spcPct val="100000"/>
+              </a:lnSpc>
+              <a:spcBef>
+                <a:spcPts val="0"/>
+              </a:spcBef>
+              <a:spcAft>
+                <a:spcPts val="0"/>
+              </a:spcAft>
+              <a:buClrTx/>
+              <a:buSzTx/>
+              <a:buFontTx/>
+              <a:buNone/>
+              <a:tabLst/>
+              <a:defRPr/>
+            </a:pPr>
+            <a:r>
+              <a:rPr lang="ru-RU" dirty="0" smtClean="0"/>
+              <a:t>Режим поддерживается работой двух реализованных Нейронных Сетей. Для нахождения положений регуляторов решается задача оптимизации:</a:t>
+            </a:r>
+          </a:p>
+        </p:txBody>
+      </p:sp>
+      <mc:AlternateContent xmlns:mc="http://schemas.openxmlformats.org/markup-compatibility/2006">
+        <mc:Choice xmlns:a14="http://schemas.microsoft.com/office/drawing/2010/main" Requires="a14">
+          <p:sp>
+            <p:nvSpPr>
+              <p:cNvPr id="4" name="TextBox 3"/>
+              <p:cNvSpPr txBox="1"/>
+              <p:nvPr/>
+            </p:nvSpPr>
+            <p:spPr>
+              <a:xfrm>
+                <a:off x="1154954" y="3357113"/>
+                <a:ext cx="4358309" cy="1687834"/>
+              </a:xfrm>
+              <a:prstGeom prst="rect">
+                <a:avLst/>
+              </a:prstGeom>
+              <a:noFill/>
+            </p:spPr>
+            <p:txBody>
+              <a:bodyPr wrap="none" rtlCol="0">
+                <a:spAutoFit/>
+              </a:bodyPr>
+              <a:lstStyle/>
+              <a:p>
+                <a14:m>
+                  <m:oMathPara xmlns:m="http://schemas.openxmlformats.org/officeDocument/2006/math">
+                    <m:oMathParaPr>
+                      <m:jc m:val="centerGroup"/>
+                    </m:oMathParaPr>
+                    <m:oMath xmlns:m="http://schemas.openxmlformats.org/officeDocument/2006/math">
+                      <m:d>
+                        <m:dPr>
+                          <m:begChr m:val="{"/>
+                          <m:endChr m:val=""/>
+                          <m:ctrlPr>
+                            <a:rPr lang="mr-IN" sz="2800" i="1" smtClean="0">
+                              <a:latin typeface="Cambria Math" charset="0"/>
+                            </a:rPr>
+                          </m:ctrlPr>
+                        </m:dPr>
+                        <m:e>
+                          <m:eqArr>
+                            <m:eqArrPr>
+                              <m:ctrlPr>
+                                <a:rPr lang="mr-IN" sz="2800" i="1" smtClean="0">
+                                  <a:latin typeface="Cambria Math" charset="0"/>
+                                </a:rPr>
+                              </m:ctrlPr>
+                            </m:eqArrPr>
+                            <m:e>
+                              <m:sSub>
+                                <m:sSubPr>
+                                  <m:ctrlPr>
+                                    <a:rPr lang="en-US" sz="2800" i="1" smtClean="0">
+                                      <a:latin typeface="Cambria Math" charset="0"/>
+                                    </a:rPr>
+                                  </m:ctrlPr>
+                                </m:sSubPr>
+                                <m:e>
+                                  <m:r>
+                                    <a:rPr lang="en-US" sz="2800" b="0" i="1" smtClean="0">
+                                      <a:latin typeface="Cambria Math" charset="0"/>
+                                    </a:rPr>
+                                    <m:t>𝑁𝑁</m:t>
+                                  </m:r>
+                                </m:e>
+                                <m:sub>
+                                  <m:r>
+                                    <a:rPr lang="en-US" sz="2800" b="0" i="1" smtClean="0">
+                                      <a:latin typeface="Cambria Math" charset="0"/>
+                                    </a:rPr>
+                                    <m:t>2</m:t>
+                                  </m:r>
+                                </m:sub>
+                              </m:sSub>
+                              <m:r>
+                                <a:rPr lang="en-US" sz="2800" b="0" i="1" smtClean="0">
+                                  <a:latin typeface="Cambria Math" charset="0"/>
+                                </a:rPr>
+                                <m:t>(</m:t>
+                              </m:r>
+                              <m:acc>
+                                <m:accPr>
+                                  <m:chr m:val="⃗"/>
+                                  <m:ctrlPr>
+                                    <a:rPr lang="en-US" sz="2800" b="0" i="1" smtClean="0">
+                                      <a:latin typeface="Cambria Math" charset="0"/>
+                                    </a:rPr>
+                                  </m:ctrlPr>
+                                </m:accPr>
+                                <m:e>
+                                  <m:r>
+                                    <a:rPr lang="en-US" sz="2800" b="0" i="1" smtClean="0">
+                                      <a:latin typeface="Cambria Math" charset="0"/>
+                                    </a:rPr>
+                                    <m:t>𝑋</m:t>
+                                  </m:r>
+                                </m:e>
+                              </m:acc>
+                              <m:r>
+                                <a:rPr lang="en-US" sz="2800" b="0" i="1" smtClean="0">
+                                  <a:latin typeface="Cambria Math" charset="0"/>
+                                </a:rPr>
+                                <m:t>,</m:t>
+                              </m:r>
+                              <m:r>
+                                <a:rPr lang="en-US" sz="2800" b="0" i="1" smtClean="0">
+                                  <a:latin typeface="Cambria Math" charset="0"/>
+                                </a:rPr>
+                                <m:t>𝐺</m:t>
+                              </m:r>
+                              <m:r>
+                                <a:rPr lang="en-US" sz="2800" b="0" i="1" smtClean="0">
+                                  <a:latin typeface="Cambria Math" charset="0"/>
+                                </a:rPr>
+                                <m:t>, </m:t>
+                              </m:r>
+                              <m:acc>
+                                <m:accPr>
+                                  <m:chr m:val="⃗"/>
+                                  <m:ctrlPr>
+                                    <a:rPr lang="en-US" sz="2800" i="1">
+                                      <a:latin typeface="Cambria Math" charset="0"/>
+                                    </a:rPr>
+                                  </m:ctrlPr>
+                                </m:accPr>
+                                <m:e>
+                                  <m:r>
+                                    <a:rPr lang="en-US" sz="2800" b="0" i="1" smtClean="0">
+                                      <a:latin typeface="Cambria Math" charset="0"/>
+                                    </a:rPr>
+                                    <m:t>𝑑𝑇</m:t>
+                                  </m:r>
+                                </m:e>
+                              </m:acc>
+                              <m:r>
+                                <a:rPr lang="en-US" sz="2800" b="0" i="1" smtClean="0">
+                                  <a:latin typeface="Cambria Math" charset="0"/>
+                                </a:rPr>
+                                <m:t>)</m:t>
+                              </m:r>
+                              <m:r>
+                                <a:rPr lang="is-IS" sz="2800" b="0" i="1" smtClean="0">
+                                  <a:latin typeface="Cambria Math" charset="0"/>
+                                  <a:ea typeface="Cambria Math" charset="0"/>
+                                  <a:cs typeface="Cambria Math" charset="0"/>
+                                </a:rPr>
+                                <m:t>→</m:t>
+                              </m:r>
+                              <m:func>
+                                <m:funcPr>
+                                  <m:ctrlPr>
+                                    <a:rPr lang="mr-IN" sz="2800" b="0" i="1" smtClean="0">
+                                      <a:latin typeface="Cambria Math" charset="0"/>
+                                      <a:ea typeface="Cambria Math" charset="0"/>
+                                      <a:cs typeface="Cambria Math" charset="0"/>
+                                    </a:rPr>
+                                  </m:ctrlPr>
+                                </m:funcPr>
+                                <m:fName>
+                                  <m:limLow>
+                                    <m:limLowPr>
+                                      <m:ctrlPr>
+                                        <a:rPr lang="mr-IN" sz="2800" b="0" i="1" smtClean="0">
+                                          <a:latin typeface="Cambria Math" charset="0"/>
+                                          <a:ea typeface="Cambria Math" charset="0"/>
+                                          <a:cs typeface="Cambria Math" charset="0"/>
+                                        </a:rPr>
+                                      </m:ctrlPr>
+                                    </m:limLowPr>
+                                    <m:e>
+                                      <m:r>
+                                        <m:rPr>
+                                          <m:sty m:val="p"/>
+                                        </m:rPr>
+                                        <a:rPr lang="mr-IN" sz="2800" b="0" i="0" smtClean="0">
+                                          <a:latin typeface="Cambria Math" charset="0"/>
+                                          <a:ea typeface="Cambria Math" charset="0"/>
+                                          <a:cs typeface="Cambria Math" charset="0"/>
+                                        </a:rPr>
+                                        <m:t>min</m:t>
+                                      </m:r>
+                                    </m:e>
+                                    <m:lim>
+                                      <m:r>
+                                        <a:rPr lang="en-US" sz="2800" b="0" i="1" smtClean="0">
+                                          <a:latin typeface="Cambria Math" charset="0"/>
+                                          <a:ea typeface="Cambria Math" charset="0"/>
+                                          <a:cs typeface="Cambria Math" charset="0"/>
+                                        </a:rPr>
+                                        <m:t>𝐺</m:t>
+                                      </m:r>
+                                      <m:r>
+                                        <a:rPr lang="en-US" sz="2800" b="0" i="1" smtClean="0">
+                                          <a:latin typeface="Cambria Math" charset="0"/>
+                                          <a:ea typeface="Cambria Math" charset="0"/>
+                                          <a:cs typeface="Cambria Math" charset="0"/>
+                                        </a:rPr>
+                                        <m:t>,</m:t>
+                                      </m:r>
+                                      <m:acc>
+                                        <m:accPr>
+                                          <m:chr m:val="⃗"/>
+                                          <m:ctrlPr>
+                                            <a:rPr lang="mr-IN" sz="2800" b="0" i="1" smtClean="0">
+                                              <a:latin typeface="Cambria Math" charset="0"/>
+                                              <a:ea typeface="Cambria Math" charset="0"/>
+                                              <a:cs typeface="Cambria Math" charset="0"/>
+                                            </a:rPr>
+                                          </m:ctrlPr>
+                                        </m:accPr>
+                                        <m:e>
+                                          <m:r>
+                                            <a:rPr lang="en-US" sz="2800" b="0" i="1" smtClean="0">
+                                              <a:latin typeface="Cambria Math" charset="0"/>
+                                              <a:ea typeface="Cambria Math" charset="0"/>
+                                              <a:cs typeface="Cambria Math" charset="0"/>
+                                            </a:rPr>
+                                            <m:t>𝑋</m:t>
+                                          </m:r>
+                                        </m:e>
+                                      </m:acc>
+                                    </m:lim>
+                                  </m:limLow>
+                                </m:fName>
+                                <m:e>
+                                  <m:r>
+                                    <a:rPr lang="en-US" sz="2800" b="0" i="1" smtClean="0">
+                                      <a:latin typeface="Cambria Math" charset="0"/>
+                                      <a:ea typeface="Cambria Math" charset="0"/>
+                                      <a:cs typeface="Cambria Math" charset="0"/>
+                                    </a:rPr>
+                                    <m:t> </m:t>
+                                  </m:r>
+                                </m:e>
+                              </m:func>
+                            </m:e>
+                            <m:e>
+                              <m:d>
+                                <m:dPr>
+                                  <m:begChr m:val="|"/>
+                                  <m:endChr m:val="|"/>
+                                  <m:ctrlPr>
+                                    <a:rPr lang="hr-HR" sz="2800" i="1" smtClean="0">
+                                      <a:latin typeface="Cambria Math" charset="0"/>
+                                    </a:rPr>
+                                  </m:ctrlPr>
+                                </m:dPr>
+                                <m:e>
+                                  <m:sSub>
+                                    <m:sSubPr>
+                                      <m:ctrlPr>
+                                        <a:rPr lang="en-US" sz="2800" i="1" smtClean="0">
+                                          <a:latin typeface="Cambria Math" charset="0"/>
+                                        </a:rPr>
+                                      </m:ctrlPr>
+                                    </m:sSubPr>
+                                    <m:e>
+                                      <m:r>
+                                        <a:rPr lang="en-US" sz="2800" b="0" i="1" smtClean="0">
+                                          <a:latin typeface="Cambria Math" charset="0"/>
+                                        </a:rPr>
+                                        <m:t>𝑁𝑁</m:t>
+                                      </m:r>
+                                    </m:e>
+                                    <m:sub>
+                                      <m:r>
+                                        <a:rPr lang="en-US" sz="2800" b="0" i="1" smtClean="0">
+                                          <a:latin typeface="Cambria Math" charset="0"/>
+                                        </a:rPr>
+                                        <m:t>1</m:t>
+                                      </m:r>
+                                    </m:sub>
+                                  </m:sSub>
+                                  <m:d>
+                                    <m:dPr>
+                                      <m:ctrlPr>
+                                        <a:rPr lang="en-US" sz="2800" b="0" i="1" smtClean="0">
+                                          <a:latin typeface="Cambria Math" charset="0"/>
+                                        </a:rPr>
+                                      </m:ctrlPr>
+                                    </m:dPr>
+                                    <m:e>
+                                      <m:acc>
+                                        <m:accPr>
+                                          <m:chr m:val="⃗"/>
+                                          <m:ctrlPr>
+                                            <a:rPr lang="en-US" sz="2800" b="0" i="1" smtClean="0">
+                                              <a:latin typeface="Cambria Math" charset="0"/>
+                                            </a:rPr>
+                                          </m:ctrlPr>
+                                        </m:accPr>
+                                        <m:e>
+                                          <m:r>
+                                            <a:rPr lang="en-US" sz="2800" b="0" i="1" smtClean="0">
+                                              <a:latin typeface="Cambria Math" charset="0"/>
+                                            </a:rPr>
+                                            <m:t>𝑑𝑇</m:t>
+                                          </m:r>
+                                        </m:e>
+                                      </m:acc>
+                                      <m:r>
+                                        <a:rPr lang="en-US" sz="2800" b="0" i="1" smtClean="0">
+                                          <a:latin typeface="Cambria Math" charset="0"/>
+                                        </a:rPr>
+                                        <m:t>, </m:t>
+                                      </m:r>
+                                      <m:r>
+                                        <a:rPr lang="en-US" sz="2800" b="0" i="1" smtClean="0">
+                                          <a:latin typeface="Cambria Math" charset="0"/>
+                                        </a:rPr>
+                                        <m:t>𝐺</m:t>
+                                      </m:r>
+                                      <m:r>
+                                        <a:rPr lang="en-US" sz="2800" b="0" i="1" smtClean="0">
+                                          <a:latin typeface="Cambria Math" charset="0"/>
+                                        </a:rPr>
+                                        <m:t>, </m:t>
+                                      </m:r>
+                                      <m:acc>
+                                        <m:accPr>
+                                          <m:chr m:val="⃗"/>
+                                          <m:ctrlPr>
+                                            <a:rPr lang="en-US" sz="2800" b="0" i="1" smtClean="0">
+                                              <a:latin typeface="Cambria Math" charset="0"/>
+                                            </a:rPr>
+                                          </m:ctrlPr>
+                                        </m:accPr>
+                                        <m:e>
+                                          <m:r>
+                                            <a:rPr lang="en-US" sz="2800" b="0" i="1" smtClean="0">
+                                              <a:latin typeface="Cambria Math" charset="0"/>
+                                            </a:rPr>
+                                            <m:t>𝑃</m:t>
+                                          </m:r>
+                                        </m:e>
+                                      </m:acc>
+                                    </m:e>
+                                  </m:d>
+                                  <m:r>
+                                    <a:rPr lang="en-US" sz="2800" b="0" i="1" smtClean="0">
+                                      <a:latin typeface="Cambria Math" charset="0"/>
+                                    </a:rPr>
+                                    <m:t>− </m:t>
+                                  </m:r>
+                                  <m:acc>
+                                    <m:accPr>
+                                      <m:chr m:val="⃗"/>
+                                      <m:ctrlPr>
+                                        <a:rPr lang="en-US" sz="2800" b="0" i="1" smtClean="0">
+                                          <a:latin typeface="Cambria Math" charset="0"/>
+                                        </a:rPr>
+                                      </m:ctrlPr>
+                                    </m:accPr>
+                                    <m:e>
+                                      <m:r>
+                                        <a:rPr lang="en-US" sz="2800" b="0" i="1" smtClean="0">
+                                          <a:latin typeface="Cambria Math" charset="0"/>
+                                        </a:rPr>
+                                        <m:t>𝑋</m:t>
+                                      </m:r>
+                                    </m:e>
+                                  </m:acc>
+                                </m:e>
+                              </m:d>
+                              <m:r>
+                                <a:rPr lang="en-US" sz="2800" b="0" i="1" smtClean="0">
+                                  <a:latin typeface="Cambria Math" charset="0"/>
+                                </a:rPr>
+                                <m:t>&lt; </m:t>
+                              </m:r>
+                              <m:r>
+                                <a:rPr lang="en-US" sz="2800" b="0" i="1" smtClean="0">
+                                  <a:latin typeface="Cambria Math" charset="0"/>
+                                  <a:ea typeface="Cambria Math" charset="0"/>
+                                  <a:cs typeface="Cambria Math" charset="0"/>
+                                </a:rPr>
+                                <m:t>𝜀</m:t>
+                              </m:r>
+                            </m:e>
+                          </m:eqArr>
+                        </m:e>
+                      </m:d>
+                    </m:oMath>
+                  </m:oMathPara>
+                </a14:m>
+                <a:endParaRPr lang="ru-RU" sz="2800" dirty="0"/>
+              </a:p>
+            </p:txBody>
+          </p:sp>
+        </mc:Choice>
+        <mc:Fallback>
+          <p:sp>
+            <p:nvSpPr>
+              <p:cNvPr id="4" name="TextBox 3"/>
+              <p:cNvSpPr txBox="1">
+                <a:spLocks noRot="1" noChangeAspect="1" noMove="1" noResize="1" noEditPoints="1" noAdjustHandles="1" noChangeArrowheads="1" noChangeShapeType="1" noTextEdit="1"/>
+              </p:cNvSpPr>
+              <p:nvPr/>
+            </p:nvSpPr>
+            <p:spPr>
+              <a:xfrm>
+                <a:off x="1154954" y="3357113"/>
+                <a:ext cx="4358309" cy="1687834"/>
+              </a:xfrm>
+              <a:prstGeom prst="rect">
+                <a:avLst/>
+              </a:prstGeom>
+              <a:blipFill rotWithShape="0">
+                <a:blip r:embed="rId2"/>
+                <a:stretch>
+                  <a:fillRect/>
+                </a:stretch>
+              </a:blipFill>
+            </p:spPr>
+            <p:txBody>
+              <a:bodyPr/>
+              <a:lstStyle/>
+              <a:p>
+                <a:r>
+                  <a:rPr lang="ru-RU">
+                    <a:noFill/>
+                  </a:rPr>
+                  <a:t> </a:t>
+                </a:r>
+              </a:p>
+            </p:txBody>
+          </p:sp>
+        </mc:Fallback>
+      </mc:AlternateContent>
+      <mc:AlternateContent xmlns:mc="http://schemas.openxmlformats.org/markup-compatibility/2006">
+        <mc:Choice xmlns:a14="http://schemas.microsoft.com/office/drawing/2010/main" Requires="a14">
+          <p:sp>
+            <p:nvSpPr>
+              <p:cNvPr id="5" name="TextBox 4"/>
+              <p:cNvSpPr txBox="1"/>
+              <p:nvPr/>
+            </p:nvSpPr>
+            <p:spPr>
+              <a:xfrm>
+                <a:off x="5919537" y="3269781"/>
+                <a:ext cx="4702313" cy="1862498"/>
+              </a:xfrm>
+              <a:prstGeom prst="rect">
+                <a:avLst/>
+              </a:prstGeom>
+              <a:noFill/>
+            </p:spPr>
+            <p:txBody>
+              <a:bodyPr wrap="none" rtlCol="0">
+                <a:spAutoFit/>
+              </a:bodyPr>
+              <a:lstStyle/>
+              <a:p>
+                <a:pPr/>
+                <a14:m>
+                  <m:oMathPara xmlns:m="http://schemas.openxmlformats.org/officeDocument/2006/math">
+                    <m:oMathParaPr>
+                      <m:jc m:val="left"/>
+                    </m:oMathParaPr>
+                    <m:oMath xmlns:m="http://schemas.openxmlformats.org/officeDocument/2006/math">
+                      <m:acc>
+                        <m:accPr>
+                          <m:chr m:val="⃗"/>
+                          <m:ctrlPr>
+                            <a:rPr lang="ru-RU" b="0" i="1" smtClean="0">
+                              <a:latin typeface="Cambria Math" charset="0"/>
+                            </a:rPr>
+                          </m:ctrlPr>
+                        </m:accPr>
+                        <m:e>
+                          <m:r>
+                            <a:rPr lang="en-US" b="0" i="1" smtClean="0">
+                              <a:latin typeface="Cambria Math" charset="0"/>
+                            </a:rPr>
+                            <m:t>𝑋</m:t>
+                          </m:r>
+                        </m:e>
+                      </m:acc>
+                      <m:r>
+                        <a:rPr lang="ru-RU" b="0" i="1" smtClean="0">
+                          <a:latin typeface="Cambria Math" charset="0"/>
+                        </a:rPr>
+                        <m:t> −искомый вектор регуляторов,</m:t>
+                      </m:r>
+                    </m:oMath>
+                  </m:oMathPara>
+                </a14:m>
+                <a:endParaRPr lang="ru-RU" b="0" dirty="0" smtClean="0"/>
+              </a:p>
+              <a:p>
+                <a:pPr/>
+                <a14:m>
+                  <m:oMathPara xmlns:m="http://schemas.openxmlformats.org/officeDocument/2006/math">
+                    <m:oMathParaPr>
+                      <m:jc m:val="left"/>
+                    </m:oMathParaPr>
+                    <m:oMath xmlns:m="http://schemas.openxmlformats.org/officeDocument/2006/math">
+                      <m:r>
+                        <a:rPr lang="en-US" b="0" i="1" smtClean="0">
+                          <a:latin typeface="Cambria Math" charset="0"/>
+                        </a:rPr>
+                        <m:t>𝐺</m:t>
+                      </m:r>
+                      <m:r>
+                        <a:rPr lang="en-US" b="0" i="1" smtClean="0">
+                          <a:latin typeface="Cambria Math" charset="0"/>
+                        </a:rPr>
+                        <m:t> −пока</m:t>
+                      </m:r>
+                      <m:r>
+                        <a:rPr lang="ru-RU" b="0" i="1" smtClean="0">
+                          <a:latin typeface="Cambria Math" charset="0"/>
+                        </a:rPr>
+                        <m:t>зание регулятора газа,</m:t>
+                      </m:r>
+                    </m:oMath>
+                  </m:oMathPara>
+                </a14:m>
+                <a:endParaRPr lang="ru-RU" b="0" dirty="0" smtClean="0"/>
+              </a:p>
+              <a:p>
+                <a:pPr/>
+                <a14:m>
+                  <m:oMathPara xmlns:m="http://schemas.openxmlformats.org/officeDocument/2006/math">
+                    <m:oMathParaPr>
+                      <m:jc m:val="left"/>
+                    </m:oMathParaPr>
+                    <m:oMath xmlns:m="http://schemas.openxmlformats.org/officeDocument/2006/math">
+                      <m:acc>
+                        <m:accPr>
+                          <m:chr m:val="⃗"/>
+                          <m:ctrlPr>
+                            <a:rPr lang="ru-RU" i="1" smtClean="0">
+                              <a:latin typeface="Cambria Math" charset="0"/>
+                            </a:rPr>
+                          </m:ctrlPr>
+                        </m:accPr>
+                        <m:e>
+                          <m:r>
+                            <a:rPr lang="en-US" b="0" i="1" smtClean="0">
+                              <a:latin typeface="Cambria Math" charset="0"/>
+                            </a:rPr>
+                            <m:t>𝑑𝑇</m:t>
+                          </m:r>
+                        </m:e>
+                      </m:acc>
+                      <m:r>
+                        <a:rPr lang="en-US" b="0" i="1" smtClean="0">
+                          <a:latin typeface="Cambria Math" charset="0"/>
+                        </a:rPr>
+                        <m:t> −</m:t>
+                      </m:r>
+                      <m:r>
+                        <a:rPr lang="ru-RU" b="0" i="1" smtClean="0">
+                          <a:latin typeface="Cambria Math" charset="0"/>
+                        </a:rPr>
+                        <m:t>вектор изменений температуры,</m:t>
+                      </m:r>
+                    </m:oMath>
+                  </m:oMathPara>
+                </a14:m>
+                <a:endParaRPr lang="ru-RU" b="0" dirty="0" smtClean="0"/>
+              </a:p>
+              <a:p>
+                <a:pPr/>
+                <a14:m>
+                  <m:oMathPara xmlns:m="http://schemas.openxmlformats.org/officeDocument/2006/math">
+                    <m:oMathParaPr>
+                      <m:jc m:val="left"/>
+                    </m:oMathParaPr>
+                    <m:oMath xmlns:m="http://schemas.openxmlformats.org/officeDocument/2006/math">
+                      <m:acc>
+                        <m:accPr>
+                          <m:chr m:val="⃗"/>
+                          <m:ctrlPr>
+                            <a:rPr lang="ru-RU" i="1" smtClean="0">
+                              <a:latin typeface="Cambria Math" charset="0"/>
+                            </a:rPr>
+                          </m:ctrlPr>
+                        </m:accPr>
+                        <m:e>
+                          <m:r>
+                            <a:rPr lang="en-US" b="0" i="1" smtClean="0">
+                              <a:latin typeface="Cambria Math" charset="0"/>
+                            </a:rPr>
+                            <m:t>𝑃</m:t>
+                          </m:r>
+                        </m:e>
+                      </m:acc>
+                      <m:r>
+                        <a:rPr lang="en-US" b="0" i="1" smtClean="0">
+                          <a:latin typeface="Cambria Math" charset="0"/>
+                        </a:rPr>
+                        <m:t> −</m:t>
+                      </m:r>
+                      <m:r>
+                        <a:rPr lang="ru-RU" b="0" i="1" smtClean="0">
+                          <a:latin typeface="Cambria Math" charset="0"/>
+                        </a:rPr>
+                        <m:t>вектор дополнительных параметров,</m:t>
+                      </m:r>
+                    </m:oMath>
+                  </m:oMathPara>
+                </a14:m>
+                <a:endParaRPr lang="ru-RU" b="0" dirty="0" smtClean="0"/>
+              </a:p>
+              <a:p>
+                <a:pPr/>
+                <a14:m>
+                  <m:oMathPara xmlns:m="http://schemas.openxmlformats.org/officeDocument/2006/math">
+                    <m:oMathParaPr>
+                      <m:jc m:val="left"/>
+                    </m:oMathParaPr>
+                    <m:oMath xmlns:m="http://schemas.openxmlformats.org/officeDocument/2006/math">
+                      <m:sSub>
+                        <m:sSubPr>
+                          <m:ctrlPr>
+                            <a:rPr lang="en-US" i="1" smtClean="0">
+                              <a:latin typeface="Cambria Math" charset="0"/>
+                            </a:rPr>
+                          </m:ctrlPr>
+                        </m:sSubPr>
+                        <m:e>
+                          <m:r>
+                            <a:rPr lang="en-US" b="0" i="1" smtClean="0">
+                              <a:latin typeface="Cambria Math" charset="0"/>
+                            </a:rPr>
+                            <m:t>𝑁𝑁</m:t>
+                          </m:r>
+                        </m:e>
+                        <m:sub>
+                          <m:r>
+                            <a:rPr lang="en-US" b="0" i="1" smtClean="0">
+                              <a:latin typeface="Cambria Math" charset="0"/>
+                            </a:rPr>
+                            <m:t>1</m:t>
+                          </m:r>
+                        </m:sub>
+                      </m:sSub>
+                      <m:r>
+                        <a:rPr lang="en-US" b="0" i="1" smtClean="0">
+                          <a:latin typeface="Cambria Math" charset="0"/>
+                        </a:rPr>
+                        <m:t>, </m:t>
+                      </m:r>
+                      <m:sSub>
+                        <m:sSubPr>
+                          <m:ctrlPr>
+                            <a:rPr lang="en-US" b="0" i="1" smtClean="0">
+                              <a:latin typeface="Cambria Math" charset="0"/>
+                            </a:rPr>
+                          </m:ctrlPr>
+                        </m:sSubPr>
+                        <m:e>
+                          <m:r>
+                            <a:rPr lang="en-US" b="0" i="1" smtClean="0">
+                              <a:latin typeface="Cambria Math" charset="0"/>
+                            </a:rPr>
+                            <m:t>𝑁𝑁</m:t>
+                          </m:r>
+                        </m:e>
+                        <m:sub>
+                          <m:r>
+                            <a:rPr lang="en-US" b="0" i="1" smtClean="0">
+                              <a:latin typeface="Cambria Math" charset="0"/>
+                            </a:rPr>
+                            <m:t>2</m:t>
+                          </m:r>
+                        </m:sub>
+                      </m:sSub>
+                      <m:r>
+                        <a:rPr lang="en-US" b="0" i="1" smtClean="0">
+                          <a:latin typeface="Cambria Math" charset="0"/>
+                        </a:rPr>
+                        <m:t> −</m:t>
+                      </m:r>
+                      <m:r>
+                        <a:rPr lang="ru-RU" b="0" i="1" smtClean="0">
+                          <a:latin typeface="Cambria Math" charset="0"/>
+                        </a:rPr>
+                        <m:t>Нейронные Сети,</m:t>
+                      </m:r>
+                    </m:oMath>
+                  </m:oMathPara>
+                </a14:m>
+                <a:endParaRPr lang="ru-RU" b="0" dirty="0" smtClean="0"/>
+              </a:p>
+              <a:p>
+                <a:pPr/>
+                <a14:m>
+                  <m:oMathPara xmlns:m="http://schemas.openxmlformats.org/officeDocument/2006/math">
+                    <m:oMathParaPr>
+                      <m:jc m:val="left"/>
+                    </m:oMathParaPr>
+                    <m:oMath xmlns:m="http://schemas.openxmlformats.org/officeDocument/2006/math">
+                      <m:r>
+                        <a:rPr lang="en-US" i="1">
+                          <a:latin typeface="Cambria Math" charset="0"/>
+                          <a:ea typeface="Cambria Math" charset="0"/>
+                          <a:cs typeface="Cambria Math" charset="0"/>
+                        </a:rPr>
+                        <m:t>𝜀</m:t>
+                      </m:r>
+                      <m:r>
+                        <a:rPr lang="ru-RU" b="0" i="1" smtClean="0">
+                          <a:latin typeface="Cambria Math" charset="0"/>
+                          <a:ea typeface="Cambria Math" charset="0"/>
+                          <a:cs typeface="Cambria Math" charset="0"/>
+                        </a:rPr>
+                        <m:t> − </m:t>
+                      </m:r>
+                      <m:r>
+                        <a:rPr lang="ru-RU" b="0" i="1" smtClean="0">
+                          <a:latin typeface="Cambria Math" charset="0"/>
+                        </a:rPr>
+                        <m:t>порог изменения регуляторов</m:t>
+                      </m:r>
+                    </m:oMath>
+                  </m:oMathPara>
+                </a14:m>
+                <a:endParaRPr lang="ru-RU" dirty="0"/>
+              </a:p>
+            </p:txBody>
+          </p:sp>
+        </mc:Choice>
+        <mc:Fallback>
+          <p:sp>
+            <p:nvSpPr>
+              <p:cNvPr id="5" name="TextBox 4"/>
+              <p:cNvSpPr txBox="1">
+                <a:spLocks noRot="1" noChangeAspect="1" noMove="1" noResize="1" noEditPoints="1" noAdjustHandles="1" noChangeArrowheads="1" noChangeShapeType="1" noTextEdit="1"/>
+              </p:cNvSpPr>
+              <p:nvPr/>
+            </p:nvSpPr>
+            <p:spPr>
+              <a:xfrm>
+                <a:off x="5919537" y="3269781"/>
+                <a:ext cx="4702313" cy="1862498"/>
+              </a:xfrm>
+              <a:prstGeom prst="rect">
+                <a:avLst/>
+              </a:prstGeom>
+              <a:blipFill rotWithShape="0">
+                <a:blip r:embed="rId3"/>
+                <a:stretch>
+                  <a:fillRect t="-16667" b="-23856"/>
+                </a:stretch>
+              </a:blipFill>
+            </p:spPr>
+            <p:txBody>
+              <a:bodyPr/>
+              <a:lstStyle/>
+              <a:p>
+                <a:r>
+                  <a:rPr lang="ru-RU">
+                    <a:noFill/>
+                  </a:rPr>
+                  <a:t> </a:t>
+                </a:r>
+              </a:p>
+            </p:txBody>
+          </p:sp>
+        </mc:Fallback>
+      </mc:AlternateContent>
+      <p:sp>
+        <p:nvSpPr>
+          <p:cNvPr id="11" name="Объект 2"/>
+          <p:cNvSpPr txBox="1">
+            <a:spLocks/>
+          </p:cNvSpPr>
+          <p:nvPr/>
+        </p:nvSpPr>
+        <p:spPr>
+          <a:xfrm>
+            <a:off x="1154954" y="5404242"/>
+            <a:ext cx="8825659" cy="1054100"/>
+          </a:xfrm>
+          <a:prstGeom prst="rect">
+            <a:avLst/>
+          </a:prstGeom>
+        </p:spPr>
+        <p:txBody>
+          <a:bodyPr vert="horz" lIns="91440" tIns="45720" rIns="91440" bIns="45720" rtlCol="0">
+            <a:normAutofit/>
+          </a:bodyPr>
+          <a:lstStyle>
+            <a:lvl1pPr marL="342900" indent="-342900" algn="l" defTabSz="457200" rtl="0" eaLnBrk="1" latinLnBrk="0" hangingPunct="1">
+              <a:spcBef>
+                <a:spcPts val="1000"/>
+              </a:spcBef>
+              <a:spcAft>
+                <a:spcPts val="0"/>
+              </a:spcAft>
+              <a:buClr>
+                <a:schemeClr val="accent1"/>
+              </a:buClr>
+              <a:buSzPct val="80000"/>
+              <a:buFont typeface="Wingdings 3" charset="2"/>
+              <a:buChar char=""/>
+              <a:defRPr sz="1800" b="0" i="0" kern="1200">
+                <a:solidFill>
+                  <a:schemeClr val="tx1">
+                    <a:lumMod val="75000"/>
+                    <a:lumOff val="25000"/>
+                  </a:schemeClr>
+                </a:solidFill>
+                <a:latin typeface="+mn-lt"/>
+                <a:ea typeface="+mn-ea"/>
+                <a:cs typeface="+mn-cs"/>
+              </a:defRPr>
+            </a:lvl1pPr>
+            <a:lvl2pPr marL="742950" indent="-285750" algn="l" defTabSz="457200" rtl="0" eaLnBrk="1" latinLnBrk="0" hangingPunct="1">
+              <a:spcBef>
+                <a:spcPts val="1000"/>
+              </a:spcBef>
+              <a:spcAft>
+                <a:spcPts val="0"/>
+              </a:spcAft>
+              <a:buClr>
+                <a:schemeClr val="accent1"/>
+              </a:buClr>
+              <a:buSzPct val="80000"/>
+              <a:buFont typeface="Wingdings 3" charset="2"/>
+              <a:buChar char=""/>
+              <a:defRPr sz="1600" b="0" i="0" kern="1200">
+                <a:solidFill>
+                  <a:schemeClr val="tx1">
+                    <a:lumMod val="75000"/>
+                    <a:lumOff val="25000"/>
+                  </a:schemeClr>
+                </a:solidFill>
+                <a:latin typeface="+mn-lt"/>
+                <a:ea typeface="+mn-ea"/>
+                <a:cs typeface="+mn-cs"/>
+              </a:defRPr>
+            </a:lvl2pPr>
+            <a:lvl3pPr marL="1143000" indent="-228600" algn="l" defTabSz="457200" rtl="0" eaLnBrk="1" latinLnBrk="0" hangingPunct="1">
+              <a:spcBef>
+                <a:spcPts val="1000"/>
+              </a:spcBef>
+              <a:spcAft>
+                <a:spcPts val="0"/>
+              </a:spcAft>
+              <a:buClr>
+                <a:schemeClr val="accent1"/>
+              </a:buClr>
+              <a:buSzPct val="80000"/>
+              <a:buFont typeface="Wingdings 3" charset="2"/>
+              <a:buChar char=""/>
+              <a:defRPr sz="1400" b="0" i="0" kern="1200">
+                <a:solidFill>
+                  <a:schemeClr val="tx1">
+                    <a:lumMod val="75000"/>
+                    <a:lumOff val="25000"/>
+                  </a:schemeClr>
+                </a:solidFill>
+                <a:latin typeface="+mn-lt"/>
+                <a:ea typeface="+mn-ea"/>
+                <a:cs typeface="+mn-cs"/>
+              </a:defRPr>
+            </a:lvl3pPr>
+            <a:lvl4pPr marL="1600200" indent="-228600" algn="l" defTabSz="457200" rtl="0" eaLnBrk="1" latinLnBrk="0" hangingPunct="1">
+              <a:spcBef>
+                <a:spcPts val="1000"/>
+              </a:spcBef>
+              <a:spcAft>
+                <a:spcPts val="0"/>
+              </a:spcAft>
+              <a:buClr>
+                <a:schemeClr val="accent1"/>
+              </a:buClr>
+              <a:buSzPct val="80000"/>
+              <a:buFont typeface="Wingdings 3" charset="2"/>
+              <a:buChar char=""/>
+              <a:defRPr sz="1200" b="0" i="0" kern="1200">
+                <a:solidFill>
+                  <a:schemeClr val="tx1">
+                    <a:lumMod val="75000"/>
+                    <a:lumOff val="25000"/>
+                  </a:schemeClr>
+                </a:solidFill>
+                <a:latin typeface="+mn-lt"/>
+                <a:ea typeface="+mn-ea"/>
+                <a:cs typeface="+mn-cs"/>
+              </a:defRPr>
+            </a:lvl4pPr>
+            <a:lvl5pPr marL="2057400" indent="-228600" algn="l" defTabSz="457200" rtl="0" eaLnBrk="1" latinLnBrk="0" hangingPunct="1">
+              <a:spcBef>
+                <a:spcPts val="1000"/>
+              </a:spcBef>
+              <a:spcAft>
+                <a:spcPts val="0"/>
+              </a:spcAft>
+              <a:buClr>
+                <a:schemeClr val="accent1"/>
+              </a:buClr>
+              <a:buSzPct val="80000"/>
+              <a:buFont typeface="Wingdings 3" charset="2"/>
+              <a:buChar char=""/>
+              <a:defRPr sz="1200" b="0" i="0" kern="1200">
+                <a:solidFill>
+                  <a:schemeClr val="tx1">
+                    <a:lumMod val="75000"/>
+                    <a:lumOff val="25000"/>
+                  </a:schemeClr>
+                </a:solidFill>
+                <a:latin typeface="+mn-lt"/>
+                <a:ea typeface="+mn-ea"/>
+                <a:cs typeface="+mn-cs"/>
+              </a:defRPr>
+            </a:lvl5pPr>
+            <a:lvl6pPr marL="2514600" indent="-228600" algn="l" defTabSz="457200" rtl="0" eaLnBrk="1" latinLnBrk="0" hangingPunct="1">
+              <a:spcBef>
+                <a:spcPts val="1000"/>
+              </a:spcBef>
+              <a:spcAft>
+                <a:spcPts val="0"/>
+              </a:spcAft>
+              <a:buClr>
+                <a:schemeClr val="accent1"/>
+              </a:buClr>
+              <a:buSzPct val="80000"/>
+              <a:buFont typeface="Wingdings 3" charset="2"/>
+              <a:buChar char=""/>
+              <a:defRPr sz="1200" b="0" i="0" kern="1200">
+                <a:solidFill>
+                  <a:schemeClr val="tx1">
+                    <a:lumMod val="75000"/>
+                    <a:lumOff val="25000"/>
+                  </a:schemeClr>
+                </a:solidFill>
+                <a:latin typeface="+mn-lt"/>
+                <a:ea typeface="+mn-ea"/>
+                <a:cs typeface="+mn-cs"/>
+              </a:defRPr>
+            </a:lvl6pPr>
+            <a:lvl7pPr marL="2971800" indent="-228600" algn="l" defTabSz="457200" rtl="0" eaLnBrk="1" latinLnBrk="0" hangingPunct="1">
+              <a:spcBef>
+                <a:spcPts val="1000"/>
+              </a:spcBef>
+              <a:spcAft>
+                <a:spcPts val="0"/>
+              </a:spcAft>
+              <a:buClr>
+                <a:schemeClr val="accent1"/>
+              </a:buClr>
+              <a:buSzPct val="80000"/>
+              <a:buFont typeface="Wingdings 3" charset="2"/>
+              <a:buChar char=""/>
+              <a:defRPr sz="1200" b="0" i="0" kern="1200">
+                <a:solidFill>
+                  <a:schemeClr val="tx1">
+                    <a:lumMod val="75000"/>
+                    <a:lumOff val="25000"/>
+                  </a:schemeClr>
+                </a:solidFill>
+                <a:latin typeface="+mn-lt"/>
+                <a:ea typeface="+mn-ea"/>
+                <a:cs typeface="+mn-cs"/>
+              </a:defRPr>
+            </a:lvl7pPr>
+            <a:lvl8pPr marL="3429000" indent="-228600" algn="l" defTabSz="457200" rtl="0" eaLnBrk="1" latinLnBrk="0" hangingPunct="1">
+              <a:spcBef>
+                <a:spcPts val="1000"/>
+              </a:spcBef>
+              <a:spcAft>
+                <a:spcPts val="0"/>
+              </a:spcAft>
+              <a:buClr>
+                <a:schemeClr val="accent1"/>
+              </a:buClr>
+              <a:buSzPct val="80000"/>
+              <a:buFont typeface="Wingdings 3" charset="2"/>
+              <a:buChar char=""/>
+              <a:defRPr sz="1200" b="0" i="0" kern="1200">
+                <a:solidFill>
+                  <a:schemeClr val="tx1">
+                    <a:lumMod val="75000"/>
+                    <a:lumOff val="25000"/>
+                  </a:schemeClr>
+                </a:solidFill>
+                <a:latin typeface="+mn-lt"/>
+                <a:ea typeface="+mn-ea"/>
+                <a:cs typeface="+mn-cs"/>
+              </a:defRPr>
+            </a:lvl8pPr>
+            <a:lvl9pPr marL="3886200" indent="-228600" algn="l" defTabSz="457200" rtl="0" eaLnBrk="1" latinLnBrk="0" hangingPunct="1">
+              <a:spcBef>
+                <a:spcPts val="1000"/>
+              </a:spcBef>
+              <a:spcAft>
+                <a:spcPts val="0"/>
+              </a:spcAft>
+              <a:buClr>
+                <a:schemeClr val="accent1"/>
+              </a:buClr>
+              <a:buSzPct val="80000"/>
+              <a:buFont typeface="Wingdings 3" charset="2"/>
+              <a:buChar char=""/>
+              <a:defRPr sz="1200" b="0" i="0" kern="1200">
+                <a:solidFill>
+                  <a:schemeClr val="tx1">
+                    <a:lumMod val="75000"/>
+                    <a:lumOff val="25000"/>
+                  </a:schemeClr>
+                </a:solidFill>
+                <a:latin typeface="+mn-lt"/>
+                <a:ea typeface="+mn-ea"/>
+                <a:cs typeface="+mn-cs"/>
+              </a:defRPr>
+            </a:lvl9pPr>
+          </a:lstStyle>
+          <a:p>
+            <a:pPr marL="0" indent="0" algn="just" defTabSz="914400">
+              <a:spcBef>
+                <a:spcPts val="0"/>
+              </a:spcBef>
+              <a:buClrTx/>
+              <a:buSzTx/>
+              <a:buFontTx/>
+              <a:buNone/>
+              <a:defRPr/>
+            </a:pPr>
+            <a:r>
+              <a:rPr lang="ru-RU" dirty="0" smtClean="0"/>
+              <a:t>При решении этой задачи получается набор значений регуляторов радиаторов, кондиционеров и газа, при которых расход газа и электричества минимален для заданных изменений температур.</a:t>
+            </a:r>
+            <a:endParaRPr lang="ru-RU" dirty="0" smtClean="0"/>
           </a:p>
         </p:txBody>
       </p:sp>
     </p:spTree>
     <p:extLst>
       <p:ext uri="{BB962C8B-B14F-4D97-AF65-F5344CB8AC3E}">
-        <p14:creationId xmlns:p14="http://schemas.microsoft.com/office/powerpoint/2010/main" val="1752236804"/>
+        <p14:creationId xmlns:p14="http://schemas.microsoft.com/office/powerpoint/2010/main" val="774654297"/>
       </p:ext>
     </p:extLst>
   </p:cSld>
@@ -14117,7 +15178,7 @@
           <p:cNvPr id="2" name="Заголовок 1">
             <a:extLst>
               <a:ext uri="{FF2B5EF4-FFF2-40B4-BE49-F238E27FC236}">
-                <a16:creationId xmlns:a16="http://schemas.microsoft.com/office/drawing/2014/main" xmlns="" id="{1EDFF5A3-FBB5-461E-A9C7-923CD6FD0AC5}"/>
+                <a16:creationId xmlns="" xmlns:a16="http://schemas.microsoft.com/office/drawing/2014/main" id="{8E37EE3E-7E13-4864-B7D6-188A4C7379AB}"/>
               </a:ext>
             </a:extLst>
           </p:cNvPr>
@@ -14133,6 +15194,97 @@
           <a:bodyPr/>
           <a:lstStyle/>
           <a:p>
+            <a:r>
+              <a:rPr lang="ru-RU" dirty="0" smtClean="0"/>
+              <a:t>Логическая схема проекта</a:t>
+            </a:r>
+            <a:endParaRPr lang="ru-RU" dirty="0"/>
+          </a:p>
+        </p:txBody>
+      </p:sp>
+      <p:sp>
+        <p:nvSpPr>
+          <p:cNvPr id="3" name="Объект 2">
+            <a:extLst>
+              <a:ext uri="{FF2B5EF4-FFF2-40B4-BE49-F238E27FC236}">
+                <a16:creationId xmlns="" xmlns:a16="http://schemas.microsoft.com/office/drawing/2014/main" id="{43A29B75-2ABB-4B1A-A251-8B91867E88E8}"/>
+              </a:ext>
+            </a:extLst>
+          </p:cNvPr>
+          <p:cNvSpPr>
+            <a:spLocks noGrp="1"/>
+          </p:cNvSpPr>
+          <p:nvPr>
+            <p:ph idx="1"/>
+          </p:nvPr>
+        </p:nvSpPr>
+        <p:spPr/>
+        <p:txBody>
+          <a:bodyPr/>
+          <a:lstStyle/>
+          <a:p>
+            <a:endParaRPr lang="ru-RU"/>
+          </a:p>
+        </p:txBody>
+      </p:sp>
+    </p:spTree>
+    <p:extLst>
+      <p:ext uri="{BB962C8B-B14F-4D97-AF65-F5344CB8AC3E}">
+        <p14:creationId xmlns:p14="http://schemas.microsoft.com/office/powerpoint/2010/main" val="1752236804"/>
+      </p:ext>
+    </p:extLst>
+  </p:cSld>
+  <p:clrMapOvr>
+    <a:masterClrMapping/>
+  </p:clrMapOvr>
+  <p:timing>
+    <p:tnLst>
+      <p:par>
+        <p:cTn id="1" dur="indefinite" restart="never" nodeType="tmRoot"/>
+      </p:par>
+    </p:tnLst>
+  </p:timing>
+</p:sld>
+</file>
+
+<file path=ppt/slides/slide12.xml><?xml version="1.0" encoding="utf-8"?>
+<p:sld xmlns:a="http://schemas.openxmlformats.org/drawingml/2006/main" xmlns:r="http://schemas.openxmlformats.org/officeDocument/2006/relationships" xmlns:p="http://schemas.openxmlformats.org/presentationml/2006/main">
+  <p:cSld>
+    <p:spTree>
+      <p:nvGrpSpPr>
+        <p:cNvPr id="1" name=""/>
+        <p:cNvGrpSpPr/>
+        <p:nvPr/>
+      </p:nvGrpSpPr>
+      <p:grpSpPr>
+        <a:xfrm>
+          <a:off x="0" y="0"/>
+          <a:ext cx="0" cy="0"/>
+          <a:chOff x="0" y="0"/>
+          <a:chExt cx="0" cy="0"/>
+        </a:xfrm>
+      </p:grpSpPr>
+      <p:sp>
+        <p:nvSpPr>
+          <p:cNvPr id="2" name="Заголовок 1">
+            <a:extLst>
+              <a:ext uri="{FF2B5EF4-FFF2-40B4-BE49-F238E27FC236}">
+                <a16:creationId xmlns="" xmlns:a16="http://schemas.microsoft.com/office/drawing/2014/main" id="{1EDFF5A3-FBB5-461E-A9C7-923CD6FD0AC5}"/>
+              </a:ext>
+            </a:extLst>
+          </p:cNvPr>
+          <p:cNvSpPr>
+            <a:spLocks noGrp="1"/>
+          </p:cNvSpPr>
+          <p:nvPr>
+            <p:ph type="title"/>
+          </p:nvPr>
+        </p:nvSpPr>
+        <p:spPr/>
+        <p:txBody>
+          <a:bodyPr/>
+          <a:lstStyle/>
+          <a:p>
             <a:pPr algn="ctr"/>
             <a:r>
               <a:rPr lang="ru-RU" dirty="0" smtClean="0"/>
@@ -14150,7 +15302,7 @@
           <p:cNvPr id="4" name="TextBox 3">
             <a:extLst>
               <a:ext uri="{FF2B5EF4-FFF2-40B4-BE49-F238E27FC236}">
-                <a16:creationId xmlns:a16="http://schemas.microsoft.com/office/drawing/2014/main" xmlns="" id="{4E4FA2F1-D15C-41D0-9A52-83F93757370C}"/>
+                <a16:creationId xmlns="" xmlns:a16="http://schemas.microsoft.com/office/drawing/2014/main" id="{4E4FA2F1-D15C-41D0-9A52-83F93757370C}"/>
               </a:ext>
             </a:extLst>
           </p:cNvPr>
@@ -14175,11 +15327,7 @@
           <a:p>
             <a:r>
               <a:rPr lang="ru-RU" dirty="0"/>
-              <a:t>Операционная система </a:t>
-            </a:r>
-            <a:r>
-              <a:rPr lang="ru-RU" dirty="0"/>
-              <a:t>– </a:t>
+              <a:t>Операционная система – </a:t>
             </a:r>
             <a:r>
               <a:rPr lang="en-US" b="1" dirty="0"/>
@@ -14194,7 +15342,7 @@
           <p:cNvPr id="5" name="TextBox 4">
             <a:extLst>
               <a:ext uri="{FF2B5EF4-FFF2-40B4-BE49-F238E27FC236}">
-                <a16:creationId xmlns:a16="http://schemas.microsoft.com/office/drawing/2014/main" xmlns="" id="{3D338E15-5DA0-4290-87DD-685B0B4F9354}"/>
+                <a16:creationId xmlns="" xmlns:a16="http://schemas.microsoft.com/office/drawing/2014/main" id="{3D338E15-5DA0-4290-87DD-685B0B4F9354}"/>
               </a:ext>
             </a:extLst>
           </p:cNvPr>
@@ -14238,7 +15386,7 @@
           <p:cNvPr id="6" name="TextBox 5">
             <a:extLst>
               <a:ext uri="{FF2B5EF4-FFF2-40B4-BE49-F238E27FC236}">
-                <a16:creationId xmlns:a16="http://schemas.microsoft.com/office/drawing/2014/main" xmlns="" id="{9E4975CE-2E19-4571-8A7C-6D8D2DAC2458}"/>
+                <a16:creationId xmlns="" xmlns:a16="http://schemas.microsoft.com/office/drawing/2014/main" id="{9E4975CE-2E19-4571-8A7C-6D8D2DAC2458}"/>
               </a:ext>
             </a:extLst>
           </p:cNvPr>
@@ -14290,7 +15438,7 @@
           <p:cNvPr id="7" name="TextBox 6">
             <a:extLst>
               <a:ext uri="{FF2B5EF4-FFF2-40B4-BE49-F238E27FC236}">
-                <a16:creationId xmlns:a16="http://schemas.microsoft.com/office/drawing/2014/main" xmlns="" id="{7AB75CB3-42A9-4E90-97A9-F2EDFFD7B660}"/>
+                <a16:creationId xmlns="" xmlns:a16="http://schemas.microsoft.com/office/drawing/2014/main" id="{7AB75CB3-42A9-4E90-97A9-F2EDFFD7B660}"/>
               </a:ext>
             </a:extLst>
           </p:cNvPr>
@@ -14319,11 +15467,7 @@
             </a:r>
             <a:r>
               <a:rPr lang="ru-RU" dirty="0" smtClean="0"/>
-              <a:t>Модуля НС </a:t>
-            </a:r>
-            <a:r>
-              <a:rPr lang="ru-RU" dirty="0" smtClean="0"/>
-              <a:t>– </a:t>
+              <a:t>Модуля НС – </a:t>
             </a:r>
             <a:r>
               <a:rPr lang="en-US" b="1" dirty="0"/>
@@ -14338,7 +15482,7 @@
           <p:cNvPr id="1026" name="Picture 2" descr="Картинки по запросу ubuntu 16.04 logo">
             <a:extLst>
               <a:ext uri="{FF2B5EF4-FFF2-40B4-BE49-F238E27FC236}">
-                <a16:creationId xmlns:a16="http://schemas.microsoft.com/office/drawing/2014/main" xmlns="" id="{649412D1-37AC-4E01-B3BF-EDB810FD218B}"/>
+                <a16:creationId xmlns="" xmlns:a16="http://schemas.microsoft.com/office/drawing/2014/main" id="{649412D1-37AC-4E01-B3BF-EDB810FD218B}"/>
               </a:ext>
             </a:extLst>
           </p:cNvPr>
@@ -14385,7 +15529,7 @@
           <p:cNvPr id="1028" name="Picture 4" descr="Картинки по запросу apache">
             <a:extLst>
               <a:ext uri="{FF2B5EF4-FFF2-40B4-BE49-F238E27FC236}">
-                <a16:creationId xmlns:a16="http://schemas.microsoft.com/office/drawing/2014/main" xmlns="" id="{69EC288F-3BDA-4B82-8173-C158568131B1}"/>
+                <a16:creationId xmlns="" xmlns:a16="http://schemas.microsoft.com/office/drawing/2014/main" id="{69EC288F-3BDA-4B82-8173-C158568131B1}"/>
               </a:ext>
             </a:extLst>
           </p:cNvPr>
@@ -14432,7 +15576,7 @@
           <p:cNvPr id="1030" name="Picture 6" descr="Картинки по запросу php 7.0">
             <a:extLst>
               <a:ext uri="{FF2B5EF4-FFF2-40B4-BE49-F238E27FC236}">
-                <a16:creationId xmlns:a16="http://schemas.microsoft.com/office/drawing/2014/main" xmlns="" id="{204DCBAD-AB0E-4EAA-945D-9E89B6DAD8FF}"/>
+                <a16:creationId xmlns="" xmlns:a16="http://schemas.microsoft.com/office/drawing/2014/main" id="{204DCBAD-AB0E-4EAA-945D-9E89B6DAD8FF}"/>
               </a:ext>
             </a:extLst>
           </p:cNvPr>
@@ -14479,7 +15623,7 @@
           <p:cNvPr id="1032" name="Picture 8" descr="Картинки по запросу postgresql 9.5 logo">
             <a:extLst>
               <a:ext uri="{FF2B5EF4-FFF2-40B4-BE49-F238E27FC236}">
-                <a16:creationId xmlns:a16="http://schemas.microsoft.com/office/drawing/2014/main" xmlns="" id="{3ECD406A-7FCA-450D-8228-497295C73D27}"/>
+                <a16:creationId xmlns="" xmlns:a16="http://schemas.microsoft.com/office/drawing/2014/main" id="{3ECD406A-7FCA-450D-8228-497295C73D27}"/>
               </a:ext>
             </a:extLst>
           </p:cNvPr>
@@ -14526,7 +15670,7 @@
           <p:cNvPr id="1034" name="Picture 10" descr="Картинки по запросу python logo">
             <a:extLst>
               <a:ext uri="{FF2B5EF4-FFF2-40B4-BE49-F238E27FC236}">
-                <a16:creationId xmlns:a16="http://schemas.microsoft.com/office/drawing/2014/main" xmlns="" id="{51419B93-0D26-4CAE-A7C8-E30AB18B17CD}"/>
+                <a16:creationId xmlns="" xmlns:a16="http://schemas.microsoft.com/office/drawing/2014/main" id="{51419B93-0D26-4CAE-A7C8-E30AB18B17CD}"/>
               </a:ext>
             </a:extLst>
           </p:cNvPr>
@@ -14588,7 +15732,7 @@
 </p:sld>
 </file>
 
-<file path=ppt/slides/slide12.xml><?xml version="1.0" encoding="utf-8"?>
+<file path=ppt/slides/slide13.xml><?xml version="1.0" encoding="utf-8"?>
 <p:sld xmlns:a="http://schemas.openxmlformats.org/drawingml/2006/main" xmlns:r="http://schemas.openxmlformats.org/officeDocument/2006/relationships" xmlns:p="http://schemas.openxmlformats.org/presentationml/2006/main">
   <p:cSld>
     <p:spTree>
@@ -14610,7 +15754,7 @@
           <p:cNvPr id="2" name="Заголовок 1">
             <a:extLst>
               <a:ext uri="{FF2B5EF4-FFF2-40B4-BE49-F238E27FC236}">
-                <a16:creationId xmlns:a16="http://schemas.microsoft.com/office/drawing/2014/main" xmlns="" id="{7C40EFF8-85D0-4D1F-80A0-E53BE3B6770F}"/>
+                <a16:creationId xmlns="" xmlns:a16="http://schemas.microsoft.com/office/drawing/2014/main" id="{7C40EFF8-85D0-4D1F-80A0-E53BE3B6770F}"/>
               </a:ext>
             </a:extLst>
           </p:cNvPr>
@@ -14647,7 +15791,7 @@
           <p:cNvPr id="3" name="Объект 2">
             <a:extLst>
               <a:ext uri="{FF2B5EF4-FFF2-40B4-BE49-F238E27FC236}">
-                <a16:creationId xmlns:a16="http://schemas.microsoft.com/office/drawing/2014/main" xmlns="" id="{D68896F1-0511-40A6-9975-DD7802AA912C}"/>
+                <a16:creationId xmlns="" xmlns:a16="http://schemas.microsoft.com/office/drawing/2014/main" id="{D68896F1-0511-40A6-9975-DD7802AA912C}"/>
               </a:ext>
             </a:extLst>
           </p:cNvPr>
@@ -14817,7 +15961,7 @@
 </p:sld>
 </file>
 
-<file path=ppt/slides/slide13.xml><?xml version="1.0" encoding="utf-8"?>
+<file path=ppt/slides/slide14.xml><?xml version="1.0" encoding="utf-8"?>
 <p:sld xmlns:a="http://schemas.openxmlformats.org/drawingml/2006/main" xmlns:r="http://schemas.openxmlformats.org/officeDocument/2006/relationships" xmlns:p="http://schemas.openxmlformats.org/presentationml/2006/main">
   <p:cSld>
     <p:spTree>
@@ -14839,7 +15983,7 @@
           <p:cNvPr id="2" name="Заголовок 1">
             <a:extLst>
               <a:ext uri="{FF2B5EF4-FFF2-40B4-BE49-F238E27FC236}">
-                <a16:creationId xmlns:a16="http://schemas.microsoft.com/office/drawing/2014/main" xmlns="" id="{BD7F5098-EF74-44EE-9BD1-19A65926B605}"/>
+                <a16:creationId xmlns="" xmlns:a16="http://schemas.microsoft.com/office/drawing/2014/main" id="{BD7F5098-EF74-44EE-9BD1-19A65926B605}"/>
               </a:ext>
             </a:extLst>
           </p:cNvPr>
@@ -14899,7 +16043,7 @@
           <p:cNvPr id="8" name="Объект 7">
             <a:extLst>
               <a:ext uri="{FF2B5EF4-FFF2-40B4-BE49-F238E27FC236}">
-                <a16:creationId xmlns:a16="http://schemas.microsoft.com/office/drawing/2014/main" xmlns="" id="{D1DF4AFA-8037-4928-AB2B-238597ABA7F1}"/>
+                <a16:creationId xmlns="" xmlns:a16="http://schemas.microsoft.com/office/drawing/2014/main" id="{D1DF4AFA-8037-4928-AB2B-238597ABA7F1}"/>
               </a:ext>
             </a:extLst>
           </p:cNvPr>
@@ -14931,7 +16075,7 @@
           <p:cNvPr id="9" name="TextBox 8">
             <a:extLst>
               <a:ext uri="{FF2B5EF4-FFF2-40B4-BE49-F238E27FC236}">
-                <a16:creationId xmlns:a16="http://schemas.microsoft.com/office/drawing/2014/main" xmlns="" id="{C097CCDC-9A2F-459B-9362-C3AEB9188317}"/>
+                <a16:creationId xmlns="" xmlns:a16="http://schemas.microsoft.com/office/drawing/2014/main" id="{C097CCDC-9A2F-459B-9362-C3AEB9188317}"/>
               </a:ext>
             </a:extLst>
           </p:cNvPr>
@@ -15025,7 +16169,7 @@
           <p:cNvPr id="2" name="Заголовок 1">
             <a:extLst>
               <a:ext uri="{FF2B5EF4-FFF2-40B4-BE49-F238E27FC236}">
-                <a16:creationId xmlns:a16="http://schemas.microsoft.com/office/drawing/2014/main" xmlns="" id="{C5FBDF4D-D35D-46EF-ACB0-763A5E332E5C}"/>
+                <a16:creationId xmlns="" xmlns:a16="http://schemas.microsoft.com/office/drawing/2014/main" id="{C5FBDF4D-D35D-46EF-ACB0-763A5E332E5C}"/>
               </a:ext>
             </a:extLst>
           </p:cNvPr>
@@ -15048,11 +16192,7 @@
             </a:r>
             <a:r>
               <a:rPr lang="en-US" dirty="0" smtClean="0"/>
-              <a:t>“Twister Radiator</a:t>
-            </a:r>
-            <a:r>
-              <a:rPr lang="en-US" dirty="0" smtClean="0"/>
-              <a:t>”</a:t>
+              <a:t>“Twister Radiator”</a:t>
             </a:r>
             <a:endParaRPr lang="ru-RU" dirty="0"/>
           </a:p>
@@ -15063,7 +16203,7 @@
           <p:cNvPr id="3" name="Объект 2">
             <a:extLst>
               <a:ext uri="{FF2B5EF4-FFF2-40B4-BE49-F238E27FC236}">
-                <a16:creationId xmlns:a16="http://schemas.microsoft.com/office/drawing/2014/main" xmlns="" id="{9694AABC-1145-4B60-B360-9FD98A57DAB1}"/>
+                <a16:creationId xmlns="" xmlns:a16="http://schemas.microsoft.com/office/drawing/2014/main" id="{9694AABC-1145-4B60-B360-9FD98A57DAB1}"/>
               </a:ext>
             </a:extLst>
           </p:cNvPr>
@@ -15114,15 +16254,7 @@
             </a:r>
             <a:r>
               <a:rPr lang="ru-RU" sz="2400" dirty="0" smtClean="0"/>
-              <a:t>А</a:t>
-            </a:r>
-            <a:r>
-              <a:rPr lang="ru-RU" sz="2400" dirty="0" smtClean="0"/>
-              <a:t>ндрей Дмитриевич</a:t>
-            </a:r>
-            <a:r>
-              <a:rPr lang="ru-RU" sz="2400" dirty="0" smtClean="0"/>
-              <a:t> </a:t>
+              <a:t>Андрей Дмитриевич </a:t>
             </a:r>
             <a:r>
               <a:rPr lang="ru-RU" sz="2400" dirty="0"/>
@@ -15136,15 +16268,7 @@
             </a:r>
             <a:r>
               <a:rPr lang="ru-RU" sz="2400" dirty="0" smtClean="0"/>
-              <a:t>Д</a:t>
-            </a:r>
-            <a:r>
-              <a:rPr lang="ru-RU" sz="2400" dirty="0" smtClean="0"/>
-              <a:t>митрий Геннадьевич</a:t>
-            </a:r>
-            <a:r>
-              <a:rPr lang="ru-RU" sz="2400" dirty="0" smtClean="0"/>
-              <a:t> </a:t>
+              <a:t>Дмитрий Геннадьевич </a:t>
             </a:r>
             <a:r>
               <a:rPr lang="ru-RU" sz="2400" dirty="0"/>
@@ -15203,7 +16327,7 @@
           <p:cNvPr id="2" name="Заголовок 1">
             <a:extLst>
               <a:ext uri="{FF2B5EF4-FFF2-40B4-BE49-F238E27FC236}">
-                <a16:creationId xmlns:a16="http://schemas.microsoft.com/office/drawing/2014/main" xmlns="" id="{7268A71C-E428-46B7-B4BE-DA2E8E9BE6EF}"/>
+                <a16:creationId xmlns="" xmlns:a16="http://schemas.microsoft.com/office/drawing/2014/main" id="{7268A71C-E428-46B7-B4BE-DA2E8E9BE6EF}"/>
               </a:ext>
             </a:extLst>
           </p:cNvPr>
@@ -15237,7 +16361,7 @@
           <p:cNvPr id="3" name="Объект 2">
             <a:extLst>
               <a:ext uri="{FF2B5EF4-FFF2-40B4-BE49-F238E27FC236}">
-                <a16:creationId xmlns:a16="http://schemas.microsoft.com/office/drawing/2014/main" xmlns="" id="{C4C87C1D-2FA7-43A3-82F0-27C5516DA9F0}"/>
+                <a16:creationId xmlns="" xmlns:a16="http://schemas.microsoft.com/office/drawing/2014/main" id="{C4C87C1D-2FA7-43A3-82F0-27C5516DA9F0}"/>
               </a:ext>
             </a:extLst>
           </p:cNvPr>
@@ -15380,7 +16504,7 @@
           <p:cNvPr id="4" name="Заголовок 1">
             <a:extLst>
               <a:ext uri="{FF2B5EF4-FFF2-40B4-BE49-F238E27FC236}">
-                <a16:creationId xmlns:a16="http://schemas.microsoft.com/office/drawing/2014/main" xmlns="" id="{BD7F5098-EF74-44EE-9BD1-19A65926B605}"/>
+                <a16:creationId xmlns="" xmlns:a16="http://schemas.microsoft.com/office/drawing/2014/main" id="{BD7F5098-EF74-44EE-9BD1-19A65926B605}"/>
               </a:ext>
             </a:extLst>
           </p:cNvPr>
@@ -15872,7 +16996,7 @@
           <a:bodyPr/>
           <a:lstStyle/>
           <a:p>
-            <a:pPr marL="0" marR="0" lvl="0" indent="0" defTabSz="914400" eaLnBrk="1" fontAlgn="auto" latinLnBrk="0" hangingPunct="1">
+            <a:pPr marL="0" marR="0" lvl="0" indent="0" algn="just" defTabSz="914400" eaLnBrk="1" fontAlgn="auto" latinLnBrk="0" hangingPunct="1">
               <a:lnSpc>
                 <a:spcPct val="100000"/>
               </a:lnSpc>
@@ -15988,8 +17112,8 @@
             </p:nvSpPr>
             <p:spPr>
               <a:xfrm>
-                <a:off x="601579" y="4137629"/>
-                <a:ext cx="3356809" cy="1414170"/>
+                <a:off x="499310" y="3996949"/>
+                <a:ext cx="3356809" cy="1695529"/>
               </a:xfrm>
               <a:prstGeom prst="rect">
                 <a:avLst/>
@@ -16013,7 +17137,7 @@
                         <m:dPr>
                           <m:ctrlPr>
                             <a:rPr lang="mr-IN" i="1" smtClean="0">
-                              <a:latin typeface="Cambria Math"/>
+                              <a:latin typeface="Cambria Math" charset="0"/>
                             </a:rPr>
                           </m:ctrlPr>
                         </m:dPr>
@@ -16030,35 +17154,10 @@
                               </m:mcs>
                               <m:ctrlPr>
                                 <a:rPr lang="mr-IN" i="1" smtClean="0">
-                                  <a:latin typeface="Cambria Math"/>
+                                  <a:latin typeface="Cambria Math" charset="0"/>
                                 </a:rPr>
                               </m:ctrlPr>
                             </m:mPr>
-                            <m:mr>
-                              <m:e>
-                                <m:r>
-                                  <m:rPr>
-                                    <m:brk m:alnAt="7"/>
-                                  </m:rPr>
-                                  <a:rPr lang="ru-RU" b="0" i="1" smtClean="0">
-                                    <a:latin typeface="Cambria Math" charset="0"/>
-                                  </a:rPr>
-                                  <m:t>В</m:t>
-                                </m:r>
-                                <m:r>
-                                  <a:rPr lang="ru-RU" b="0" i="1" smtClean="0">
-                                    <a:latin typeface="Cambria Math" charset="0"/>
-                                  </a:rPr>
-                                  <m:t>ремя суток</m:t>
-                                </m:r>
-                                <m:r>
-                                  <a:rPr lang="ru-RU" b="0" i="1" smtClean="0">
-                                    <a:latin typeface="Cambria Math"/>
-                                  </a:rPr>
-                                  <m:t>,</m:t>
-                                </m:r>
-                              </m:e>
-                            </m:mr>
                             <m:mr>
                               <m:e>
                                 <m:eqArr>
@@ -16071,10 +17170,54 @@
                                   </m:eqArrPr>
                                   <m:e>
                                     <m:r>
+                                      <m:rPr>
+                                        <m:brk m:alnAt="7"/>
+                                      </m:rPr>
                                       <a:rPr lang="ru-RU" b="0" i="1" smtClean="0">
                                         <a:latin typeface="Cambria Math" charset="0"/>
                                       </a:rPr>
-                                      <m:t>Необходимое измениение</m:t>
+                                      <m:t>В</m:t>
+                                    </m:r>
+                                    <m:r>
+                                      <a:rPr lang="ru-RU" b="0" i="1" smtClean="0">
+                                        <a:latin typeface="Cambria Math" charset="0"/>
+                                      </a:rPr>
+                                      <m:t>ремя суток</m:t>
+                                    </m:r>
+                                    <m:r>
+                                      <a:rPr lang="ru-RU" b="0" i="1" smtClean="0">
+                                        <a:latin typeface="Cambria Math"/>
+                                      </a:rPr>
+                                      <m:t>,</m:t>
+                                    </m:r>
+                                  </m:e>
+                                  <m:e>
+                                    <m:r>
+                                      <a:rPr lang="ru-RU" b="0" i="1" smtClean="0">
+                                        <a:latin typeface="Cambria Math" charset="0"/>
+                                      </a:rPr>
+                                      <m:t>Регулятор газа,</m:t>
+                                    </m:r>
+                                  </m:e>
+                                </m:eqArr>
+                              </m:e>
+                            </m:mr>
+                            <m:mr>
+                              <m:e>
+                                <m:eqArr>
+                                  <m:eqArrPr>
+                                    <m:ctrlPr>
+                                      <a:rPr lang="ru-RU" b="0" i="1" smtClean="0">
+                                        <a:latin typeface="Cambria Math" charset="0"/>
+                                      </a:rPr>
+                                    </m:ctrlPr>
+                                  </m:eqArrPr>
+                                  <m:e>
+                                    <m:r>
+                                      <a:rPr lang="ru-RU" b="0" i="1" smtClean="0">
+                                        <a:latin typeface="Cambria Math" charset="0"/>
+                                      </a:rPr>
+                                      <m:t>Необходимое изменение</m:t>
                                     </m:r>
                                   </m:e>
                                   <m:e>
@@ -16100,7 +17243,7 @@
                                   <m:eqArrPr>
                                     <m:ctrlPr>
                                       <a:rPr lang="ru-RU" b="0" i="1" smtClean="0">
-                                        <a:latin typeface="Cambria Math"/>
+                                        <a:latin typeface="Cambria Math" charset="0"/>
                                       </a:rPr>
                                     </m:ctrlPr>
                                   </m:eqArrPr>
@@ -16145,16 +17288,16 @@
             </p:nvSpPr>
             <p:spPr>
               <a:xfrm>
-                <a:off x="601579" y="4137629"/>
-                <a:ext cx="3356809" cy="1414170"/>
+                <a:off x="499310" y="3996949"/>
+                <a:ext cx="3356809" cy="1695529"/>
               </a:xfrm>
               <a:prstGeom prst="rect">
                 <a:avLst/>
               </a:prstGeom>
-              <a:blipFill rotWithShape="1">
+              <a:blipFill rotWithShape="0">
                 <a:blip r:embed="rId2"/>
                 <a:stretch>
-                  <a:fillRect r="-1273"/>
+                  <a:fillRect r="-1089"/>
                 </a:stretch>
               </a:blipFill>
             </p:spPr>
@@ -16241,7 +17384,7 @@
                         <m:dPr>
                           <m:ctrlPr>
                             <a:rPr lang="mr-IN" i="1" smtClean="0">
-                              <a:latin typeface="Cambria Math"/>
+                              <a:latin typeface="Cambria Math" charset="0"/>
                             </a:rPr>
                           </m:ctrlPr>
                         </m:dPr>
@@ -16250,7 +17393,7 @@
                             <m:eqArrPr>
                               <m:ctrlPr>
                                 <a:rPr lang="ru-RU" b="0" i="1" smtClean="0">
-                                  <a:latin typeface="Cambria Math"/>
+                                  <a:latin typeface="Cambria Math" charset="0"/>
                                 </a:rPr>
                               </m:ctrlPr>
                             </m:eqArrPr>
@@ -16411,7 +17554,7 @@
           <a:bodyPr/>
           <a:lstStyle/>
           <a:p>
-            <a:pPr marL="0" marR="0" lvl="0" indent="0" defTabSz="914400" eaLnBrk="1" fontAlgn="auto" latinLnBrk="0" hangingPunct="1">
+            <a:pPr marL="0" marR="0" lvl="0" indent="0" algn="just" defTabSz="914400" eaLnBrk="1" fontAlgn="auto" latinLnBrk="0" hangingPunct="1">
               <a:lnSpc>
                 <a:spcPct val="100000"/>
               </a:lnSpc>
@@ -16493,7 +17636,7 @@
                         <m:dPr>
                           <m:ctrlPr>
                             <a:rPr lang="en-US" b="0" i="1" smtClean="0">
-                              <a:latin typeface="Cambria Math"/>
+                              <a:latin typeface="Cambria Math" charset="0"/>
                             </a:rPr>
                           </m:ctrlPr>
                         </m:dPr>
@@ -16540,7 +17683,7 @@
                         <m:dPr>
                           <m:ctrlPr>
                             <a:rPr lang="en-US" b="0" i="1" smtClean="0">
-                              <a:latin typeface="Cambria Math"/>
+                              <a:latin typeface="Cambria Math" charset="0"/>
                               <a:ea typeface="Cambria Math" charset="0"/>
                               <a:cs typeface="Cambria Math" charset="0"/>
                             </a:rPr>
@@ -16803,13 +17946,7 @@
       </p:grpSpPr>
       <p:sp>
         <p:nvSpPr>
-          <p:cNvPr id="2" name="Заголовок 1">
-            <a:extLst>
-              <a:ext uri="{FF2B5EF4-FFF2-40B4-BE49-F238E27FC236}">
-                <a16:creationId xmlns:a16="http://schemas.microsoft.com/office/drawing/2014/main" xmlns="" id="{8E37EE3E-7E13-4864-B7D6-188A4C7379AB}"/>
-              </a:ext>
-            </a:extLst>
-          </p:cNvPr>
+          <p:cNvPr id="2" name="Заголовок 1"/>
           <p:cNvSpPr>
             <a:spLocks noGrp="1"/>
           </p:cNvSpPr>
@@ -16823,8 +17960,12 @@
           <a:lstStyle/>
           <a:p>
             <a:r>
-              <a:rPr lang="ru-RU" dirty="0" smtClean="0"/>
-              <a:t>Режим «Эконом»</a:t>
+              <a:rPr lang="ru-RU" smtClean="0"/>
+              <a:t>Режим </a:t>
+            </a:r>
+            <a:r>
+              <a:rPr lang="ru-RU" smtClean="0"/>
+              <a:t>«Эконом»</a:t>
             </a:r>
             <a:endParaRPr lang="ru-RU" dirty="0"/>
           </a:p>
@@ -16832,13 +17973,7 @@
       </p:sp>
       <p:sp>
         <p:nvSpPr>
-          <p:cNvPr id="3" name="Объект 2">
-            <a:extLst>
-              <a:ext uri="{FF2B5EF4-FFF2-40B4-BE49-F238E27FC236}">
-                <a16:creationId xmlns:a16="http://schemas.microsoft.com/office/drawing/2014/main" xmlns="" id="{43A29B75-2ABB-4B1A-A251-8B91867E88E8}"/>
-              </a:ext>
-            </a:extLst>
-          </p:cNvPr>
+          <p:cNvPr id="3" name="Объект 2"/>
           <p:cNvSpPr>
             <a:spLocks noGrp="1"/>
           </p:cNvSpPr>
@@ -16846,19 +17981,421 @@
             <p:ph idx="1"/>
           </p:nvPr>
         </p:nvSpPr>
-        <p:spPr/>
+        <p:spPr>
+          <a:xfrm>
+            <a:off x="1154954" y="2603500"/>
+            <a:ext cx="8825659" cy="1054100"/>
+          </a:xfrm>
+        </p:spPr>
         <p:txBody>
           <a:bodyPr/>
           <a:lstStyle/>
           <a:p>
-            <a:endParaRPr lang="ru-RU"/>
+            <a:pPr marL="0" marR="0" lvl="0" indent="0" algn="just" defTabSz="914400" eaLnBrk="1" fontAlgn="auto" latinLnBrk="0" hangingPunct="1">
+              <a:lnSpc>
+                <a:spcPct val="100000"/>
+              </a:lnSpc>
+              <a:spcBef>
+                <a:spcPts val="0"/>
+              </a:spcBef>
+              <a:spcAft>
+                <a:spcPts val="0"/>
+              </a:spcAft>
+              <a:buClrTx/>
+              <a:buSzTx/>
+              <a:buFontTx/>
+              <a:buNone/>
+              <a:tabLst/>
+              <a:defRPr/>
+            </a:pPr>
+            <a:r>
+              <a:rPr lang="ru-RU" dirty="0" smtClean="0"/>
+              <a:t>Для реализации режима была разработана Нейронная Сеть, </a:t>
+            </a:r>
+            <a:r>
+              <a:rPr lang="ru-RU" dirty="0"/>
+              <a:t>которая находит зависимость между </a:t>
+            </a:r>
+            <a:r>
+              <a:rPr lang="ru-RU" dirty="0" smtClean="0"/>
+              <a:t>температурами, показаниями всех регуляторов и суммарным расходом газа и электричества.</a:t>
+            </a:r>
+            <a:endParaRPr lang="ru-RU" dirty="0"/>
           </a:p>
         </p:txBody>
       </p:sp>
+      <p:sp>
+        <p:nvSpPr>
+          <p:cNvPr id="5" name="Скругленный прямоугольник 4"/>
+          <p:cNvSpPr/>
+          <p:nvPr/>
+        </p:nvSpPr>
+        <p:spPr>
+          <a:xfrm>
+            <a:off x="5474367" y="4137629"/>
+            <a:ext cx="1732547" cy="1414170"/>
+          </a:xfrm>
+          <a:prstGeom prst="roundRect">
+            <a:avLst/>
+          </a:prstGeom>
+        </p:spPr>
+        <p:style>
+          <a:lnRef idx="2">
+            <a:schemeClr val="accent1">
+              <a:shade val="50000"/>
+            </a:schemeClr>
+          </a:lnRef>
+          <a:fillRef idx="1">
+            <a:schemeClr val="accent1"/>
+          </a:fillRef>
+          <a:effectRef idx="0">
+            <a:schemeClr val="accent1"/>
+          </a:effectRef>
+          <a:fontRef idx="minor">
+            <a:schemeClr val="lt1"/>
+          </a:fontRef>
+        </p:style>
+        <p:txBody>
+          <a:bodyPr rtlCol="0" anchor="ctr"/>
+          <a:lstStyle/>
+          <a:p>
+            <a:pPr algn="ctr"/>
+            <a:r>
+              <a:rPr lang="ru-RU" dirty="0"/>
+              <a:t>Нейронная Сеть </a:t>
+            </a:r>
+            <a:r>
+              <a:rPr lang="ru-RU" dirty="0" smtClean="0"/>
+              <a:t>«Эконом» </a:t>
+            </a:r>
+            <a:endParaRPr lang="ru-RU" dirty="0"/>
+          </a:p>
+        </p:txBody>
+      </p:sp>
+      <p:cxnSp>
+        <p:nvCxnSpPr>
+          <p:cNvPr id="7" name="Прямая со стрелкой 6"/>
+          <p:cNvCxnSpPr>
+            <a:endCxn id="5" idx="1"/>
+          </p:cNvCxnSpPr>
+          <p:nvPr/>
+        </p:nvCxnSpPr>
+        <p:spPr>
+          <a:xfrm>
+            <a:off x="4066674" y="4844714"/>
+            <a:ext cx="1407693" cy="0"/>
+          </a:xfrm>
+          <a:prstGeom prst="straightConnector1">
+            <a:avLst/>
+          </a:prstGeom>
+          <a:ln w="76200">
+            <a:tailEnd type="triangle"/>
+          </a:ln>
+        </p:spPr>
+        <p:style>
+          <a:lnRef idx="1">
+            <a:schemeClr val="accent1"/>
+          </a:lnRef>
+          <a:fillRef idx="0">
+            <a:schemeClr val="accent1"/>
+          </a:fillRef>
+          <a:effectRef idx="0">
+            <a:schemeClr val="accent1"/>
+          </a:effectRef>
+          <a:fontRef idx="minor">
+            <a:schemeClr val="tx1"/>
+          </a:fontRef>
+        </p:style>
+      </p:cxnSp>
+      <mc:AlternateContent xmlns:mc="http://schemas.openxmlformats.org/markup-compatibility/2006">
+        <mc:Choice xmlns:a14="http://schemas.microsoft.com/office/drawing/2010/main" Requires="a14">
+          <p:sp>
+            <p:nvSpPr>
+              <p:cNvPr id="10" name="TextBox 9"/>
+              <p:cNvSpPr txBox="1"/>
+              <p:nvPr/>
+            </p:nvSpPr>
+            <p:spPr>
+              <a:xfrm>
+                <a:off x="421106" y="4120973"/>
+                <a:ext cx="3356809" cy="1407373"/>
+              </a:xfrm>
+              <a:prstGeom prst="rect">
+                <a:avLst/>
+              </a:prstGeom>
+              <a:noFill/>
+            </p:spPr>
+            <p:txBody>
+              <a:bodyPr wrap="square" rtlCol="0">
+                <a:spAutoFit/>
+              </a:bodyPr>
+              <a:lstStyle/>
+              <a:p>
+                <a:pPr/>
+                <a14:m>
+                  <m:oMathPara xmlns:m="http://schemas.openxmlformats.org/officeDocument/2006/math">
+                    <m:oMathParaPr>
+                      <m:jc m:val="centerGroup"/>
+                    </m:oMathParaPr>
+                    <m:oMath xmlns:m="http://schemas.openxmlformats.org/officeDocument/2006/math">
+                      <m:d>
+                        <m:dPr>
+                          <m:ctrlPr>
+                            <a:rPr lang="mr-IN" i="1" smtClean="0">
+                              <a:latin typeface="Cambria Math" charset="0"/>
+                            </a:rPr>
+                          </m:ctrlPr>
+                        </m:dPr>
+                        <m:e>
+                          <m:eqArr>
+                            <m:eqArrPr>
+                              <m:ctrlPr>
+                                <a:rPr lang="ru-RU" b="0" i="1" smtClean="0">
+                                  <a:latin typeface="Cambria Math" charset="0"/>
+                                </a:rPr>
+                              </m:ctrlPr>
+                            </m:eqArrPr>
+                            <m:e>
+                              <m:r>
+                                <a:rPr lang="ru-RU" b="0" i="1" smtClean="0">
+                                  <a:latin typeface="Cambria Math" charset="0"/>
+                                </a:rPr>
+                                <m:t>Необходимое изменение</m:t>
+                              </m:r>
+                            </m:e>
+                            <m:e>
+                              <m:r>
+                                <a:rPr lang="ru-RU" b="0" i="1" smtClean="0">
+                                  <a:latin typeface="Cambria Math" charset="0"/>
+                                </a:rPr>
+                                <m:t>температуры в помещениях,</m:t>
+                              </m:r>
+                            </m:e>
+                            <m:e>
+                              <m:r>
+                                <a:rPr lang="ru-RU" b="0" i="1" smtClean="0">
+                                  <a:latin typeface="Cambria Math" charset="0"/>
+                                </a:rPr>
+                                <m:t>Показания регуляторов</m:t>
+                              </m:r>
+                            </m:e>
+                            <m:e>
+                              <m:r>
+                                <a:rPr lang="ru-RU" b="0" i="1" smtClean="0">
+                                  <a:latin typeface="Cambria Math" charset="0"/>
+                                </a:rPr>
+                                <m:t>радиаторов, кондиционеров</m:t>
+                              </m:r>
+                            </m:e>
+                            <m:e>
+                              <m:r>
+                                <a:rPr lang="ru-RU" b="0" i="1" smtClean="0">
+                                  <a:latin typeface="Cambria Math" charset="0"/>
+                                </a:rPr>
+                                <m:t>и газа</m:t>
+                              </m:r>
+                            </m:e>
+                          </m:eqArr>
+                        </m:e>
+                      </m:d>
+                    </m:oMath>
+                  </m:oMathPara>
+                </a14:m>
+                <a:endParaRPr lang="ru-RU" dirty="0"/>
+              </a:p>
+            </p:txBody>
+          </p:sp>
+        </mc:Choice>
+        <mc:Fallback>
+          <p:sp>
+            <p:nvSpPr>
+              <p:cNvPr id="10" name="TextBox 9"/>
+              <p:cNvSpPr txBox="1">
+                <a:spLocks noRot="1" noChangeAspect="1" noMove="1" noResize="1" noEditPoints="1" noAdjustHandles="1" noChangeArrowheads="1" noChangeShapeType="1" noTextEdit="1"/>
+              </p:cNvSpPr>
+              <p:nvPr/>
+            </p:nvSpPr>
+            <p:spPr>
+              <a:xfrm>
+                <a:off x="421106" y="4120973"/>
+                <a:ext cx="3356809" cy="1407373"/>
+              </a:xfrm>
+              <a:prstGeom prst="rect">
+                <a:avLst/>
+              </a:prstGeom>
+              <a:blipFill rotWithShape="0">
+                <a:blip r:embed="rId2"/>
+                <a:stretch>
+                  <a:fillRect r="-1089"/>
+                </a:stretch>
+              </a:blipFill>
+            </p:spPr>
+            <p:txBody>
+              <a:bodyPr/>
+              <a:lstStyle/>
+              <a:p>
+                <a:r>
+                  <a:rPr lang="ru-RU">
+                    <a:noFill/>
+                  </a:rPr>
+                  <a:t> </a:t>
+                </a:r>
+              </a:p>
+            </p:txBody>
+          </p:sp>
+        </mc:Fallback>
+      </mc:AlternateContent>
+      <p:cxnSp>
+        <p:nvCxnSpPr>
+          <p:cNvPr id="17" name="Прямая со стрелкой 16"/>
+          <p:cNvCxnSpPr/>
+          <p:nvPr/>
+        </p:nvCxnSpPr>
+        <p:spPr>
+          <a:xfrm>
+            <a:off x="7206914" y="4824660"/>
+            <a:ext cx="1407693" cy="0"/>
+          </a:xfrm>
+          <a:prstGeom prst="straightConnector1">
+            <a:avLst/>
+          </a:prstGeom>
+          <a:ln w="76200">
+            <a:tailEnd type="triangle"/>
+          </a:ln>
+        </p:spPr>
+        <p:style>
+          <a:lnRef idx="1">
+            <a:schemeClr val="accent1"/>
+          </a:lnRef>
+          <a:fillRef idx="0">
+            <a:schemeClr val="accent1"/>
+          </a:fillRef>
+          <a:effectRef idx="0">
+            <a:schemeClr val="accent1"/>
+          </a:effectRef>
+          <a:fontRef idx="minor">
+            <a:schemeClr val="tx1"/>
+          </a:fontRef>
+        </p:style>
+      </p:cxnSp>
+      <mc:AlternateContent xmlns:mc="http://schemas.openxmlformats.org/markup-compatibility/2006">
+        <mc:Choice xmlns:a14="http://schemas.microsoft.com/office/drawing/2010/main" Requires="a14">
+          <p:sp>
+            <p:nvSpPr>
+              <p:cNvPr id="18" name="TextBox 17"/>
+              <p:cNvSpPr txBox="1"/>
+              <p:nvPr/>
+            </p:nvSpPr>
+            <p:spPr>
+              <a:xfrm>
+                <a:off x="8434133" y="4525155"/>
+                <a:ext cx="3356809" cy="599010"/>
+              </a:xfrm>
+              <a:prstGeom prst="rect">
+                <a:avLst/>
+              </a:prstGeom>
+              <a:noFill/>
+            </p:spPr>
+            <p:txBody>
+              <a:bodyPr wrap="square" rtlCol="0">
+                <a:spAutoFit/>
+              </a:bodyPr>
+              <a:lstStyle/>
+              <a:p>
+                <a:pPr/>
+                <a14:m>
+                  <m:oMathPara xmlns:m="http://schemas.openxmlformats.org/officeDocument/2006/math">
+                    <m:oMathParaPr>
+                      <m:jc m:val="centerGroup"/>
+                    </m:oMathParaPr>
+                    <m:oMath xmlns:m="http://schemas.openxmlformats.org/officeDocument/2006/math">
+                      <m:d>
+                        <m:dPr>
+                          <m:ctrlPr>
+                            <a:rPr lang="mr-IN" i="1" smtClean="0">
+                              <a:latin typeface="Cambria Math" charset="0"/>
+                            </a:rPr>
+                          </m:ctrlPr>
+                        </m:dPr>
+                        <m:e>
+                          <m:eqArr>
+                            <m:eqArrPr>
+                              <m:ctrlPr>
+                                <a:rPr lang="ru-RU" b="0" i="1" smtClean="0">
+                                  <a:latin typeface="Cambria Math" charset="0"/>
+                                </a:rPr>
+                              </m:ctrlPr>
+                            </m:eqArrPr>
+                            <m:e>
+                              <m:r>
+                                <a:rPr lang="ru-RU" b="0" i="1" smtClean="0">
+                                  <a:latin typeface="Cambria Math" charset="0"/>
+                                </a:rPr>
+                                <m:t>Расход газа</m:t>
+                              </m:r>
+                            </m:e>
+                            <m:e>
+                              <m:r>
+                                <a:rPr lang="ru-RU" b="0" i="1" smtClean="0">
+                                  <a:latin typeface="Cambria Math" charset="0"/>
+                                </a:rPr>
+                                <m:t>Расход электричества</m:t>
+                              </m:r>
+                            </m:e>
+                          </m:eqArr>
+                        </m:e>
+                      </m:d>
+                    </m:oMath>
+                  </m:oMathPara>
+                </a14:m>
+                <a:endParaRPr lang="ru-RU" dirty="0"/>
+              </a:p>
+            </p:txBody>
+          </p:sp>
+        </mc:Choice>
+        <mc:Fallback>
+          <p:sp>
+            <p:nvSpPr>
+              <p:cNvPr id="18" name="TextBox 17"/>
+              <p:cNvSpPr txBox="1">
+                <a:spLocks noRot="1" noChangeAspect="1" noMove="1" noResize="1" noEditPoints="1" noAdjustHandles="1" noChangeArrowheads="1" noChangeShapeType="1" noTextEdit="1"/>
+              </p:cNvSpPr>
+              <p:nvPr/>
+            </p:nvSpPr>
+            <p:spPr>
+              <a:xfrm>
+                <a:off x="8434133" y="4525155"/>
+                <a:ext cx="3356809" cy="599010"/>
+              </a:xfrm>
+              <a:prstGeom prst="rect">
+                <a:avLst/>
+              </a:prstGeom>
+              <a:blipFill rotWithShape="0">
+                <a:blip r:embed="rId3"/>
+                <a:stretch>
+                  <a:fillRect/>
+                </a:stretch>
+              </a:blipFill>
+            </p:spPr>
+            <p:txBody>
+              <a:bodyPr/>
+              <a:lstStyle/>
+              <a:p>
+                <a:r>
+                  <a:rPr lang="ru-RU">
+                    <a:noFill/>
+                  </a:rPr>
+                  <a:t> </a:t>
+                </a:r>
+              </a:p>
+            </p:txBody>
+          </p:sp>
+        </mc:Fallback>
+      </mc:AlternateContent>
     </p:spTree>
     <p:extLst>
       <p:ext uri="{BB962C8B-B14F-4D97-AF65-F5344CB8AC3E}">
-        <p14:creationId xmlns:p14="http://schemas.microsoft.com/office/powerpoint/2010/main" val="2407437876"/>
+        <p14:creationId xmlns:p14="http://schemas.microsoft.com/office/powerpoint/2010/main" val="1571911613"/>
       </p:ext>
     </p:extLst>
   </p:cSld>
@@ -17133,7 +18670,7 @@
   <a:extraClrSchemeLst/>
   <a:extLst>
     <a:ext uri="{05A4C25C-085E-4340-85A3-A5531E510DB2}">
-      <thm15:themeFamily xmlns:thm15="http://schemas.microsoft.com/office/thememl/2012/main" xmlns="" name="Ion Boardroom" id="{FC33163D-4339-46B1-8EED-24C834239D99}" vid="{B8502691-933B-45FE-8764-BA278511EF27}"/>
+      <thm15:themeFamily xmlns:thm15="http://schemas.microsoft.com/office/thememl/2012/main" name="Ion Boardroom" id="{FC33163D-4339-46B1-8EED-24C834239D99}" vid="{B8502691-933B-45FE-8764-BA278511EF27}"/>
     </a:ext>
   </a:extLst>
 </a:theme>
@@ -17394,7 +18931,7 @@
   <a:extraClrSchemeLst/>
   <a:extLst>
     <a:ext uri="{05A4C25C-085E-4340-85A3-A5531E510DB2}">
-      <thm15:themeFamily xmlns:thm15="http://schemas.microsoft.com/office/thememl/2012/main" xmlns="" name="Office Theme" id="{62F939B6-93AF-4DB8-9C6B-D6C7DFDC589F}" vid="{4A3C46E8-61CC-4603-A589-7422A47A8E4A}"/>
+      <thm15:themeFamily xmlns:thm15="http://schemas.microsoft.com/office/thememl/2012/main" name="Office Theme" id="{62F939B6-93AF-4DB8-9C6B-D6C7DFDC589F}" vid="{4A3C46E8-61CC-4603-A589-7422A47A8E4A}"/>
     </a:ext>
   </a:extLst>
 </a:theme>

--- a/present.pptx
+++ b/present.pptx
@@ -5,7 +5,7 @@
     <p:sldMasterId id="2147483738" r:id="rId1"/>
   </p:sldMasterIdLst>
   <p:notesMasterIdLst>
-    <p:notesMasterId r:id="rId16"/>
+    <p:notesMasterId r:id="rId18"/>
   </p:notesMasterIdLst>
   <p:sldIdLst>
     <p:sldId id="256" r:id="rId2"/>
@@ -22,6 +22,8 @@
     <p:sldId id="263" r:id="rId13"/>
     <p:sldId id="264" r:id="rId14"/>
     <p:sldId id="265" r:id="rId15"/>
+    <p:sldId id="271" r:id="rId16"/>
+    <p:sldId id="272" r:id="rId17"/>
   </p:sldIdLst>
   <p:sldSz cx="12192000" cy="6858000"/>
   <p:notesSz cx="6858000" cy="9144000"/>
@@ -13590,50 +13592,6 @@
       </p:sp>
       <p:sp>
         <p:nvSpPr>
-          <p:cNvPr id="3" name="Подзаголовок 2"/>
-          <p:cNvSpPr>
-            <a:spLocks noGrp="1"/>
-          </p:cNvSpPr>
-          <p:nvPr>
-            <p:ph type="subTitle" idx="1"/>
-          </p:nvPr>
-        </p:nvSpPr>
-        <p:spPr>
-          <a:xfrm>
-            <a:off x="1154955" y="4567895"/>
-            <a:ext cx="8825658" cy="1181933"/>
-          </a:xfrm>
-        </p:spPr>
-        <p:txBody>
-          <a:bodyPr/>
-          <a:lstStyle/>
-          <a:p>
-            <a:r>
-              <a:rPr lang="ru-RU" dirty="0"/>
-              <a:t>Автор проекта: Медведев Дмитрий Сергеевич</a:t>
-            </a:r>
-          </a:p>
-          <a:p>
-            <a:r>
-              <a:rPr lang="ru-RU" dirty="0"/>
-              <a:t>Команда «</a:t>
-            </a:r>
-            <a:r>
-              <a:rPr lang="en-US" dirty="0"/>
-              <a:t>twister radiator</a:t>
-            </a:r>
-            <a:r>
-              <a:rPr lang="ru-RU" dirty="0"/>
-              <a:t>»: Игнатов Андрей Дмитриевич, Медведев Дмитрий Сергеевич, Рыжов Дмитрий Геннадьевич</a:t>
-            </a:r>
-          </a:p>
-          <a:p>
-            <a:endParaRPr lang="ru-RU" dirty="0"/>
-          </a:p>
-        </p:txBody>
-      </p:sp>
-      <p:sp>
-        <p:nvSpPr>
           <p:cNvPr id="4" name="Заголовок 1"/>
           <p:cNvSpPr txBox="1">
             <a:spLocks/>
@@ -13728,10 +13686,9 @@
           <a:p>
             <a:pPr algn="ctr"/>
             <a:r>
-              <a:rPr lang="ru-RU" sz="4000" b="1" dirty="0" smtClean="0"/>
+              <a:rPr lang="ru-RU" sz="4000" b="1" dirty="0"/>
               <a:t>Климат умного дома</a:t>
             </a:r>
-            <a:endParaRPr lang="ru-RU" sz="4000" b="1" dirty="0"/>
           </a:p>
         </p:txBody>
       </p:sp>
@@ -13978,18 +13935,18 @@
           <a:p>
             <a:pPr algn="ctr"/>
             <a:r>
-              <a:rPr lang="en-US" sz="2400" b="1" dirty="0" smtClean="0"/>
+              <a:rPr lang="en-US" sz="2400" b="1" dirty="0"/>
               <a:t>Smart</a:t>
             </a:r>
             <a:r>
-              <a:rPr lang="ru-RU" sz="2400" b="1" dirty="0" smtClean="0"/>
+              <a:rPr lang="ru-RU" sz="2400" b="1" dirty="0"/>
               <a:t> </a:t>
             </a:r>
             <a:r>
-              <a:rPr lang="en-US" sz="2400" b="1" dirty="0" smtClean="0"/>
+              <a:rPr lang="en-US" sz="2400" b="1" dirty="0"/>
               <a:t>thermostat</a:t>
             </a:r>
-            <a:endParaRPr lang="ru-RU" sz="2400" b="1" dirty="0" smtClean="0"/>
+            <a:endParaRPr lang="ru-RU" sz="2400" b="1" dirty="0"/>
           </a:p>
           <a:p>
             <a:endParaRPr lang="ru-RU" sz="2400" b="1" dirty="0"/>
@@ -14006,13 +13963,6 @@
   <p:clrMapOvr>
     <a:masterClrMapping/>
   </p:clrMapOvr>
-  <p:timing>
-    <p:tnLst>
-      <p:par>
-        <p:cTn id="1" dur="indefinite" restart="never" nodeType="tmRoot"/>
-      </p:par>
-    </p:tnLst>
-  </p:timing>
 </p:sld>
 </file>
 
@@ -14049,14 +13999,9 @@
           <a:lstStyle/>
           <a:p>
             <a:r>
-              <a:rPr lang="ru-RU" dirty="0" smtClean="0"/>
-              <a:t>Режим </a:t>
-            </a:r>
-            <a:r>
-              <a:rPr lang="ru-RU" dirty="0" smtClean="0"/>
-              <a:t>«Эконом»</a:t>
-            </a:r>
-            <a:endParaRPr lang="ru-RU" dirty="0"/>
+              <a:rPr lang="ru-RU" dirty="0"/>
+              <a:t>Режим «Эконом»</a:t>
+            </a:r>
           </a:p>
         </p:txBody>
       </p:sp>
@@ -14098,14 +14043,14 @@
               <a:defRPr/>
             </a:pPr>
             <a:r>
-              <a:rPr lang="ru-RU" dirty="0" smtClean="0"/>
+              <a:rPr lang="ru-RU" dirty="0"/>
               <a:t>Режим поддерживается работой двух реализованных Нейронных Сетей. Для нахождения положений регуляторов решается задача оптимизации:</a:t>
             </a:r>
           </a:p>
         </p:txBody>
       </p:sp>
-      <mc:AlternateContent xmlns:mc="http://schemas.openxmlformats.org/markup-compatibility/2006">
-        <mc:Choice xmlns:a14="http://schemas.microsoft.com/office/drawing/2010/main" Requires="a14">
+      <mc:AlternateContent xmlns:mc="http://schemas.openxmlformats.org/markup-compatibility/2006" xmlns:a14="http://schemas.microsoft.com/office/drawing/2010/main">
+        <mc:Choice Requires="a14">
           <p:sp>
             <p:nvSpPr>
               <p:cNvPr id="4" name="TextBox 3"/>
@@ -14128,6 +14073,7 @@
               </a:bodyPr>
               <a:lstStyle/>
               <a:p>
+                <a:pPr/>
                 <a14:m>
                   <m:oMathPara xmlns:m="http://schemas.openxmlformats.org/officeDocument/2006/math">
                     <m:oMathParaPr>
@@ -14140,7 +14086,7 @@
                           <m:endChr m:val=""/>
                           <m:ctrlPr>
                             <a:rPr lang="mr-IN" sz="2800" i="1" smtClean="0">
-                              <a:latin typeface="Cambria Math" charset="0"/>
+                              <a:latin typeface="Cambria Math" panose="02040503050406030204" pitchFamily="18" charset="0"/>
                             </a:rPr>
                           </m:ctrlPr>
                         </m:dPr>
@@ -14149,7 +14095,7 @@
                             <m:eqArrPr>
                               <m:ctrlPr>
                                 <a:rPr lang="mr-IN" sz="2800" i="1" smtClean="0">
-                                  <a:latin typeface="Cambria Math" charset="0"/>
+                                  <a:latin typeface="Cambria Math" panose="02040503050406030204" pitchFamily="18" charset="0"/>
                                 </a:rPr>
                               </m:ctrlPr>
                             </m:eqArrPr>
@@ -14158,7 +14104,7 @@
                                 <m:sSubPr>
                                   <m:ctrlPr>
                                     <a:rPr lang="en-US" sz="2800" i="1" smtClean="0">
-                                      <a:latin typeface="Cambria Math" charset="0"/>
+                                      <a:latin typeface="Cambria Math" panose="02040503050406030204" pitchFamily="18" charset="0"/>
                                     </a:rPr>
                                   </m:ctrlPr>
                                 </m:sSubPr>
@@ -14190,7 +14136,7 @@
                                   <m:chr m:val="⃗"/>
                                   <m:ctrlPr>
                                     <a:rPr lang="en-US" sz="2800" b="0" i="1" smtClean="0">
-                                      <a:latin typeface="Cambria Math" charset="0"/>
+                                      <a:latin typeface="Cambria Math" panose="02040503050406030204" pitchFamily="18" charset="0"/>
                                     </a:rPr>
                                   </m:ctrlPr>
                                 </m:accPr>
@@ -14226,7 +14172,7 @@
                                   <m:chr m:val="⃗"/>
                                   <m:ctrlPr>
                                     <a:rPr lang="en-US" sz="2800" i="1">
-                                      <a:latin typeface="Cambria Math" charset="0"/>
+                                      <a:latin typeface="Cambria Math" panose="02040503050406030204" pitchFamily="18" charset="0"/>
                                     </a:rPr>
                                   </m:ctrlPr>
                                 </m:accPr>
@@ -14257,7 +14203,7 @@
                                 <m:funcPr>
                                   <m:ctrlPr>
                                     <a:rPr lang="mr-IN" sz="2800" b="0" i="1" smtClean="0">
-                                      <a:latin typeface="Cambria Math" charset="0"/>
+                                      <a:latin typeface="Cambria Math" panose="02040503050406030204" pitchFamily="18" charset="0"/>
                                       <a:ea typeface="Cambria Math" charset="0"/>
                                       <a:cs typeface="Cambria Math" charset="0"/>
                                     </a:rPr>
@@ -14268,7 +14214,7 @@
                                     <m:limLowPr>
                                       <m:ctrlPr>
                                         <a:rPr lang="mr-IN" sz="2800" b="0" i="1" smtClean="0">
-                                          <a:latin typeface="Cambria Math" charset="0"/>
+                                          <a:latin typeface="Cambria Math" panose="02040503050406030204" pitchFamily="18" charset="0"/>
                                           <a:ea typeface="Cambria Math" charset="0"/>
                                           <a:cs typeface="Cambria Math" charset="0"/>
                                         </a:rPr>
@@ -14309,7 +14255,7 @@
                                           <m:chr m:val="⃗"/>
                                           <m:ctrlPr>
                                             <a:rPr lang="mr-IN" sz="2800" b="0" i="1" smtClean="0">
-                                              <a:latin typeface="Cambria Math" charset="0"/>
+                                              <a:latin typeface="Cambria Math" panose="02040503050406030204" pitchFamily="18" charset="0"/>
                                               <a:ea typeface="Cambria Math" charset="0"/>
                                               <a:cs typeface="Cambria Math" charset="0"/>
                                             </a:rPr>
@@ -14348,7 +14294,7 @@
                                   <m:endChr m:val="|"/>
                                   <m:ctrlPr>
                                     <a:rPr lang="hr-HR" sz="2800" i="1" smtClean="0">
-                                      <a:latin typeface="Cambria Math" charset="0"/>
+                                      <a:latin typeface="Cambria Math" panose="02040503050406030204" pitchFamily="18" charset="0"/>
                                     </a:rPr>
                                   </m:ctrlPr>
                                 </m:dPr>
@@ -14357,7 +14303,7 @@
                                     <m:sSubPr>
                                       <m:ctrlPr>
                                         <a:rPr lang="en-US" sz="2800" i="1" smtClean="0">
-                                          <a:latin typeface="Cambria Math" charset="0"/>
+                                          <a:latin typeface="Cambria Math" panose="02040503050406030204" pitchFamily="18" charset="0"/>
                                         </a:rPr>
                                       </m:ctrlPr>
                                     </m:sSubPr>
@@ -14382,7 +14328,7 @@
                                     <m:dPr>
                                       <m:ctrlPr>
                                         <a:rPr lang="en-US" sz="2800" b="0" i="1" smtClean="0">
-                                          <a:latin typeface="Cambria Math" charset="0"/>
+                                          <a:latin typeface="Cambria Math" panose="02040503050406030204" pitchFamily="18" charset="0"/>
                                         </a:rPr>
                                       </m:ctrlPr>
                                     </m:dPr>
@@ -14392,7 +14338,7 @@
                                           <m:chr m:val="⃗"/>
                                           <m:ctrlPr>
                                             <a:rPr lang="en-US" sz="2800" b="0" i="1" smtClean="0">
-                                              <a:latin typeface="Cambria Math" charset="0"/>
+                                              <a:latin typeface="Cambria Math" panose="02040503050406030204" pitchFamily="18" charset="0"/>
                                             </a:rPr>
                                           </m:ctrlPr>
                                         </m:accPr>
@@ -14428,7 +14374,7 @@
                                           <m:chr m:val="⃗"/>
                                           <m:ctrlPr>
                                             <a:rPr lang="en-US" sz="2800" b="0" i="1" smtClean="0">
-                                              <a:latin typeface="Cambria Math" charset="0"/>
+                                              <a:latin typeface="Cambria Math" panose="02040503050406030204" pitchFamily="18" charset="0"/>
                                             </a:rPr>
                                           </m:ctrlPr>
                                         </m:accPr>
@@ -14454,7 +14400,7 @@
                                       <m:chr m:val="⃗"/>
                                       <m:ctrlPr>
                                         <a:rPr lang="en-US" sz="2800" b="0" i="1" smtClean="0">
-                                          <a:latin typeface="Cambria Math" charset="0"/>
+                                          <a:latin typeface="Cambria Math" panose="02040503050406030204" pitchFamily="18" charset="0"/>
                                         </a:rPr>
                                       </m:ctrlPr>
                                     </m:accPr>
@@ -14495,7 +14441,7 @@
             </p:txBody>
           </p:sp>
         </mc:Choice>
-        <mc:Fallback>
+        <mc:Fallback xmlns="">
           <p:sp>
             <p:nvSpPr>
               <p:cNvPr id="4" name="TextBox 3"/>
@@ -14534,8 +14480,8 @@
           </p:sp>
         </mc:Fallback>
       </mc:AlternateContent>
-      <mc:AlternateContent xmlns:mc="http://schemas.openxmlformats.org/markup-compatibility/2006">
-        <mc:Choice xmlns:a14="http://schemas.microsoft.com/office/drawing/2010/main" Requires="a14">
+      <mc:AlternateContent xmlns:mc="http://schemas.openxmlformats.org/markup-compatibility/2006" xmlns:a14="http://schemas.microsoft.com/office/drawing/2010/main">
+        <mc:Choice Requires="a14">
           <p:sp>
             <p:nvSpPr>
               <p:cNvPr id="5" name="TextBox 4"/>
@@ -14570,7 +14516,7 @@
                           <m:chr m:val="⃗"/>
                           <m:ctrlPr>
                             <a:rPr lang="ru-RU" b="0" i="1" smtClean="0">
-                              <a:latin typeface="Cambria Math" charset="0"/>
+                              <a:latin typeface="Cambria Math" panose="02040503050406030204" pitchFamily="18" charset="0"/>
                             </a:rPr>
                           </m:ctrlPr>
                         </m:accPr>
@@ -14592,7 +14538,7 @@
                     </m:oMath>
                   </m:oMathPara>
                 </a14:m>
-                <a:endParaRPr lang="ru-RU" b="0" dirty="0" smtClean="0"/>
+                <a:endParaRPr lang="ru-RU" b="0" dirty="0"/>
               </a:p>
               <a:p>
                 <a:pPr/>
@@ -14612,18 +14558,18 @@
                         <a:rPr lang="en-US" b="0" i="1" smtClean="0">
                           <a:latin typeface="Cambria Math" charset="0"/>
                         </a:rPr>
-                        <m:t> −пока</m:t>
+                        <m:t> −показани</m:t>
                       </m:r>
                       <m:r>
                         <a:rPr lang="ru-RU" b="0" i="1" smtClean="0">
                           <a:latin typeface="Cambria Math" charset="0"/>
                         </a:rPr>
-                        <m:t>зание регулятора газа,</m:t>
+                        <m:t>е регулятора газа,</m:t>
                       </m:r>
                     </m:oMath>
                   </m:oMathPara>
                 </a14:m>
-                <a:endParaRPr lang="ru-RU" b="0" dirty="0" smtClean="0"/>
+                <a:endParaRPr lang="ru-RU" b="0" dirty="0"/>
               </a:p>
               <a:p>
                 <a:pPr/>
@@ -14638,7 +14584,7 @@
                           <m:chr m:val="⃗"/>
                           <m:ctrlPr>
                             <a:rPr lang="ru-RU" i="1" smtClean="0">
-                              <a:latin typeface="Cambria Math" charset="0"/>
+                              <a:latin typeface="Cambria Math" panose="02040503050406030204" pitchFamily="18" charset="0"/>
                             </a:rPr>
                           </m:ctrlPr>
                         </m:accPr>
@@ -14666,7 +14612,7 @@
                     </m:oMath>
                   </m:oMathPara>
                 </a14:m>
-                <a:endParaRPr lang="ru-RU" b="0" dirty="0" smtClean="0"/>
+                <a:endParaRPr lang="ru-RU" b="0" dirty="0"/>
               </a:p>
               <a:p>
                 <a:pPr/>
@@ -14681,7 +14627,7 @@
                           <m:chr m:val="⃗"/>
                           <m:ctrlPr>
                             <a:rPr lang="ru-RU" i="1" smtClean="0">
-                              <a:latin typeface="Cambria Math" charset="0"/>
+                              <a:latin typeface="Cambria Math" panose="02040503050406030204" pitchFamily="18" charset="0"/>
                             </a:rPr>
                           </m:ctrlPr>
                         </m:accPr>
@@ -14709,7 +14655,7 @@
                     </m:oMath>
                   </m:oMathPara>
                 </a14:m>
-                <a:endParaRPr lang="ru-RU" b="0" dirty="0" smtClean="0"/>
+                <a:endParaRPr lang="ru-RU" b="0" dirty="0"/>
               </a:p>
               <a:p>
                 <a:pPr/>
@@ -14723,7 +14669,7 @@
                         <m:sSubPr>
                           <m:ctrlPr>
                             <a:rPr lang="en-US" i="1" smtClean="0">
-                              <a:latin typeface="Cambria Math" charset="0"/>
+                              <a:latin typeface="Cambria Math" panose="02040503050406030204" pitchFamily="18" charset="0"/>
                             </a:rPr>
                           </m:ctrlPr>
                         </m:sSubPr>
@@ -14754,7 +14700,7 @@
                         <m:sSubPr>
                           <m:ctrlPr>
                             <a:rPr lang="en-US" b="0" i="1" smtClean="0">
-                              <a:latin typeface="Cambria Math" charset="0"/>
+                              <a:latin typeface="Cambria Math" panose="02040503050406030204" pitchFamily="18" charset="0"/>
                             </a:rPr>
                           </m:ctrlPr>
                         </m:sSubPr>
@@ -14790,7 +14736,7 @@
                     </m:oMath>
                   </m:oMathPara>
                 </a14:m>
-                <a:endParaRPr lang="ru-RU" b="0" dirty="0" smtClean="0"/>
+                <a:endParaRPr lang="ru-RU" b="0" dirty="0"/>
               </a:p>
               <a:p>
                 <a:pPr/>
@@ -14830,7 +14776,7 @@
             </p:txBody>
           </p:sp>
         </mc:Choice>
-        <mc:Fallback>
+        <mc:Fallback xmlns="">
           <p:sp>
             <p:nvSpPr>
               <p:cNvPr id="5" name="TextBox 4"/>
@@ -15129,10 +15075,9 @@
               <a:defRPr/>
             </a:pPr>
             <a:r>
-              <a:rPr lang="ru-RU" dirty="0" smtClean="0"/>
+              <a:rPr lang="ru-RU" dirty="0"/>
               <a:t>При решении этой задачи получается набор значений регуляторов радиаторов, кондиционеров и газа, при которых расход газа и электричества минимален для заданных изменений температур.</a:t>
             </a:r>
-            <a:endParaRPr lang="ru-RU" dirty="0" smtClean="0"/>
           </a:p>
         </p:txBody>
       </p:sp>
@@ -15146,13 +15091,6 @@
   <p:clrMapOvr>
     <a:masterClrMapping/>
   </p:clrMapOvr>
-  <p:timing>
-    <p:tnLst>
-      <p:par>
-        <p:cTn id="1" dur="indefinite" restart="never" nodeType="tmRoot"/>
-      </p:par>
-    </p:tnLst>
-  </p:timing>
 </p:sld>
 </file>
 
@@ -15178,7 +15116,7 @@
           <p:cNvPr id="2" name="Заголовок 1">
             <a:extLst>
               <a:ext uri="{FF2B5EF4-FFF2-40B4-BE49-F238E27FC236}">
-                <a16:creationId xmlns="" xmlns:a16="http://schemas.microsoft.com/office/drawing/2014/main" id="{8E37EE3E-7E13-4864-B7D6-188A4C7379AB}"/>
+                <a16:creationId xmlns:a16="http://schemas.microsoft.com/office/drawing/2014/main" id="{8E37EE3E-7E13-4864-B7D6-188A4C7379AB}"/>
               </a:ext>
             </a:extLst>
           </p:cNvPr>
@@ -15195,10 +15133,9 @@
           <a:lstStyle/>
           <a:p>
             <a:r>
-              <a:rPr lang="ru-RU" dirty="0" smtClean="0"/>
+              <a:rPr lang="ru-RU" dirty="0"/>
               <a:t>Логическая схема проекта</a:t>
             </a:r>
-            <a:endParaRPr lang="ru-RU" dirty="0"/>
           </a:p>
         </p:txBody>
       </p:sp>
@@ -15207,7 +15144,7 @@
           <p:cNvPr id="3" name="Объект 2">
             <a:extLst>
               <a:ext uri="{FF2B5EF4-FFF2-40B4-BE49-F238E27FC236}">
-                <a16:creationId xmlns="" xmlns:a16="http://schemas.microsoft.com/office/drawing/2014/main" id="{43A29B75-2ABB-4B1A-A251-8B91867E88E8}"/>
+                <a16:creationId xmlns:a16="http://schemas.microsoft.com/office/drawing/2014/main" id="{43A29B75-2ABB-4B1A-A251-8B91867E88E8}"/>
               </a:ext>
             </a:extLst>
           </p:cNvPr>
@@ -15237,13 +15174,6 @@
   <p:clrMapOvr>
     <a:masterClrMapping/>
   </p:clrMapOvr>
-  <p:timing>
-    <p:tnLst>
-      <p:par>
-        <p:cTn id="1" dur="indefinite" restart="never" nodeType="tmRoot"/>
-      </p:par>
-    </p:tnLst>
-  </p:timing>
 </p:sld>
 </file>
 
@@ -15269,7 +15199,7 @@
           <p:cNvPr id="2" name="Заголовок 1">
             <a:extLst>
               <a:ext uri="{FF2B5EF4-FFF2-40B4-BE49-F238E27FC236}">
-                <a16:creationId xmlns="" xmlns:a16="http://schemas.microsoft.com/office/drawing/2014/main" id="{1EDFF5A3-FBB5-461E-A9C7-923CD6FD0AC5}"/>
+                <a16:creationId xmlns:a16="http://schemas.microsoft.com/office/drawing/2014/main" id="{1EDFF5A3-FBB5-461E-A9C7-923CD6FD0AC5}"/>
               </a:ext>
             </a:extLst>
           </p:cNvPr>
@@ -15287,12 +15217,8 @@
           <a:p>
             <a:pPr algn="ctr"/>
             <a:r>
-              <a:rPr lang="ru-RU" dirty="0" smtClean="0"/>
-              <a:t>Платформы </a:t>
-            </a:r>
-            <a:r>
               <a:rPr lang="ru-RU" dirty="0"/>
-              <a:t>разработки проекта</a:t>
+              <a:t>Платформы разработки проекта</a:t>
             </a:r>
           </a:p>
         </p:txBody>
@@ -15302,7 +15228,7 @@
           <p:cNvPr id="4" name="TextBox 3">
             <a:extLst>
               <a:ext uri="{FF2B5EF4-FFF2-40B4-BE49-F238E27FC236}">
-                <a16:creationId xmlns="" xmlns:a16="http://schemas.microsoft.com/office/drawing/2014/main" id="{4E4FA2F1-D15C-41D0-9A52-83F93757370C}"/>
+                <a16:creationId xmlns:a16="http://schemas.microsoft.com/office/drawing/2014/main" id="{4E4FA2F1-D15C-41D0-9A52-83F93757370C}"/>
               </a:ext>
             </a:extLst>
           </p:cNvPr>
@@ -15342,7 +15268,7 @@
           <p:cNvPr id="5" name="TextBox 4">
             <a:extLst>
               <a:ext uri="{FF2B5EF4-FFF2-40B4-BE49-F238E27FC236}">
-                <a16:creationId xmlns="" xmlns:a16="http://schemas.microsoft.com/office/drawing/2014/main" id="{3D338E15-5DA0-4290-87DD-685B0B4F9354}"/>
+                <a16:creationId xmlns:a16="http://schemas.microsoft.com/office/drawing/2014/main" id="{3D338E15-5DA0-4290-87DD-685B0B4F9354}"/>
               </a:ext>
             </a:extLst>
           </p:cNvPr>
@@ -15366,12 +15292,8 @@
           <a:lstStyle/>
           <a:p>
             <a:r>
-              <a:rPr lang="ru-RU" dirty="0" smtClean="0"/>
-              <a:t>Веб-сервер </a:t>
-            </a:r>
-            <a:r>
               <a:rPr lang="ru-RU" dirty="0"/>
-              <a:t>– </a:t>
+              <a:t>Веб-сервер – </a:t>
             </a:r>
             <a:r>
               <a:rPr lang="en-US" b="1" dirty="0"/>
@@ -15386,7 +15308,7 @@
           <p:cNvPr id="6" name="TextBox 5">
             <a:extLst>
               <a:ext uri="{FF2B5EF4-FFF2-40B4-BE49-F238E27FC236}">
-                <a16:creationId xmlns="" xmlns:a16="http://schemas.microsoft.com/office/drawing/2014/main" id="{9E4975CE-2E19-4571-8A7C-6D8D2DAC2458}"/>
+                <a16:creationId xmlns:a16="http://schemas.microsoft.com/office/drawing/2014/main" id="{9E4975CE-2E19-4571-8A7C-6D8D2DAC2458}"/>
               </a:ext>
             </a:extLst>
           </p:cNvPr>
@@ -15411,23 +15333,15 @@
           <a:p>
             <a:r>
               <a:rPr lang="ru-RU" dirty="0"/>
-              <a:t>База данных </a:t>
-            </a:r>
-            <a:r>
-              <a:rPr lang="ru-RU" dirty="0" smtClean="0"/>
-              <a:t>–</a:t>
-            </a:r>
-            <a:r>
-              <a:rPr lang="en-US" dirty="0" smtClean="0"/>
+              <a:t>База данных –</a:t>
+            </a:r>
+            <a:r>
+              <a:rPr lang="en-US" dirty="0"/>
               <a:t> </a:t>
             </a:r>
             <a:r>
-              <a:rPr lang="en-US" b="1" dirty="0" smtClean="0"/>
-              <a:t>PostgreSQL </a:t>
-            </a:r>
-            <a:r>
               <a:rPr lang="en-US" b="1" dirty="0"/>
-              <a:t>9.5</a:t>
+              <a:t>PostgreSQL 9.5</a:t>
             </a:r>
             <a:endParaRPr lang="ru-RU" b="1" dirty="0"/>
           </a:p>
@@ -15438,7 +15352,7 @@
           <p:cNvPr id="7" name="TextBox 6">
             <a:extLst>
               <a:ext uri="{FF2B5EF4-FFF2-40B4-BE49-F238E27FC236}">
-                <a16:creationId xmlns="" xmlns:a16="http://schemas.microsoft.com/office/drawing/2014/main" id="{7AB75CB3-42A9-4E90-97A9-F2EDFFD7B660}"/>
+                <a16:creationId xmlns:a16="http://schemas.microsoft.com/office/drawing/2014/main" id="{7AB75CB3-42A9-4E90-97A9-F2EDFFD7B660}"/>
               </a:ext>
             </a:extLst>
           </p:cNvPr>
@@ -15463,11 +15377,7 @@
           <a:p>
             <a:r>
               <a:rPr lang="ru-RU" dirty="0"/>
-              <a:t>Платформа </a:t>
-            </a:r>
-            <a:r>
-              <a:rPr lang="ru-RU" dirty="0" smtClean="0"/>
-              <a:t>Модуля НС – </a:t>
+              <a:t>Платформа Модуля НС – </a:t>
             </a:r>
             <a:r>
               <a:rPr lang="en-US" b="1" dirty="0"/>
@@ -15482,7 +15392,7 @@
           <p:cNvPr id="1026" name="Picture 2" descr="Картинки по запросу ubuntu 16.04 logo">
             <a:extLst>
               <a:ext uri="{FF2B5EF4-FFF2-40B4-BE49-F238E27FC236}">
-                <a16:creationId xmlns="" xmlns:a16="http://schemas.microsoft.com/office/drawing/2014/main" id="{649412D1-37AC-4E01-B3BF-EDB810FD218B}"/>
+                <a16:creationId xmlns:a16="http://schemas.microsoft.com/office/drawing/2014/main" id="{649412D1-37AC-4E01-B3BF-EDB810FD218B}"/>
               </a:ext>
             </a:extLst>
           </p:cNvPr>
@@ -15529,7 +15439,7 @@
           <p:cNvPr id="1028" name="Picture 4" descr="Картинки по запросу apache">
             <a:extLst>
               <a:ext uri="{FF2B5EF4-FFF2-40B4-BE49-F238E27FC236}">
-                <a16:creationId xmlns="" xmlns:a16="http://schemas.microsoft.com/office/drawing/2014/main" id="{69EC288F-3BDA-4B82-8173-C158568131B1}"/>
+                <a16:creationId xmlns:a16="http://schemas.microsoft.com/office/drawing/2014/main" id="{69EC288F-3BDA-4B82-8173-C158568131B1}"/>
               </a:ext>
             </a:extLst>
           </p:cNvPr>
@@ -15576,7 +15486,7 @@
           <p:cNvPr id="1030" name="Picture 6" descr="Картинки по запросу php 7.0">
             <a:extLst>
               <a:ext uri="{FF2B5EF4-FFF2-40B4-BE49-F238E27FC236}">
-                <a16:creationId xmlns="" xmlns:a16="http://schemas.microsoft.com/office/drawing/2014/main" id="{204DCBAD-AB0E-4EAA-945D-9E89B6DAD8FF}"/>
+                <a16:creationId xmlns:a16="http://schemas.microsoft.com/office/drawing/2014/main" id="{204DCBAD-AB0E-4EAA-945D-9E89B6DAD8FF}"/>
               </a:ext>
             </a:extLst>
           </p:cNvPr>
@@ -15623,7 +15533,7 @@
           <p:cNvPr id="1032" name="Picture 8" descr="Картинки по запросу postgresql 9.5 logo">
             <a:extLst>
               <a:ext uri="{FF2B5EF4-FFF2-40B4-BE49-F238E27FC236}">
-                <a16:creationId xmlns="" xmlns:a16="http://schemas.microsoft.com/office/drawing/2014/main" id="{3ECD406A-7FCA-450D-8228-497295C73D27}"/>
+                <a16:creationId xmlns:a16="http://schemas.microsoft.com/office/drawing/2014/main" id="{3ECD406A-7FCA-450D-8228-497295C73D27}"/>
               </a:ext>
             </a:extLst>
           </p:cNvPr>
@@ -15670,7 +15580,7 @@
           <p:cNvPr id="1034" name="Picture 10" descr="Картинки по запросу python logo">
             <a:extLst>
               <a:ext uri="{FF2B5EF4-FFF2-40B4-BE49-F238E27FC236}">
-                <a16:creationId xmlns="" xmlns:a16="http://schemas.microsoft.com/office/drawing/2014/main" id="{51419B93-0D26-4CAE-A7C8-E30AB18B17CD}"/>
+                <a16:creationId xmlns:a16="http://schemas.microsoft.com/office/drawing/2014/main" id="{51419B93-0D26-4CAE-A7C8-E30AB18B17CD}"/>
               </a:ext>
             </a:extLst>
           </p:cNvPr>
@@ -15722,13 +15632,6 @@
   <p:clrMapOvr>
     <a:masterClrMapping/>
   </p:clrMapOvr>
-  <p:timing>
-    <p:tnLst>
-      <p:par>
-        <p:cTn id="1" dur="indefinite" restart="never" nodeType="tmRoot"/>
-      </p:par>
-    </p:tnLst>
-  </p:timing>
 </p:sld>
 </file>
 
@@ -15754,7 +15657,7 @@
           <p:cNvPr id="2" name="Заголовок 1">
             <a:extLst>
               <a:ext uri="{FF2B5EF4-FFF2-40B4-BE49-F238E27FC236}">
-                <a16:creationId xmlns="" xmlns:a16="http://schemas.microsoft.com/office/drawing/2014/main" id="{7C40EFF8-85D0-4D1F-80A0-E53BE3B6770F}"/>
+                <a16:creationId xmlns:a16="http://schemas.microsoft.com/office/drawing/2014/main" id="{7C40EFF8-85D0-4D1F-80A0-E53BE3B6770F}"/>
               </a:ext>
             </a:extLst>
           </p:cNvPr>
@@ -15791,7 +15694,7 @@
           <p:cNvPr id="3" name="Объект 2">
             <a:extLst>
               <a:ext uri="{FF2B5EF4-FFF2-40B4-BE49-F238E27FC236}">
-                <a16:creationId xmlns="" xmlns:a16="http://schemas.microsoft.com/office/drawing/2014/main" id="{D68896F1-0511-40A6-9975-DD7802AA912C}"/>
+                <a16:creationId xmlns:a16="http://schemas.microsoft.com/office/drawing/2014/main" id="{D68896F1-0511-40A6-9975-DD7802AA912C}"/>
               </a:ext>
             </a:extLst>
           </p:cNvPr>
@@ -15951,13 +15854,6 @@
   <p:clrMapOvr>
     <a:masterClrMapping/>
   </p:clrMapOvr>
-  <p:timing>
-    <p:tnLst>
-      <p:par>
-        <p:cTn id="1" dur="indefinite" restart="never" nodeType="tmRoot"/>
-      </p:par>
-    </p:tnLst>
-  </p:timing>
 </p:sld>
 </file>
 
@@ -15983,7 +15879,7 @@
           <p:cNvPr id="2" name="Заголовок 1">
             <a:extLst>
               <a:ext uri="{FF2B5EF4-FFF2-40B4-BE49-F238E27FC236}">
-                <a16:creationId xmlns="" xmlns:a16="http://schemas.microsoft.com/office/drawing/2014/main" id="{BD7F5098-EF74-44EE-9BD1-19A65926B605}"/>
+                <a16:creationId xmlns:a16="http://schemas.microsoft.com/office/drawing/2014/main" id="{BD7F5098-EF74-44EE-9BD1-19A65926B605}"/>
               </a:ext>
             </a:extLst>
           </p:cNvPr>
@@ -16043,7 +15939,7 @@
           <p:cNvPr id="8" name="Объект 7">
             <a:extLst>
               <a:ext uri="{FF2B5EF4-FFF2-40B4-BE49-F238E27FC236}">
-                <a16:creationId xmlns="" xmlns:a16="http://schemas.microsoft.com/office/drawing/2014/main" id="{D1DF4AFA-8037-4928-AB2B-238597ABA7F1}"/>
+                <a16:creationId xmlns:a16="http://schemas.microsoft.com/office/drawing/2014/main" id="{D1DF4AFA-8037-4928-AB2B-238597ABA7F1}"/>
               </a:ext>
             </a:extLst>
           </p:cNvPr>
@@ -16075,7 +15971,7 @@
           <p:cNvPr id="9" name="TextBox 8">
             <a:extLst>
               <a:ext uri="{FF2B5EF4-FFF2-40B4-BE49-F238E27FC236}">
-                <a16:creationId xmlns="" xmlns:a16="http://schemas.microsoft.com/office/drawing/2014/main" id="{C097CCDC-9A2F-459B-9362-C3AEB9188317}"/>
+                <a16:creationId xmlns:a16="http://schemas.microsoft.com/office/drawing/2014/main" id="{C097CCDC-9A2F-459B-9362-C3AEB9188317}"/>
               </a:ext>
             </a:extLst>
           </p:cNvPr>
@@ -16137,13 +16033,655 @@
   <p:clrMapOvr>
     <a:masterClrMapping/>
   </p:clrMapOvr>
-  <p:timing>
-    <p:tnLst>
-      <p:par>
-        <p:cTn id="1" dur="indefinite" restart="never" nodeType="tmRoot"/>
-      </p:par>
-    </p:tnLst>
-  </p:timing>
+</p:sld>
+</file>
+
+<file path=ppt/slides/slide15.xml><?xml version="1.0" encoding="utf-8"?>
+<p:sld xmlns:a="http://schemas.openxmlformats.org/drawingml/2006/main" xmlns:r="http://schemas.openxmlformats.org/officeDocument/2006/relationships" xmlns:p="http://schemas.openxmlformats.org/presentationml/2006/main">
+  <p:cSld>
+    <p:spTree>
+      <p:nvGrpSpPr>
+        <p:cNvPr id="1" name=""/>
+        <p:cNvGrpSpPr/>
+        <p:nvPr/>
+      </p:nvGrpSpPr>
+      <p:grpSpPr>
+        <a:xfrm>
+          <a:off x="0" y="0"/>
+          <a:ext cx="0" cy="0"/>
+          <a:chOff x="0" y="0"/>
+          <a:chExt cx="0" cy="0"/>
+        </a:xfrm>
+      </p:grpSpPr>
+      <p:sp>
+        <p:nvSpPr>
+          <p:cNvPr id="3" name="Заголовок 2">
+            <a:extLst>
+              <a:ext uri="{FF2B5EF4-FFF2-40B4-BE49-F238E27FC236}">
+                <a16:creationId xmlns:a16="http://schemas.microsoft.com/office/drawing/2014/main" id="{DD410EA9-3E96-462F-9D11-A92DABB58BA0}"/>
+              </a:ext>
+            </a:extLst>
+          </p:cNvPr>
+          <p:cNvSpPr>
+            <a:spLocks noGrp="1"/>
+          </p:cNvSpPr>
+          <p:nvPr>
+            <p:ph type="title"/>
+          </p:nvPr>
+        </p:nvSpPr>
+        <p:spPr/>
+        <p:txBody>
+          <a:bodyPr/>
+          <a:lstStyle/>
+          <a:p>
+            <a:pPr algn="ctr"/>
+            <a:r>
+              <a:rPr lang="ru-RU" dirty="0"/>
+              <a:t>Элементы бизнес-модели проекта</a:t>
+            </a:r>
+          </a:p>
+        </p:txBody>
+      </p:sp>
+      <p:sp>
+        <p:nvSpPr>
+          <p:cNvPr id="4" name="Объект 3">
+            <a:extLst>
+              <a:ext uri="{FF2B5EF4-FFF2-40B4-BE49-F238E27FC236}">
+                <a16:creationId xmlns:a16="http://schemas.microsoft.com/office/drawing/2014/main" id="{220C079F-28E5-4848-958F-53DF42C29908}"/>
+              </a:ext>
+            </a:extLst>
+          </p:cNvPr>
+          <p:cNvSpPr>
+            <a:spLocks noGrp="1"/>
+          </p:cNvSpPr>
+          <p:nvPr>
+            <p:ph idx="1"/>
+          </p:nvPr>
+        </p:nvSpPr>
+        <p:spPr>
+          <a:xfrm>
+            <a:off x="1154954" y="2603499"/>
+            <a:ext cx="10162620" cy="3917221"/>
+          </a:xfrm>
+        </p:spPr>
+        <p:txBody>
+          <a:bodyPr/>
+          <a:lstStyle/>
+          <a:p>
+            <a:pPr marL="0" indent="0">
+              <a:buNone/>
+            </a:pPr>
+            <a:r>
+              <a:rPr lang="ru-RU" b="1" dirty="0"/>
+              <a:t>Позиционирование проекта на рынке </a:t>
+            </a:r>
+            <a:r>
+              <a:rPr lang="ru-RU" b="1" dirty="0" err="1"/>
+              <a:t>НейроНет</a:t>
+            </a:r>
+            <a:r>
+              <a:rPr lang="ru-RU" b="1" dirty="0"/>
+              <a:t>.</a:t>
+            </a:r>
+          </a:p>
+          <a:p>
+            <a:pPr marL="0" indent="0" algn="just">
+              <a:buNone/>
+            </a:pPr>
+            <a:r>
+              <a:rPr lang="ru-RU" dirty="0"/>
+              <a:t>Предполагается, что данная разработка будет принадлежать «</a:t>
+            </a:r>
+            <a:r>
+              <a:rPr lang="ru-RU" dirty="0" err="1"/>
+              <a:t>НейроАссистенту</a:t>
+            </a:r>
+            <a:r>
+              <a:rPr lang="ru-RU" dirty="0"/>
+              <a:t>» - одному из ключевых сегментов на рынке </a:t>
+            </a:r>
+            <a:r>
+              <a:rPr lang="ru-RU" dirty="0" err="1"/>
+              <a:t>НейроНет</a:t>
+            </a:r>
+            <a:r>
+              <a:rPr lang="ru-RU" dirty="0"/>
+              <a:t>. Представленный проект полностью подходит под данные условия ввиду того, что является виртуальным помощником для понимания текущих потребностей пользователя.</a:t>
+            </a:r>
+          </a:p>
+          <a:p>
+            <a:pPr marL="0" indent="0" algn="just">
+              <a:buNone/>
+            </a:pPr>
+            <a:endParaRPr lang="ru-RU" dirty="0"/>
+          </a:p>
+          <a:p>
+            <a:pPr marL="0" indent="0" algn="just">
+              <a:buNone/>
+            </a:pPr>
+            <a:r>
+              <a:rPr lang="ru-RU" b="1" dirty="0"/>
+              <a:t>Каналы продвижения на рынок.</a:t>
+            </a:r>
+          </a:p>
+          <a:p>
+            <a:pPr marL="0" indent="0" algn="just">
+              <a:buNone/>
+            </a:pPr>
+            <a:r>
+              <a:rPr lang="ru-RU" dirty="0"/>
+              <a:t>Активным методом привлечения клиентов в сфере </a:t>
+            </a:r>
+            <a:r>
+              <a:rPr lang="en-US" dirty="0"/>
+              <a:t>B2B </a:t>
+            </a:r>
+            <a:r>
+              <a:rPr lang="ru-RU" dirty="0"/>
+              <a:t>и </a:t>
+            </a:r>
+            <a:r>
+              <a:rPr lang="en-US" dirty="0"/>
+              <a:t>B2C </a:t>
+            </a:r>
+            <a:r>
+              <a:rPr lang="ru-RU" dirty="0"/>
+              <a:t>(для бизнес-пользователей и частных лиц соответственно) является интернет-маркетинг, что позволит охватить достаточно широкую аудиторию за сравнительно небольшие сроки при соответствующих рекламных акциях.</a:t>
+            </a:r>
+          </a:p>
+        </p:txBody>
+      </p:sp>
+      <p:pic>
+        <p:nvPicPr>
+          <p:cNvPr id="1026" name="Picture 2" descr="Картинки по запросу neuronet">
+            <a:extLst>
+              <a:ext uri="{FF2B5EF4-FFF2-40B4-BE49-F238E27FC236}">
+                <a16:creationId xmlns:a16="http://schemas.microsoft.com/office/drawing/2014/main" id="{F6A4D049-35C3-4E7A-B3ED-D0354C254FCB}"/>
+              </a:ext>
+            </a:extLst>
+          </p:cNvPr>
+          <p:cNvPicPr>
+            <a:picLocks noChangeAspect="1" noChangeArrowheads="1"/>
+          </p:cNvPicPr>
+          <p:nvPr/>
+        </p:nvPicPr>
+        <p:blipFill>
+          <a:blip r:embed="rId2">
+            <a:extLst>
+              <a:ext uri="{28A0092B-C50C-407E-A947-70E740481C1C}">
+                <a14:useLocalDpi xmlns:a14="http://schemas.microsoft.com/office/drawing/2010/main" val="0"/>
+              </a:ext>
+            </a:extLst>
+          </a:blip>
+          <a:srcRect/>
+          <a:stretch>
+            <a:fillRect/>
+          </a:stretch>
+        </p:blipFill>
+        <p:spPr bwMode="auto">
+          <a:xfrm>
+            <a:off x="7129695" y="2429654"/>
+            <a:ext cx="580869" cy="580869"/>
+          </a:xfrm>
+          <a:prstGeom prst="rect">
+            <a:avLst/>
+          </a:prstGeom>
+          <a:noFill/>
+          <a:extLst>
+            <a:ext uri="{909E8E84-426E-40DD-AFC4-6F175D3DCCD1}">
+              <a14:hiddenFill xmlns:a14="http://schemas.microsoft.com/office/drawing/2010/main">
+                <a:solidFill>
+                  <a:srgbClr val="FFFFFF"/>
+                </a:solidFill>
+              </a14:hiddenFill>
+            </a:ext>
+          </a:extLst>
+        </p:spPr>
+      </p:pic>
+      <p:pic>
+        <p:nvPicPr>
+          <p:cNvPr id="1030" name="Picture 6" descr="Картинки по запросу b2c b2b">
+            <a:extLst>
+              <a:ext uri="{FF2B5EF4-FFF2-40B4-BE49-F238E27FC236}">
+                <a16:creationId xmlns:a16="http://schemas.microsoft.com/office/drawing/2014/main" id="{6102A90C-1F17-4917-9101-57D36E42CE00}"/>
+              </a:ext>
+            </a:extLst>
+          </p:cNvPr>
+          <p:cNvPicPr>
+            <a:picLocks noChangeAspect="1" noChangeArrowheads="1"/>
+          </p:cNvPicPr>
+          <p:nvPr/>
+        </p:nvPicPr>
+        <p:blipFill>
+          <a:blip r:embed="rId3">
+            <a:extLst>
+              <a:ext uri="{28A0092B-C50C-407E-A947-70E740481C1C}">
+                <a14:useLocalDpi xmlns:a14="http://schemas.microsoft.com/office/drawing/2010/main" val="0"/>
+              </a:ext>
+            </a:extLst>
+          </a:blip>
+          <a:srcRect/>
+          <a:stretch>
+            <a:fillRect/>
+          </a:stretch>
+        </p:blipFill>
+        <p:spPr bwMode="auto">
+          <a:xfrm>
+            <a:off x="5141626" y="4430583"/>
+            <a:ext cx="1303830" cy="630885"/>
+          </a:xfrm>
+          <a:prstGeom prst="rect">
+            <a:avLst/>
+          </a:prstGeom>
+          <a:noFill/>
+          <a:extLst>
+            <a:ext uri="{909E8E84-426E-40DD-AFC4-6F175D3DCCD1}">
+              <a14:hiddenFill xmlns:a14="http://schemas.microsoft.com/office/drawing/2010/main">
+                <a:solidFill>
+                  <a:srgbClr val="FFFFFF"/>
+                </a:solidFill>
+              </a14:hiddenFill>
+            </a:ext>
+          </a:extLst>
+        </p:spPr>
+      </p:pic>
+    </p:spTree>
+    <p:extLst>
+      <p:ext uri="{BB962C8B-B14F-4D97-AF65-F5344CB8AC3E}">
+        <p14:creationId xmlns:p14="http://schemas.microsoft.com/office/powerpoint/2010/main" val="13265024"/>
+      </p:ext>
+    </p:extLst>
+  </p:cSld>
+  <p:clrMapOvr>
+    <a:masterClrMapping/>
+  </p:clrMapOvr>
+</p:sld>
+</file>
+
+<file path=ppt/slides/slide16.xml><?xml version="1.0" encoding="utf-8"?>
+<p:sld xmlns:a="http://schemas.openxmlformats.org/drawingml/2006/main" xmlns:r="http://schemas.openxmlformats.org/officeDocument/2006/relationships" xmlns:p="http://schemas.openxmlformats.org/presentationml/2006/main">
+  <p:cSld>
+    <p:spTree>
+      <p:nvGrpSpPr>
+        <p:cNvPr id="1" name=""/>
+        <p:cNvGrpSpPr/>
+        <p:nvPr/>
+      </p:nvGrpSpPr>
+      <p:grpSpPr>
+        <a:xfrm>
+          <a:off x="0" y="0"/>
+          <a:ext cx="0" cy="0"/>
+          <a:chOff x="0" y="0"/>
+          <a:chExt cx="0" cy="0"/>
+        </a:xfrm>
+      </p:grpSpPr>
+      <p:sp>
+        <p:nvSpPr>
+          <p:cNvPr id="4" name="Объект 3">
+            <a:extLst>
+              <a:ext uri="{FF2B5EF4-FFF2-40B4-BE49-F238E27FC236}">
+                <a16:creationId xmlns:a16="http://schemas.microsoft.com/office/drawing/2014/main" id="{701865B6-6CF7-492B-AD9F-A6713C60D14F}"/>
+              </a:ext>
+            </a:extLst>
+          </p:cNvPr>
+          <p:cNvSpPr txBox="1">
+            <a:spLocks/>
+          </p:cNvSpPr>
+          <p:nvPr/>
+        </p:nvSpPr>
+        <p:spPr>
+          <a:xfrm>
+            <a:off x="1154954" y="2603500"/>
+            <a:ext cx="10162620" cy="3416300"/>
+          </a:xfrm>
+          <a:prstGeom prst="rect">
+            <a:avLst/>
+          </a:prstGeom>
+        </p:spPr>
+        <p:txBody>
+          <a:bodyPr/>
+          <a:lstStyle>
+            <a:lvl1pPr marL="342900" indent="-342900" algn="l" defTabSz="457200" rtl="0" eaLnBrk="1" latinLnBrk="0" hangingPunct="1">
+              <a:spcBef>
+                <a:spcPts val="1000"/>
+              </a:spcBef>
+              <a:spcAft>
+                <a:spcPts val="0"/>
+              </a:spcAft>
+              <a:buClr>
+                <a:schemeClr val="accent1"/>
+              </a:buClr>
+              <a:buSzPct val="80000"/>
+              <a:buFont typeface="Wingdings 3" charset="2"/>
+              <a:buChar char=""/>
+              <a:defRPr sz="1800" b="0" i="0" kern="1200">
+                <a:solidFill>
+                  <a:schemeClr val="tx1">
+                    <a:lumMod val="75000"/>
+                    <a:lumOff val="25000"/>
+                  </a:schemeClr>
+                </a:solidFill>
+                <a:latin typeface="+mn-lt"/>
+                <a:ea typeface="+mn-ea"/>
+                <a:cs typeface="+mn-cs"/>
+              </a:defRPr>
+            </a:lvl1pPr>
+            <a:lvl2pPr marL="742950" indent="-285750" algn="l" defTabSz="457200" rtl="0" eaLnBrk="1" latinLnBrk="0" hangingPunct="1">
+              <a:spcBef>
+                <a:spcPts val="1000"/>
+              </a:spcBef>
+              <a:spcAft>
+                <a:spcPts val="0"/>
+              </a:spcAft>
+              <a:buClr>
+                <a:schemeClr val="accent1"/>
+              </a:buClr>
+              <a:buSzPct val="80000"/>
+              <a:buFont typeface="Wingdings 3" charset="2"/>
+              <a:buChar char=""/>
+              <a:defRPr sz="1600" b="0" i="0" kern="1200">
+                <a:solidFill>
+                  <a:schemeClr val="tx1">
+                    <a:lumMod val="75000"/>
+                    <a:lumOff val="25000"/>
+                  </a:schemeClr>
+                </a:solidFill>
+                <a:latin typeface="+mn-lt"/>
+                <a:ea typeface="+mn-ea"/>
+                <a:cs typeface="+mn-cs"/>
+              </a:defRPr>
+            </a:lvl2pPr>
+            <a:lvl3pPr marL="1143000" indent="-228600" algn="l" defTabSz="457200" rtl="0" eaLnBrk="1" latinLnBrk="0" hangingPunct="1">
+              <a:spcBef>
+                <a:spcPts val="1000"/>
+              </a:spcBef>
+              <a:spcAft>
+                <a:spcPts val="0"/>
+              </a:spcAft>
+              <a:buClr>
+                <a:schemeClr val="accent1"/>
+              </a:buClr>
+              <a:buSzPct val="80000"/>
+              <a:buFont typeface="Wingdings 3" charset="2"/>
+              <a:buChar char=""/>
+              <a:defRPr sz="1400" b="0" i="0" kern="1200">
+                <a:solidFill>
+                  <a:schemeClr val="tx1">
+                    <a:lumMod val="75000"/>
+                    <a:lumOff val="25000"/>
+                  </a:schemeClr>
+                </a:solidFill>
+                <a:latin typeface="+mn-lt"/>
+                <a:ea typeface="+mn-ea"/>
+                <a:cs typeface="+mn-cs"/>
+              </a:defRPr>
+            </a:lvl3pPr>
+            <a:lvl4pPr marL="1600200" indent="-228600" algn="l" defTabSz="457200" rtl="0" eaLnBrk="1" latinLnBrk="0" hangingPunct="1">
+              <a:spcBef>
+                <a:spcPts val="1000"/>
+              </a:spcBef>
+              <a:spcAft>
+                <a:spcPts val="0"/>
+              </a:spcAft>
+              <a:buClr>
+                <a:schemeClr val="accent1"/>
+              </a:buClr>
+              <a:buSzPct val="80000"/>
+              <a:buFont typeface="Wingdings 3" charset="2"/>
+              <a:buChar char=""/>
+              <a:defRPr sz="1200" b="0" i="0" kern="1200">
+                <a:solidFill>
+                  <a:schemeClr val="tx1">
+                    <a:lumMod val="75000"/>
+                    <a:lumOff val="25000"/>
+                  </a:schemeClr>
+                </a:solidFill>
+                <a:latin typeface="+mn-lt"/>
+                <a:ea typeface="+mn-ea"/>
+                <a:cs typeface="+mn-cs"/>
+              </a:defRPr>
+            </a:lvl4pPr>
+            <a:lvl5pPr marL="2057400" indent="-228600" algn="l" defTabSz="457200" rtl="0" eaLnBrk="1" latinLnBrk="0" hangingPunct="1">
+              <a:spcBef>
+                <a:spcPts val="1000"/>
+              </a:spcBef>
+              <a:spcAft>
+                <a:spcPts val="0"/>
+              </a:spcAft>
+              <a:buClr>
+                <a:schemeClr val="accent1"/>
+              </a:buClr>
+              <a:buSzPct val="80000"/>
+              <a:buFont typeface="Wingdings 3" charset="2"/>
+              <a:buChar char=""/>
+              <a:defRPr sz="1200" b="0" i="0" kern="1200">
+                <a:solidFill>
+                  <a:schemeClr val="tx1">
+                    <a:lumMod val="75000"/>
+                    <a:lumOff val="25000"/>
+                  </a:schemeClr>
+                </a:solidFill>
+                <a:latin typeface="+mn-lt"/>
+                <a:ea typeface="+mn-ea"/>
+                <a:cs typeface="+mn-cs"/>
+              </a:defRPr>
+            </a:lvl5pPr>
+            <a:lvl6pPr marL="2514600" indent="-228600" algn="l" defTabSz="457200" rtl="0" eaLnBrk="1" latinLnBrk="0" hangingPunct="1">
+              <a:spcBef>
+                <a:spcPts val="1000"/>
+              </a:spcBef>
+              <a:spcAft>
+                <a:spcPts val="0"/>
+              </a:spcAft>
+              <a:buClr>
+                <a:schemeClr val="accent1"/>
+              </a:buClr>
+              <a:buSzPct val="80000"/>
+              <a:buFont typeface="Wingdings 3" charset="2"/>
+              <a:buChar char=""/>
+              <a:defRPr sz="1200" b="0" i="0" kern="1200">
+                <a:solidFill>
+                  <a:schemeClr val="tx1">
+                    <a:lumMod val="75000"/>
+                    <a:lumOff val="25000"/>
+                  </a:schemeClr>
+                </a:solidFill>
+                <a:latin typeface="+mn-lt"/>
+                <a:ea typeface="+mn-ea"/>
+                <a:cs typeface="+mn-cs"/>
+              </a:defRPr>
+            </a:lvl6pPr>
+            <a:lvl7pPr marL="2971800" indent="-228600" algn="l" defTabSz="457200" rtl="0" eaLnBrk="1" latinLnBrk="0" hangingPunct="1">
+              <a:spcBef>
+                <a:spcPts val="1000"/>
+              </a:spcBef>
+              <a:spcAft>
+                <a:spcPts val="0"/>
+              </a:spcAft>
+              <a:buClr>
+                <a:schemeClr val="accent1"/>
+              </a:buClr>
+              <a:buSzPct val="80000"/>
+              <a:buFont typeface="Wingdings 3" charset="2"/>
+              <a:buChar char=""/>
+              <a:defRPr sz="1200" b="0" i="0" kern="1200">
+                <a:solidFill>
+                  <a:schemeClr val="tx1">
+                    <a:lumMod val="75000"/>
+                    <a:lumOff val="25000"/>
+                  </a:schemeClr>
+                </a:solidFill>
+                <a:latin typeface="+mn-lt"/>
+                <a:ea typeface="+mn-ea"/>
+                <a:cs typeface="+mn-cs"/>
+              </a:defRPr>
+            </a:lvl7pPr>
+            <a:lvl8pPr marL="3429000" indent="-228600" algn="l" defTabSz="457200" rtl="0" eaLnBrk="1" latinLnBrk="0" hangingPunct="1">
+              <a:spcBef>
+                <a:spcPts val="1000"/>
+              </a:spcBef>
+              <a:spcAft>
+                <a:spcPts val="0"/>
+              </a:spcAft>
+              <a:buClr>
+                <a:schemeClr val="accent1"/>
+              </a:buClr>
+              <a:buSzPct val="80000"/>
+              <a:buFont typeface="Wingdings 3" charset="2"/>
+              <a:buChar char=""/>
+              <a:defRPr sz="1200" b="0" i="0" kern="1200">
+                <a:solidFill>
+                  <a:schemeClr val="tx1">
+                    <a:lumMod val="75000"/>
+                    <a:lumOff val="25000"/>
+                  </a:schemeClr>
+                </a:solidFill>
+                <a:latin typeface="+mn-lt"/>
+                <a:ea typeface="+mn-ea"/>
+                <a:cs typeface="+mn-cs"/>
+              </a:defRPr>
+            </a:lvl8pPr>
+            <a:lvl9pPr marL="3886200" indent="-228600" algn="l" defTabSz="457200" rtl="0" eaLnBrk="1" latinLnBrk="0" hangingPunct="1">
+              <a:spcBef>
+                <a:spcPts val="1000"/>
+              </a:spcBef>
+              <a:spcAft>
+                <a:spcPts val="0"/>
+              </a:spcAft>
+              <a:buClr>
+                <a:schemeClr val="accent1"/>
+              </a:buClr>
+              <a:buSzPct val="80000"/>
+              <a:buFont typeface="Wingdings 3" charset="2"/>
+              <a:buChar char=""/>
+              <a:defRPr sz="1200" b="0" i="0" kern="1200">
+                <a:solidFill>
+                  <a:schemeClr val="tx1">
+                    <a:lumMod val="75000"/>
+                    <a:lumOff val="25000"/>
+                  </a:schemeClr>
+                </a:solidFill>
+                <a:latin typeface="+mn-lt"/>
+                <a:ea typeface="+mn-ea"/>
+                <a:cs typeface="+mn-cs"/>
+              </a:defRPr>
+            </a:lvl9pPr>
+          </a:lstStyle>
+          <a:p>
+            <a:pPr marL="0" indent="0">
+              <a:buFont typeface="Wingdings 3" charset="2"/>
+              <a:buNone/>
+            </a:pPr>
+            <a:r>
+              <a:rPr lang="ru-RU" b="1" dirty="0"/>
+              <a:t>Целевые потребители.</a:t>
+            </a:r>
+          </a:p>
+          <a:p>
+            <a:pPr marL="0" indent="0">
+              <a:buFont typeface="Wingdings 3" charset="2"/>
+              <a:buNone/>
+            </a:pPr>
+            <a:r>
+              <a:rPr lang="ru-RU" dirty="0"/>
+              <a:t>Разрабатываемый продукт ориентирован на широкий круг пользователей ввиду гибкости системы. Система может подстроиться под любое количество комнат, что подходит для людей с разным уровнем достатка. А техническая реализация на компонентах </a:t>
+            </a:r>
+            <a:r>
+              <a:rPr lang="en-US" dirty="0"/>
+              <a:t>Arduino</a:t>
+            </a:r>
+            <a:r>
+              <a:rPr lang="ru-RU" dirty="0"/>
+              <a:t> позволит уменьшить себестоимость конечного продукта и сделать его более бюджетным.</a:t>
+            </a:r>
+          </a:p>
+        </p:txBody>
+      </p:sp>
+      <p:sp>
+        <p:nvSpPr>
+          <p:cNvPr id="5" name="Заголовок 4">
+            <a:extLst>
+              <a:ext uri="{FF2B5EF4-FFF2-40B4-BE49-F238E27FC236}">
+                <a16:creationId xmlns:a16="http://schemas.microsoft.com/office/drawing/2014/main" id="{5FDFC8FE-ABEA-4877-B546-94CEC0C122ED}"/>
+              </a:ext>
+            </a:extLst>
+          </p:cNvPr>
+          <p:cNvSpPr>
+            <a:spLocks noGrp="1"/>
+          </p:cNvSpPr>
+          <p:nvPr>
+            <p:ph type="title"/>
+          </p:nvPr>
+        </p:nvSpPr>
+        <p:spPr/>
+        <p:txBody>
+          <a:bodyPr/>
+          <a:lstStyle/>
+          <a:p>
+            <a:r>
+              <a:rPr lang="ru-RU" dirty="0"/>
+              <a:t>Элементы бизнес-модели проекта</a:t>
+            </a:r>
+          </a:p>
+        </p:txBody>
+      </p:sp>
+      <p:pic>
+        <p:nvPicPr>
+          <p:cNvPr id="2050" name="Picture 2" descr="Картинки по запросу customer png">
+            <a:extLst>
+              <a:ext uri="{FF2B5EF4-FFF2-40B4-BE49-F238E27FC236}">
+                <a16:creationId xmlns:a16="http://schemas.microsoft.com/office/drawing/2014/main" id="{8E82531C-4B6C-41F8-8201-EF20A6DBC541}"/>
+              </a:ext>
+            </a:extLst>
+          </p:cNvPr>
+          <p:cNvPicPr>
+            <a:picLocks noChangeAspect="1" noChangeArrowheads="1"/>
+          </p:cNvPicPr>
+          <p:nvPr/>
+        </p:nvPicPr>
+        <p:blipFill>
+          <a:blip r:embed="rId2">
+            <a:extLst>
+              <a:ext uri="{28A0092B-C50C-407E-A947-70E740481C1C}">
+                <a14:useLocalDpi xmlns:a14="http://schemas.microsoft.com/office/drawing/2010/main" val="0"/>
+              </a:ext>
+            </a:extLst>
+          </a:blip>
+          <a:srcRect/>
+          <a:stretch>
+            <a:fillRect/>
+          </a:stretch>
+        </p:blipFill>
+        <p:spPr bwMode="auto">
+          <a:xfrm>
+            <a:off x="4121046" y="2443396"/>
+            <a:ext cx="615846" cy="615846"/>
+          </a:xfrm>
+          <a:prstGeom prst="rect">
+            <a:avLst/>
+          </a:prstGeom>
+          <a:noFill/>
+          <a:extLst>
+            <a:ext uri="{909E8E84-426E-40DD-AFC4-6F175D3DCCD1}">
+              <a14:hiddenFill xmlns:a14="http://schemas.microsoft.com/office/drawing/2010/main">
+                <a:solidFill>
+                  <a:srgbClr val="FFFFFF"/>
+                </a:solidFill>
+              </a14:hiddenFill>
+            </a:ext>
+          </a:extLst>
+        </p:spPr>
+      </p:pic>
+    </p:spTree>
+    <p:extLst>
+      <p:ext uri="{BB962C8B-B14F-4D97-AF65-F5344CB8AC3E}">
+        <p14:creationId xmlns:p14="http://schemas.microsoft.com/office/powerpoint/2010/main" val="1759876271"/>
+      </p:ext>
+    </p:extLst>
+  </p:cSld>
+  <p:clrMapOvr>
+    <a:masterClrMapping/>
+  </p:clrMapOvr>
 </p:sld>
 </file>
 
@@ -16169,7 +16707,7 @@
           <p:cNvPr id="2" name="Заголовок 1">
             <a:extLst>
               <a:ext uri="{FF2B5EF4-FFF2-40B4-BE49-F238E27FC236}">
-                <a16:creationId xmlns="" xmlns:a16="http://schemas.microsoft.com/office/drawing/2014/main" id="{C5FBDF4D-D35D-46EF-ACB0-763A5E332E5C}"/>
+                <a16:creationId xmlns:a16="http://schemas.microsoft.com/office/drawing/2014/main" id="{C5FBDF4D-D35D-46EF-ACB0-763A5E332E5C}"/>
               </a:ext>
             </a:extLst>
           </p:cNvPr>
@@ -16187,11 +16725,11 @@
           <a:p>
             <a:pPr algn="ctr"/>
             <a:r>
-              <a:rPr lang="ru-RU" dirty="0" smtClean="0"/>
+              <a:rPr lang="ru-RU" dirty="0"/>
               <a:t>Команда </a:t>
             </a:r>
             <a:r>
-              <a:rPr lang="en-US" dirty="0" smtClean="0"/>
+              <a:rPr lang="en-US" dirty="0"/>
               <a:t>“Twister Radiator”</a:t>
             </a:r>
             <a:endParaRPr lang="ru-RU" dirty="0"/>
@@ -16203,7 +16741,7 @@
           <p:cNvPr id="3" name="Объект 2">
             <a:extLst>
               <a:ext uri="{FF2B5EF4-FFF2-40B4-BE49-F238E27FC236}">
-                <a16:creationId xmlns="" xmlns:a16="http://schemas.microsoft.com/office/drawing/2014/main" id="{9694AABC-1145-4B60-B360-9FD98A57DAB1}"/>
+                <a16:creationId xmlns:a16="http://schemas.microsoft.com/office/drawing/2014/main" id="{9694AABC-1145-4B60-B360-9FD98A57DAB1}"/>
               </a:ext>
             </a:extLst>
           </p:cNvPr>
@@ -16228,51 +16766,19 @@
           <a:p>
             <a:r>
               <a:rPr lang="ru-RU" sz="2400" dirty="0"/>
-              <a:t>Медведев </a:t>
-            </a:r>
-            <a:r>
-              <a:rPr lang="ru-RU" sz="2400" dirty="0" smtClean="0"/>
-              <a:t>Дмитрий Сергеевич </a:t>
-            </a:r>
+              <a:t>Медведев Дмитрий Сергеевич (автор проекта) – Университет ИТМО, Санкт-Петербург</a:t>
+            </a:r>
+          </a:p>
+          <a:p>
             <a:r>
               <a:rPr lang="ru-RU" sz="2400" dirty="0"/>
-              <a:t>– </a:t>
-            </a:r>
-            <a:r>
-              <a:rPr lang="ru-RU" sz="2400" dirty="0" smtClean="0"/>
-              <a:t>Университет ИТМО</a:t>
-            </a:r>
+              <a:t>Игнатов Андрей Дмитриевич – МГУ им. М. В. Ломоносова, Москва</a:t>
+            </a:r>
+          </a:p>
+          <a:p>
             <a:r>
               <a:rPr lang="ru-RU" sz="2400" dirty="0"/>
-              <a:t>, Санкт-Петербург</a:t>
-            </a:r>
-          </a:p>
-          <a:p>
-            <a:r>
-              <a:rPr lang="ru-RU" sz="2400" dirty="0"/>
-              <a:t>Игнатов </a:t>
-            </a:r>
-            <a:r>
-              <a:rPr lang="ru-RU" sz="2400" dirty="0" smtClean="0"/>
-              <a:t>Андрей Дмитриевич </a:t>
-            </a:r>
-            <a:r>
-              <a:rPr lang="ru-RU" sz="2400" dirty="0"/>
-              <a:t>– МГУ им. М. В. Ломоносова, Москва</a:t>
-            </a:r>
-          </a:p>
-          <a:p>
-            <a:r>
-              <a:rPr lang="ru-RU" sz="2400" dirty="0"/>
-              <a:t>Рыжов </a:t>
-            </a:r>
-            <a:r>
-              <a:rPr lang="ru-RU" sz="2400" dirty="0" smtClean="0"/>
-              <a:t>Дмитрий Геннадьевич </a:t>
-            </a:r>
-            <a:r>
-              <a:rPr lang="ru-RU" sz="2400" dirty="0"/>
-              <a:t>– </a:t>
+              <a:t>Рыжов Дмитрий Геннадьевич – </a:t>
             </a:r>
             <a:r>
               <a:rPr lang="ru-RU" sz="2400" dirty="0" err="1"/>
@@ -16295,13 +16801,6 @@
   <p:clrMapOvr>
     <a:masterClrMapping/>
   </p:clrMapOvr>
-  <p:timing>
-    <p:tnLst>
-      <p:par>
-        <p:cTn id="1" dur="indefinite" restart="never" nodeType="tmRoot"/>
-      </p:par>
-    </p:tnLst>
-  </p:timing>
 </p:sld>
 </file>
 
@@ -16327,7 +16826,7 @@
           <p:cNvPr id="2" name="Заголовок 1">
             <a:extLst>
               <a:ext uri="{FF2B5EF4-FFF2-40B4-BE49-F238E27FC236}">
-                <a16:creationId xmlns="" xmlns:a16="http://schemas.microsoft.com/office/drawing/2014/main" id="{7268A71C-E428-46B7-B4BE-DA2E8E9BE6EF}"/>
+                <a16:creationId xmlns:a16="http://schemas.microsoft.com/office/drawing/2014/main" id="{7268A71C-E428-46B7-B4BE-DA2E8E9BE6EF}"/>
               </a:ext>
             </a:extLst>
           </p:cNvPr>
@@ -16346,13 +16845,8 @@
             <a:pPr algn="ctr"/>
             <a:r>
               <a:rPr lang="ru-RU" dirty="0"/>
-              <a:t>Техническое </a:t>
-            </a:r>
-            <a:r>
-              <a:rPr lang="ru-RU" dirty="0" smtClean="0"/>
-              <a:t>задание (название)</a:t>
-            </a:r>
-            <a:endParaRPr lang="ru-RU" dirty="0"/>
+              <a:t>Техническое задание (название)</a:t>
+            </a:r>
           </a:p>
         </p:txBody>
       </p:sp>
@@ -16361,7 +16855,7 @@
           <p:cNvPr id="3" name="Объект 2">
             <a:extLst>
               <a:ext uri="{FF2B5EF4-FFF2-40B4-BE49-F238E27FC236}">
-                <a16:creationId xmlns="" xmlns:a16="http://schemas.microsoft.com/office/drawing/2014/main" id="{C4C87C1D-2FA7-43A3-82F0-27C5516DA9F0}"/>
+                <a16:creationId xmlns:a16="http://schemas.microsoft.com/office/drawing/2014/main" id="{C4C87C1D-2FA7-43A3-82F0-27C5516DA9F0}"/>
               </a:ext>
             </a:extLst>
           </p:cNvPr>
@@ -16388,16 +16882,12 @@
               <a:buNone/>
             </a:pPr>
             <a:r>
-              <a:rPr lang="ru-RU" sz="2800" dirty="0" smtClean="0"/>
+              <a:rPr lang="ru-RU" sz="2800" dirty="0"/>
               <a:t>Тематический трек </a:t>
             </a:r>
             <a:r>
-              <a:rPr lang="ru-RU" sz="2800" b="1" dirty="0" smtClean="0"/>
-              <a:t>«Умный </a:t>
-            </a:r>
-            <a:r>
               <a:rPr lang="ru-RU" sz="2800" b="1" dirty="0"/>
-              <a:t>дом»</a:t>
+              <a:t>«Умный дом»</a:t>
             </a:r>
           </a:p>
           <a:p>
@@ -16405,16 +16895,8 @@
               <a:buNone/>
             </a:pPr>
             <a:r>
-              <a:rPr lang="ru-RU" sz="2800" dirty="0" smtClean="0"/>
-              <a:t>Кейс</a:t>
-            </a:r>
-            <a:r>
               <a:rPr lang="ru-RU" sz="2800" dirty="0"/>
-              <a:t>:</a:t>
-            </a:r>
-            <a:r>
-              <a:rPr lang="ru-RU" sz="2800" dirty="0" smtClean="0"/>
-              <a:t> </a:t>
+              <a:t>Кейс: </a:t>
             </a:r>
             <a:r>
               <a:rPr lang="ru-RU" sz="2800" b="1" dirty="0"/>
@@ -16433,7 +16915,7 @@
               <a:t>”</a:t>
             </a:r>
             <a:r>
-              <a:rPr lang="ru-RU" sz="2800" b="1" dirty="0" smtClean="0"/>
+              <a:rPr lang="ru-RU" sz="2800" b="1" dirty="0"/>
               <a:t>»</a:t>
             </a:r>
           </a:p>
@@ -16442,7 +16924,7 @@
               <a:buNone/>
             </a:pPr>
             <a:r>
-              <a:rPr lang="ru-RU" sz="3600" b="1" dirty="0" smtClean="0"/>
+              <a:rPr lang="ru-RU" sz="3600" b="1" dirty="0"/>
               <a:t>Климат умного дома</a:t>
             </a:r>
           </a:p>
@@ -16451,11 +16933,11 @@
               <a:buNone/>
             </a:pPr>
             <a:r>
-              <a:rPr lang="ru-RU" sz="3600" b="1" dirty="0" smtClean="0"/>
+              <a:rPr lang="ru-RU" sz="3600" b="1" dirty="0"/>
               <a:t>(</a:t>
             </a:r>
             <a:r>
-              <a:rPr lang="en-US" sz="3600" b="1" dirty="0" smtClean="0"/>
+              <a:rPr lang="en-US" sz="3600" b="1" dirty="0"/>
               <a:t>Smart Thermostat)</a:t>
             </a:r>
             <a:endParaRPr lang="ru-RU" sz="3600" b="1" dirty="0"/>
@@ -16472,13 +16954,6 @@
   <p:clrMapOvr>
     <a:masterClrMapping/>
   </p:clrMapOvr>
-  <p:timing>
-    <p:tnLst>
-      <p:par>
-        <p:cTn id="1" dur="indefinite" restart="never" nodeType="tmRoot"/>
-      </p:par>
-    </p:tnLst>
-  </p:timing>
 </p:sld>
 </file>
 
@@ -16504,7 +16979,7 @@
           <p:cNvPr id="4" name="Заголовок 1">
             <a:extLst>
               <a:ext uri="{FF2B5EF4-FFF2-40B4-BE49-F238E27FC236}">
-                <a16:creationId xmlns="" xmlns:a16="http://schemas.microsoft.com/office/drawing/2014/main" id="{BD7F5098-EF74-44EE-9BD1-19A65926B605}"/>
+                <a16:creationId xmlns:a16="http://schemas.microsoft.com/office/drawing/2014/main" id="{BD7F5098-EF74-44EE-9BD1-19A65926B605}"/>
               </a:ext>
             </a:extLst>
           </p:cNvPr>
@@ -16601,7 +17076,7 @@
           <a:p>
             <a:pPr algn="ctr"/>
             <a:r>
-              <a:rPr lang="ru-RU" dirty="0" smtClean="0">
+              <a:rPr lang="ru-RU" dirty="0">
                 <a:solidFill>
                   <a:schemeClr val="tx1">
                     <a:lumMod val="75000"/>
@@ -16611,14 +17086,6 @@
               </a:rPr>
               <a:t>Основная концепция проекта</a:t>
             </a:r>
-            <a:endParaRPr lang="ru-RU" dirty="0">
-              <a:solidFill>
-                <a:schemeClr val="tx1">
-                  <a:lumMod val="75000"/>
-                  <a:lumOff val="25000"/>
-                </a:schemeClr>
-              </a:solidFill>
-            </a:endParaRPr>
           </a:p>
         </p:txBody>
       </p:sp>
@@ -16673,13 +17140,6 @@
   <p:clrMapOvr>
     <a:masterClrMapping/>
   </p:clrMapOvr>
-  <p:timing>
-    <p:tnLst>
-      <p:par>
-        <p:cTn id="1" dur="indefinite" restart="never" nodeType="tmRoot"/>
-      </p:par>
-    </p:tnLst>
-  </p:timing>
 </p:sld>
 </file>
 
@@ -16716,10 +17176,9 @@
           <a:lstStyle/>
           <a:p>
             <a:r>
-              <a:rPr lang="ru-RU" dirty="0" smtClean="0"/>
+              <a:rPr lang="ru-RU" dirty="0"/>
               <a:t>Особенности концепции</a:t>
             </a:r>
-            <a:endParaRPr lang="ru-RU" dirty="0"/>
           </a:p>
         </p:txBody>
       </p:sp>
@@ -16746,27 +17205,27 @@
           <a:lstStyle/>
           <a:p>
             <a:r>
-              <a:rPr lang="ru-RU" sz="2400" dirty="0" smtClean="0"/>
+              <a:rPr lang="ru-RU" sz="2400" dirty="0"/>
               <a:t>Гибкость – систему можно подстроить под Умный Дом с любой конфигурацией комнат и датчиков.</a:t>
             </a:r>
           </a:p>
           <a:p>
             <a:r>
-              <a:rPr lang="ru-RU" sz="2400" dirty="0" smtClean="0"/>
+              <a:rPr lang="ru-RU" sz="2400" dirty="0"/>
               <a:t>Переносимость – система работает на популярных платформах и может быть развёрнута на любом домашнем сервере под управлением *</a:t>
             </a:r>
             <a:r>
-              <a:rPr lang="en-US" sz="2400" dirty="0" smtClean="0"/>
+              <a:rPr lang="en-US" sz="2400" dirty="0"/>
               <a:t>NIX</a:t>
             </a:r>
             <a:r>
-              <a:rPr lang="ru-RU" sz="2400" dirty="0" smtClean="0"/>
+              <a:rPr lang="ru-RU" sz="2400" dirty="0"/>
               <a:t>-подобной системы.</a:t>
             </a:r>
           </a:p>
           <a:p>
             <a:r>
-              <a:rPr lang="ru-RU" sz="2400" dirty="0" smtClean="0"/>
+              <a:rPr lang="ru-RU" sz="2400" dirty="0"/>
               <a:t>Простота использования – для доступа к инструментам системы нужен только браузер.</a:t>
             </a:r>
           </a:p>
@@ -16782,13 +17241,6 @@
   <p:clrMapOvr>
     <a:masterClrMapping/>
   </p:clrMapOvr>
-  <p:timing>
-    <p:tnLst>
-      <p:par>
-        <p:cTn id="1" dur="indefinite" restart="never" nodeType="tmRoot"/>
-      </p:par>
-    </p:tnLst>
-  </p:timing>
 </p:sld>
 </file>
 
@@ -16825,10 +17277,9 @@
           <a:lstStyle/>
           <a:p>
             <a:r>
-              <a:rPr lang="ru-RU" dirty="0" smtClean="0"/>
+              <a:rPr lang="ru-RU" dirty="0"/>
               <a:t>Состав Модуля Нейронной Сети</a:t>
             </a:r>
-            <a:endParaRPr lang="ru-RU" dirty="0"/>
           </a:p>
         </p:txBody>
       </p:sp>
@@ -16855,10 +17306,9 @@
           <a:lstStyle/>
           <a:p>
             <a:r>
-              <a:rPr lang="ru-RU" sz="2800" b="1" dirty="0" smtClean="0"/>
+              <a:rPr lang="ru-RU" sz="2800" b="1" dirty="0"/>
               <a:t>Модуль НС</a:t>
             </a:r>
-            <a:endParaRPr lang="ru-RU" sz="2800" b="1" dirty="0"/>
           </a:p>
         </p:txBody>
       </p:sp>
@@ -16889,7 +17339,7 @@
               <a:buChar char="•"/>
             </a:pPr>
             <a:r>
-              <a:rPr lang="ru-RU" sz="2800" dirty="0" smtClean="0"/>
+              <a:rPr lang="ru-RU" sz="2800" dirty="0"/>
               <a:t>Основная Нейронная Сеть для режима «Комфорт»</a:t>
             </a:r>
           </a:p>
@@ -16899,7 +17349,7 @@
               <a:buChar char="•"/>
             </a:pPr>
             <a:r>
-              <a:rPr lang="ru-RU" sz="2800" dirty="0" smtClean="0"/>
+              <a:rPr lang="ru-RU" sz="2800" dirty="0"/>
               <a:t>Дополнительная Нейронная Сеть для режима «Эконом»</a:t>
             </a:r>
           </a:p>
@@ -16909,10 +17359,9 @@
               <a:buChar char="•"/>
             </a:pPr>
             <a:r>
-              <a:rPr lang="ru-RU" sz="2800" dirty="0" smtClean="0"/>
+              <a:rPr lang="ru-RU" sz="2800" dirty="0"/>
               <a:t>Оптимизирующий алгоритм для режима «Эконом»</a:t>
             </a:r>
-            <a:endParaRPr lang="ru-RU" sz="2800" dirty="0"/>
           </a:p>
         </p:txBody>
       </p:sp>
@@ -16926,13 +17375,6 @@
   <p:clrMapOvr>
     <a:masterClrMapping/>
   </p:clrMapOvr>
-  <p:timing>
-    <p:tnLst>
-      <p:par>
-        <p:cTn id="1" dur="indefinite" restart="never" nodeType="tmRoot"/>
-      </p:par>
-    </p:tnLst>
-  </p:timing>
 </p:sld>
 </file>
 
@@ -16969,10 +17411,9 @@
           <a:lstStyle/>
           <a:p>
             <a:r>
-              <a:rPr lang="ru-RU" dirty="0" smtClean="0"/>
+              <a:rPr lang="ru-RU" dirty="0"/>
               <a:t>Режим «Комфорт»</a:t>
             </a:r>
-            <a:endParaRPr lang="ru-RU" dirty="0"/>
           </a:p>
         </p:txBody>
       </p:sp>
@@ -17014,12 +17455,8 @@
               <a:defRPr/>
             </a:pPr>
             <a:r>
-              <a:rPr lang="ru-RU" dirty="0" smtClean="0"/>
-              <a:t>Режим поддерживается Нейронной Сетью, </a:t>
-            </a:r>
-            <a:r>
               <a:rPr lang="ru-RU" dirty="0"/>
-              <a:t>которая находит зависимость между температурами и показаниями регуляторов.</a:t>
+              <a:t>Режим поддерживается Нейронной Сетью, которая находит зависимость между температурами и показаниями регуляторов.</a:t>
             </a:r>
           </a:p>
         </p:txBody>
@@ -17102,8 +17539,8 @@
           </a:fontRef>
         </p:style>
       </p:cxnSp>
-      <mc:AlternateContent xmlns:mc="http://schemas.openxmlformats.org/markup-compatibility/2006">
-        <mc:Choice xmlns:a14="http://schemas.microsoft.com/office/drawing/2010/main" Requires="a14">
+      <mc:AlternateContent xmlns:mc="http://schemas.openxmlformats.org/markup-compatibility/2006" xmlns:a14="http://schemas.microsoft.com/office/drawing/2010/main">
+        <mc:Choice Requires="a14">
           <p:sp>
             <p:nvSpPr>
               <p:cNvPr id="10" name="TextBox 9"/>
@@ -17137,7 +17574,7 @@
                         <m:dPr>
                           <m:ctrlPr>
                             <a:rPr lang="mr-IN" i="1" smtClean="0">
-                              <a:latin typeface="Cambria Math" charset="0"/>
+                              <a:latin typeface="Cambria Math" panose="02040503050406030204" pitchFamily="18" charset="0"/>
                             </a:rPr>
                           </m:ctrlPr>
                         </m:dPr>
@@ -17154,7 +17591,7 @@
                               </m:mcs>
                               <m:ctrlPr>
                                 <a:rPr lang="mr-IN" i="1" smtClean="0">
-                                  <a:latin typeface="Cambria Math" charset="0"/>
+                                  <a:latin typeface="Cambria Math" panose="02040503050406030204" pitchFamily="18" charset="0"/>
                                 </a:rPr>
                               </m:ctrlPr>
                             </m:mPr>
@@ -17164,7 +17601,7 @@
                                   <m:eqArrPr>
                                     <m:ctrlPr>
                                       <a:rPr lang="ru-RU" b="0" i="1" smtClean="0">
-                                        <a:latin typeface="Cambria Math"/>
+                                        <a:latin typeface="Cambria Math" panose="02040503050406030204" pitchFamily="18" charset="0"/>
                                       </a:rPr>
                                     </m:ctrlPr>
                                   </m:eqArrPr>
@@ -17208,7 +17645,7 @@
                                   <m:eqArrPr>
                                     <m:ctrlPr>
                                       <a:rPr lang="ru-RU" b="0" i="1" smtClean="0">
-                                        <a:latin typeface="Cambria Math" charset="0"/>
+                                        <a:latin typeface="Cambria Math" panose="02040503050406030204" pitchFamily="18" charset="0"/>
                                       </a:rPr>
                                     </m:ctrlPr>
                                   </m:eqArrPr>
@@ -17243,7 +17680,7 @@
                                   <m:eqArrPr>
                                     <m:ctrlPr>
                                       <a:rPr lang="ru-RU" b="0" i="1" smtClean="0">
-                                        <a:latin typeface="Cambria Math" charset="0"/>
+                                        <a:latin typeface="Cambria Math" panose="02040503050406030204" pitchFamily="18" charset="0"/>
                                       </a:rPr>
                                     </m:ctrlPr>
                                   </m:eqArrPr>
@@ -17277,7 +17714,7 @@
             </p:txBody>
           </p:sp>
         </mc:Choice>
-        <mc:Fallback>
+        <mc:Fallback xmlns="">
           <p:sp>
             <p:nvSpPr>
               <p:cNvPr id="10" name="TextBox 9"/>
@@ -17384,7 +17821,7 @@
                         <m:dPr>
                           <m:ctrlPr>
                             <a:rPr lang="mr-IN" i="1" smtClean="0">
-                              <a:latin typeface="Cambria Math" charset="0"/>
+                              <a:latin typeface="Cambria Math" panose="02040503050406030204" pitchFamily="18" charset="0"/>
                             </a:rPr>
                           </m:ctrlPr>
                         </m:dPr>
@@ -17393,7 +17830,7 @@
                             <m:eqArrPr>
                               <m:ctrlPr>
                                 <a:rPr lang="ru-RU" b="0" i="1" smtClean="0">
-                                  <a:latin typeface="Cambria Math" charset="0"/>
+                                  <a:latin typeface="Cambria Math" panose="02040503050406030204" pitchFamily="18" charset="0"/>
                                 </a:rPr>
                               </m:ctrlPr>
                             </m:eqArrPr>
@@ -17481,13 +17918,6 @@
   <p:clrMapOvr>
     <a:masterClrMapping/>
   </p:clrMapOvr>
-  <p:timing>
-    <p:tnLst>
-      <p:par>
-        <p:cTn id="1" dur="indefinite" restart="never" nodeType="tmRoot"/>
-      </p:par>
-    </p:tnLst>
-  </p:timing>
 </p:sld>
 </file>
 
@@ -17524,12 +17954,8 @@
           <a:lstStyle/>
           <a:p>
             <a:r>
-              <a:rPr lang="ru-RU" dirty="0" smtClean="0"/>
-              <a:t>Режим «Комфорт</a:t>
-            </a:r>
-            <a:r>
               <a:rPr lang="ru-RU" dirty="0"/>
-              <a:t>»</a:t>
+              <a:t>Режим «Комфорт»</a:t>
             </a:r>
           </a:p>
         </p:txBody>
@@ -17572,12 +17998,8 @@
               <a:defRPr/>
             </a:pPr>
             <a:r>
-              <a:rPr lang="ru-RU" dirty="0" smtClean="0"/>
-              <a:t>Система </a:t>
-            </a:r>
-            <a:r>
               <a:rPr lang="ru-RU" dirty="0"/>
-              <a:t>отслеживает необходимость изменения температуры для ее соответствия поставленным требованиям, и, в случае необходимости, корректирует показания регуляторов.</a:t>
+              <a:t>Система отслеживает необходимость изменения температуры для ее соответствия поставленным требованиям, и, в случае необходимости, корректирует показания регуляторов.</a:t>
             </a:r>
           </a:p>
         </p:txBody>
@@ -17636,7 +18058,7 @@
                         <m:dPr>
                           <m:ctrlPr>
                             <a:rPr lang="en-US" b="0" i="1" smtClean="0">
-                              <a:latin typeface="Cambria Math" charset="0"/>
+                              <a:latin typeface="Cambria Math" panose="02040503050406030204" pitchFamily="18" charset="0"/>
                             </a:rPr>
                           </m:ctrlPr>
                         </m:dPr>
@@ -17683,7 +18105,7 @@
                         <m:dPr>
                           <m:ctrlPr>
                             <a:rPr lang="en-US" b="0" i="1" smtClean="0">
-                              <a:latin typeface="Cambria Math" charset="0"/>
+                              <a:latin typeface="Cambria Math" panose="02040503050406030204" pitchFamily="18" charset="0"/>
                               <a:ea typeface="Cambria Math" charset="0"/>
                               <a:cs typeface="Cambria Math" charset="0"/>
                             </a:rPr>
@@ -17917,13 +18339,6 @@
   <p:clrMapOvr>
     <a:masterClrMapping/>
   </p:clrMapOvr>
-  <p:timing>
-    <p:tnLst>
-      <p:par>
-        <p:cTn id="1" dur="indefinite" restart="never" nodeType="tmRoot"/>
-      </p:par>
-    </p:tnLst>
-  </p:timing>
 </p:sld>
 </file>
 
@@ -17960,12 +18375,8 @@
           <a:lstStyle/>
           <a:p>
             <a:r>
-              <a:rPr lang="ru-RU" smtClean="0"/>
-              <a:t>Режим </a:t>
-            </a:r>
-            <a:r>
-              <a:rPr lang="ru-RU" smtClean="0"/>
-              <a:t>«Эконом»</a:t>
+              <a:rPr lang="ru-RU"/>
+              <a:t>Режим «Эконом»</a:t>
             </a:r>
             <a:endParaRPr lang="ru-RU" dirty="0"/>
           </a:p>
@@ -18009,18 +18420,9 @@
               <a:defRPr/>
             </a:pPr>
             <a:r>
-              <a:rPr lang="ru-RU" dirty="0" smtClean="0"/>
-              <a:t>Для реализации режима была разработана Нейронная Сеть, </a:t>
-            </a:r>
-            <a:r>
               <a:rPr lang="ru-RU" dirty="0"/>
-              <a:t>которая находит зависимость между </a:t>
-            </a:r>
-            <a:r>
-              <a:rPr lang="ru-RU" dirty="0" smtClean="0"/>
-              <a:t>температурами, показаниями всех регуляторов и суммарным расходом газа и электричества.</a:t>
-            </a:r>
-            <a:endParaRPr lang="ru-RU" dirty="0"/>
+              <a:t>Для реализации режима была разработана Нейронная Сеть, которая находит зависимость между температурами, показаниями всех регуляторов и суммарным расходом газа и электричества.</a:t>
+            </a:r>
           </a:p>
         </p:txBody>
       </p:sp>
@@ -18062,13 +18464,8 @@
             <a:pPr algn="ctr"/>
             <a:r>
               <a:rPr lang="ru-RU" dirty="0"/>
-              <a:t>Нейронная Сеть </a:t>
-            </a:r>
-            <a:r>
-              <a:rPr lang="ru-RU" dirty="0" smtClean="0"/>
-              <a:t>«Эконом» </a:t>
-            </a:r>
-            <a:endParaRPr lang="ru-RU" dirty="0"/>
+              <a:t>Нейронная Сеть «Эконом» </a:t>
+            </a:r>
           </a:p>
         </p:txBody>
       </p:sp>
@@ -18107,8 +18504,8 @@
           </a:fontRef>
         </p:style>
       </p:cxnSp>
-      <mc:AlternateContent xmlns:mc="http://schemas.openxmlformats.org/markup-compatibility/2006">
-        <mc:Choice xmlns:a14="http://schemas.microsoft.com/office/drawing/2010/main" Requires="a14">
+      <mc:AlternateContent xmlns:mc="http://schemas.openxmlformats.org/markup-compatibility/2006" xmlns:a14="http://schemas.microsoft.com/office/drawing/2010/main">
+        <mc:Choice Requires="a14">
           <p:sp>
             <p:nvSpPr>
               <p:cNvPr id="10" name="TextBox 9"/>
@@ -18142,7 +18539,7 @@
                         <m:dPr>
                           <m:ctrlPr>
                             <a:rPr lang="mr-IN" i="1" smtClean="0">
-                              <a:latin typeface="Cambria Math" charset="0"/>
+                              <a:latin typeface="Cambria Math" panose="02040503050406030204" pitchFamily="18" charset="0"/>
                             </a:rPr>
                           </m:ctrlPr>
                         </m:dPr>
@@ -18151,7 +18548,7 @@
                             <m:eqArrPr>
                               <m:ctrlPr>
                                 <a:rPr lang="ru-RU" b="0" i="1" smtClean="0">
-                                  <a:latin typeface="Cambria Math" charset="0"/>
+                                  <a:latin typeface="Cambria Math" panose="02040503050406030204" pitchFamily="18" charset="0"/>
                                 </a:rPr>
                               </m:ctrlPr>
                             </m:eqArrPr>
@@ -18206,7 +18603,7 @@
             </p:txBody>
           </p:sp>
         </mc:Choice>
-        <mc:Fallback>
+        <mc:Fallback xmlns="">
           <p:sp>
             <p:nvSpPr>
               <p:cNvPr id="10" name="TextBox 9"/>
@@ -18278,8 +18675,8 @@
           </a:fontRef>
         </p:style>
       </p:cxnSp>
-      <mc:AlternateContent xmlns:mc="http://schemas.openxmlformats.org/markup-compatibility/2006">
-        <mc:Choice xmlns:a14="http://schemas.microsoft.com/office/drawing/2010/main" Requires="a14">
+      <mc:AlternateContent xmlns:mc="http://schemas.openxmlformats.org/markup-compatibility/2006" xmlns:a14="http://schemas.microsoft.com/office/drawing/2010/main">
+        <mc:Choice Requires="a14">
           <p:sp>
             <p:nvSpPr>
               <p:cNvPr id="18" name="TextBox 17"/>
@@ -18313,7 +18710,7 @@
                         <m:dPr>
                           <m:ctrlPr>
                             <a:rPr lang="mr-IN" i="1" smtClean="0">
-                              <a:latin typeface="Cambria Math" charset="0"/>
+                              <a:latin typeface="Cambria Math" panose="02040503050406030204" pitchFamily="18" charset="0"/>
                             </a:rPr>
                           </m:ctrlPr>
                         </m:dPr>
@@ -18322,7 +18719,7 @@
                             <m:eqArrPr>
                               <m:ctrlPr>
                                 <a:rPr lang="ru-RU" b="0" i="1" smtClean="0">
-                                  <a:latin typeface="Cambria Math" charset="0"/>
+                                  <a:latin typeface="Cambria Math" panose="02040503050406030204" pitchFamily="18" charset="0"/>
                                 </a:rPr>
                               </m:ctrlPr>
                             </m:eqArrPr>
@@ -18353,7 +18750,7 @@
             </p:txBody>
           </p:sp>
         </mc:Choice>
-        <mc:Fallback>
+        <mc:Fallback xmlns="">
           <p:sp>
             <p:nvSpPr>
               <p:cNvPr id="18" name="TextBox 17"/>
@@ -18402,13 +18799,6 @@
   <p:clrMapOvr>
     <a:masterClrMapping/>
   </p:clrMapOvr>
-  <p:timing>
-    <p:tnLst>
-      <p:par>
-        <p:cTn id="1" dur="indefinite" restart="never" nodeType="tmRoot"/>
-      </p:par>
-    </p:tnLst>
-  </p:timing>
 </p:sld>
 </file>
 

--- a/present.pptx
+++ b/present.pptx
@@ -5,7 +5,7 @@
     <p:sldMasterId id="2147483738" r:id="rId1"/>
   </p:sldMasterIdLst>
   <p:notesMasterIdLst>
-    <p:notesMasterId r:id="rId18"/>
+    <p:notesMasterId r:id="rId19"/>
   </p:notesMasterIdLst>
   <p:sldIdLst>
     <p:sldId id="256" r:id="rId2"/>
@@ -18,12 +18,13 @@
     <p:sldId id="258" r:id="rId9"/>
     <p:sldId id="269" r:id="rId10"/>
     <p:sldId id="270" r:id="rId11"/>
-    <p:sldId id="267" r:id="rId12"/>
-    <p:sldId id="263" r:id="rId13"/>
-    <p:sldId id="264" r:id="rId14"/>
-    <p:sldId id="265" r:id="rId15"/>
-    <p:sldId id="271" r:id="rId16"/>
+    <p:sldId id="263" r:id="rId12"/>
+    <p:sldId id="264" r:id="rId13"/>
+    <p:sldId id="265" r:id="rId14"/>
+    <p:sldId id="271" r:id="rId15"/>
+    <p:sldId id="273" r:id="rId16"/>
     <p:sldId id="272" r:id="rId17"/>
+    <p:sldId id="274" r:id="rId18"/>
   </p:sldIdLst>
   <p:sldSz cx="12192000" cy="6858000"/>
   <p:notesSz cx="6858000" cy="9144000"/>
@@ -124,7 +125,7 @@
   </p:defaultTextStyle>
   <p:extLst>
     <p:ext uri="{EFAFB233-063F-42B5-8137-9DF3F51BA10A}">
-      <p15:sldGuideLst xmlns:p15="http://schemas.microsoft.com/office/powerpoint/2012/main">
+      <p15:sldGuideLst xmlns:p15="http://schemas.microsoft.com/office/powerpoint/2012/main" xmlns="">
         <p15:guide id="1" orient="horz" pos="2160">
           <p15:clr>
             <a:srgbClr val="A4A3A4"/>
@@ -13963,6 +13964,13 @@
   <p:clrMapOvr>
     <a:masterClrMapping/>
   </p:clrMapOvr>
+  <p:timing>
+    <p:tnLst>
+      <p:par>
+        <p:cTn id="1" dur="indefinite" restart="never" nodeType="tmRoot"/>
+      </p:par>
+    </p:tnLst>
+  </p:timing>
 </p:sld>
 </file>
 
@@ -14017,12 +14025,14 @@
         </p:nvSpPr>
         <p:spPr>
           <a:xfrm>
-            <a:off x="1154954" y="2470768"/>
-            <a:ext cx="8825659" cy="1054100"/>
+            <a:off x="822867" y="2470768"/>
+            <a:ext cx="10546266" cy="799013"/>
           </a:xfrm>
         </p:spPr>
         <p:txBody>
-          <a:bodyPr/>
+          <a:bodyPr>
+            <a:normAutofit/>
+          </a:bodyPr>
           <a:lstStyle/>
           <a:p>
             <a:pPr marL="0" marR="0" lvl="0" indent="0" algn="just" defTabSz="914400" eaLnBrk="1" fontAlgn="auto" latinLnBrk="0" hangingPunct="1">
@@ -14043,14 +14053,14 @@
               <a:defRPr/>
             </a:pPr>
             <a:r>
-              <a:rPr lang="ru-RU" dirty="0"/>
+              <a:rPr lang="ru-RU" sz="2000" dirty="0"/>
               <a:t>Режим поддерживается работой двух реализованных Нейронных Сетей. Для нахождения положений регуляторов решается задача оптимизации:</a:t>
             </a:r>
           </a:p>
         </p:txBody>
       </p:sp>
-      <mc:AlternateContent xmlns:mc="http://schemas.openxmlformats.org/markup-compatibility/2006" xmlns:a14="http://schemas.microsoft.com/office/drawing/2010/main">
-        <mc:Choice Requires="a14">
+      <mc:AlternateContent xmlns:mc="http://schemas.openxmlformats.org/markup-compatibility/2006">
+        <mc:Choice xmlns:a14="http://schemas.microsoft.com/office/drawing/2010/main" Requires="a14">
           <p:sp>
             <p:nvSpPr>
               <p:cNvPr id="4" name="TextBox 3"/>
@@ -14059,7 +14069,7 @@
             </p:nvSpPr>
             <p:spPr>
               <a:xfrm>
-                <a:off x="1154954" y="3357113"/>
+                <a:off x="884860" y="3455505"/>
                 <a:ext cx="4358309" cy="1687834"/>
               </a:xfrm>
               <a:prstGeom prst="rect">
@@ -14086,7 +14096,7 @@
                           <m:endChr m:val=""/>
                           <m:ctrlPr>
                             <a:rPr lang="mr-IN" sz="2800" i="1" smtClean="0">
-                              <a:latin typeface="Cambria Math" panose="02040503050406030204" pitchFamily="18" charset="0"/>
+                              <a:latin typeface="Cambria Math"/>
                             </a:rPr>
                           </m:ctrlPr>
                         </m:dPr>
@@ -14095,7 +14105,7 @@
                             <m:eqArrPr>
                               <m:ctrlPr>
                                 <a:rPr lang="mr-IN" sz="2800" i="1" smtClean="0">
-                                  <a:latin typeface="Cambria Math" panose="02040503050406030204" pitchFamily="18" charset="0"/>
+                                  <a:latin typeface="Cambria Math"/>
                                 </a:rPr>
                               </m:ctrlPr>
                             </m:eqArrPr>
@@ -14104,7 +14114,7 @@
                                 <m:sSubPr>
                                   <m:ctrlPr>
                                     <a:rPr lang="en-US" sz="2800" i="1" smtClean="0">
-                                      <a:latin typeface="Cambria Math" panose="02040503050406030204" pitchFamily="18" charset="0"/>
+                                      <a:latin typeface="Cambria Math"/>
                                     </a:rPr>
                                   </m:ctrlPr>
                                 </m:sSubPr>
@@ -14136,7 +14146,7 @@
                                   <m:chr m:val="⃗"/>
                                   <m:ctrlPr>
                                     <a:rPr lang="en-US" sz="2800" b="0" i="1" smtClean="0">
-                                      <a:latin typeface="Cambria Math" panose="02040503050406030204" pitchFamily="18" charset="0"/>
+                                      <a:latin typeface="Cambria Math"/>
                                     </a:rPr>
                                   </m:ctrlPr>
                                 </m:accPr>
@@ -14172,7 +14182,7 @@
                                   <m:chr m:val="⃗"/>
                                   <m:ctrlPr>
                                     <a:rPr lang="en-US" sz="2800" i="1">
-                                      <a:latin typeface="Cambria Math" panose="02040503050406030204" pitchFamily="18" charset="0"/>
+                                      <a:latin typeface="Cambria Math"/>
                                     </a:rPr>
                                   </m:ctrlPr>
                                 </m:accPr>
@@ -14203,7 +14213,7 @@
                                 <m:funcPr>
                                   <m:ctrlPr>
                                     <a:rPr lang="mr-IN" sz="2800" b="0" i="1" smtClean="0">
-                                      <a:latin typeface="Cambria Math" panose="02040503050406030204" pitchFamily="18" charset="0"/>
+                                      <a:latin typeface="Cambria Math"/>
                                       <a:ea typeface="Cambria Math" charset="0"/>
                                       <a:cs typeface="Cambria Math" charset="0"/>
                                     </a:rPr>
@@ -14214,7 +14224,7 @@
                                     <m:limLowPr>
                                       <m:ctrlPr>
                                         <a:rPr lang="mr-IN" sz="2800" b="0" i="1" smtClean="0">
-                                          <a:latin typeface="Cambria Math" panose="02040503050406030204" pitchFamily="18" charset="0"/>
+                                          <a:latin typeface="Cambria Math"/>
                                           <a:ea typeface="Cambria Math" charset="0"/>
                                           <a:cs typeface="Cambria Math" charset="0"/>
                                         </a:rPr>
@@ -14255,7 +14265,7 @@
                                           <m:chr m:val="⃗"/>
                                           <m:ctrlPr>
                                             <a:rPr lang="mr-IN" sz="2800" b="0" i="1" smtClean="0">
-                                              <a:latin typeface="Cambria Math" panose="02040503050406030204" pitchFamily="18" charset="0"/>
+                                              <a:latin typeface="Cambria Math"/>
                                               <a:ea typeface="Cambria Math" charset="0"/>
                                               <a:cs typeface="Cambria Math" charset="0"/>
                                             </a:rPr>
@@ -14294,7 +14304,7 @@
                                   <m:endChr m:val="|"/>
                                   <m:ctrlPr>
                                     <a:rPr lang="hr-HR" sz="2800" i="1" smtClean="0">
-                                      <a:latin typeface="Cambria Math" panose="02040503050406030204" pitchFamily="18" charset="0"/>
+                                      <a:latin typeface="Cambria Math"/>
                                     </a:rPr>
                                   </m:ctrlPr>
                                 </m:dPr>
@@ -14303,7 +14313,7 @@
                                     <m:sSubPr>
                                       <m:ctrlPr>
                                         <a:rPr lang="en-US" sz="2800" i="1" smtClean="0">
-                                          <a:latin typeface="Cambria Math" panose="02040503050406030204" pitchFamily="18" charset="0"/>
+                                          <a:latin typeface="Cambria Math"/>
                                         </a:rPr>
                                       </m:ctrlPr>
                                     </m:sSubPr>
@@ -14328,7 +14338,7 @@
                                     <m:dPr>
                                       <m:ctrlPr>
                                         <a:rPr lang="en-US" sz="2800" b="0" i="1" smtClean="0">
-                                          <a:latin typeface="Cambria Math" panose="02040503050406030204" pitchFamily="18" charset="0"/>
+                                          <a:latin typeface="Cambria Math"/>
                                         </a:rPr>
                                       </m:ctrlPr>
                                     </m:dPr>
@@ -14338,7 +14348,7 @@
                                           <m:chr m:val="⃗"/>
                                           <m:ctrlPr>
                                             <a:rPr lang="en-US" sz="2800" b="0" i="1" smtClean="0">
-                                              <a:latin typeface="Cambria Math" panose="02040503050406030204" pitchFamily="18" charset="0"/>
+                                              <a:latin typeface="Cambria Math"/>
                                             </a:rPr>
                                           </m:ctrlPr>
                                         </m:accPr>
@@ -14374,7 +14384,7 @@
                                           <m:chr m:val="⃗"/>
                                           <m:ctrlPr>
                                             <a:rPr lang="en-US" sz="2800" b="0" i="1" smtClean="0">
-                                              <a:latin typeface="Cambria Math" panose="02040503050406030204" pitchFamily="18" charset="0"/>
+                                              <a:latin typeface="Cambria Math"/>
                                             </a:rPr>
                                           </m:ctrlPr>
                                         </m:accPr>
@@ -14400,7 +14410,7 @@
                                       <m:chr m:val="⃗"/>
                                       <m:ctrlPr>
                                         <a:rPr lang="en-US" sz="2800" b="0" i="1" smtClean="0">
-                                          <a:latin typeface="Cambria Math" panose="02040503050406030204" pitchFamily="18" charset="0"/>
+                                          <a:latin typeface="Cambria Math"/>
                                         </a:rPr>
                                       </m:ctrlPr>
                                     </m:accPr>
@@ -14441,7 +14451,7 @@
             </p:txBody>
           </p:sp>
         </mc:Choice>
-        <mc:Fallback xmlns="">
+        <mc:Fallback>
           <p:sp>
             <p:nvSpPr>
               <p:cNvPr id="4" name="TextBox 3"/>
@@ -14452,13 +14462,13 @@
             </p:nvSpPr>
             <p:spPr>
               <a:xfrm>
-                <a:off x="1154954" y="3357113"/>
+                <a:off x="884860" y="3455505"/>
                 <a:ext cx="4358309" cy="1687834"/>
               </a:xfrm>
               <a:prstGeom prst="rect">
                 <a:avLst/>
               </a:prstGeom>
-              <a:blipFill rotWithShape="0">
+              <a:blipFill rotWithShape="1">
                 <a:blip r:embed="rId2"/>
                 <a:stretch>
                   <a:fillRect/>
@@ -14480,8 +14490,8 @@
           </p:sp>
         </mc:Fallback>
       </mc:AlternateContent>
-      <mc:AlternateContent xmlns:mc="http://schemas.openxmlformats.org/markup-compatibility/2006" xmlns:a14="http://schemas.microsoft.com/office/drawing/2010/main">
-        <mc:Choice Requires="a14">
+      <mc:AlternateContent xmlns:mc="http://schemas.openxmlformats.org/markup-compatibility/2006">
+        <mc:Choice xmlns:a14="http://schemas.microsoft.com/office/drawing/2010/main" Requires="a14">
           <p:sp>
             <p:nvSpPr>
               <p:cNvPr id="5" name="TextBox 4"/>
@@ -14491,7 +14501,7 @@
             <p:spPr>
               <a:xfrm>
                 <a:off x="5919537" y="3269781"/>
-                <a:ext cx="4702313" cy="1862498"/>
+                <a:ext cx="5139612" cy="2059282"/>
               </a:xfrm>
               <a:prstGeom prst="rect">
                 <a:avLst/>
@@ -14515,14 +14525,14 @@
                         <m:accPr>
                           <m:chr m:val="⃗"/>
                           <m:ctrlPr>
-                            <a:rPr lang="ru-RU" b="0" i="1" smtClean="0">
-                              <a:latin typeface="Cambria Math" panose="02040503050406030204" pitchFamily="18" charset="0"/>
+                            <a:rPr lang="ru-RU" sz="2000" b="0" i="1" smtClean="0">
+                              <a:latin typeface="Cambria Math"/>
                             </a:rPr>
                           </m:ctrlPr>
                         </m:accPr>
                         <m:e>
                           <m:r>
-                            <a:rPr lang="en-US" b="0" i="1" smtClean="0">
+                            <a:rPr lang="en-US" sz="2000" b="0" i="1" smtClean="0">
                               <a:latin typeface="Cambria Math" charset="0"/>
                             </a:rPr>
                             <m:t>𝑋</m:t>
@@ -14530,7 +14540,7 @@
                         </m:e>
                       </m:acc>
                       <m:r>
-                        <a:rPr lang="ru-RU" b="0" i="1" smtClean="0">
+                        <a:rPr lang="ru-RU" sz="2000" b="0" i="1" smtClean="0">
                           <a:latin typeface="Cambria Math" charset="0"/>
                         </a:rPr>
                         <m:t> −искомый вектор регуляторов,</m:t>
@@ -14538,7 +14548,7 @@
                     </m:oMath>
                   </m:oMathPara>
                 </a14:m>
-                <a:endParaRPr lang="ru-RU" b="0" dirty="0"/>
+                <a:endParaRPr lang="ru-RU" sz="2000" b="0" dirty="0"/>
               </a:p>
               <a:p>
                 <a:pPr/>
@@ -14549,27 +14559,27 @@
                     </m:oMathParaPr>
                     <m:oMath xmlns:m="http://schemas.openxmlformats.org/officeDocument/2006/math">
                       <m:r>
-                        <a:rPr lang="en-US" b="0" i="1" smtClean="0">
+                        <a:rPr lang="en-US" sz="2000" b="0" i="1" smtClean="0">
                           <a:latin typeface="Cambria Math" charset="0"/>
                         </a:rPr>
                         <m:t>𝐺</m:t>
                       </m:r>
                       <m:r>
-                        <a:rPr lang="en-US" b="0" i="1" smtClean="0">
+                        <a:rPr lang="en-US" sz="2000" b="0" i="1" smtClean="0">
                           <a:latin typeface="Cambria Math" charset="0"/>
                         </a:rPr>
-                        <m:t> −показани</m:t>
+                        <m:t> −показание ре</m:t>
                       </m:r>
                       <m:r>
-                        <a:rPr lang="ru-RU" b="0" i="1" smtClean="0">
+                        <a:rPr lang="ru-RU" sz="2000" b="0" i="1" smtClean="0">
                           <a:latin typeface="Cambria Math" charset="0"/>
                         </a:rPr>
-                        <m:t>е регулятора газа,</m:t>
+                        <m:t>гулятора газа,</m:t>
                       </m:r>
                     </m:oMath>
                   </m:oMathPara>
                 </a14:m>
-                <a:endParaRPr lang="ru-RU" b="0" dirty="0"/>
+                <a:endParaRPr lang="ru-RU" sz="2000" b="0" dirty="0"/>
               </a:p>
               <a:p>
                 <a:pPr/>
@@ -14583,14 +14593,14 @@
                         <m:accPr>
                           <m:chr m:val="⃗"/>
                           <m:ctrlPr>
-                            <a:rPr lang="ru-RU" i="1" smtClean="0">
-                              <a:latin typeface="Cambria Math" panose="02040503050406030204" pitchFamily="18" charset="0"/>
+                            <a:rPr lang="ru-RU" sz="2000" i="1" smtClean="0">
+                              <a:latin typeface="Cambria Math"/>
                             </a:rPr>
                           </m:ctrlPr>
                         </m:accPr>
                         <m:e>
                           <m:r>
-                            <a:rPr lang="en-US" b="0" i="1" smtClean="0">
+                            <a:rPr lang="en-US" sz="2000" b="0" i="1" smtClean="0">
                               <a:latin typeface="Cambria Math" charset="0"/>
                             </a:rPr>
                             <m:t>𝑑𝑇</m:t>
@@ -14598,13 +14608,13 @@
                         </m:e>
                       </m:acc>
                       <m:r>
-                        <a:rPr lang="en-US" b="0" i="1" smtClean="0">
+                        <a:rPr lang="en-US" sz="2000" b="0" i="1" smtClean="0">
                           <a:latin typeface="Cambria Math" charset="0"/>
                         </a:rPr>
                         <m:t> −</m:t>
                       </m:r>
                       <m:r>
-                        <a:rPr lang="ru-RU" b="0" i="1" smtClean="0">
+                        <a:rPr lang="ru-RU" sz="2000" b="0" i="1" smtClean="0">
                           <a:latin typeface="Cambria Math" charset="0"/>
                         </a:rPr>
                         <m:t>вектор изменений температуры,</m:t>
@@ -14612,7 +14622,7 @@
                     </m:oMath>
                   </m:oMathPara>
                 </a14:m>
-                <a:endParaRPr lang="ru-RU" b="0" dirty="0"/>
+                <a:endParaRPr lang="ru-RU" sz="2000" b="0" dirty="0"/>
               </a:p>
               <a:p>
                 <a:pPr/>
@@ -14626,14 +14636,14 @@
                         <m:accPr>
                           <m:chr m:val="⃗"/>
                           <m:ctrlPr>
-                            <a:rPr lang="ru-RU" i="1" smtClean="0">
-                              <a:latin typeface="Cambria Math" panose="02040503050406030204" pitchFamily="18" charset="0"/>
+                            <a:rPr lang="ru-RU" sz="2000" i="1" smtClean="0">
+                              <a:latin typeface="Cambria Math"/>
                             </a:rPr>
                           </m:ctrlPr>
                         </m:accPr>
                         <m:e>
                           <m:r>
-                            <a:rPr lang="en-US" b="0" i="1" smtClean="0">
+                            <a:rPr lang="en-US" sz="2000" b="0" i="1" smtClean="0">
                               <a:latin typeface="Cambria Math" charset="0"/>
                             </a:rPr>
                             <m:t>𝑃</m:t>
@@ -14641,13 +14651,13 @@
                         </m:e>
                       </m:acc>
                       <m:r>
-                        <a:rPr lang="en-US" b="0" i="1" smtClean="0">
+                        <a:rPr lang="en-US" sz="2000" b="0" i="1" smtClean="0">
                           <a:latin typeface="Cambria Math" charset="0"/>
                         </a:rPr>
                         <m:t> −</m:t>
                       </m:r>
                       <m:r>
-                        <a:rPr lang="ru-RU" b="0" i="1" smtClean="0">
+                        <a:rPr lang="ru-RU" sz="2000" b="0" i="1" smtClean="0">
                           <a:latin typeface="Cambria Math" charset="0"/>
                         </a:rPr>
                         <m:t>вектор дополнительных параметров,</m:t>
@@ -14655,7 +14665,7 @@
                     </m:oMath>
                   </m:oMathPara>
                 </a14:m>
-                <a:endParaRPr lang="ru-RU" b="0" dirty="0"/>
+                <a:endParaRPr lang="ru-RU" sz="2000" b="0" dirty="0"/>
               </a:p>
               <a:p>
                 <a:pPr/>
@@ -14668,14 +14678,14 @@
                       <m:sSub>
                         <m:sSubPr>
                           <m:ctrlPr>
-                            <a:rPr lang="en-US" i="1" smtClean="0">
-                              <a:latin typeface="Cambria Math" panose="02040503050406030204" pitchFamily="18" charset="0"/>
+                            <a:rPr lang="en-US" sz="2000" i="1" smtClean="0">
+                              <a:latin typeface="Cambria Math"/>
                             </a:rPr>
                           </m:ctrlPr>
                         </m:sSubPr>
                         <m:e>
                           <m:r>
-                            <a:rPr lang="en-US" b="0" i="1" smtClean="0">
+                            <a:rPr lang="en-US" sz="2000" b="0" i="1" smtClean="0">
                               <a:latin typeface="Cambria Math" charset="0"/>
                             </a:rPr>
                             <m:t>𝑁𝑁</m:t>
@@ -14683,7 +14693,7 @@
                         </m:e>
                         <m:sub>
                           <m:r>
-                            <a:rPr lang="en-US" b="0" i="1" smtClean="0">
+                            <a:rPr lang="en-US" sz="2000" b="0" i="1" smtClean="0">
                               <a:latin typeface="Cambria Math" charset="0"/>
                             </a:rPr>
                             <m:t>1</m:t>
@@ -14691,7 +14701,7 @@
                         </m:sub>
                       </m:sSub>
                       <m:r>
-                        <a:rPr lang="en-US" b="0" i="1" smtClean="0">
+                        <a:rPr lang="en-US" sz="2000" b="0" i="1" smtClean="0">
                           <a:latin typeface="Cambria Math" charset="0"/>
                         </a:rPr>
                         <m:t>, </m:t>
@@ -14699,14 +14709,14 @@
                       <m:sSub>
                         <m:sSubPr>
                           <m:ctrlPr>
-                            <a:rPr lang="en-US" b="0" i="1" smtClean="0">
-                              <a:latin typeface="Cambria Math" panose="02040503050406030204" pitchFamily="18" charset="0"/>
+                            <a:rPr lang="en-US" sz="2000" b="0" i="1" smtClean="0">
+                              <a:latin typeface="Cambria Math"/>
                             </a:rPr>
                           </m:ctrlPr>
                         </m:sSubPr>
                         <m:e>
                           <m:r>
-                            <a:rPr lang="en-US" b="0" i="1" smtClean="0">
+                            <a:rPr lang="en-US" sz="2000" b="0" i="1" smtClean="0">
                               <a:latin typeface="Cambria Math" charset="0"/>
                             </a:rPr>
                             <m:t>𝑁𝑁</m:t>
@@ -14714,7 +14724,7 @@
                         </m:e>
                         <m:sub>
                           <m:r>
-                            <a:rPr lang="en-US" b="0" i="1" smtClean="0">
+                            <a:rPr lang="en-US" sz="2000" b="0" i="1" smtClean="0">
                               <a:latin typeface="Cambria Math" charset="0"/>
                             </a:rPr>
                             <m:t>2</m:t>
@@ -14722,13 +14732,13 @@
                         </m:sub>
                       </m:sSub>
                       <m:r>
-                        <a:rPr lang="en-US" b="0" i="1" smtClean="0">
+                        <a:rPr lang="en-US" sz="2000" b="0" i="1" smtClean="0">
                           <a:latin typeface="Cambria Math" charset="0"/>
                         </a:rPr>
                         <m:t> −</m:t>
                       </m:r>
                       <m:r>
-                        <a:rPr lang="ru-RU" b="0" i="1" smtClean="0">
+                        <a:rPr lang="ru-RU" sz="2000" b="0" i="1" smtClean="0">
                           <a:latin typeface="Cambria Math" charset="0"/>
                         </a:rPr>
                         <m:t>Нейронные Сети,</m:t>
@@ -14736,7 +14746,7 @@
                     </m:oMath>
                   </m:oMathPara>
                 </a14:m>
-                <a:endParaRPr lang="ru-RU" b="0" dirty="0"/>
+                <a:endParaRPr lang="ru-RU" sz="2000" b="0" dirty="0"/>
               </a:p>
               <a:p>
                 <a:pPr/>
@@ -14747,7 +14757,7 @@
                     </m:oMathParaPr>
                     <m:oMath xmlns:m="http://schemas.openxmlformats.org/officeDocument/2006/math">
                       <m:r>
-                        <a:rPr lang="en-US" i="1">
+                        <a:rPr lang="en-US" sz="2000" i="1">
                           <a:latin typeface="Cambria Math" charset="0"/>
                           <a:ea typeface="Cambria Math" charset="0"/>
                           <a:cs typeface="Cambria Math" charset="0"/>
@@ -14755,7 +14765,7 @@
                         <m:t>𝜀</m:t>
                       </m:r>
                       <m:r>
-                        <a:rPr lang="ru-RU" b="0" i="1" smtClean="0">
+                        <a:rPr lang="ru-RU" sz="2000" b="0" i="1" smtClean="0">
                           <a:latin typeface="Cambria Math" charset="0"/>
                           <a:ea typeface="Cambria Math" charset="0"/>
                           <a:cs typeface="Cambria Math" charset="0"/>
@@ -14763,7 +14773,7 @@
                         <m:t> − </m:t>
                       </m:r>
                       <m:r>
-                        <a:rPr lang="ru-RU" b="0" i="1" smtClean="0">
+                        <a:rPr lang="ru-RU" sz="2000" b="0" i="1" smtClean="0">
                           <a:latin typeface="Cambria Math" charset="0"/>
                         </a:rPr>
                         <m:t>порог изменения регуляторов</m:t>
@@ -14771,12 +14781,12 @@
                     </m:oMath>
                   </m:oMathPara>
                 </a14:m>
-                <a:endParaRPr lang="ru-RU" dirty="0"/>
+                <a:endParaRPr lang="ru-RU" sz="2000" dirty="0"/>
               </a:p>
             </p:txBody>
           </p:sp>
         </mc:Choice>
-        <mc:Fallback xmlns="">
+        <mc:Fallback>
           <p:sp>
             <p:nvSpPr>
               <p:cNvPr id="5" name="TextBox 4"/>
@@ -14788,15 +14798,15 @@
             <p:spPr>
               <a:xfrm>
                 <a:off x="5919537" y="3269781"/>
-                <a:ext cx="4702313" cy="1862498"/>
+                <a:ext cx="5139612" cy="2059282"/>
               </a:xfrm>
               <a:prstGeom prst="rect">
                 <a:avLst/>
               </a:prstGeom>
-              <a:blipFill rotWithShape="0">
+              <a:blipFill rotWithShape="1">
                 <a:blip r:embed="rId3"/>
                 <a:stretch>
-                  <a:fillRect t="-16667" b="-23856"/>
+                  <a:fillRect t="-3550" b="-888"/>
                 </a:stretch>
               </a:blipFill>
             </p:spPr>
@@ -14825,8 +14835,8 @@
         </p:nvSpPr>
         <p:spPr>
           <a:xfrm>
-            <a:off x="1154954" y="5404242"/>
-            <a:ext cx="8825659" cy="1054100"/>
+            <a:off x="884860" y="5404242"/>
+            <a:ext cx="10422280" cy="1054100"/>
           </a:xfrm>
           <a:prstGeom prst="rect">
             <a:avLst/>
@@ -14834,7 +14844,7 @@
         </p:spPr>
         <p:txBody>
           <a:bodyPr vert="horz" lIns="91440" tIns="45720" rIns="91440" bIns="45720" rtlCol="0">
-            <a:normAutofit/>
+            <a:noAutofit/>
           </a:bodyPr>
           <a:lstStyle>
             <a:lvl1pPr marL="342900" indent="-342900" algn="l" defTabSz="457200" rtl="0" eaLnBrk="1" latinLnBrk="0" hangingPunct="1">
@@ -15075,7 +15085,7 @@
               <a:defRPr/>
             </a:pPr>
             <a:r>
-              <a:rPr lang="ru-RU" dirty="0"/>
+              <a:rPr lang="ru-RU" sz="2000" dirty="0"/>
               <a:t>При решении этой задачи получается набор значений регуляторов радиаторов, кондиционеров и газа, при которых расход газа и электричества минимален для заданных изменений температур.</a:t>
             </a:r>
           </a:p>
@@ -15091,6 +15101,13 @@
   <p:clrMapOvr>
     <a:masterClrMapping/>
   </p:clrMapOvr>
+  <p:timing>
+    <p:tnLst>
+      <p:par>
+        <p:cTn id="1" dur="indefinite" restart="never" nodeType="tmRoot"/>
+      </p:par>
+    </p:tnLst>
+  </p:timing>
 </p:sld>
 </file>
 
@@ -15116,7 +15133,7 @@
           <p:cNvPr id="2" name="Заголовок 1">
             <a:extLst>
               <a:ext uri="{FF2B5EF4-FFF2-40B4-BE49-F238E27FC236}">
-                <a16:creationId xmlns:a16="http://schemas.microsoft.com/office/drawing/2014/main" id="{8E37EE3E-7E13-4864-B7D6-188A4C7379AB}"/>
+                <a16:creationId xmlns:a16="http://schemas.microsoft.com/office/drawing/2014/main" xmlns="" id="{1EDFF5A3-FBB5-461E-A9C7-923CD6FD0AC5}"/>
               </a:ext>
             </a:extLst>
           </p:cNvPr>
@@ -15132,89 +15149,6 @@
           <a:bodyPr/>
           <a:lstStyle/>
           <a:p>
-            <a:r>
-              <a:rPr lang="ru-RU" dirty="0"/>
-              <a:t>Логическая схема проекта</a:t>
-            </a:r>
-          </a:p>
-        </p:txBody>
-      </p:sp>
-      <p:sp>
-        <p:nvSpPr>
-          <p:cNvPr id="3" name="Объект 2">
-            <a:extLst>
-              <a:ext uri="{FF2B5EF4-FFF2-40B4-BE49-F238E27FC236}">
-                <a16:creationId xmlns:a16="http://schemas.microsoft.com/office/drawing/2014/main" id="{43A29B75-2ABB-4B1A-A251-8B91867E88E8}"/>
-              </a:ext>
-            </a:extLst>
-          </p:cNvPr>
-          <p:cNvSpPr>
-            <a:spLocks noGrp="1"/>
-          </p:cNvSpPr>
-          <p:nvPr>
-            <p:ph idx="1"/>
-          </p:nvPr>
-        </p:nvSpPr>
-        <p:spPr/>
-        <p:txBody>
-          <a:bodyPr/>
-          <a:lstStyle/>
-          <a:p>
-            <a:endParaRPr lang="ru-RU"/>
-          </a:p>
-        </p:txBody>
-      </p:sp>
-    </p:spTree>
-    <p:extLst>
-      <p:ext uri="{BB962C8B-B14F-4D97-AF65-F5344CB8AC3E}">
-        <p14:creationId xmlns:p14="http://schemas.microsoft.com/office/powerpoint/2010/main" val="1752236804"/>
-      </p:ext>
-    </p:extLst>
-  </p:cSld>
-  <p:clrMapOvr>
-    <a:masterClrMapping/>
-  </p:clrMapOvr>
-</p:sld>
-</file>
-
-<file path=ppt/slides/slide12.xml><?xml version="1.0" encoding="utf-8"?>
-<p:sld xmlns:a="http://schemas.openxmlformats.org/drawingml/2006/main" xmlns:r="http://schemas.openxmlformats.org/officeDocument/2006/relationships" xmlns:p="http://schemas.openxmlformats.org/presentationml/2006/main">
-  <p:cSld>
-    <p:spTree>
-      <p:nvGrpSpPr>
-        <p:cNvPr id="1" name=""/>
-        <p:cNvGrpSpPr/>
-        <p:nvPr/>
-      </p:nvGrpSpPr>
-      <p:grpSpPr>
-        <a:xfrm>
-          <a:off x="0" y="0"/>
-          <a:ext cx="0" cy="0"/>
-          <a:chOff x="0" y="0"/>
-          <a:chExt cx="0" cy="0"/>
-        </a:xfrm>
-      </p:grpSpPr>
-      <p:sp>
-        <p:nvSpPr>
-          <p:cNvPr id="2" name="Заголовок 1">
-            <a:extLst>
-              <a:ext uri="{FF2B5EF4-FFF2-40B4-BE49-F238E27FC236}">
-                <a16:creationId xmlns:a16="http://schemas.microsoft.com/office/drawing/2014/main" id="{1EDFF5A3-FBB5-461E-A9C7-923CD6FD0AC5}"/>
-              </a:ext>
-            </a:extLst>
-          </p:cNvPr>
-          <p:cNvSpPr>
-            <a:spLocks noGrp="1"/>
-          </p:cNvSpPr>
-          <p:nvPr>
-            <p:ph type="title"/>
-          </p:nvPr>
-        </p:nvSpPr>
-        <p:spPr/>
-        <p:txBody>
-          <a:bodyPr/>
-          <a:lstStyle/>
-          <a:p>
             <a:pPr algn="ctr"/>
             <a:r>
               <a:rPr lang="ru-RU" dirty="0"/>
@@ -15228,7 +15162,7 @@
           <p:cNvPr id="4" name="TextBox 3">
             <a:extLst>
               <a:ext uri="{FF2B5EF4-FFF2-40B4-BE49-F238E27FC236}">
-                <a16:creationId xmlns:a16="http://schemas.microsoft.com/office/drawing/2014/main" id="{4E4FA2F1-D15C-41D0-9A52-83F93757370C}"/>
+                <a16:creationId xmlns:a16="http://schemas.microsoft.com/office/drawing/2014/main" xmlns="" id="{4E4FA2F1-D15C-41D0-9A52-83F93757370C}"/>
               </a:ext>
             </a:extLst>
           </p:cNvPr>
@@ -15251,9 +15185,14 @@
           </a:bodyPr>
           <a:lstStyle/>
           <a:p>
+            <a:pPr algn="ctr"/>
             <a:r>
               <a:rPr lang="ru-RU" dirty="0"/>
-              <a:t>Операционная система – </a:t>
+              <a:t>Операционная </a:t>
+            </a:r>
+            <a:r>
+              <a:rPr lang="ru-RU" dirty="0" smtClean="0"/>
+              <a:t>система: </a:t>
             </a:r>
             <a:r>
               <a:rPr lang="en-US" b="1" dirty="0"/>
@@ -15268,7 +15207,7 @@
           <p:cNvPr id="5" name="TextBox 4">
             <a:extLst>
               <a:ext uri="{FF2B5EF4-FFF2-40B4-BE49-F238E27FC236}">
-                <a16:creationId xmlns:a16="http://schemas.microsoft.com/office/drawing/2014/main" id="{3D338E15-5DA0-4290-87DD-685B0B4F9354}"/>
+                <a16:creationId xmlns:a16="http://schemas.microsoft.com/office/drawing/2014/main" xmlns="" id="{3D338E15-5DA0-4290-87DD-685B0B4F9354}"/>
               </a:ext>
             </a:extLst>
           </p:cNvPr>
@@ -15277,7 +15216,7 @@
         </p:nvSpPr>
         <p:spPr>
           <a:xfrm>
-            <a:off x="6424246" y="2459026"/>
+            <a:off x="6504740" y="2459026"/>
             <a:ext cx="4787705" cy="369332"/>
           </a:xfrm>
           <a:prstGeom prst="rect">
@@ -15291,9 +15230,10 @@
           </a:bodyPr>
           <a:lstStyle/>
           <a:p>
-            <a:r>
-              <a:rPr lang="ru-RU" dirty="0"/>
-              <a:t>Веб-сервер – </a:t>
+            <a:pPr algn="ctr"/>
+            <a:r>
+              <a:rPr lang="ru-RU" dirty="0" smtClean="0"/>
+              <a:t>Веб-сервер: </a:t>
             </a:r>
             <a:r>
               <a:rPr lang="en-US" b="1" dirty="0"/>
@@ -15308,7 +15248,7 @@
           <p:cNvPr id="6" name="TextBox 5">
             <a:extLst>
               <a:ext uri="{FF2B5EF4-FFF2-40B4-BE49-F238E27FC236}">
-                <a16:creationId xmlns:a16="http://schemas.microsoft.com/office/drawing/2014/main" id="{9E4975CE-2E19-4571-8A7C-6D8D2DAC2458}"/>
+                <a16:creationId xmlns:a16="http://schemas.microsoft.com/office/drawing/2014/main" xmlns="" id="{9E4975CE-2E19-4571-8A7C-6D8D2DAC2458}"/>
               </a:ext>
             </a:extLst>
           </p:cNvPr>
@@ -15317,7 +15257,7 @@
         </p:nvSpPr>
         <p:spPr>
           <a:xfrm>
-            <a:off x="450166" y="4682841"/>
+            <a:off x="450166" y="4847263"/>
             <a:ext cx="5317588" cy="369332"/>
           </a:xfrm>
           <a:prstGeom prst="rect">
@@ -15331,12 +15271,17 @@
           </a:bodyPr>
           <a:lstStyle/>
           <a:p>
+            <a:pPr algn="ctr"/>
             <a:r>
               <a:rPr lang="ru-RU" dirty="0"/>
-              <a:t>База данных –</a:t>
-            </a:r>
-            <a:r>
-              <a:rPr lang="en-US" dirty="0"/>
+              <a:t>База </a:t>
+            </a:r>
+            <a:r>
+              <a:rPr lang="ru-RU" dirty="0" smtClean="0"/>
+              <a:t>данных:</a:t>
+            </a:r>
+            <a:r>
+              <a:rPr lang="en-US" dirty="0" smtClean="0"/>
               <a:t> </a:t>
             </a:r>
             <a:r>
@@ -15352,7 +15297,7 @@
           <p:cNvPr id="7" name="TextBox 6">
             <a:extLst>
               <a:ext uri="{FF2B5EF4-FFF2-40B4-BE49-F238E27FC236}">
-                <a16:creationId xmlns:a16="http://schemas.microsoft.com/office/drawing/2014/main" id="{7AB75CB3-42A9-4E90-97A9-F2EDFFD7B660}"/>
+                <a16:creationId xmlns:a16="http://schemas.microsoft.com/office/drawing/2014/main" xmlns="" id="{7AB75CB3-42A9-4E90-97A9-F2EDFFD7B660}"/>
               </a:ext>
             </a:extLst>
           </p:cNvPr>
@@ -15361,7 +15306,7 @@
         </p:nvSpPr>
         <p:spPr>
           <a:xfrm>
-            <a:off x="6424246" y="4682841"/>
+            <a:off x="6239799" y="4847263"/>
             <a:ext cx="5317588" cy="369332"/>
           </a:xfrm>
           <a:prstGeom prst="rect">
@@ -15375,9 +15320,14 @@
           </a:bodyPr>
           <a:lstStyle/>
           <a:p>
+            <a:pPr algn="ctr"/>
             <a:r>
               <a:rPr lang="ru-RU" dirty="0"/>
-              <a:t>Платформа Модуля НС – </a:t>
+              <a:t>Платформа Модуля </a:t>
+            </a:r>
+            <a:r>
+              <a:rPr lang="ru-RU" dirty="0" smtClean="0"/>
+              <a:t>НС: </a:t>
             </a:r>
             <a:r>
               <a:rPr lang="en-US" b="1" dirty="0"/>
@@ -15392,7 +15342,7 @@
           <p:cNvPr id="1026" name="Picture 2" descr="Картинки по запросу ubuntu 16.04 logo">
             <a:extLst>
               <a:ext uri="{FF2B5EF4-FFF2-40B4-BE49-F238E27FC236}">
-                <a16:creationId xmlns:a16="http://schemas.microsoft.com/office/drawing/2014/main" id="{649412D1-37AC-4E01-B3BF-EDB810FD218B}"/>
+                <a16:creationId xmlns:a16="http://schemas.microsoft.com/office/drawing/2014/main" xmlns="" id="{649412D1-37AC-4E01-B3BF-EDB810FD218B}"/>
               </a:ext>
             </a:extLst>
           </p:cNvPr>
@@ -15416,7 +15366,7 @@
         </p:blipFill>
         <p:spPr bwMode="auto">
           <a:xfrm>
-            <a:off x="1674055" y="2600455"/>
+            <a:off x="2135578" y="2643692"/>
             <a:ext cx="1946763" cy="1946763"/>
           </a:xfrm>
           <a:prstGeom prst="rect">
@@ -15434,106 +15384,121 @@
           </a:extLst>
         </p:spPr>
       </p:pic>
-      <p:pic>
-        <p:nvPicPr>
-          <p:cNvPr id="1028" name="Picture 4" descr="Картинки по запросу apache">
+      <p:grpSp>
+        <p:nvGrpSpPr>
+          <p:cNvPr id="3" name="Группа 2"/>
+          <p:cNvGrpSpPr/>
+          <p:nvPr/>
+        </p:nvGrpSpPr>
+        <p:grpSpPr>
+          <a:xfrm>
+            <a:off x="6689187" y="2882420"/>
+            <a:ext cx="4418811" cy="1884302"/>
+            <a:chOff x="6424246" y="2882420"/>
+            <a:chExt cx="4418811" cy="1884302"/>
+          </a:xfrm>
+        </p:grpSpPr>
+        <p:pic>
+          <p:nvPicPr>
+            <p:cNvPr id="1028" name="Picture 4" descr="Картинки по запросу apache">
+              <a:extLst>
+                <a:ext uri="{FF2B5EF4-FFF2-40B4-BE49-F238E27FC236}">
+                  <a16:creationId xmlns:a16="http://schemas.microsoft.com/office/drawing/2014/main" xmlns="" id="{69EC288F-3BDA-4B82-8173-C158568131B1}"/>
+                </a:ext>
+              </a:extLst>
+            </p:cNvPr>
+            <p:cNvPicPr>
+              <a:picLocks noChangeAspect="1" noChangeArrowheads="1"/>
+            </p:cNvPicPr>
+            <p:nvPr/>
+          </p:nvPicPr>
+          <p:blipFill>
+            <a:blip r:embed="rId3">
+              <a:extLst>
+                <a:ext uri="{28A0092B-C50C-407E-A947-70E740481C1C}">
+                  <a14:useLocalDpi xmlns:a14="http://schemas.microsoft.com/office/drawing/2010/main" val="0"/>
+                </a:ext>
+              </a:extLst>
+            </a:blip>
+            <a:srcRect/>
+            <a:stretch>
+              <a:fillRect/>
+            </a:stretch>
+          </p:blipFill>
+          <p:spPr bwMode="auto">
+            <a:xfrm>
+              <a:off x="6424246" y="2882420"/>
+              <a:ext cx="2408799" cy="1884302"/>
+            </a:xfrm>
+            <a:prstGeom prst="rect">
+              <a:avLst/>
+            </a:prstGeom>
+            <a:noFill/>
             <a:extLst>
-              <a:ext uri="{FF2B5EF4-FFF2-40B4-BE49-F238E27FC236}">
-                <a16:creationId xmlns:a16="http://schemas.microsoft.com/office/drawing/2014/main" id="{69EC288F-3BDA-4B82-8173-C158568131B1}"/>
+              <a:ext uri="{909E8E84-426E-40DD-AFC4-6F175D3DCCD1}">
+                <a14:hiddenFill xmlns:a14="http://schemas.microsoft.com/office/drawing/2010/main">
+                  <a:solidFill>
+                    <a:srgbClr val="FFFFFF"/>
+                  </a:solidFill>
+                </a14:hiddenFill>
               </a:ext>
             </a:extLst>
-          </p:cNvPr>
-          <p:cNvPicPr>
-            <a:picLocks noChangeAspect="1" noChangeArrowheads="1"/>
-          </p:cNvPicPr>
-          <p:nvPr/>
-        </p:nvPicPr>
-        <p:blipFill>
-          <a:blip r:embed="rId3">
+          </p:spPr>
+        </p:pic>
+        <p:pic>
+          <p:nvPicPr>
+            <p:cNvPr id="1030" name="Picture 6" descr="Картинки по запросу php 7.0">
+              <a:extLst>
+                <a:ext uri="{FF2B5EF4-FFF2-40B4-BE49-F238E27FC236}">
+                  <a16:creationId xmlns:a16="http://schemas.microsoft.com/office/drawing/2014/main" xmlns="" id="{204DCBAD-AB0E-4EAA-945D-9E89B6DAD8FF}"/>
+                </a:ext>
+              </a:extLst>
+            </p:cNvPr>
+            <p:cNvPicPr>
+              <a:picLocks noChangeAspect="1" noChangeArrowheads="1"/>
+            </p:cNvPicPr>
+            <p:nvPr/>
+          </p:nvPicPr>
+          <p:blipFill>
+            <a:blip r:embed="rId4">
+              <a:extLst>
+                <a:ext uri="{28A0092B-C50C-407E-A947-70E740481C1C}">
+                  <a14:useLocalDpi xmlns:a14="http://schemas.microsoft.com/office/drawing/2010/main" val="0"/>
+                </a:ext>
+              </a:extLst>
+            </a:blip>
+            <a:srcRect/>
+            <a:stretch>
+              <a:fillRect/>
+            </a:stretch>
+          </p:blipFill>
+          <p:spPr bwMode="auto">
+            <a:xfrm>
+              <a:off x="9083040" y="3296566"/>
+              <a:ext cx="1760017" cy="1056010"/>
+            </a:xfrm>
+            <a:prstGeom prst="rect">
+              <a:avLst/>
+            </a:prstGeom>
+            <a:noFill/>
             <a:extLst>
-              <a:ext uri="{28A0092B-C50C-407E-A947-70E740481C1C}">
-                <a14:useLocalDpi xmlns:a14="http://schemas.microsoft.com/office/drawing/2010/main" val="0"/>
+              <a:ext uri="{909E8E84-426E-40DD-AFC4-6F175D3DCCD1}">
+                <a14:hiddenFill xmlns:a14="http://schemas.microsoft.com/office/drawing/2010/main">
+                  <a:solidFill>
+                    <a:srgbClr val="FFFFFF"/>
+                  </a:solidFill>
+                </a14:hiddenFill>
               </a:ext>
             </a:extLst>
-          </a:blip>
-          <a:srcRect/>
-          <a:stretch>
-            <a:fillRect/>
-          </a:stretch>
-        </p:blipFill>
-        <p:spPr bwMode="auto">
-          <a:xfrm>
-            <a:off x="6409299" y="2829477"/>
-            <a:ext cx="2408799" cy="1884302"/>
-          </a:xfrm>
-          <a:prstGeom prst="rect">
-            <a:avLst/>
-          </a:prstGeom>
-          <a:noFill/>
-          <a:extLst>
-            <a:ext uri="{909E8E84-426E-40DD-AFC4-6F175D3DCCD1}">
-              <a14:hiddenFill xmlns:a14="http://schemas.microsoft.com/office/drawing/2010/main">
-                <a:solidFill>
-                  <a:srgbClr val="FFFFFF"/>
-                </a:solidFill>
-              </a14:hiddenFill>
-            </a:ext>
-          </a:extLst>
-        </p:spPr>
-      </p:pic>
-      <p:pic>
-        <p:nvPicPr>
-          <p:cNvPr id="1030" name="Picture 6" descr="Картинки по запросу php 7.0">
-            <a:extLst>
-              <a:ext uri="{FF2B5EF4-FFF2-40B4-BE49-F238E27FC236}">
-                <a16:creationId xmlns:a16="http://schemas.microsoft.com/office/drawing/2014/main" id="{204DCBAD-AB0E-4EAA-945D-9E89B6DAD8FF}"/>
-              </a:ext>
-            </a:extLst>
-          </p:cNvPr>
-          <p:cNvPicPr>
-            <a:picLocks noChangeAspect="1" noChangeArrowheads="1"/>
-          </p:cNvPicPr>
-          <p:nvPr/>
-        </p:nvPicPr>
-        <p:blipFill>
-          <a:blip r:embed="rId4">
-            <a:extLst>
-              <a:ext uri="{28A0092B-C50C-407E-A947-70E740481C1C}">
-                <a14:useLocalDpi xmlns:a14="http://schemas.microsoft.com/office/drawing/2010/main" val="0"/>
-              </a:ext>
-            </a:extLst>
-          </a:blip>
-          <a:srcRect/>
-          <a:stretch>
-            <a:fillRect/>
-          </a:stretch>
-        </p:blipFill>
-        <p:spPr bwMode="auto">
-          <a:xfrm>
-            <a:off x="9083040" y="3296566"/>
-            <a:ext cx="1760017" cy="1056010"/>
-          </a:xfrm>
-          <a:prstGeom prst="rect">
-            <a:avLst/>
-          </a:prstGeom>
-          <a:noFill/>
-          <a:extLst>
-            <a:ext uri="{909E8E84-426E-40DD-AFC4-6F175D3DCCD1}">
-              <a14:hiddenFill xmlns:a14="http://schemas.microsoft.com/office/drawing/2010/main">
-                <a:solidFill>
-                  <a:srgbClr val="FFFFFF"/>
-                </a:solidFill>
-              </a14:hiddenFill>
-            </a:ext>
-          </a:extLst>
-        </p:spPr>
-      </p:pic>
+          </p:spPr>
+        </p:pic>
+      </p:grpSp>
       <p:pic>
         <p:nvPicPr>
           <p:cNvPr id="1032" name="Picture 8" descr="Картинки по запросу postgresql 9.5 logo">
             <a:extLst>
               <a:ext uri="{FF2B5EF4-FFF2-40B4-BE49-F238E27FC236}">
-                <a16:creationId xmlns:a16="http://schemas.microsoft.com/office/drawing/2014/main" id="{3ECD406A-7FCA-450D-8228-497295C73D27}"/>
+                <a16:creationId xmlns:a16="http://schemas.microsoft.com/office/drawing/2014/main" xmlns="" id="{3ECD406A-7FCA-450D-8228-497295C73D27}"/>
               </a:ext>
             </a:extLst>
           </p:cNvPr>
@@ -15557,7 +15522,7 @@
         </p:blipFill>
         <p:spPr bwMode="auto">
           <a:xfrm>
-            <a:off x="1124110" y="5327230"/>
+            <a:off x="1585634" y="5216595"/>
             <a:ext cx="3046652" cy="1114204"/>
           </a:xfrm>
           <a:prstGeom prst="rect">
@@ -15580,7 +15545,7 @@
           <p:cNvPr id="1034" name="Picture 10" descr="Картинки по запросу python logo">
             <a:extLst>
               <a:ext uri="{FF2B5EF4-FFF2-40B4-BE49-F238E27FC236}">
-                <a16:creationId xmlns:a16="http://schemas.microsoft.com/office/drawing/2014/main" id="{51419B93-0D26-4CAE-A7C8-E30AB18B17CD}"/>
+                <a16:creationId xmlns:a16="http://schemas.microsoft.com/office/drawing/2014/main" xmlns="" id="{51419B93-0D26-4CAE-A7C8-E30AB18B17CD}"/>
               </a:ext>
             </a:extLst>
           </p:cNvPr>
@@ -15604,7 +15569,7 @@
         </p:blipFill>
         <p:spPr bwMode="auto">
           <a:xfrm>
-            <a:off x="6986728" y="5263365"/>
+            <a:off x="7067223" y="5216595"/>
             <a:ext cx="3662740" cy="1237165"/>
           </a:xfrm>
           <a:prstGeom prst="rect">
@@ -15632,10 +15597,17 @@
   <p:clrMapOvr>
     <a:masterClrMapping/>
   </p:clrMapOvr>
+  <p:timing>
+    <p:tnLst>
+      <p:par>
+        <p:cTn id="1" dur="indefinite" restart="never" nodeType="tmRoot"/>
+      </p:par>
+    </p:tnLst>
+  </p:timing>
 </p:sld>
 </file>
 
-<file path=ppt/slides/slide13.xml><?xml version="1.0" encoding="utf-8"?>
+<file path=ppt/slides/slide12.xml><?xml version="1.0" encoding="utf-8"?>
 <p:sld xmlns:a="http://schemas.openxmlformats.org/drawingml/2006/main" xmlns:r="http://schemas.openxmlformats.org/officeDocument/2006/relationships" xmlns:p="http://schemas.openxmlformats.org/presentationml/2006/main">
   <p:cSld>
     <p:spTree>
@@ -15657,7 +15629,7 @@
           <p:cNvPr id="2" name="Заголовок 1">
             <a:extLst>
               <a:ext uri="{FF2B5EF4-FFF2-40B4-BE49-F238E27FC236}">
-                <a16:creationId xmlns:a16="http://schemas.microsoft.com/office/drawing/2014/main" id="{7C40EFF8-85D0-4D1F-80A0-E53BE3B6770F}"/>
+                <a16:creationId xmlns:a16="http://schemas.microsoft.com/office/drawing/2014/main" xmlns="" id="{7C40EFF8-85D0-4D1F-80A0-E53BE3B6770F}"/>
               </a:ext>
             </a:extLst>
           </p:cNvPr>
@@ -15673,19 +15645,15 @@
           <a:bodyPr/>
           <a:lstStyle/>
           <a:p>
-            <a:pPr algn="ctr"/>
             <a:r>
               <a:rPr lang="ru-RU" dirty="0"/>
-              <a:t>Техническая реализация</a:t>
-            </a:r>
-            <a:r>
-              <a:rPr lang="en-US" dirty="0"/>
-              <a:t>/</a:t>
-            </a:r>
-            <a:r>
-              <a:rPr lang="ru-RU" dirty="0"/>
-              <a:t>поддержка устройств</a:t>
-            </a:r>
+              <a:t>Техническая </a:t>
+            </a:r>
+            <a:r>
+              <a:rPr lang="ru-RU" dirty="0" smtClean="0"/>
+              <a:t>реализация</a:t>
+            </a:r>
+            <a:endParaRPr lang="ru-RU" dirty="0"/>
           </a:p>
         </p:txBody>
       </p:sp>
@@ -15694,7 +15662,7 @@
           <p:cNvPr id="3" name="Объект 2">
             <a:extLst>
               <a:ext uri="{FF2B5EF4-FFF2-40B4-BE49-F238E27FC236}">
-                <a16:creationId xmlns:a16="http://schemas.microsoft.com/office/drawing/2014/main" id="{D68896F1-0511-40A6-9975-DD7802AA912C}"/>
+                <a16:creationId xmlns:a16="http://schemas.microsoft.com/office/drawing/2014/main" xmlns="" id="{D68896F1-0511-40A6-9975-DD7802AA912C}"/>
               </a:ext>
             </a:extLst>
           </p:cNvPr>
@@ -15707,7 +15675,7 @@
         </p:nvSpPr>
         <p:spPr>
           <a:xfrm>
-            <a:off x="1053434" y="2603499"/>
+            <a:off x="1053434" y="2433018"/>
             <a:ext cx="10085132" cy="4254501"/>
           </a:xfrm>
         </p:spPr>
@@ -15719,8 +15687,20 @@
           <a:p>
             <a:pPr algn="just"/>
             <a:r>
+              <a:rPr lang="ru-RU" sz="2000" dirty="0" smtClean="0"/>
+              <a:t>В разработанном прототипе </a:t>
+            </a:r>
+            <a:r>
               <a:rPr lang="ru-RU" sz="2000" dirty="0"/>
-              <a:t>Управляющая часть (НС, веб-сервер, СУБД)  расположена на одноплатном компьютере</a:t>
+              <a:t>у</a:t>
+            </a:r>
+            <a:r>
+              <a:rPr lang="ru-RU" sz="2000" dirty="0" smtClean="0"/>
+              <a:t>правляющая </a:t>
+            </a:r>
+            <a:r>
+              <a:rPr lang="ru-RU" sz="2000" dirty="0"/>
+              <a:t>часть (НС, веб-сервер, СУБД)  расположена на одноплатном компьютере</a:t>
             </a:r>
             <a:r>
               <a:rPr lang="en-US" sz="2000" dirty="0"/>
@@ -15739,7 +15719,27 @@
             <a:pPr algn="just"/>
             <a:r>
               <a:rPr lang="ru-RU" sz="2000" dirty="0"/>
-              <a:t>В качестве измерительных и управляющих (физически) элементов используются следующие устройства </a:t>
+              <a:t>В качестве измерительных и управляющих </a:t>
+            </a:r>
+            <a:r>
+              <a:rPr lang="ru-RU" sz="2000" dirty="0" smtClean="0"/>
+              <a:t>физических </a:t>
+            </a:r>
+            <a:r>
+              <a:rPr lang="ru-RU" sz="2000" dirty="0"/>
+              <a:t>элементов </a:t>
+            </a:r>
+            <a:r>
+              <a:rPr lang="ru-RU" sz="2000" dirty="0" smtClean="0"/>
+              <a:t>предполагается использовать </a:t>
+            </a:r>
+            <a:r>
+              <a:rPr lang="ru-RU" sz="2000" dirty="0" smtClean="0"/>
+              <a:t>следующие </a:t>
+            </a:r>
+            <a:r>
+              <a:rPr lang="ru-RU" sz="2000" dirty="0"/>
+              <a:t>устройства </a:t>
             </a:r>
             <a:r>
               <a:rPr lang="en-US" sz="2000" dirty="0"/>
@@ -15751,12 +15751,12 @@
             </a:r>
           </a:p>
           <a:p>
-            <a:pPr marL="360363" indent="0" algn="just">
+            <a:pPr marL="360363" indent="352425" algn="just">
               <a:buFont typeface="Wingdings" panose="05000000000000000000" pitchFamily="2" charset="2"/>
               <a:buChar char="v"/>
             </a:pPr>
             <a:r>
-              <a:rPr lang="en-US" sz="2000" dirty="0"/>
+              <a:rPr lang="en-US" sz="2000" dirty="0" smtClean="0"/>
               <a:t>DHT </a:t>
             </a:r>
             <a:r>
@@ -15773,27 +15773,35 @@
             </a:r>
           </a:p>
           <a:p>
-            <a:pPr marL="360363" indent="0" algn="just">
+            <a:pPr marL="360363" indent="352425" algn="just">
               <a:buFont typeface="Wingdings" panose="05000000000000000000" pitchFamily="2" charset="2"/>
               <a:buChar char="v"/>
             </a:pPr>
             <a:r>
-              <a:rPr lang="en-US" sz="2000" dirty="0"/>
+              <a:rPr lang="en-US" sz="2000" dirty="0" smtClean="0"/>
               <a:t>PIR</a:t>
             </a:r>
             <a:r>
+              <a:rPr lang="ru-RU" sz="2000" dirty="0" smtClean="0"/>
+              <a:t>-датчики </a:t>
+            </a:r>
+            <a:r>
               <a:rPr lang="ru-RU" sz="2000" dirty="0"/>
-              <a:t> - датчики движения;</a:t>
-            </a:r>
-          </a:p>
-          <a:p>
-            <a:pPr marL="360363" indent="0" algn="just">
+              <a:t>движения;</a:t>
+            </a:r>
+          </a:p>
+          <a:p>
+            <a:pPr marL="360363" indent="352425" algn="just">
               <a:buFont typeface="Wingdings" panose="05000000000000000000" pitchFamily="2" charset="2"/>
               <a:buChar char="v"/>
             </a:pPr>
             <a:r>
               <a:rPr lang="ru-RU" sz="2000" dirty="0"/>
-              <a:t>Двигатели, </a:t>
+              <a:t>д</a:t>
+            </a:r>
+            <a:r>
+              <a:rPr lang="ru-RU" sz="2000" dirty="0" smtClean="0"/>
+              <a:t>вигатели, управляемые </a:t>
             </a:r>
             <a:r>
               <a:rPr lang="en-US" sz="2000" dirty="0"/>
@@ -15813,7 +15821,7 @@
             </a:r>
           </a:p>
           <a:p>
-            <a:pPr marL="360363" indent="0" algn="just">
+            <a:pPr marL="360363" indent="352425" algn="just">
               <a:buFont typeface="Wingdings" panose="05000000000000000000" pitchFamily="2" charset="2"/>
               <a:buChar char="v"/>
             </a:pPr>
@@ -15839,8 +15847,21 @@
             </a:r>
             <a:r>
               <a:rPr lang="ru-RU" sz="2000" dirty="0"/>
-              <a:t>контроллер для передачи и первоначальной обработки данных.</a:t>
-            </a:r>
+              <a:t>контроллер для </a:t>
+            </a:r>
+            <a:r>
+              <a:rPr lang="ru-RU" sz="2000" dirty="0" smtClean="0"/>
+              <a:t>сбора, первичной обработки и передачи данных </a:t>
+            </a:r>
+            <a:r>
+              <a:rPr lang="ru-RU" sz="2000" smtClean="0"/>
+              <a:t>серверу (в </a:t>
+            </a:r>
+            <a:r>
+              <a:rPr lang="ru-RU" sz="2000" dirty="0" smtClean="0"/>
+              <a:t>качестве контроллера устройств).</a:t>
+            </a:r>
+            <a:endParaRPr lang="ru-RU" sz="2000" dirty="0"/>
           </a:p>
         </p:txBody>
       </p:sp>
@@ -15854,10 +15875,17 @@
   <p:clrMapOvr>
     <a:masterClrMapping/>
   </p:clrMapOvr>
+  <p:timing>
+    <p:tnLst>
+      <p:par>
+        <p:cTn id="1" dur="indefinite" restart="never" nodeType="tmRoot"/>
+      </p:par>
+    </p:tnLst>
+  </p:timing>
 </p:sld>
 </file>
 
-<file path=ppt/slides/slide14.xml><?xml version="1.0" encoding="utf-8"?>
+<file path=ppt/slides/slide13.xml><?xml version="1.0" encoding="utf-8"?>
 <p:sld xmlns:a="http://schemas.openxmlformats.org/drawingml/2006/main" xmlns:r="http://schemas.openxmlformats.org/officeDocument/2006/relationships" xmlns:p="http://schemas.openxmlformats.org/presentationml/2006/main">
   <p:cSld>
     <p:spTree>
@@ -15874,72 +15902,12 @@
           <a:chExt cx="0" cy="0"/>
         </a:xfrm>
       </p:grpSpPr>
-      <p:sp>
-        <p:nvSpPr>
-          <p:cNvPr id="2" name="Заголовок 1">
-            <a:extLst>
-              <a:ext uri="{FF2B5EF4-FFF2-40B4-BE49-F238E27FC236}">
-                <a16:creationId xmlns:a16="http://schemas.microsoft.com/office/drawing/2014/main" id="{BD7F5098-EF74-44EE-9BD1-19A65926B605}"/>
-              </a:ext>
-            </a:extLst>
-          </p:cNvPr>
-          <p:cNvSpPr>
-            <a:spLocks noGrp="1"/>
-          </p:cNvSpPr>
-          <p:nvPr>
-            <p:ph type="title" idx="4294967295"/>
-          </p:nvPr>
-        </p:nvSpPr>
-        <p:spPr>
-          <a:xfrm>
-            <a:off x="1379095" y="177983"/>
-            <a:ext cx="8761413" cy="708025"/>
-          </a:xfrm>
-        </p:spPr>
-        <p:txBody>
-          <a:bodyPr/>
-          <a:lstStyle/>
-          <a:p>
-            <a:pPr algn="ctr"/>
-            <a:r>
-              <a:rPr lang="ru-RU" dirty="0">
-                <a:solidFill>
-                  <a:schemeClr val="tx1">
-                    <a:lumMod val="75000"/>
-                    <a:lumOff val="25000"/>
-                  </a:schemeClr>
-                </a:solidFill>
-              </a:rPr>
-              <a:t>Внешний вид продукта</a:t>
-            </a:r>
-            <a:r>
-              <a:rPr lang="en-US" dirty="0">
-                <a:solidFill>
-                  <a:schemeClr val="tx1">
-                    <a:lumMod val="75000"/>
-                    <a:lumOff val="25000"/>
-                  </a:schemeClr>
-                </a:solidFill>
-              </a:rPr>
-              <a:t> (web)</a:t>
-            </a:r>
-            <a:endParaRPr lang="ru-RU" dirty="0">
-              <a:solidFill>
-                <a:schemeClr val="tx1">
-                  <a:lumMod val="75000"/>
-                  <a:lumOff val="25000"/>
-                </a:schemeClr>
-              </a:solidFill>
-            </a:endParaRPr>
-          </a:p>
-        </p:txBody>
-      </p:sp>
       <p:pic>
         <p:nvPicPr>
           <p:cNvPr id="8" name="Объект 7">
             <a:extLst>
               <a:ext uri="{FF2B5EF4-FFF2-40B4-BE49-F238E27FC236}">
-                <a16:creationId xmlns:a16="http://schemas.microsoft.com/office/drawing/2014/main" id="{D1DF4AFA-8037-4928-AB2B-238597ABA7F1}"/>
+                <a16:creationId xmlns:a16="http://schemas.microsoft.com/office/drawing/2014/main" xmlns="" id="{D1DF4AFA-8037-4928-AB2B-238597ABA7F1}"/>
               </a:ext>
             </a:extLst>
           </p:cNvPr>
@@ -15958,7 +15926,7 @@
         </p:blipFill>
         <p:spPr>
           <a:xfrm>
-            <a:off x="1396401" y="1208153"/>
+            <a:off x="1396401" y="1192652"/>
             <a:ext cx="9399198" cy="4486171"/>
           </a:xfrm>
           <a:prstGeom prst="rect">
@@ -15971,7 +15939,7 @@
           <p:cNvPr id="9" name="TextBox 8">
             <a:extLst>
               <a:ext uri="{FF2B5EF4-FFF2-40B4-BE49-F238E27FC236}">
-                <a16:creationId xmlns:a16="http://schemas.microsoft.com/office/drawing/2014/main" id="{C097CCDC-9A2F-459B-9362-C3AEB9188317}"/>
+                <a16:creationId xmlns:a16="http://schemas.microsoft.com/office/drawing/2014/main" xmlns="" id="{C097CCDC-9A2F-459B-9362-C3AEB9188317}"/>
               </a:ext>
             </a:extLst>
           </p:cNvPr>
@@ -15980,8 +15948,8 @@
         </p:nvSpPr>
         <p:spPr>
           <a:xfrm>
-            <a:off x="1266750" y="5340607"/>
-            <a:ext cx="9658501" cy="1200329"/>
+            <a:off x="1266749" y="5170125"/>
+            <a:ext cx="9658501" cy="1477328"/>
           </a:xfrm>
           <a:prstGeom prst="rect">
             <a:avLst/>
@@ -16006,8 +15974,13 @@
           <a:p>
             <a:r>
               <a:rPr lang="ru-RU" dirty="0"/>
-              <a:t>2 – параметры регуляции климата (выход нейронной сети);</a:t>
-            </a:r>
+              <a:t>2 – параметры регуляции климата (выход нейронной </a:t>
+            </a:r>
+            <a:r>
+              <a:rPr lang="ru-RU" dirty="0" smtClean="0"/>
+              <a:t>сети, соответствует значениям регуляторов батарей отопления и кондиционеров);</a:t>
+            </a:r>
+            <a:endParaRPr lang="ru-RU" dirty="0"/>
           </a:p>
           <a:p>
             <a:r>
@@ -16019,967 +15992,16 @@
             <a:r>
               <a:rPr lang="ru-RU" dirty="0"/>
               <a:t>4 – эмуляция датчиков движения.</a:t>
-            </a:r>
-          </a:p>
-        </p:txBody>
-      </p:sp>
-    </p:spTree>
-    <p:extLst>
-      <p:ext uri="{BB962C8B-B14F-4D97-AF65-F5344CB8AC3E}">
-        <p14:creationId xmlns:p14="http://schemas.microsoft.com/office/powerpoint/2010/main" val="3443109160"/>
-      </p:ext>
-    </p:extLst>
-  </p:cSld>
-  <p:clrMapOvr>
-    <a:masterClrMapping/>
-  </p:clrMapOvr>
-</p:sld>
-</file>
-
-<file path=ppt/slides/slide15.xml><?xml version="1.0" encoding="utf-8"?>
-<p:sld xmlns:a="http://schemas.openxmlformats.org/drawingml/2006/main" xmlns:r="http://schemas.openxmlformats.org/officeDocument/2006/relationships" xmlns:p="http://schemas.openxmlformats.org/presentationml/2006/main">
-  <p:cSld>
-    <p:spTree>
-      <p:nvGrpSpPr>
-        <p:cNvPr id="1" name=""/>
-        <p:cNvGrpSpPr/>
-        <p:nvPr/>
-      </p:nvGrpSpPr>
-      <p:grpSpPr>
-        <a:xfrm>
-          <a:off x="0" y="0"/>
-          <a:ext cx="0" cy="0"/>
-          <a:chOff x="0" y="0"/>
-          <a:chExt cx="0" cy="0"/>
-        </a:xfrm>
-      </p:grpSpPr>
-      <p:sp>
-        <p:nvSpPr>
-          <p:cNvPr id="3" name="Заголовок 2">
-            <a:extLst>
-              <a:ext uri="{FF2B5EF4-FFF2-40B4-BE49-F238E27FC236}">
-                <a16:creationId xmlns:a16="http://schemas.microsoft.com/office/drawing/2014/main" id="{DD410EA9-3E96-462F-9D11-A92DABB58BA0}"/>
-              </a:ext>
-            </a:extLst>
-          </p:cNvPr>
-          <p:cNvSpPr>
-            <a:spLocks noGrp="1"/>
-          </p:cNvSpPr>
-          <p:nvPr>
-            <p:ph type="title"/>
-          </p:nvPr>
-        </p:nvSpPr>
-        <p:spPr/>
-        <p:txBody>
-          <a:bodyPr/>
-          <a:lstStyle/>
-          <a:p>
-            <a:pPr algn="ctr"/>
-            <a:r>
-              <a:rPr lang="ru-RU" dirty="0"/>
-              <a:t>Элементы бизнес-модели проекта</a:t>
             </a:r>
           </a:p>
         </p:txBody>
       </p:sp>
       <p:sp>
         <p:nvSpPr>
-          <p:cNvPr id="4" name="Объект 3">
+          <p:cNvPr id="5" name="Заголовок 1">
             <a:extLst>
               <a:ext uri="{FF2B5EF4-FFF2-40B4-BE49-F238E27FC236}">
-                <a16:creationId xmlns:a16="http://schemas.microsoft.com/office/drawing/2014/main" id="{220C079F-28E5-4848-958F-53DF42C29908}"/>
-              </a:ext>
-            </a:extLst>
-          </p:cNvPr>
-          <p:cNvSpPr>
-            <a:spLocks noGrp="1"/>
-          </p:cNvSpPr>
-          <p:nvPr>
-            <p:ph idx="1"/>
-          </p:nvPr>
-        </p:nvSpPr>
-        <p:spPr>
-          <a:xfrm>
-            <a:off x="1154954" y="2603499"/>
-            <a:ext cx="10162620" cy="3917221"/>
-          </a:xfrm>
-        </p:spPr>
-        <p:txBody>
-          <a:bodyPr/>
-          <a:lstStyle/>
-          <a:p>
-            <a:pPr marL="0" indent="0">
-              <a:buNone/>
-            </a:pPr>
-            <a:r>
-              <a:rPr lang="ru-RU" b="1" dirty="0"/>
-              <a:t>Позиционирование проекта на рынке </a:t>
-            </a:r>
-            <a:r>
-              <a:rPr lang="ru-RU" b="1" dirty="0" err="1"/>
-              <a:t>НейроНет</a:t>
-            </a:r>
-            <a:r>
-              <a:rPr lang="ru-RU" b="1" dirty="0"/>
-              <a:t>.</a:t>
-            </a:r>
-          </a:p>
-          <a:p>
-            <a:pPr marL="0" indent="0" algn="just">
-              <a:buNone/>
-            </a:pPr>
-            <a:r>
-              <a:rPr lang="ru-RU" dirty="0"/>
-              <a:t>Предполагается, что данная разработка будет принадлежать «</a:t>
-            </a:r>
-            <a:r>
-              <a:rPr lang="ru-RU" dirty="0" err="1"/>
-              <a:t>НейроАссистенту</a:t>
-            </a:r>
-            <a:r>
-              <a:rPr lang="ru-RU" dirty="0"/>
-              <a:t>» - одному из ключевых сегментов на рынке </a:t>
-            </a:r>
-            <a:r>
-              <a:rPr lang="ru-RU" dirty="0" err="1"/>
-              <a:t>НейроНет</a:t>
-            </a:r>
-            <a:r>
-              <a:rPr lang="ru-RU" dirty="0"/>
-              <a:t>. Представленный проект полностью подходит под данные условия ввиду того, что является виртуальным помощником для понимания текущих потребностей пользователя.</a:t>
-            </a:r>
-          </a:p>
-          <a:p>
-            <a:pPr marL="0" indent="0" algn="just">
-              <a:buNone/>
-            </a:pPr>
-            <a:endParaRPr lang="ru-RU" dirty="0"/>
-          </a:p>
-          <a:p>
-            <a:pPr marL="0" indent="0" algn="just">
-              <a:buNone/>
-            </a:pPr>
-            <a:r>
-              <a:rPr lang="ru-RU" b="1" dirty="0"/>
-              <a:t>Каналы продвижения на рынок.</a:t>
-            </a:r>
-          </a:p>
-          <a:p>
-            <a:pPr marL="0" indent="0" algn="just">
-              <a:buNone/>
-            </a:pPr>
-            <a:r>
-              <a:rPr lang="ru-RU" dirty="0"/>
-              <a:t>Активным методом привлечения клиентов в сфере </a:t>
-            </a:r>
-            <a:r>
-              <a:rPr lang="en-US" dirty="0"/>
-              <a:t>B2B </a:t>
-            </a:r>
-            <a:r>
-              <a:rPr lang="ru-RU" dirty="0"/>
-              <a:t>и </a:t>
-            </a:r>
-            <a:r>
-              <a:rPr lang="en-US" dirty="0"/>
-              <a:t>B2C </a:t>
-            </a:r>
-            <a:r>
-              <a:rPr lang="ru-RU" dirty="0"/>
-              <a:t>(для бизнес-пользователей и частных лиц соответственно) является интернет-маркетинг, что позволит охватить достаточно широкую аудиторию за сравнительно небольшие сроки при соответствующих рекламных акциях.</a:t>
-            </a:r>
-          </a:p>
-        </p:txBody>
-      </p:sp>
-      <p:pic>
-        <p:nvPicPr>
-          <p:cNvPr id="1026" name="Picture 2" descr="Картинки по запросу neuronet">
-            <a:extLst>
-              <a:ext uri="{FF2B5EF4-FFF2-40B4-BE49-F238E27FC236}">
-                <a16:creationId xmlns:a16="http://schemas.microsoft.com/office/drawing/2014/main" id="{F6A4D049-35C3-4E7A-B3ED-D0354C254FCB}"/>
-              </a:ext>
-            </a:extLst>
-          </p:cNvPr>
-          <p:cNvPicPr>
-            <a:picLocks noChangeAspect="1" noChangeArrowheads="1"/>
-          </p:cNvPicPr>
-          <p:nvPr/>
-        </p:nvPicPr>
-        <p:blipFill>
-          <a:blip r:embed="rId2">
-            <a:extLst>
-              <a:ext uri="{28A0092B-C50C-407E-A947-70E740481C1C}">
-                <a14:useLocalDpi xmlns:a14="http://schemas.microsoft.com/office/drawing/2010/main" val="0"/>
-              </a:ext>
-            </a:extLst>
-          </a:blip>
-          <a:srcRect/>
-          <a:stretch>
-            <a:fillRect/>
-          </a:stretch>
-        </p:blipFill>
-        <p:spPr bwMode="auto">
-          <a:xfrm>
-            <a:off x="7129695" y="2429654"/>
-            <a:ext cx="580869" cy="580869"/>
-          </a:xfrm>
-          <a:prstGeom prst="rect">
-            <a:avLst/>
-          </a:prstGeom>
-          <a:noFill/>
-          <a:extLst>
-            <a:ext uri="{909E8E84-426E-40DD-AFC4-6F175D3DCCD1}">
-              <a14:hiddenFill xmlns:a14="http://schemas.microsoft.com/office/drawing/2010/main">
-                <a:solidFill>
-                  <a:srgbClr val="FFFFFF"/>
-                </a:solidFill>
-              </a14:hiddenFill>
-            </a:ext>
-          </a:extLst>
-        </p:spPr>
-      </p:pic>
-      <p:pic>
-        <p:nvPicPr>
-          <p:cNvPr id="1030" name="Picture 6" descr="Картинки по запросу b2c b2b">
-            <a:extLst>
-              <a:ext uri="{FF2B5EF4-FFF2-40B4-BE49-F238E27FC236}">
-                <a16:creationId xmlns:a16="http://schemas.microsoft.com/office/drawing/2014/main" id="{6102A90C-1F17-4917-9101-57D36E42CE00}"/>
-              </a:ext>
-            </a:extLst>
-          </p:cNvPr>
-          <p:cNvPicPr>
-            <a:picLocks noChangeAspect="1" noChangeArrowheads="1"/>
-          </p:cNvPicPr>
-          <p:nvPr/>
-        </p:nvPicPr>
-        <p:blipFill>
-          <a:blip r:embed="rId3">
-            <a:extLst>
-              <a:ext uri="{28A0092B-C50C-407E-A947-70E740481C1C}">
-                <a14:useLocalDpi xmlns:a14="http://schemas.microsoft.com/office/drawing/2010/main" val="0"/>
-              </a:ext>
-            </a:extLst>
-          </a:blip>
-          <a:srcRect/>
-          <a:stretch>
-            <a:fillRect/>
-          </a:stretch>
-        </p:blipFill>
-        <p:spPr bwMode="auto">
-          <a:xfrm>
-            <a:off x="5141626" y="4430583"/>
-            <a:ext cx="1303830" cy="630885"/>
-          </a:xfrm>
-          <a:prstGeom prst="rect">
-            <a:avLst/>
-          </a:prstGeom>
-          <a:noFill/>
-          <a:extLst>
-            <a:ext uri="{909E8E84-426E-40DD-AFC4-6F175D3DCCD1}">
-              <a14:hiddenFill xmlns:a14="http://schemas.microsoft.com/office/drawing/2010/main">
-                <a:solidFill>
-                  <a:srgbClr val="FFFFFF"/>
-                </a:solidFill>
-              </a14:hiddenFill>
-            </a:ext>
-          </a:extLst>
-        </p:spPr>
-      </p:pic>
-    </p:spTree>
-    <p:extLst>
-      <p:ext uri="{BB962C8B-B14F-4D97-AF65-F5344CB8AC3E}">
-        <p14:creationId xmlns:p14="http://schemas.microsoft.com/office/powerpoint/2010/main" val="13265024"/>
-      </p:ext>
-    </p:extLst>
-  </p:cSld>
-  <p:clrMapOvr>
-    <a:masterClrMapping/>
-  </p:clrMapOvr>
-</p:sld>
-</file>
-
-<file path=ppt/slides/slide16.xml><?xml version="1.0" encoding="utf-8"?>
-<p:sld xmlns:a="http://schemas.openxmlformats.org/drawingml/2006/main" xmlns:r="http://schemas.openxmlformats.org/officeDocument/2006/relationships" xmlns:p="http://schemas.openxmlformats.org/presentationml/2006/main">
-  <p:cSld>
-    <p:spTree>
-      <p:nvGrpSpPr>
-        <p:cNvPr id="1" name=""/>
-        <p:cNvGrpSpPr/>
-        <p:nvPr/>
-      </p:nvGrpSpPr>
-      <p:grpSpPr>
-        <a:xfrm>
-          <a:off x="0" y="0"/>
-          <a:ext cx="0" cy="0"/>
-          <a:chOff x="0" y="0"/>
-          <a:chExt cx="0" cy="0"/>
-        </a:xfrm>
-      </p:grpSpPr>
-      <p:sp>
-        <p:nvSpPr>
-          <p:cNvPr id="4" name="Объект 3">
-            <a:extLst>
-              <a:ext uri="{FF2B5EF4-FFF2-40B4-BE49-F238E27FC236}">
-                <a16:creationId xmlns:a16="http://schemas.microsoft.com/office/drawing/2014/main" id="{701865B6-6CF7-492B-AD9F-A6713C60D14F}"/>
-              </a:ext>
-            </a:extLst>
-          </p:cNvPr>
-          <p:cNvSpPr txBox="1">
-            <a:spLocks/>
-          </p:cNvSpPr>
-          <p:nvPr/>
-        </p:nvSpPr>
-        <p:spPr>
-          <a:xfrm>
-            <a:off x="1154954" y="2603500"/>
-            <a:ext cx="10162620" cy="3416300"/>
-          </a:xfrm>
-          <a:prstGeom prst="rect">
-            <a:avLst/>
-          </a:prstGeom>
-        </p:spPr>
-        <p:txBody>
-          <a:bodyPr/>
-          <a:lstStyle>
-            <a:lvl1pPr marL="342900" indent="-342900" algn="l" defTabSz="457200" rtl="0" eaLnBrk="1" latinLnBrk="0" hangingPunct="1">
-              <a:spcBef>
-                <a:spcPts val="1000"/>
-              </a:spcBef>
-              <a:spcAft>
-                <a:spcPts val="0"/>
-              </a:spcAft>
-              <a:buClr>
-                <a:schemeClr val="accent1"/>
-              </a:buClr>
-              <a:buSzPct val="80000"/>
-              <a:buFont typeface="Wingdings 3" charset="2"/>
-              <a:buChar char=""/>
-              <a:defRPr sz="1800" b="0" i="0" kern="1200">
-                <a:solidFill>
-                  <a:schemeClr val="tx1">
-                    <a:lumMod val="75000"/>
-                    <a:lumOff val="25000"/>
-                  </a:schemeClr>
-                </a:solidFill>
-                <a:latin typeface="+mn-lt"/>
-                <a:ea typeface="+mn-ea"/>
-                <a:cs typeface="+mn-cs"/>
-              </a:defRPr>
-            </a:lvl1pPr>
-            <a:lvl2pPr marL="742950" indent="-285750" algn="l" defTabSz="457200" rtl="0" eaLnBrk="1" latinLnBrk="0" hangingPunct="1">
-              <a:spcBef>
-                <a:spcPts val="1000"/>
-              </a:spcBef>
-              <a:spcAft>
-                <a:spcPts val="0"/>
-              </a:spcAft>
-              <a:buClr>
-                <a:schemeClr val="accent1"/>
-              </a:buClr>
-              <a:buSzPct val="80000"/>
-              <a:buFont typeface="Wingdings 3" charset="2"/>
-              <a:buChar char=""/>
-              <a:defRPr sz="1600" b="0" i="0" kern="1200">
-                <a:solidFill>
-                  <a:schemeClr val="tx1">
-                    <a:lumMod val="75000"/>
-                    <a:lumOff val="25000"/>
-                  </a:schemeClr>
-                </a:solidFill>
-                <a:latin typeface="+mn-lt"/>
-                <a:ea typeface="+mn-ea"/>
-                <a:cs typeface="+mn-cs"/>
-              </a:defRPr>
-            </a:lvl2pPr>
-            <a:lvl3pPr marL="1143000" indent="-228600" algn="l" defTabSz="457200" rtl="0" eaLnBrk="1" latinLnBrk="0" hangingPunct="1">
-              <a:spcBef>
-                <a:spcPts val="1000"/>
-              </a:spcBef>
-              <a:spcAft>
-                <a:spcPts val="0"/>
-              </a:spcAft>
-              <a:buClr>
-                <a:schemeClr val="accent1"/>
-              </a:buClr>
-              <a:buSzPct val="80000"/>
-              <a:buFont typeface="Wingdings 3" charset="2"/>
-              <a:buChar char=""/>
-              <a:defRPr sz="1400" b="0" i="0" kern="1200">
-                <a:solidFill>
-                  <a:schemeClr val="tx1">
-                    <a:lumMod val="75000"/>
-                    <a:lumOff val="25000"/>
-                  </a:schemeClr>
-                </a:solidFill>
-                <a:latin typeface="+mn-lt"/>
-                <a:ea typeface="+mn-ea"/>
-                <a:cs typeface="+mn-cs"/>
-              </a:defRPr>
-            </a:lvl3pPr>
-            <a:lvl4pPr marL="1600200" indent="-228600" algn="l" defTabSz="457200" rtl="0" eaLnBrk="1" latinLnBrk="0" hangingPunct="1">
-              <a:spcBef>
-                <a:spcPts val="1000"/>
-              </a:spcBef>
-              <a:spcAft>
-                <a:spcPts val="0"/>
-              </a:spcAft>
-              <a:buClr>
-                <a:schemeClr val="accent1"/>
-              </a:buClr>
-              <a:buSzPct val="80000"/>
-              <a:buFont typeface="Wingdings 3" charset="2"/>
-              <a:buChar char=""/>
-              <a:defRPr sz="1200" b="0" i="0" kern="1200">
-                <a:solidFill>
-                  <a:schemeClr val="tx1">
-                    <a:lumMod val="75000"/>
-                    <a:lumOff val="25000"/>
-                  </a:schemeClr>
-                </a:solidFill>
-                <a:latin typeface="+mn-lt"/>
-                <a:ea typeface="+mn-ea"/>
-                <a:cs typeface="+mn-cs"/>
-              </a:defRPr>
-            </a:lvl4pPr>
-            <a:lvl5pPr marL="2057400" indent="-228600" algn="l" defTabSz="457200" rtl="0" eaLnBrk="1" latinLnBrk="0" hangingPunct="1">
-              <a:spcBef>
-                <a:spcPts val="1000"/>
-              </a:spcBef>
-              <a:spcAft>
-                <a:spcPts val="0"/>
-              </a:spcAft>
-              <a:buClr>
-                <a:schemeClr val="accent1"/>
-              </a:buClr>
-              <a:buSzPct val="80000"/>
-              <a:buFont typeface="Wingdings 3" charset="2"/>
-              <a:buChar char=""/>
-              <a:defRPr sz="1200" b="0" i="0" kern="1200">
-                <a:solidFill>
-                  <a:schemeClr val="tx1">
-                    <a:lumMod val="75000"/>
-                    <a:lumOff val="25000"/>
-                  </a:schemeClr>
-                </a:solidFill>
-                <a:latin typeface="+mn-lt"/>
-                <a:ea typeface="+mn-ea"/>
-                <a:cs typeface="+mn-cs"/>
-              </a:defRPr>
-            </a:lvl5pPr>
-            <a:lvl6pPr marL="2514600" indent="-228600" algn="l" defTabSz="457200" rtl="0" eaLnBrk="1" latinLnBrk="0" hangingPunct="1">
-              <a:spcBef>
-                <a:spcPts val="1000"/>
-              </a:spcBef>
-              <a:spcAft>
-                <a:spcPts val="0"/>
-              </a:spcAft>
-              <a:buClr>
-                <a:schemeClr val="accent1"/>
-              </a:buClr>
-              <a:buSzPct val="80000"/>
-              <a:buFont typeface="Wingdings 3" charset="2"/>
-              <a:buChar char=""/>
-              <a:defRPr sz="1200" b="0" i="0" kern="1200">
-                <a:solidFill>
-                  <a:schemeClr val="tx1">
-                    <a:lumMod val="75000"/>
-                    <a:lumOff val="25000"/>
-                  </a:schemeClr>
-                </a:solidFill>
-                <a:latin typeface="+mn-lt"/>
-                <a:ea typeface="+mn-ea"/>
-                <a:cs typeface="+mn-cs"/>
-              </a:defRPr>
-            </a:lvl6pPr>
-            <a:lvl7pPr marL="2971800" indent="-228600" algn="l" defTabSz="457200" rtl="0" eaLnBrk="1" latinLnBrk="0" hangingPunct="1">
-              <a:spcBef>
-                <a:spcPts val="1000"/>
-              </a:spcBef>
-              <a:spcAft>
-                <a:spcPts val="0"/>
-              </a:spcAft>
-              <a:buClr>
-                <a:schemeClr val="accent1"/>
-              </a:buClr>
-              <a:buSzPct val="80000"/>
-              <a:buFont typeface="Wingdings 3" charset="2"/>
-              <a:buChar char=""/>
-              <a:defRPr sz="1200" b="0" i="0" kern="1200">
-                <a:solidFill>
-                  <a:schemeClr val="tx1">
-                    <a:lumMod val="75000"/>
-                    <a:lumOff val="25000"/>
-                  </a:schemeClr>
-                </a:solidFill>
-                <a:latin typeface="+mn-lt"/>
-                <a:ea typeface="+mn-ea"/>
-                <a:cs typeface="+mn-cs"/>
-              </a:defRPr>
-            </a:lvl7pPr>
-            <a:lvl8pPr marL="3429000" indent="-228600" algn="l" defTabSz="457200" rtl="0" eaLnBrk="1" latinLnBrk="0" hangingPunct="1">
-              <a:spcBef>
-                <a:spcPts val="1000"/>
-              </a:spcBef>
-              <a:spcAft>
-                <a:spcPts val="0"/>
-              </a:spcAft>
-              <a:buClr>
-                <a:schemeClr val="accent1"/>
-              </a:buClr>
-              <a:buSzPct val="80000"/>
-              <a:buFont typeface="Wingdings 3" charset="2"/>
-              <a:buChar char=""/>
-              <a:defRPr sz="1200" b="0" i="0" kern="1200">
-                <a:solidFill>
-                  <a:schemeClr val="tx1">
-                    <a:lumMod val="75000"/>
-                    <a:lumOff val="25000"/>
-                  </a:schemeClr>
-                </a:solidFill>
-                <a:latin typeface="+mn-lt"/>
-                <a:ea typeface="+mn-ea"/>
-                <a:cs typeface="+mn-cs"/>
-              </a:defRPr>
-            </a:lvl8pPr>
-            <a:lvl9pPr marL="3886200" indent="-228600" algn="l" defTabSz="457200" rtl="0" eaLnBrk="1" latinLnBrk="0" hangingPunct="1">
-              <a:spcBef>
-                <a:spcPts val="1000"/>
-              </a:spcBef>
-              <a:spcAft>
-                <a:spcPts val="0"/>
-              </a:spcAft>
-              <a:buClr>
-                <a:schemeClr val="accent1"/>
-              </a:buClr>
-              <a:buSzPct val="80000"/>
-              <a:buFont typeface="Wingdings 3" charset="2"/>
-              <a:buChar char=""/>
-              <a:defRPr sz="1200" b="0" i="0" kern="1200">
-                <a:solidFill>
-                  <a:schemeClr val="tx1">
-                    <a:lumMod val="75000"/>
-                    <a:lumOff val="25000"/>
-                  </a:schemeClr>
-                </a:solidFill>
-                <a:latin typeface="+mn-lt"/>
-                <a:ea typeface="+mn-ea"/>
-                <a:cs typeface="+mn-cs"/>
-              </a:defRPr>
-            </a:lvl9pPr>
-          </a:lstStyle>
-          <a:p>
-            <a:pPr marL="0" indent="0">
-              <a:buFont typeface="Wingdings 3" charset="2"/>
-              <a:buNone/>
-            </a:pPr>
-            <a:r>
-              <a:rPr lang="ru-RU" b="1" dirty="0"/>
-              <a:t>Целевые потребители.</a:t>
-            </a:r>
-          </a:p>
-          <a:p>
-            <a:pPr marL="0" indent="0">
-              <a:buFont typeface="Wingdings 3" charset="2"/>
-              <a:buNone/>
-            </a:pPr>
-            <a:r>
-              <a:rPr lang="ru-RU" dirty="0"/>
-              <a:t>Разрабатываемый продукт ориентирован на широкий круг пользователей ввиду гибкости системы. Система может подстроиться под любое количество комнат, что подходит для людей с разным уровнем достатка. А техническая реализация на компонентах </a:t>
-            </a:r>
-            <a:r>
-              <a:rPr lang="en-US" dirty="0"/>
-              <a:t>Arduino</a:t>
-            </a:r>
-            <a:r>
-              <a:rPr lang="ru-RU" dirty="0"/>
-              <a:t> позволит уменьшить себестоимость конечного продукта и сделать его более бюджетным.</a:t>
-            </a:r>
-          </a:p>
-        </p:txBody>
-      </p:sp>
-      <p:sp>
-        <p:nvSpPr>
-          <p:cNvPr id="5" name="Заголовок 4">
-            <a:extLst>
-              <a:ext uri="{FF2B5EF4-FFF2-40B4-BE49-F238E27FC236}">
-                <a16:creationId xmlns:a16="http://schemas.microsoft.com/office/drawing/2014/main" id="{5FDFC8FE-ABEA-4877-B546-94CEC0C122ED}"/>
-              </a:ext>
-            </a:extLst>
-          </p:cNvPr>
-          <p:cNvSpPr>
-            <a:spLocks noGrp="1"/>
-          </p:cNvSpPr>
-          <p:nvPr>
-            <p:ph type="title"/>
-          </p:nvPr>
-        </p:nvSpPr>
-        <p:spPr/>
-        <p:txBody>
-          <a:bodyPr/>
-          <a:lstStyle/>
-          <a:p>
-            <a:r>
-              <a:rPr lang="ru-RU" dirty="0"/>
-              <a:t>Элементы бизнес-модели проекта</a:t>
-            </a:r>
-          </a:p>
-        </p:txBody>
-      </p:sp>
-      <p:pic>
-        <p:nvPicPr>
-          <p:cNvPr id="2050" name="Picture 2" descr="Картинки по запросу customer png">
-            <a:extLst>
-              <a:ext uri="{FF2B5EF4-FFF2-40B4-BE49-F238E27FC236}">
-                <a16:creationId xmlns:a16="http://schemas.microsoft.com/office/drawing/2014/main" id="{8E82531C-4B6C-41F8-8201-EF20A6DBC541}"/>
-              </a:ext>
-            </a:extLst>
-          </p:cNvPr>
-          <p:cNvPicPr>
-            <a:picLocks noChangeAspect="1" noChangeArrowheads="1"/>
-          </p:cNvPicPr>
-          <p:nvPr/>
-        </p:nvPicPr>
-        <p:blipFill>
-          <a:blip r:embed="rId2">
-            <a:extLst>
-              <a:ext uri="{28A0092B-C50C-407E-A947-70E740481C1C}">
-                <a14:useLocalDpi xmlns:a14="http://schemas.microsoft.com/office/drawing/2010/main" val="0"/>
-              </a:ext>
-            </a:extLst>
-          </a:blip>
-          <a:srcRect/>
-          <a:stretch>
-            <a:fillRect/>
-          </a:stretch>
-        </p:blipFill>
-        <p:spPr bwMode="auto">
-          <a:xfrm>
-            <a:off x="4121046" y="2443396"/>
-            <a:ext cx="615846" cy="615846"/>
-          </a:xfrm>
-          <a:prstGeom prst="rect">
-            <a:avLst/>
-          </a:prstGeom>
-          <a:noFill/>
-          <a:extLst>
-            <a:ext uri="{909E8E84-426E-40DD-AFC4-6F175D3DCCD1}">
-              <a14:hiddenFill xmlns:a14="http://schemas.microsoft.com/office/drawing/2010/main">
-                <a:solidFill>
-                  <a:srgbClr val="FFFFFF"/>
-                </a:solidFill>
-              </a14:hiddenFill>
-            </a:ext>
-          </a:extLst>
-        </p:spPr>
-      </p:pic>
-    </p:spTree>
-    <p:extLst>
-      <p:ext uri="{BB962C8B-B14F-4D97-AF65-F5344CB8AC3E}">
-        <p14:creationId xmlns:p14="http://schemas.microsoft.com/office/powerpoint/2010/main" val="1759876271"/>
-      </p:ext>
-    </p:extLst>
-  </p:cSld>
-  <p:clrMapOvr>
-    <a:masterClrMapping/>
-  </p:clrMapOvr>
-</p:sld>
-</file>
-
-<file path=ppt/slides/slide2.xml><?xml version="1.0" encoding="utf-8"?>
-<p:sld xmlns:a="http://schemas.openxmlformats.org/drawingml/2006/main" xmlns:r="http://schemas.openxmlformats.org/officeDocument/2006/relationships" xmlns:p="http://schemas.openxmlformats.org/presentationml/2006/main">
-  <p:cSld>
-    <p:spTree>
-      <p:nvGrpSpPr>
-        <p:cNvPr id="1" name=""/>
-        <p:cNvGrpSpPr/>
-        <p:nvPr/>
-      </p:nvGrpSpPr>
-      <p:grpSpPr>
-        <a:xfrm>
-          <a:off x="0" y="0"/>
-          <a:ext cx="0" cy="0"/>
-          <a:chOff x="0" y="0"/>
-          <a:chExt cx="0" cy="0"/>
-        </a:xfrm>
-      </p:grpSpPr>
-      <p:sp>
-        <p:nvSpPr>
-          <p:cNvPr id="2" name="Заголовок 1">
-            <a:extLst>
-              <a:ext uri="{FF2B5EF4-FFF2-40B4-BE49-F238E27FC236}">
-                <a16:creationId xmlns:a16="http://schemas.microsoft.com/office/drawing/2014/main" id="{C5FBDF4D-D35D-46EF-ACB0-763A5E332E5C}"/>
-              </a:ext>
-            </a:extLst>
-          </p:cNvPr>
-          <p:cNvSpPr>
-            <a:spLocks noGrp="1"/>
-          </p:cNvSpPr>
-          <p:nvPr>
-            <p:ph type="title"/>
-          </p:nvPr>
-        </p:nvSpPr>
-        <p:spPr/>
-        <p:txBody>
-          <a:bodyPr/>
-          <a:lstStyle/>
-          <a:p>
-            <a:pPr algn="ctr"/>
-            <a:r>
-              <a:rPr lang="ru-RU" dirty="0"/>
-              <a:t>Команда </a:t>
-            </a:r>
-            <a:r>
-              <a:rPr lang="en-US" dirty="0"/>
-              <a:t>“Twister Radiator”</a:t>
-            </a:r>
-            <a:endParaRPr lang="ru-RU" dirty="0"/>
-          </a:p>
-        </p:txBody>
-      </p:sp>
-      <p:sp>
-        <p:nvSpPr>
-          <p:cNvPr id="3" name="Объект 2">
-            <a:extLst>
-              <a:ext uri="{FF2B5EF4-FFF2-40B4-BE49-F238E27FC236}">
-                <a16:creationId xmlns:a16="http://schemas.microsoft.com/office/drawing/2014/main" id="{9694AABC-1145-4B60-B360-9FD98A57DAB1}"/>
-              </a:ext>
-            </a:extLst>
-          </p:cNvPr>
-          <p:cNvSpPr>
-            <a:spLocks noGrp="1"/>
-          </p:cNvSpPr>
-          <p:nvPr>
-            <p:ph idx="1"/>
-          </p:nvPr>
-        </p:nvSpPr>
-        <p:spPr>
-          <a:xfrm>
-            <a:off x="457200" y="3428999"/>
-            <a:ext cx="11734800" cy="3016045"/>
-          </a:xfrm>
-        </p:spPr>
-        <p:txBody>
-          <a:bodyPr>
-            <a:normAutofit/>
-          </a:bodyPr>
-          <a:lstStyle/>
-          <a:p>
-            <a:r>
-              <a:rPr lang="ru-RU" sz="2400" dirty="0"/>
-              <a:t>Медведев Дмитрий Сергеевич (автор проекта) – Университет ИТМО, Санкт-Петербург</a:t>
-            </a:r>
-          </a:p>
-          <a:p>
-            <a:r>
-              <a:rPr lang="ru-RU" sz="2400" dirty="0"/>
-              <a:t>Игнатов Андрей Дмитриевич – МГУ им. М. В. Ломоносова, Москва</a:t>
-            </a:r>
-          </a:p>
-          <a:p>
-            <a:r>
-              <a:rPr lang="ru-RU" sz="2400" dirty="0"/>
-              <a:t>Рыжов Дмитрий Геннадьевич – </a:t>
-            </a:r>
-            <a:r>
-              <a:rPr lang="ru-RU" sz="2400" dirty="0" err="1"/>
-              <a:t>ТулГУ</a:t>
-            </a:r>
-            <a:r>
-              <a:rPr lang="ru-RU" sz="2400" dirty="0"/>
-              <a:t>, Тула</a:t>
-            </a:r>
-          </a:p>
-        </p:txBody>
-      </p:sp>
-    </p:spTree>
-    <p:extLst>
-      <p:ext uri="{BB962C8B-B14F-4D97-AF65-F5344CB8AC3E}">
-        <p14:creationId xmlns:p14="http://schemas.microsoft.com/office/powerpoint/2010/main" val="1761460486"/>
-      </p:ext>
-    </p:extLst>
-  </p:cSld>
-  <p:clrMapOvr>
-    <a:masterClrMapping/>
-  </p:clrMapOvr>
-</p:sld>
-</file>
-
-<file path=ppt/slides/slide3.xml><?xml version="1.0" encoding="utf-8"?>
-<p:sld xmlns:a="http://schemas.openxmlformats.org/drawingml/2006/main" xmlns:r="http://schemas.openxmlformats.org/officeDocument/2006/relationships" xmlns:p="http://schemas.openxmlformats.org/presentationml/2006/main">
-  <p:cSld>
-    <p:spTree>
-      <p:nvGrpSpPr>
-        <p:cNvPr id="1" name=""/>
-        <p:cNvGrpSpPr/>
-        <p:nvPr/>
-      </p:nvGrpSpPr>
-      <p:grpSpPr>
-        <a:xfrm>
-          <a:off x="0" y="0"/>
-          <a:ext cx="0" cy="0"/>
-          <a:chOff x="0" y="0"/>
-          <a:chExt cx="0" cy="0"/>
-        </a:xfrm>
-      </p:grpSpPr>
-      <p:sp>
-        <p:nvSpPr>
-          <p:cNvPr id="2" name="Заголовок 1">
-            <a:extLst>
-              <a:ext uri="{FF2B5EF4-FFF2-40B4-BE49-F238E27FC236}">
-                <a16:creationId xmlns:a16="http://schemas.microsoft.com/office/drawing/2014/main" id="{7268A71C-E428-46B7-B4BE-DA2E8E9BE6EF}"/>
-              </a:ext>
-            </a:extLst>
-          </p:cNvPr>
-          <p:cNvSpPr>
-            <a:spLocks noGrp="1"/>
-          </p:cNvSpPr>
-          <p:nvPr>
-            <p:ph type="title"/>
-          </p:nvPr>
-        </p:nvSpPr>
-        <p:spPr/>
-        <p:txBody>
-          <a:bodyPr/>
-          <a:lstStyle/>
-          <a:p>
-            <a:pPr algn="ctr"/>
-            <a:r>
-              <a:rPr lang="ru-RU" dirty="0"/>
-              <a:t>Техническое задание (название)</a:t>
-            </a:r>
-          </a:p>
-        </p:txBody>
-      </p:sp>
-      <p:sp>
-        <p:nvSpPr>
-          <p:cNvPr id="3" name="Объект 2">
-            <a:extLst>
-              <a:ext uri="{FF2B5EF4-FFF2-40B4-BE49-F238E27FC236}">
-                <a16:creationId xmlns:a16="http://schemas.microsoft.com/office/drawing/2014/main" id="{C4C87C1D-2FA7-43A3-82F0-27C5516DA9F0}"/>
-              </a:ext>
-            </a:extLst>
-          </p:cNvPr>
-          <p:cNvSpPr>
-            <a:spLocks noGrp="1"/>
-          </p:cNvSpPr>
-          <p:nvPr>
-            <p:ph idx="1"/>
-          </p:nvPr>
-        </p:nvSpPr>
-        <p:spPr>
-          <a:xfrm>
-            <a:off x="1154954" y="2603500"/>
-            <a:ext cx="9874117" cy="3416300"/>
-          </a:xfrm>
-        </p:spPr>
-        <p:txBody>
-          <a:bodyPr>
-            <a:normAutofit/>
-          </a:bodyPr>
-          <a:lstStyle/>
-          <a:p>
-            <a:pPr marL="0" indent="0" algn="ctr">
-              <a:buNone/>
-            </a:pPr>
-            <a:r>
-              <a:rPr lang="ru-RU" sz="2800" dirty="0"/>
-              <a:t>Тематический трек </a:t>
-            </a:r>
-            <a:r>
-              <a:rPr lang="ru-RU" sz="2800" b="1" dirty="0"/>
-              <a:t>«Умный дом»</a:t>
-            </a:r>
-          </a:p>
-          <a:p>
-            <a:pPr marL="0" indent="0" algn="ctr">
-              <a:buNone/>
-            </a:pPr>
-            <a:r>
-              <a:rPr lang="ru-RU" sz="2800" dirty="0"/>
-              <a:t>Кейс: </a:t>
-            </a:r>
-            <a:r>
-              <a:rPr lang="ru-RU" sz="2800" b="1" dirty="0"/>
-              <a:t>«Нейронная сеть </a:t>
-            </a:r>
-            <a:r>
-              <a:rPr lang="en-US" sz="2800" b="1" dirty="0"/>
-              <a:t>“</a:t>
-            </a:r>
-            <a:r>
-              <a:rPr lang="ru-RU" sz="2800" b="1" dirty="0"/>
-              <a:t>Умного дома</a:t>
-            </a:r>
-            <a:r>
-              <a:rPr lang="en-US" sz="2800" b="1" dirty="0"/>
-              <a:t>”</a:t>
-            </a:r>
-            <a:r>
-              <a:rPr lang="ru-RU" sz="2800" b="1" dirty="0"/>
-              <a:t>»</a:t>
-            </a:r>
-          </a:p>
-          <a:p>
-            <a:pPr marL="0" indent="0" algn="ctr">
-              <a:buNone/>
-            </a:pPr>
-            <a:r>
-              <a:rPr lang="ru-RU" sz="3600" b="1" dirty="0"/>
-              <a:t>Климат умного дома</a:t>
-            </a:r>
-          </a:p>
-          <a:p>
-            <a:pPr marL="0" indent="0" algn="ctr">
-              <a:buNone/>
-            </a:pPr>
-            <a:r>
-              <a:rPr lang="ru-RU" sz="3600" b="1" dirty="0"/>
-              <a:t>(</a:t>
-            </a:r>
-            <a:r>
-              <a:rPr lang="en-US" sz="3600" b="1" dirty="0"/>
-              <a:t>Smart Thermostat)</a:t>
-            </a:r>
-            <a:endParaRPr lang="ru-RU" sz="3600" b="1" dirty="0"/>
-          </a:p>
-        </p:txBody>
-      </p:sp>
-    </p:spTree>
-    <p:extLst>
-      <p:ext uri="{BB962C8B-B14F-4D97-AF65-F5344CB8AC3E}">
-        <p14:creationId xmlns:p14="http://schemas.microsoft.com/office/powerpoint/2010/main" val="3898780653"/>
-      </p:ext>
-    </p:extLst>
-  </p:cSld>
-  <p:clrMapOvr>
-    <a:masterClrMapping/>
-  </p:clrMapOvr>
-</p:sld>
-</file>
-
-<file path=ppt/slides/slide4.xml><?xml version="1.0" encoding="utf-8"?>
-<p:sld xmlns:a="http://schemas.openxmlformats.org/drawingml/2006/main" xmlns:r="http://schemas.openxmlformats.org/officeDocument/2006/relationships" xmlns:p="http://schemas.openxmlformats.org/presentationml/2006/main">
-  <p:cSld>
-    <p:spTree>
-      <p:nvGrpSpPr>
-        <p:cNvPr id="1" name=""/>
-        <p:cNvGrpSpPr/>
-        <p:nvPr/>
-      </p:nvGrpSpPr>
-      <p:grpSpPr>
-        <a:xfrm>
-          <a:off x="0" y="0"/>
-          <a:ext cx="0" cy="0"/>
-          <a:chOff x="0" y="0"/>
-          <a:chExt cx="0" cy="0"/>
-        </a:xfrm>
-      </p:grpSpPr>
-      <p:sp>
-        <p:nvSpPr>
-          <p:cNvPr id="4" name="Заголовок 1">
-            <a:extLst>
-              <a:ext uri="{FF2B5EF4-FFF2-40B4-BE49-F238E27FC236}">
-                <a16:creationId xmlns:a16="http://schemas.microsoft.com/office/drawing/2014/main" id="{BD7F5098-EF74-44EE-9BD1-19A65926B605}"/>
+                <a16:creationId xmlns:a16="http://schemas.microsoft.com/office/drawing/2014/main" xmlns="" id="{BD7F5098-EF74-44EE-9BD1-19A65926B605}"/>
               </a:ext>
             </a:extLst>
           </p:cNvPr>
@@ -17076,6 +16098,1395 @@
           <a:p>
             <a:pPr algn="ctr"/>
             <a:r>
+              <a:rPr lang="ru-RU" dirty="0" smtClean="0">
+                <a:solidFill>
+                  <a:schemeClr val="tx1">
+                    <a:lumMod val="75000"/>
+                    <a:lumOff val="25000"/>
+                  </a:schemeClr>
+                </a:solidFill>
+              </a:rPr>
+              <a:t>Демонстрационная веб-страница</a:t>
+            </a:r>
+            <a:endParaRPr lang="ru-RU" dirty="0">
+              <a:solidFill>
+                <a:schemeClr val="tx1">
+                  <a:lumMod val="75000"/>
+                  <a:lumOff val="25000"/>
+                </a:schemeClr>
+              </a:solidFill>
+            </a:endParaRPr>
+          </a:p>
+        </p:txBody>
+      </p:sp>
+    </p:spTree>
+    <p:extLst>
+      <p:ext uri="{BB962C8B-B14F-4D97-AF65-F5344CB8AC3E}">
+        <p14:creationId xmlns:p14="http://schemas.microsoft.com/office/powerpoint/2010/main" val="3443109160"/>
+      </p:ext>
+    </p:extLst>
+  </p:cSld>
+  <p:clrMapOvr>
+    <a:masterClrMapping/>
+  </p:clrMapOvr>
+  <p:timing>
+    <p:tnLst>
+      <p:par>
+        <p:cTn id="1" dur="indefinite" restart="never" nodeType="tmRoot"/>
+      </p:par>
+    </p:tnLst>
+  </p:timing>
+</p:sld>
+</file>
+
+<file path=ppt/slides/slide14.xml><?xml version="1.0" encoding="utf-8"?>
+<p:sld xmlns:a="http://schemas.openxmlformats.org/drawingml/2006/main" xmlns:r="http://schemas.openxmlformats.org/officeDocument/2006/relationships" xmlns:p="http://schemas.openxmlformats.org/presentationml/2006/main">
+  <p:cSld>
+    <p:spTree>
+      <p:nvGrpSpPr>
+        <p:cNvPr id="1" name=""/>
+        <p:cNvGrpSpPr/>
+        <p:nvPr/>
+      </p:nvGrpSpPr>
+      <p:grpSpPr>
+        <a:xfrm>
+          <a:off x="0" y="0"/>
+          <a:ext cx="0" cy="0"/>
+          <a:chOff x="0" y="0"/>
+          <a:chExt cx="0" cy="0"/>
+        </a:xfrm>
+      </p:grpSpPr>
+      <p:sp>
+        <p:nvSpPr>
+          <p:cNvPr id="3" name="Заголовок 2">
+            <a:extLst>
+              <a:ext uri="{FF2B5EF4-FFF2-40B4-BE49-F238E27FC236}">
+                <a16:creationId xmlns:a16="http://schemas.microsoft.com/office/drawing/2014/main" xmlns="" id="{DD410EA9-3E96-462F-9D11-A92DABB58BA0}"/>
+              </a:ext>
+            </a:extLst>
+          </p:cNvPr>
+          <p:cNvSpPr>
+            <a:spLocks noGrp="1"/>
+          </p:cNvSpPr>
+          <p:nvPr>
+            <p:ph type="title"/>
+          </p:nvPr>
+        </p:nvSpPr>
+        <p:spPr/>
+        <p:txBody>
+          <a:bodyPr/>
+          <a:lstStyle/>
+          <a:p>
+            <a:r>
+              <a:rPr lang="ru-RU" dirty="0" smtClean="0"/>
+              <a:t>Позиционирование проекта на рынке «</a:t>
+            </a:r>
+            <a:r>
+              <a:rPr lang="ru-RU" dirty="0" err="1" smtClean="0"/>
+              <a:t>НейроНет</a:t>
+            </a:r>
+            <a:r>
+              <a:rPr lang="ru-RU" dirty="0" smtClean="0"/>
+              <a:t>»</a:t>
+            </a:r>
+            <a:endParaRPr lang="ru-RU" dirty="0"/>
+          </a:p>
+        </p:txBody>
+      </p:sp>
+      <p:sp>
+        <p:nvSpPr>
+          <p:cNvPr id="4" name="Объект 3">
+            <a:extLst>
+              <a:ext uri="{FF2B5EF4-FFF2-40B4-BE49-F238E27FC236}">
+                <a16:creationId xmlns:a16="http://schemas.microsoft.com/office/drawing/2014/main" xmlns="" id="{220C079F-28E5-4848-958F-53DF42C29908}"/>
+              </a:ext>
+            </a:extLst>
+          </p:cNvPr>
+          <p:cNvSpPr>
+            <a:spLocks noGrp="1"/>
+          </p:cNvSpPr>
+          <p:nvPr>
+            <p:ph idx="1"/>
+          </p:nvPr>
+        </p:nvSpPr>
+        <p:spPr>
+          <a:xfrm>
+            <a:off x="443158" y="2584234"/>
+            <a:ext cx="11305684" cy="1689532"/>
+          </a:xfrm>
+        </p:spPr>
+        <p:txBody>
+          <a:bodyPr>
+            <a:normAutofit/>
+          </a:bodyPr>
+          <a:lstStyle/>
+          <a:p>
+            <a:pPr marL="0" indent="0" algn="just">
+              <a:buNone/>
+            </a:pPr>
+            <a:r>
+              <a:rPr lang="ru-RU" sz="2000" dirty="0" smtClean="0"/>
+              <a:t>Предполагается</a:t>
+            </a:r>
+            <a:r>
+              <a:rPr lang="ru-RU" sz="2000" dirty="0"/>
+              <a:t>, что данная разработка будет принадлежать «</a:t>
+            </a:r>
+            <a:r>
+              <a:rPr lang="ru-RU" sz="2000" dirty="0" err="1"/>
+              <a:t>НейроАссистенту</a:t>
+            </a:r>
+            <a:r>
+              <a:rPr lang="ru-RU" sz="2000" dirty="0"/>
+              <a:t>» - одному из ключевых сегментов </a:t>
+            </a:r>
+            <a:r>
+              <a:rPr lang="ru-RU" sz="2000" dirty="0" smtClean="0"/>
+              <a:t>рынка «</a:t>
+            </a:r>
+            <a:r>
+              <a:rPr lang="ru-RU" sz="2000" dirty="0" err="1" smtClean="0"/>
+              <a:t>НейроНет</a:t>
+            </a:r>
+            <a:r>
+              <a:rPr lang="ru-RU" sz="2000" dirty="0" smtClean="0"/>
+              <a:t>». Реализованная система является виртуальным </a:t>
+            </a:r>
+            <a:r>
+              <a:rPr lang="ru-RU" sz="2000" dirty="0"/>
+              <a:t>помощником для понимания текущих потребностей </a:t>
+            </a:r>
+            <a:r>
+              <a:rPr lang="ru-RU" sz="2000" dirty="0" smtClean="0"/>
+              <a:t>пользователя, что соответствует основным концепциям данного сегмента.</a:t>
+            </a:r>
+            <a:endParaRPr lang="ru-RU" sz="2000" dirty="0"/>
+          </a:p>
+        </p:txBody>
+      </p:sp>
+      <p:pic>
+        <p:nvPicPr>
+          <p:cNvPr id="1026" name="Picture 2" descr="Картинки по запросу neuronet">
+            <a:extLst>
+              <a:ext uri="{FF2B5EF4-FFF2-40B4-BE49-F238E27FC236}">
+                <a16:creationId xmlns:a16="http://schemas.microsoft.com/office/drawing/2014/main" xmlns="" id="{F6A4D049-35C3-4E7A-B3ED-D0354C254FCB}"/>
+              </a:ext>
+            </a:extLst>
+          </p:cNvPr>
+          <p:cNvPicPr>
+            <a:picLocks noChangeAspect="1" noChangeArrowheads="1"/>
+          </p:cNvPicPr>
+          <p:nvPr/>
+        </p:nvPicPr>
+        <p:blipFill>
+          <a:blip r:embed="rId2">
+            <a:extLst>
+              <a:ext uri="{BEBA8EAE-BF5A-486C-A8C5-ECC9F3942E4B}">
+                <a14:imgProps xmlns:a14="http://schemas.microsoft.com/office/drawing/2010/main">
+                  <a14:imgLayer r:embed="rId3">
+                    <a14:imgEffect>
+                      <a14:artisticGlowEdges/>
+                    </a14:imgEffect>
+                  </a14:imgLayer>
+                </a14:imgProps>
+              </a:ext>
+              <a:ext uri="{28A0092B-C50C-407E-A947-70E740481C1C}">
+                <a14:useLocalDpi xmlns:a14="http://schemas.microsoft.com/office/drawing/2010/main" val="0"/>
+              </a:ext>
+            </a:extLst>
+          </a:blip>
+          <a:srcRect/>
+          <a:stretch>
+            <a:fillRect/>
+          </a:stretch>
+        </p:blipFill>
+        <p:spPr bwMode="auto">
+          <a:xfrm>
+            <a:off x="532101" y="4410176"/>
+            <a:ext cx="1980000" cy="1980000"/>
+          </a:xfrm>
+          <a:prstGeom prst="rect">
+            <a:avLst/>
+          </a:prstGeom>
+          <a:noFill/>
+          <a:extLst>
+            <a:ext uri="{909E8E84-426E-40DD-AFC4-6F175D3DCCD1}">
+              <a14:hiddenFill xmlns:a14="http://schemas.microsoft.com/office/drawing/2010/main">
+                <a:solidFill>
+                  <a:srgbClr val="FFFFFF"/>
+                </a:solidFill>
+              </a14:hiddenFill>
+            </a:ext>
+          </a:extLst>
+        </p:spPr>
+      </p:pic>
+      <p:pic>
+        <p:nvPicPr>
+          <p:cNvPr id="1027" name="Picture 3"/>
+          <p:cNvPicPr>
+            <a:picLocks noChangeAspect="1" noChangeArrowheads="1"/>
+          </p:cNvPicPr>
+          <p:nvPr/>
+        </p:nvPicPr>
+        <p:blipFill>
+          <a:blip r:embed="rId4">
+            <a:extLst>
+              <a:ext uri="{28A0092B-C50C-407E-A947-70E740481C1C}">
+                <a14:useLocalDpi xmlns:a14="http://schemas.microsoft.com/office/drawing/2010/main" val="0"/>
+              </a:ext>
+            </a:extLst>
+          </a:blip>
+          <a:srcRect/>
+          <a:stretch>
+            <a:fillRect/>
+          </a:stretch>
+        </p:blipFill>
+        <p:spPr bwMode="auto">
+          <a:xfrm>
+            <a:off x="9696129" y="4410176"/>
+            <a:ext cx="1931411" cy="1980000"/>
+          </a:xfrm>
+          <a:prstGeom prst="rect">
+            <a:avLst/>
+          </a:prstGeom>
+          <a:noFill/>
+          <a:ln>
+            <a:noFill/>
+          </a:ln>
+          <a:extLst>
+            <a:ext uri="{909E8E84-426E-40DD-AFC4-6F175D3DCCD1}">
+              <a14:hiddenFill xmlns:a14="http://schemas.microsoft.com/office/drawing/2010/main">
+                <a:solidFill>
+                  <a:schemeClr val="accent1"/>
+                </a:solidFill>
+              </a14:hiddenFill>
+            </a:ext>
+            <a:ext uri="{91240B29-F687-4F45-9708-019B960494DF}">
+              <a14:hiddenLine xmlns:a14="http://schemas.microsoft.com/office/drawing/2010/main" w="9525">
+                <a:solidFill>
+                  <a:schemeClr val="tx1"/>
+                </a:solidFill>
+                <a:miter lim="800000"/>
+                <a:headEnd/>
+                <a:tailEnd/>
+              </a14:hiddenLine>
+            </a:ext>
+          </a:extLst>
+        </p:spPr>
+      </p:pic>
+      <p:pic>
+        <p:nvPicPr>
+          <p:cNvPr id="1028" name="Picture 4"/>
+          <p:cNvPicPr>
+            <a:picLocks noChangeAspect="1" noChangeArrowheads="1"/>
+          </p:cNvPicPr>
+          <p:nvPr/>
+        </p:nvPicPr>
+        <p:blipFill>
+          <a:blip r:embed="rId5">
+            <a:extLst>
+              <a:ext uri="{28A0092B-C50C-407E-A947-70E740481C1C}">
+                <a14:useLocalDpi xmlns:a14="http://schemas.microsoft.com/office/drawing/2010/main" val="0"/>
+              </a:ext>
+            </a:extLst>
+          </a:blip>
+          <a:srcRect/>
+          <a:stretch>
+            <a:fillRect/>
+          </a:stretch>
+        </p:blipFill>
+        <p:spPr bwMode="auto">
+          <a:xfrm>
+            <a:off x="4099221" y="4410176"/>
+            <a:ext cx="3993559" cy="1980000"/>
+          </a:xfrm>
+          <a:prstGeom prst="rect">
+            <a:avLst/>
+          </a:prstGeom>
+          <a:noFill/>
+          <a:ln>
+            <a:noFill/>
+          </a:ln>
+          <a:extLst>
+            <a:ext uri="{909E8E84-426E-40DD-AFC4-6F175D3DCCD1}">
+              <a14:hiddenFill xmlns:a14="http://schemas.microsoft.com/office/drawing/2010/main">
+                <a:solidFill>
+                  <a:schemeClr val="accent1"/>
+                </a:solidFill>
+              </a14:hiddenFill>
+            </a:ext>
+            <a:ext uri="{91240B29-F687-4F45-9708-019B960494DF}">
+              <a14:hiddenLine xmlns:a14="http://schemas.microsoft.com/office/drawing/2010/main" w="9525">
+                <a:solidFill>
+                  <a:schemeClr val="tx1"/>
+                </a:solidFill>
+                <a:miter lim="800000"/>
+                <a:headEnd/>
+                <a:tailEnd/>
+              </a14:hiddenLine>
+            </a:ext>
+          </a:extLst>
+        </p:spPr>
+      </p:pic>
+    </p:spTree>
+    <p:extLst>
+      <p:ext uri="{BB962C8B-B14F-4D97-AF65-F5344CB8AC3E}">
+        <p14:creationId xmlns:p14="http://schemas.microsoft.com/office/powerpoint/2010/main" val="13265024"/>
+      </p:ext>
+    </p:extLst>
+  </p:cSld>
+  <p:clrMapOvr>
+    <a:masterClrMapping/>
+  </p:clrMapOvr>
+  <p:timing>
+    <p:tnLst>
+      <p:par>
+        <p:cTn id="1" dur="indefinite" restart="never" nodeType="tmRoot"/>
+      </p:par>
+    </p:tnLst>
+  </p:timing>
+</p:sld>
+</file>
+
+<file path=ppt/slides/slide15.xml><?xml version="1.0" encoding="utf-8"?>
+<p:sld xmlns:a="http://schemas.openxmlformats.org/drawingml/2006/main" xmlns:r="http://schemas.openxmlformats.org/officeDocument/2006/relationships" xmlns:p="http://schemas.openxmlformats.org/presentationml/2006/main">
+  <p:cSld>
+    <p:spTree>
+      <p:nvGrpSpPr>
+        <p:cNvPr id="1" name=""/>
+        <p:cNvGrpSpPr/>
+        <p:nvPr/>
+      </p:nvGrpSpPr>
+      <p:grpSpPr>
+        <a:xfrm>
+          <a:off x="0" y="0"/>
+          <a:ext cx="0" cy="0"/>
+          <a:chOff x="0" y="0"/>
+          <a:chExt cx="0" cy="0"/>
+        </a:xfrm>
+      </p:grpSpPr>
+      <p:sp>
+        <p:nvSpPr>
+          <p:cNvPr id="3" name="Заголовок 2">
+            <a:extLst>
+              <a:ext uri="{FF2B5EF4-FFF2-40B4-BE49-F238E27FC236}">
+                <a16:creationId xmlns:a16="http://schemas.microsoft.com/office/drawing/2014/main" xmlns="" id="{DD410EA9-3E96-462F-9D11-A92DABB58BA0}"/>
+              </a:ext>
+            </a:extLst>
+          </p:cNvPr>
+          <p:cNvSpPr>
+            <a:spLocks noGrp="1"/>
+          </p:cNvSpPr>
+          <p:nvPr>
+            <p:ph type="title"/>
+          </p:nvPr>
+        </p:nvSpPr>
+        <p:spPr/>
+        <p:txBody>
+          <a:bodyPr/>
+          <a:lstStyle/>
+          <a:p>
+            <a:r>
+              <a:rPr lang="ru-RU" dirty="0" smtClean="0"/>
+              <a:t>Каналы продвижения на рынок</a:t>
+            </a:r>
+            <a:endParaRPr lang="ru-RU" dirty="0"/>
+          </a:p>
+        </p:txBody>
+      </p:sp>
+      <p:sp>
+        <p:nvSpPr>
+          <p:cNvPr id="4" name="Объект 3">
+            <a:extLst>
+              <a:ext uri="{FF2B5EF4-FFF2-40B4-BE49-F238E27FC236}">
+                <a16:creationId xmlns:a16="http://schemas.microsoft.com/office/drawing/2014/main" xmlns="" id="{220C079F-28E5-4848-958F-53DF42C29908}"/>
+              </a:ext>
+            </a:extLst>
+          </p:cNvPr>
+          <p:cNvSpPr>
+            <a:spLocks noGrp="1"/>
+          </p:cNvSpPr>
+          <p:nvPr>
+            <p:ph idx="1"/>
+          </p:nvPr>
+        </p:nvSpPr>
+        <p:spPr>
+          <a:xfrm>
+            <a:off x="488526" y="2603499"/>
+            <a:ext cx="11212693" cy="3917221"/>
+          </a:xfrm>
+        </p:spPr>
+        <p:txBody>
+          <a:bodyPr/>
+          <a:lstStyle/>
+          <a:p>
+            <a:pPr marL="0" indent="0" algn="just">
+              <a:buNone/>
+            </a:pPr>
+            <a:r>
+              <a:rPr lang="ru-RU" dirty="0" smtClean="0"/>
+              <a:t>Активным </a:t>
+            </a:r>
+            <a:r>
+              <a:rPr lang="ru-RU" dirty="0"/>
+              <a:t>методом привлечения клиентов в сфере </a:t>
+            </a:r>
+            <a:r>
+              <a:rPr lang="en-US" dirty="0"/>
+              <a:t>B2B </a:t>
+            </a:r>
+            <a:r>
+              <a:rPr lang="ru-RU" dirty="0"/>
+              <a:t>и </a:t>
+            </a:r>
+            <a:r>
+              <a:rPr lang="en-US" dirty="0"/>
+              <a:t>B2C </a:t>
+            </a:r>
+            <a:r>
+              <a:rPr lang="ru-RU" dirty="0"/>
+              <a:t>(для бизнес-пользователей и частных лиц соответственно) является интернет-маркетинг, что позволит охватить достаточно широкую аудиторию за сравнительно небольшие сроки при соответствующих рекламных акциях.</a:t>
+            </a:r>
+          </a:p>
+        </p:txBody>
+      </p:sp>
+      <p:pic>
+        <p:nvPicPr>
+          <p:cNvPr id="1030" name="Picture 6" descr="Картинки по запросу b2c b2b">
+            <a:extLst>
+              <a:ext uri="{FF2B5EF4-FFF2-40B4-BE49-F238E27FC236}">
+                <a16:creationId xmlns:a16="http://schemas.microsoft.com/office/drawing/2014/main" xmlns="" id="{6102A90C-1F17-4917-9101-57D36E42CE00}"/>
+              </a:ext>
+            </a:extLst>
+          </p:cNvPr>
+          <p:cNvPicPr>
+            <a:picLocks noChangeAspect="1" noChangeArrowheads="1"/>
+          </p:cNvPicPr>
+          <p:nvPr/>
+        </p:nvPicPr>
+        <p:blipFill>
+          <a:blip r:embed="rId2">
+            <a:extLst>
+              <a:ext uri="{28A0092B-C50C-407E-A947-70E740481C1C}">
+                <a14:useLocalDpi xmlns:a14="http://schemas.microsoft.com/office/drawing/2010/main" val="0"/>
+              </a:ext>
+            </a:extLst>
+          </a:blip>
+          <a:srcRect/>
+          <a:stretch>
+            <a:fillRect/>
+          </a:stretch>
+        </p:blipFill>
+        <p:spPr bwMode="auto">
+          <a:xfrm>
+            <a:off x="3839091" y="3965636"/>
+            <a:ext cx="4513818" cy="2184103"/>
+          </a:xfrm>
+          <a:prstGeom prst="rect">
+            <a:avLst/>
+          </a:prstGeom>
+          <a:noFill/>
+          <a:extLst>
+            <a:ext uri="{909E8E84-426E-40DD-AFC4-6F175D3DCCD1}">
+              <a14:hiddenFill xmlns:a14="http://schemas.microsoft.com/office/drawing/2010/main">
+                <a:solidFill>
+                  <a:srgbClr val="FFFFFF"/>
+                </a:solidFill>
+              </a14:hiddenFill>
+            </a:ext>
+          </a:extLst>
+        </p:spPr>
+      </p:pic>
+    </p:spTree>
+    <p:extLst>
+      <p:ext uri="{BB962C8B-B14F-4D97-AF65-F5344CB8AC3E}">
+        <p14:creationId xmlns:p14="http://schemas.microsoft.com/office/powerpoint/2010/main" val="453422212"/>
+      </p:ext>
+    </p:extLst>
+  </p:cSld>
+  <p:clrMapOvr>
+    <a:masterClrMapping/>
+  </p:clrMapOvr>
+  <p:timing>
+    <p:tnLst>
+      <p:par>
+        <p:cTn id="1" dur="indefinite" restart="never" nodeType="tmRoot"/>
+      </p:par>
+    </p:tnLst>
+  </p:timing>
+</p:sld>
+</file>
+
+<file path=ppt/slides/slide16.xml><?xml version="1.0" encoding="utf-8"?>
+<p:sld xmlns:a="http://schemas.openxmlformats.org/drawingml/2006/main" xmlns:r="http://schemas.openxmlformats.org/officeDocument/2006/relationships" xmlns:p="http://schemas.openxmlformats.org/presentationml/2006/main">
+  <p:cSld>
+    <p:spTree>
+      <p:nvGrpSpPr>
+        <p:cNvPr id="1" name=""/>
+        <p:cNvGrpSpPr/>
+        <p:nvPr/>
+      </p:nvGrpSpPr>
+      <p:grpSpPr>
+        <a:xfrm>
+          <a:off x="0" y="0"/>
+          <a:ext cx="0" cy="0"/>
+          <a:chOff x="0" y="0"/>
+          <a:chExt cx="0" cy="0"/>
+        </a:xfrm>
+      </p:grpSpPr>
+      <p:sp>
+        <p:nvSpPr>
+          <p:cNvPr id="4" name="Объект 3">
+            <a:extLst>
+              <a:ext uri="{FF2B5EF4-FFF2-40B4-BE49-F238E27FC236}">
+                <a16:creationId xmlns:a16="http://schemas.microsoft.com/office/drawing/2014/main" xmlns="" id="{701865B6-6CF7-492B-AD9F-A6713C60D14F}"/>
+              </a:ext>
+            </a:extLst>
+          </p:cNvPr>
+          <p:cNvSpPr txBox="1">
+            <a:spLocks/>
+          </p:cNvSpPr>
+          <p:nvPr/>
+        </p:nvSpPr>
+        <p:spPr>
+          <a:xfrm>
+            <a:off x="462367" y="2603500"/>
+            <a:ext cx="11267267" cy="1364066"/>
+          </a:xfrm>
+          <a:prstGeom prst="rect">
+            <a:avLst/>
+          </a:prstGeom>
+        </p:spPr>
+        <p:txBody>
+          <a:bodyPr/>
+          <a:lstStyle>
+            <a:lvl1pPr marL="342900" indent="-342900" algn="l" defTabSz="457200" rtl="0" eaLnBrk="1" latinLnBrk="0" hangingPunct="1">
+              <a:spcBef>
+                <a:spcPts val="1000"/>
+              </a:spcBef>
+              <a:spcAft>
+                <a:spcPts val="0"/>
+              </a:spcAft>
+              <a:buClr>
+                <a:schemeClr val="accent1"/>
+              </a:buClr>
+              <a:buSzPct val="80000"/>
+              <a:buFont typeface="Wingdings 3" charset="2"/>
+              <a:buChar char=""/>
+              <a:defRPr sz="1800" b="0" i="0" kern="1200">
+                <a:solidFill>
+                  <a:schemeClr val="tx1">
+                    <a:lumMod val="75000"/>
+                    <a:lumOff val="25000"/>
+                  </a:schemeClr>
+                </a:solidFill>
+                <a:latin typeface="+mn-lt"/>
+                <a:ea typeface="+mn-ea"/>
+                <a:cs typeface="+mn-cs"/>
+              </a:defRPr>
+            </a:lvl1pPr>
+            <a:lvl2pPr marL="742950" indent="-285750" algn="l" defTabSz="457200" rtl="0" eaLnBrk="1" latinLnBrk="0" hangingPunct="1">
+              <a:spcBef>
+                <a:spcPts val="1000"/>
+              </a:spcBef>
+              <a:spcAft>
+                <a:spcPts val="0"/>
+              </a:spcAft>
+              <a:buClr>
+                <a:schemeClr val="accent1"/>
+              </a:buClr>
+              <a:buSzPct val="80000"/>
+              <a:buFont typeface="Wingdings 3" charset="2"/>
+              <a:buChar char=""/>
+              <a:defRPr sz="1600" b="0" i="0" kern="1200">
+                <a:solidFill>
+                  <a:schemeClr val="tx1">
+                    <a:lumMod val="75000"/>
+                    <a:lumOff val="25000"/>
+                  </a:schemeClr>
+                </a:solidFill>
+                <a:latin typeface="+mn-lt"/>
+                <a:ea typeface="+mn-ea"/>
+                <a:cs typeface="+mn-cs"/>
+              </a:defRPr>
+            </a:lvl2pPr>
+            <a:lvl3pPr marL="1143000" indent="-228600" algn="l" defTabSz="457200" rtl="0" eaLnBrk="1" latinLnBrk="0" hangingPunct="1">
+              <a:spcBef>
+                <a:spcPts val="1000"/>
+              </a:spcBef>
+              <a:spcAft>
+                <a:spcPts val="0"/>
+              </a:spcAft>
+              <a:buClr>
+                <a:schemeClr val="accent1"/>
+              </a:buClr>
+              <a:buSzPct val="80000"/>
+              <a:buFont typeface="Wingdings 3" charset="2"/>
+              <a:buChar char=""/>
+              <a:defRPr sz="1400" b="0" i="0" kern="1200">
+                <a:solidFill>
+                  <a:schemeClr val="tx1">
+                    <a:lumMod val="75000"/>
+                    <a:lumOff val="25000"/>
+                  </a:schemeClr>
+                </a:solidFill>
+                <a:latin typeface="+mn-lt"/>
+                <a:ea typeface="+mn-ea"/>
+                <a:cs typeface="+mn-cs"/>
+              </a:defRPr>
+            </a:lvl3pPr>
+            <a:lvl4pPr marL="1600200" indent="-228600" algn="l" defTabSz="457200" rtl="0" eaLnBrk="1" latinLnBrk="0" hangingPunct="1">
+              <a:spcBef>
+                <a:spcPts val="1000"/>
+              </a:spcBef>
+              <a:spcAft>
+                <a:spcPts val="0"/>
+              </a:spcAft>
+              <a:buClr>
+                <a:schemeClr val="accent1"/>
+              </a:buClr>
+              <a:buSzPct val="80000"/>
+              <a:buFont typeface="Wingdings 3" charset="2"/>
+              <a:buChar char=""/>
+              <a:defRPr sz="1200" b="0" i="0" kern="1200">
+                <a:solidFill>
+                  <a:schemeClr val="tx1">
+                    <a:lumMod val="75000"/>
+                    <a:lumOff val="25000"/>
+                  </a:schemeClr>
+                </a:solidFill>
+                <a:latin typeface="+mn-lt"/>
+                <a:ea typeface="+mn-ea"/>
+                <a:cs typeface="+mn-cs"/>
+              </a:defRPr>
+            </a:lvl4pPr>
+            <a:lvl5pPr marL="2057400" indent="-228600" algn="l" defTabSz="457200" rtl="0" eaLnBrk="1" latinLnBrk="0" hangingPunct="1">
+              <a:spcBef>
+                <a:spcPts val="1000"/>
+              </a:spcBef>
+              <a:spcAft>
+                <a:spcPts val="0"/>
+              </a:spcAft>
+              <a:buClr>
+                <a:schemeClr val="accent1"/>
+              </a:buClr>
+              <a:buSzPct val="80000"/>
+              <a:buFont typeface="Wingdings 3" charset="2"/>
+              <a:buChar char=""/>
+              <a:defRPr sz="1200" b="0" i="0" kern="1200">
+                <a:solidFill>
+                  <a:schemeClr val="tx1">
+                    <a:lumMod val="75000"/>
+                    <a:lumOff val="25000"/>
+                  </a:schemeClr>
+                </a:solidFill>
+                <a:latin typeface="+mn-lt"/>
+                <a:ea typeface="+mn-ea"/>
+                <a:cs typeface="+mn-cs"/>
+              </a:defRPr>
+            </a:lvl5pPr>
+            <a:lvl6pPr marL="2514600" indent="-228600" algn="l" defTabSz="457200" rtl="0" eaLnBrk="1" latinLnBrk="0" hangingPunct="1">
+              <a:spcBef>
+                <a:spcPts val="1000"/>
+              </a:spcBef>
+              <a:spcAft>
+                <a:spcPts val="0"/>
+              </a:spcAft>
+              <a:buClr>
+                <a:schemeClr val="accent1"/>
+              </a:buClr>
+              <a:buSzPct val="80000"/>
+              <a:buFont typeface="Wingdings 3" charset="2"/>
+              <a:buChar char=""/>
+              <a:defRPr sz="1200" b="0" i="0" kern="1200">
+                <a:solidFill>
+                  <a:schemeClr val="tx1">
+                    <a:lumMod val="75000"/>
+                    <a:lumOff val="25000"/>
+                  </a:schemeClr>
+                </a:solidFill>
+                <a:latin typeface="+mn-lt"/>
+                <a:ea typeface="+mn-ea"/>
+                <a:cs typeface="+mn-cs"/>
+              </a:defRPr>
+            </a:lvl6pPr>
+            <a:lvl7pPr marL="2971800" indent="-228600" algn="l" defTabSz="457200" rtl="0" eaLnBrk="1" latinLnBrk="0" hangingPunct="1">
+              <a:spcBef>
+                <a:spcPts val="1000"/>
+              </a:spcBef>
+              <a:spcAft>
+                <a:spcPts val="0"/>
+              </a:spcAft>
+              <a:buClr>
+                <a:schemeClr val="accent1"/>
+              </a:buClr>
+              <a:buSzPct val="80000"/>
+              <a:buFont typeface="Wingdings 3" charset="2"/>
+              <a:buChar char=""/>
+              <a:defRPr sz="1200" b="0" i="0" kern="1200">
+                <a:solidFill>
+                  <a:schemeClr val="tx1">
+                    <a:lumMod val="75000"/>
+                    <a:lumOff val="25000"/>
+                  </a:schemeClr>
+                </a:solidFill>
+                <a:latin typeface="+mn-lt"/>
+                <a:ea typeface="+mn-ea"/>
+                <a:cs typeface="+mn-cs"/>
+              </a:defRPr>
+            </a:lvl7pPr>
+            <a:lvl8pPr marL="3429000" indent="-228600" algn="l" defTabSz="457200" rtl="0" eaLnBrk="1" latinLnBrk="0" hangingPunct="1">
+              <a:spcBef>
+                <a:spcPts val="1000"/>
+              </a:spcBef>
+              <a:spcAft>
+                <a:spcPts val="0"/>
+              </a:spcAft>
+              <a:buClr>
+                <a:schemeClr val="accent1"/>
+              </a:buClr>
+              <a:buSzPct val="80000"/>
+              <a:buFont typeface="Wingdings 3" charset="2"/>
+              <a:buChar char=""/>
+              <a:defRPr sz="1200" b="0" i="0" kern="1200">
+                <a:solidFill>
+                  <a:schemeClr val="tx1">
+                    <a:lumMod val="75000"/>
+                    <a:lumOff val="25000"/>
+                  </a:schemeClr>
+                </a:solidFill>
+                <a:latin typeface="+mn-lt"/>
+                <a:ea typeface="+mn-ea"/>
+                <a:cs typeface="+mn-cs"/>
+              </a:defRPr>
+            </a:lvl8pPr>
+            <a:lvl9pPr marL="3886200" indent="-228600" algn="l" defTabSz="457200" rtl="0" eaLnBrk="1" latinLnBrk="0" hangingPunct="1">
+              <a:spcBef>
+                <a:spcPts val="1000"/>
+              </a:spcBef>
+              <a:spcAft>
+                <a:spcPts val="0"/>
+              </a:spcAft>
+              <a:buClr>
+                <a:schemeClr val="accent1"/>
+              </a:buClr>
+              <a:buSzPct val="80000"/>
+              <a:buFont typeface="Wingdings 3" charset="2"/>
+              <a:buChar char=""/>
+              <a:defRPr sz="1200" b="0" i="0" kern="1200">
+                <a:solidFill>
+                  <a:schemeClr val="tx1">
+                    <a:lumMod val="75000"/>
+                    <a:lumOff val="25000"/>
+                  </a:schemeClr>
+                </a:solidFill>
+                <a:latin typeface="+mn-lt"/>
+                <a:ea typeface="+mn-ea"/>
+                <a:cs typeface="+mn-cs"/>
+              </a:defRPr>
+            </a:lvl9pPr>
+          </a:lstStyle>
+          <a:p>
+            <a:pPr marL="0" indent="0" algn="just">
+              <a:buFont typeface="Wingdings 3" charset="2"/>
+              <a:buNone/>
+            </a:pPr>
+            <a:r>
+              <a:rPr lang="ru-RU" dirty="0" smtClean="0"/>
+              <a:t>Разрабатываемый </a:t>
+            </a:r>
+            <a:r>
+              <a:rPr lang="ru-RU" dirty="0"/>
+              <a:t>продукт ориентирован на широкий круг пользователей ввиду гибкости системы. Система может подстроиться под любое количество комнат, что подходит для людей с разным уровнем достатка. А техническая реализация на компонентах </a:t>
+            </a:r>
+            <a:r>
+              <a:rPr lang="en-US" dirty="0"/>
+              <a:t>Arduino</a:t>
+            </a:r>
+            <a:r>
+              <a:rPr lang="ru-RU" dirty="0"/>
+              <a:t> позволит уменьшить себестоимость конечного продукта и сделать его более бюджетным.</a:t>
+            </a:r>
+          </a:p>
+        </p:txBody>
+      </p:sp>
+      <p:sp>
+        <p:nvSpPr>
+          <p:cNvPr id="5" name="Заголовок 4">
+            <a:extLst>
+              <a:ext uri="{FF2B5EF4-FFF2-40B4-BE49-F238E27FC236}">
+                <a16:creationId xmlns:a16="http://schemas.microsoft.com/office/drawing/2014/main" xmlns="" id="{5FDFC8FE-ABEA-4877-B546-94CEC0C122ED}"/>
+              </a:ext>
+            </a:extLst>
+          </p:cNvPr>
+          <p:cNvSpPr>
+            <a:spLocks noGrp="1"/>
+          </p:cNvSpPr>
+          <p:nvPr>
+            <p:ph type="title"/>
+          </p:nvPr>
+        </p:nvSpPr>
+        <p:spPr/>
+        <p:txBody>
+          <a:bodyPr/>
+          <a:lstStyle/>
+          <a:p>
+            <a:r>
+              <a:rPr lang="ru-RU" dirty="0" smtClean="0"/>
+              <a:t>Целевые потребители</a:t>
+            </a:r>
+            <a:endParaRPr lang="ru-RU" dirty="0"/>
+          </a:p>
+        </p:txBody>
+      </p:sp>
+      <p:pic>
+        <p:nvPicPr>
+          <p:cNvPr id="2050" name="Picture 2" descr="Картинки по запросу customer png">
+            <a:extLst>
+              <a:ext uri="{FF2B5EF4-FFF2-40B4-BE49-F238E27FC236}">
+                <a16:creationId xmlns:a16="http://schemas.microsoft.com/office/drawing/2014/main" xmlns="" id="{8E82531C-4B6C-41F8-8201-EF20A6DBC541}"/>
+              </a:ext>
+            </a:extLst>
+          </p:cNvPr>
+          <p:cNvPicPr>
+            <a:picLocks noChangeAspect="1" noChangeArrowheads="1"/>
+          </p:cNvPicPr>
+          <p:nvPr/>
+        </p:nvPicPr>
+        <p:blipFill>
+          <a:blip r:embed="rId2">
+            <a:extLst>
+              <a:ext uri="{28A0092B-C50C-407E-A947-70E740481C1C}">
+                <a14:useLocalDpi xmlns:a14="http://schemas.microsoft.com/office/drawing/2010/main" val="0"/>
+              </a:ext>
+            </a:extLst>
+          </a:blip>
+          <a:srcRect/>
+          <a:stretch>
+            <a:fillRect/>
+          </a:stretch>
+        </p:blipFill>
+        <p:spPr bwMode="auto">
+          <a:xfrm>
+            <a:off x="4821429" y="3966634"/>
+            <a:ext cx="2549142" cy="2549142"/>
+          </a:xfrm>
+          <a:prstGeom prst="rect">
+            <a:avLst/>
+          </a:prstGeom>
+          <a:noFill/>
+          <a:extLst>
+            <a:ext uri="{909E8E84-426E-40DD-AFC4-6F175D3DCCD1}">
+              <a14:hiddenFill xmlns:a14="http://schemas.microsoft.com/office/drawing/2010/main">
+                <a:solidFill>
+                  <a:srgbClr val="FFFFFF"/>
+                </a:solidFill>
+              </a14:hiddenFill>
+            </a:ext>
+          </a:extLst>
+        </p:spPr>
+      </p:pic>
+    </p:spTree>
+    <p:extLst>
+      <p:ext uri="{BB962C8B-B14F-4D97-AF65-F5344CB8AC3E}">
+        <p14:creationId xmlns:p14="http://schemas.microsoft.com/office/powerpoint/2010/main" val="1759876271"/>
+      </p:ext>
+    </p:extLst>
+  </p:cSld>
+  <p:clrMapOvr>
+    <a:masterClrMapping/>
+  </p:clrMapOvr>
+  <p:timing>
+    <p:tnLst>
+      <p:par>
+        <p:cTn id="1" dur="indefinite" restart="never" nodeType="tmRoot"/>
+      </p:par>
+    </p:tnLst>
+  </p:timing>
+</p:sld>
+</file>
+
+<file path=ppt/slides/slide17.xml><?xml version="1.0" encoding="utf-8"?>
+<p:sld xmlns:a="http://schemas.openxmlformats.org/drawingml/2006/main" xmlns:r="http://schemas.openxmlformats.org/officeDocument/2006/relationships" xmlns:p="http://schemas.openxmlformats.org/presentationml/2006/main">
+  <p:cSld>
+    <p:spTree>
+      <p:nvGrpSpPr>
+        <p:cNvPr id="1" name=""/>
+        <p:cNvGrpSpPr/>
+        <p:nvPr/>
+      </p:nvGrpSpPr>
+      <p:grpSpPr>
+        <a:xfrm>
+          <a:off x="0" y="0"/>
+          <a:ext cx="0" cy="0"/>
+          <a:chOff x="0" y="0"/>
+          <a:chExt cx="0" cy="0"/>
+        </a:xfrm>
+      </p:grpSpPr>
+      <p:pic>
+        <p:nvPicPr>
+          <p:cNvPr id="4098" name="Picture 2" descr="C:\Users\Mislitel\AppData\Local\Microsoft\Windows\Temporary Internet Files\Content.IE5\13LCR3EX\1024px-Smile.svg[1].png"/>
+          <p:cNvPicPr>
+            <a:picLocks noChangeAspect="1" noChangeArrowheads="1"/>
+          </p:cNvPicPr>
+          <p:nvPr/>
+        </p:nvPicPr>
+        <p:blipFill>
+          <a:blip r:embed="rId2">
+            <a:extLst>
+              <a:ext uri="{28A0092B-C50C-407E-A947-70E740481C1C}">
+                <a14:useLocalDpi xmlns:a14="http://schemas.microsoft.com/office/drawing/2010/main" val="0"/>
+              </a:ext>
+            </a:extLst>
+          </a:blip>
+          <a:srcRect/>
+          <a:stretch>
+            <a:fillRect/>
+          </a:stretch>
+        </p:blipFill>
+        <p:spPr bwMode="auto">
+          <a:xfrm>
+            <a:off x="5427636" y="2760636"/>
+            <a:ext cx="1336729" cy="1336729"/>
+          </a:xfrm>
+          <a:prstGeom prst="rect">
+            <a:avLst/>
+          </a:prstGeom>
+          <a:noFill/>
+          <a:extLst>
+            <a:ext uri="{909E8E84-426E-40DD-AFC4-6F175D3DCCD1}">
+              <a14:hiddenFill xmlns:a14="http://schemas.microsoft.com/office/drawing/2010/main">
+                <a:solidFill>
+                  <a:srgbClr val="FFFFFF"/>
+                </a:solidFill>
+              </a14:hiddenFill>
+            </a:ext>
+          </a:extLst>
+        </p:spPr>
+      </p:pic>
+    </p:spTree>
+    <p:extLst>
+      <p:ext uri="{BB962C8B-B14F-4D97-AF65-F5344CB8AC3E}">
+        <p14:creationId xmlns:p14="http://schemas.microsoft.com/office/powerpoint/2010/main" val="1291979375"/>
+      </p:ext>
+    </p:extLst>
+  </p:cSld>
+  <p:clrMapOvr>
+    <a:masterClrMapping/>
+  </p:clrMapOvr>
+  <p:timing>
+    <p:tnLst>
+      <p:par>
+        <p:cTn id="1" dur="indefinite" restart="never" nodeType="tmRoot"/>
+      </p:par>
+    </p:tnLst>
+  </p:timing>
+</p:sld>
+</file>
+
+<file path=ppt/slides/slide2.xml><?xml version="1.0" encoding="utf-8"?>
+<p:sld xmlns:a="http://schemas.openxmlformats.org/drawingml/2006/main" xmlns:r="http://schemas.openxmlformats.org/officeDocument/2006/relationships" xmlns:p="http://schemas.openxmlformats.org/presentationml/2006/main">
+  <p:cSld>
+    <p:spTree>
+      <p:nvGrpSpPr>
+        <p:cNvPr id="1" name=""/>
+        <p:cNvGrpSpPr/>
+        <p:nvPr/>
+      </p:nvGrpSpPr>
+      <p:grpSpPr>
+        <a:xfrm>
+          <a:off x="0" y="0"/>
+          <a:ext cx="0" cy="0"/>
+          <a:chOff x="0" y="0"/>
+          <a:chExt cx="0" cy="0"/>
+        </a:xfrm>
+      </p:grpSpPr>
+      <p:sp>
+        <p:nvSpPr>
+          <p:cNvPr id="2" name="Заголовок 1">
+            <a:extLst>
+              <a:ext uri="{FF2B5EF4-FFF2-40B4-BE49-F238E27FC236}">
+                <a16:creationId xmlns:a16="http://schemas.microsoft.com/office/drawing/2014/main" xmlns="" id="{C5FBDF4D-D35D-46EF-ACB0-763A5E332E5C}"/>
+              </a:ext>
+            </a:extLst>
+          </p:cNvPr>
+          <p:cNvSpPr>
+            <a:spLocks noGrp="1"/>
+          </p:cNvSpPr>
+          <p:nvPr>
+            <p:ph type="title"/>
+          </p:nvPr>
+        </p:nvSpPr>
+        <p:spPr/>
+        <p:txBody>
+          <a:bodyPr/>
+          <a:lstStyle/>
+          <a:p>
+            <a:r>
+              <a:rPr lang="ru-RU" dirty="0"/>
+              <a:t>Команда </a:t>
+            </a:r>
+            <a:r>
+              <a:rPr lang="en-US" dirty="0"/>
+              <a:t>“Twister Radiator”</a:t>
+            </a:r>
+            <a:endParaRPr lang="ru-RU" dirty="0"/>
+          </a:p>
+        </p:txBody>
+      </p:sp>
+      <p:sp>
+        <p:nvSpPr>
+          <p:cNvPr id="3" name="Объект 2">
+            <a:extLst>
+              <a:ext uri="{FF2B5EF4-FFF2-40B4-BE49-F238E27FC236}">
+                <a16:creationId xmlns:a16="http://schemas.microsoft.com/office/drawing/2014/main" xmlns="" id="{9694AABC-1145-4B60-B360-9FD98A57DAB1}"/>
+              </a:ext>
+            </a:extLst>
+          </p:cNvPr>
+          <p:cNvSpPr>
+            <a:spLocks noGrp="1"/>
+          </p:cNvSpPr>
+          <p:nvPr>
+            <p:ph idx="1"/>
+          </p:nvPr>
+        </p:nvSpPr>
+        <p:spPr>
+          <a:xfrm>
+            <a:off x="457200" y="3428999"/>
+            <a:ext cx="11734800" cy="3016045"/>
+          </a:xfrm>
+        </p:spPr>
+        <p:txBody>
+          <a:bodyPr>
+            <a:normAutofit/>
+          </a:bodyPr>
+          <a:lstStyle/>
+          <a:p>
+            <a:r>
+              <a:rPr lang="ru-RU" sz="2400" dirty="0"/>
+              <a:t>Медведев Дмитрий Сергеевич (автор проекта) – Университет ИТМО, Санкт-Петербург</a:t>
+            </a:r>
+          </a:p>
+          <a:p>
+            <a:r>
+              <a:rPr lang="ru-RU" sz="2400" dirty="0"/>
+              <a:t>Игнатов Андрей Дмитриевич – МГУ им. М. В. Ломоносова, Москва</a:t>
+            </a:r>
+          </a:p>
+          <a:p>
+            <a:r>
+              <a:rPr lang="ru-RU" sz="2400" dirty="0"/>
+              <a:t>Рыжов Дмитрий Геннадьевич – </a:t>
+            </a:r>
+            <a:r>
+              <a:rPr lang="ru-RU" sz="2400" dirty="0" err="1"/>
+              <a:t>ТулГУ</a:t>
+            </a:r>
+            <a:r>
+              <a:rPr lang="ru-RU" sz="2400" dirty="0"/>
+              <a:t>, Тула</a:t>
+            </a:r>
+          </a:p>
+        </p:txBody>
+      </p:sp>
+    </p:spTree>
+    <p:extLst>
+      <p:ext uri="{BB962C8B-B14F-4D97-AF65-F5344CB8AC3E}">
+        <p14:creationId xmlns:p14="http://schemas.microsoft.com/office/powerpoint/2010/main" val="1761460486"/>
+      </p:ext>
+    </p:extLst>
+  </p:cSld>
+  <p:clrMapOvr>
+    <a:masterClrMapping/>
+  </p:clrMapOvr>
+  <p:timing>
+    <p:tnLst>
+      <p:par>
+        <p:cTn id="1" dur="indefinite" restart="never" nodeType="tmRoot"/>
+      </p:par>
+    </p:tnLst>
+  </p:timing>
+</p:sld>
+</file>
+
+<file path=ppt/slides/slide3.xml><?xml version="1.0" encoding="utf-8"?>
+<p:sld xmlns:a="http://schemas.openxmlformats.org/drawingml/2006/main" xmlns:r="http://schemas.openxmlformats.org/officeDocument/2006/relationships" xmlns:p="http://schemas.openxmlformats.org/presentationml/2006/main">
+  <p:cSld>
+    <p:spTree>
+      <p:nvGrpSpPr>
+        <p:cNvPr id="1" name=""/>
+        <p:cNvGrpSpPr/>
+        <p:nvPr/>
+      </p:nvGrpSpPr>
+      <p:grpSpPr>
+        <a:xfrm>
+          <a:off x="0" y="0"/>
+          <a:ext cx="0" cy="0"/>
+          <a:chOff x="0" y="0"/>
+          <a:chExt cx="0" cy="0"/>
+        </a:xfrm>
+      </p:grpSpPr>
+      <p:sp>
+        <p:nvSpPr>
+          <p:cNvPr id="2" name="Заголовок 1">
+            <a:extLst>
+              <a:ext uri="{FF2B5EF4-FFF2-40B4-BE49-F238E27FC236}">
+                <a16:creationId xmlns:a16="http://schemas.microsoft.com/office/drawing/2014/main" xmlns="" id="{7268A71C-E428-46B7-B4BE-DA2E8E9BE6EF}"/>
+              </a:ext>
+            </a:extLst>
+          </p:cNvPr>
+          <p:cNvSpPr>
+            <a:spLocks noGrp="1"/>
+          </p:cNvSpPr>
+          <p:nvPr>
+            <p:ph type="title"/>
+          </p:nvPr>
+        </p:nvSpPr>
+        <p:spPr/>
+        <p:txBody>
+          <a:bodyPr/>
+          <a:lstStyle/>
+          <a:p>
+            <a:r>
+              <a:rPr lang="ru-RU" dirty="0"/>
+              <a:t>Техническое задание (название)</a:t>
+            </a:r>
+          </a:p>
+        </p:txBody>
+      </p:sp>
+      <p:sp>
+        <p:nvSpPr>
+          <p:cNvPr id="3" name="Объект 2">
+            <a:extLst>
+              <a:ext uri="{FF2B5EF4-FFF2-40B4-BE49-F238E27FC236}">
+                <a16:creationId xmlns:a16="http://schemas.microsoft.com/office/drawing/2014/main" xmlns="" id="{C4C87C1D-2FA7-43A3-82F0-27C5516DA9F0}"/>
+              </a:ext>
+            </a:extLst>
+          </p:cNvPr>
+          <p:cNvSpPr>
+            <a:spLocks noGrp="1"/>
+          </p:cNvSpPr>
+          <p:nvPr>
+            <p:ph idx="1"/>
+          </p:nvPr>
+        </p:nvSpPr>
+        <p:spPr>
+          <a:xfrm>
+            <a:off x="1158942" y="2603500"/>
+            <a:ext cx="9874117" cy="3416300"/>
+          </a:xfrm>
+        </p:spPr>
+        <p:txBody>
+          <a:bodyPr>
+            <a:normAutofit/>
+          </a:bodyPr>
+          <a:lstStyle/>
+          <a:p>
+            <a:pPr marL="0" indent="0" algn="ctr">
+              <a:buNone/>
+            </a:pPr>
+            <a:r>
+              <a:rPr lang="ru-RU" sz="2800" dirty="0"/>
+              <a:t>Тематический трек </a:t>
+            </a:r>
+            <a:r>
+              <a:rPr lang="ru-RU" sz="2800" b="1" dirty="0"/>
+              <a:t>«Умный дом»</a:t>
+            </a:r>
+          </a:p>
+          <a:p>
+            <a:pPr marL="0" indent="0" algn="ctr">
+              <a:buNone/>
+            </a:pPr>
+            <a:r>
+              <a:rPr lang="ru-RU" sz="2800" dirty="0"/>
+              <a:t>Кейс: </a:t>
+            </a:r>
+            <a:r>
+              <a:rPr lang="ru-RU" sz="2800" b="1" dirty="0"/>
+              <a:t>«Нейронная сеть </a:t>
+            </a:r>
+            <a:r>
+              <a:rPr lang="en-US" sz="2800" b="1" dirty="0"/>
+              <a:t>“</a:t>
+            </a:r>
+            <a:r>
+              <a:rPr lang="ru-RU" sz="2800" b="1" dirty="0"/>
+              <a:t>Умного дома</a:t>
+            </a:r>
+            <a:r>
+              <a:rPr lang="en-US" sz="2800" b="1" dirty="0"/>
+              <a:t>”</a:t>
+            </a:r>
+            <a:r>
+              <a:rPr lang="ru-RU" sz="2800" b="1" dirty="0"/>
+              <a:t>»</a:t>
+            </a:r>
+          </a:p>
+          <a:p>
+            <a:pPr marL="0" indent="0" algn="ctr">
+              <a:buNone/>
+            </a:pPr>
+            <a:r>
+              <a:rPr lang="ru-RU" sz="3600" b="1" dirty="0"/>
+              <a:t>Климат умного дома</a:t>
+            </a:r>
+          </a:p>
+          <a:p>
+            <a:pPr marL="0" indent="0" algn="ctr">
+              <a:buNone/>
+            </a:pPr>
+            <a:r>
+              <a:rPr lang="ru-RU" sz="3600" b="1" dirty="0"/>
+              <a:t>(</a:t>
+            </a:r>
+            <a:r>
+              <a:rPr lang="en-US" sz="3600" b="1" dirty="0"/>
+              <a:t>Smart Thermostat)</a:t>
+            </a:r>
+            <a:endParaRPr lang="ru-RU" sz="3600" b="1" dirty="0"/>
+          </a:p>
+        </p:txBody>
+      </p:sp>
+    </p:spTree>
+    <p:extLst>
+      <p:ext uri="{BB962C8B-B14F-4D97-AF65-F5344CB8AC3E}">
+        <p14:creationId xmlns:p14="http://schemas.microsoft.com/office/powerpoint/2010/main" val="3898780653"/>
+      </p:ext>
+    </p:extLst>
+  </p:cSld>
+  <p:clrMapOvr>
+    <a:masterClrMapping/>
+  </p:clrMapOvr>
+  <p:timing>
+    <p:tnLst>
+      <p:par>
+        <p:cTn id="1" dur="indefinite" restart="never" nodeType="tmRoot"/>
+      </p:par>
+    </p:tnLst>
+  </p:timing>
+</p:sld>
+</file>
+
+<file path=ppt/slides/slide4.xml><?xml version="1.0" encoding="utf-8"?>
+<p:sld xmlns:a="http://schemas.openxmlformats.org/drawingml/2006/main" xmlns:r="http://schemas.openxmlformats.org/officeDocument/2006/relationships" xmlns:p="http://schemas.openxmlformats.org/presentationml/2006/main">
+  <p:cSld>
+    <p:spTree>
+      <p:nvGrpSpPr>
+        <p:cNvPr id="1" name=""/>
+        <p:cNvGrpSpPr/>
+        <p:nvPr/>
+      </p:nvGrpSpPr>
+      <p:grpSpPr>
+        <a:xfrm>
+          <a:off x="0" y="0"/>
+          <a:ext cx="0" cy="0"/>
+          <a:chOff x="0" y="0"/>
+          <a:chExt cx="0" cy="0"/>
+        </a:xfrm>
+      </p:grpSpPr>
+      <p:sp>
+        <p:nvSpPr>
+          <p:cNvPr id="4" name="Заголовок 1">
+            <a:extLst>
+              <a:ext uri="{FF2B5EF4-FFF2-40B4-BE49-F238E27FC236}">
+                <a16:creationId xmlns:a16="http://schemas.microsoft.com/office/drawing/2014/main" xmlns="" id="{BD7F5098-EF74-44EE-9BD1-19A65926B605}"/>
+              </a:ext>
+            </a:extLst>
+          </p:cNvPr>
+          <p:cNvSpPr txBox="1">
+            <a:spLocks/>
+          </p:cNvSpPr>
+          <p:nvPr/>
+        </p:nvSpPr>
+        <p:spPr bwMode="gray">
+          <a:xfrm>
+            <a:off x="1" y="177983"/>
+            <a:ext cx="12192000" cy="708025"/>
+          </a:xfrm>
+          <a:prstGeom prst="rect">
+            <a:avLst/>
+          </a:prstGeom>
+        </p:spPr>
+        <p:txBody>
+          <a:bodyPr vert="horz" lIns="91440" tIns="45720" rIns="91440" bIns="45720" rtlCol="0" anchor="ctr">
+            <a:noAutofit/>
+          </a:bodyPr>
+          <a:lstStyle>
+            <a:lvl1pPr algn="l" defTabSz="457200" rtl="0" eaLnBrk="1" latinLnBrk="0" hangingPunct="1">
+              <a:spcBef>
+                <a:spcPct val="0"/>
+              </a:spcBef>
+              <a:buNone/>
+              <a:defRPr sz="3600" b="0" i="0" kern="1200">
+                <a:solidFill>
+                  <a:schemeClr val="bg2"/>
+                </a:solidFill>
+                <a:latin typeface="+mj-lt"/>
+                <a:ea typeface="+mj-ea"/>
+                <a:cs typeface="+mj-cs"/>
+              </a:defRPr>
+            </a:lvl1pPr>
+            <a:lvl2pPr eaLnBrk="1" hangingPunct="1">
+              <a:defRPr>
+                <a:solidFill>
+                  <a:schemeClr val="tx2"/>
+                </a:solidFill>
+              </a:defRPr>
+            </a:lvl2pPr>
+            <a:lvl3pPr eaLnBrk="1" hangingPunct="1">
+              <a:defRPr>
+                <a:solidFill>
+                  <a:schemeClr val="tx2"/>
+                </a:solidFill>
+              </a:defRPr>
+            </a:lvl3pPr>
+            <a:lvl4pPr eaLnBrk="1" hangingPunct="1">
+              <a:defRPr>
+                <a:solidFill>
+                  <a:schemeClr val="tx2"/>
+                </a:solidFill>
+              </a:defRPr>
+            </a:lvl4pPr>
+            <a:lvl5pPr eaLnBrk="1" hangingPunct="1">
+              <a:defRPr>
+                <a:solidFill>
+                  <a:schemeClr val="tx2"/>
+                </a:solidFill>
+              </a:defRPr>
+            </a:lvl5pPr>
+            <a:lvl6pPr eaLnBrk="1" hangingPunct="1">
+              <a:defRPr>
+                <a:solidFill>
+                  <a:schemeClr val="tx2"/>
+                </a:solidFill>
+              </a:defRPr>
+            </a:lvl6pPr>
+            <a:lvl7pPr eaLnBrk="1" hangingPunct="1">
+              <a:defRPr>
+                <a:solidFill>
+                  <a:schemeClr val="tx2"/>
+                </a:solidFill>
+              </a:defRPr>
+            </a:lvl7pPr>
+            <a:lvl8pPr eaLnBrk="1" hangingPunct="1">
+              <a:defRPr>
+                <a:solidFill>
+                  <a:schemeClr val="tx2"/>
+                </a:solidFill>
+              </a:defRPr>
+            </a:lvl8pPr>
+            <a:lvl9pPr eaLnBrk="1" hangingPunct="1">
+              <a:defRPr>
+                <a:solidFill>
+                  <a:schemeClr val="tx2"/>
+                </a:solidFill>
+              </a:defRPr>
+            </a:lvl9pPr>
+          </a:lstStyle>
+          <a:p>
+            <a:pPr algn="ctr"/>
+            <a:r>
               <a:rPr lang="ru-RU" dirty="0">
                 <a:solidFill>
                   <a:schemeClr val="tx1">
@@ -17140,6 +17551,13 @@
   <p:clrMapOvr>
     <a:masterClrMapping/>
   </p:clrMapOvr>
+  <p:timing>
+    <p:tnLst>
+      <p:par>
+        <p:cTn id="1" dur="indefinite" restart="never" nodeType="tmRoot"/>
+      </p:par>
+    </p:tnLst>
+  </p:timing>
 </p:sld>
 </file>
 
@@ -17212,7 +17630,15 @@
           <a:p>
             <a:r>
               <a:rPr lang="ru-RU" sz="2400" dirty="0"/>
-              <a:t>Переносимость – система работает на популярных платформах и может быть развёрнута на любом домашнем сервере под управлением *</a:t>
+              <a:t>Переносимость – система работает на популярных платформах и может быть развёрнута на любом </a:t>
+            </a:r>
+            <a:r>
+              <a:rPr lang="ru-RU" sz="2400" dirty="0" smtClean="0"/>
+              <a:t>сервере </a:t>
+            </a:r>
+            <a:r>
+              <a:rPr lang="ru-RU" sz="2400" dirty="0"/>
+              <a:t>под управлением *</a:t>
             </a:r>
             <a:r>
               <a:rPr lang="en-US" sz="2400" dirty="0"/>
@@ -17241,6 +17667,13 @@
   <p:clrMapOvr>
     <a:masterClrMapping/>
   </p:clrMapOvr>
+  <p:timing>
+    <p:tnLst>
+      <p:par>
+        <p:cTn id="1" dur="indefinite" restart="never" nodeType="tmRoot"/>
+      </p:par>
+    </p:tnLst>
+  </p:timing>
 </p:sld>
 </file>
 
@@ -17375,6 +17808,13 @@
   <p:clrMapOvr>
     <a:masterClrMapping/>
   </p:clrMapOvr>
+  <p:timing>
+    <p:tnLst>
+      <p:par>
+        <p:cTn id="1" dur="indefinite" restart="never" nodeType="tmRoot"/>
+      </p:par>
+    </p:tnLst>
+  </p:timing>
 </p:sld>
 </file>
 
@@ -17429,12 +17869,14 @@
         </p:nvSpPr>
         <p:spPr>
           <a:xfrm>
-            <a:off x="1154954" y="2603500"/>
-            <a:ext cx="8825659" cy="1054100"/>
+            <a:off x="830616" y="2603500"/>
+            <a:ext cx="10530768" cy="1054100"/>
           </a:xfrm>
         </p:spPr>
         <p:txBody>
-          <a:bodyPr/>
+          <a:bodyPr>
+            <a:noAutofit/>
+          </a:bodyPr>
           <a:lstStyle/>
           <a:p>
             <a:pPr marL="0" marR="0" lvl="0" indent="0" algn="just" defTabSz="914400" eaLnBrk="1" fontAlgn="auto" latinLnBrk="0" hangingPunct="1">
@@ -17455,7 +17897,7 @@
               <a:defRPr/>
             </a:pPr>
             <a:r>
-              <a:rPr lang="ru-RU" dirty="0"/>
+              <a:rPr lang="ru-RU" sz="2000" dirty="0"/>
               <a:t>Режим поддерживается Нейронной Сетью, которая находит зависимость между температурами и показаниями регуляторов.</a:t>
             </a:r>
           </a:p>
@@ -17539,8 +17981,8 @@
           </a:fontRef>
         </p:style>
       </p:cxnSp>
-      <mc:AlternateContent xmlns:mc="http://schemas.openxmlformats.org/markup-compatibility/2006" xmlns:a14="http://schemas.microsoft.com/office/drawing/2010/main">
-        <mc:Choice Requires="a14">
+      <mc:AlternateContent xmlns:mc="http://schemas.openxmlformats.org/markup-compatibility/2006">
+        <mc:Choice xmlns:a14="http://schemas.microsoft.com/office/drawing/2010/main" Requires="a14">
           <p:sp>
             <p:nvSpPr>
               <p:cNvPr id="10" name="TextBox 9"/>
@@ -17574,7 +18016,7 @@
                         <m:dPr>
                           <m:ctrlPr>
                             <a:rPr lang="mr-IN" i="1" smtClean="0">
-                              <a:latin typeface="Cambria Math" panose="02040503050406030204" pitchFamily="18" charset="0"/>
+                              <a:latin typeface="Cambria Math"/>
                             </a:rPr>
                           </m:ctrlPr>
                         </m:dPr>
@@ -17591,7 +18033,7 @@
                               </m:mcs>
                               <m:ctrlPr>
                                 <a:rPr lang="mr-IN" i="1" smtClean="0">
-                                  <a:latin typeface="Cambria Math" panose="02040503050406030204" pitchFamily="18" charset="0"/>
+                                  <a:latin typeface="Cambria Math"/>
                                 </a:rPr>
                               </m:ctrlPr>
                             </m:mPr>
@@ -17601,7 +18043,7 @@
                                   <m:eqArrPr>
                                     <m:ctrlPr>
                                       <a:rPr lang="ru-RU" b="0" i="1" smtClean="0">
-                                        <a:latin typeface="Cambria Math" panose="02040503050406030204" pitchFamily="18" charset="0"/>
+                                        <a:latin typeface="Cambria Math"/>
                                       </a:rPr>
                                     </m:ctrlPr>
                                   </m:eqArrPr>
@@ -17645,7 +18087,7 @@
                                   <m:eqArrPr>
                                     <m:ctrlPr>
                                       <a:rPr lang="ru-RU" b="0" i="1" smtClean="0">
-                                        <a:latin typeface="Cambria Math" panose="02040503050406030204" pitchFamily="18" charset="0"/>
+                                        <a:latin typeface="Cambria Math"/>
                                       </a:rPr>
                                     </m:ctrlPr>
                                   </m:eqArrPr>
@@ -17680,7 +18122,7 @@
                                   <m:eqArrPr>
                                     <m:ctrlPr>
                                       <a:rPr lang="ru-RU" b="0" i="1" smtClean="0">
-                                        <a:latin typeface="Cambria Math" panose="02040503050406030204" pitchFamily="18" charset="0"/>
+                                        <a:latin typeface="Cambria Math"/>
                                       </a:rPr>
                                     </m:ctrlPr>
                                   </m:eqArrPr>
@@ -17689,7 +18131,19 @@
                                       <a:rPr lang="ru-RU" b="0" i="1" smtClean="0">
                                         <a:latin typeface="Cambria Math" charset="0"/>
                                       </a:rPr>
-                                      <m:t>Присутсвие человека</m:t>
+                                      <m:t>Присутс</m:t>
+                                    </m:r>
+                                    <m:r>
+                                      <a:rPr lang="ru-RU" b="0" i="1" smtClean="0">
+                                        <a:latin typeface="Cambria Math"/>
+                                      </a:rPr>
+                                      <m:t>т</m:t>
+                                    </m:r>
+                                    <m:r>
+                                      <a:rPr lang="ru-RU" b="0" i="1" smtClean="0">
+                                        <a:latin typeface="Cambria Math" charset="0"/>
+                                      </a:rPr>
+                                      <m:t>вие человека</m:t>
                                     </m:r>
                                   </m:e>
                                   <m:e>
@@ -17714,7 +18168,7 @@
             </p:txBody>
           </p:sp>
         </mc:Choice>
-        <mc:Fallback xmlns="">
+        <mc:Fallback>
           <p:sp>
             <p:nvSpPr>
               <p:cNvPr id="10" name="TextBox 9"/>
@@ -17731,7 +18185,7 @@
               <a:prstGeom prst="rect">
                 <a:avLst/>
               </a:prstGeom>
-              <a:blipFill rotWithShape="0">
+              <a:blipFill rotWithShape="1">
                 <a:blip r:embed="rId2"/>
                 <a:stretch>
                   <a:fillRect r="-1089"/>
@@ -17821,7 +18275,7 @@
                         <m:dPr>
                           <m:ctrlPr>
                             <a:rPr lang="mr-IN" i="1" smtClean="0">
-                              <a:latin typeface="Cambria Math" panose="02040503050406030204" pitchFamily="18" charset="0"/>
+                              <a:latin typeface="Cambria Math"/>
                             </a:rPr>
                           </m:ctrlPr>
                         </m:dPr>
@@ -17830,7 +18284,7 @@
                             <m:eqArrPr>
                               <m:ctrlPr>
                                 <a:rPr lang="ru-RU" b="0" i="1" smtClean="0">
-                                  <a:latin typeface="Cambria Math" panose="02040503050406030204" pitchFamily="18" charset="0"/>
+                                  <a:latin typeface="Cambria Math"/>
                                 </a:rPr>
                               </m:ctrlPr>
                             </m:eqArrPr>
@@ -17918,6 +18372,13 @@
   <p:clrMapOvr>
     <a:masterClrMapping/>
   </p:clrMapOvr>
+  <p:timing>
+    <p:tnLst>
+      <p:par>
+        <p:cTn id="1" dur="indefinite" restart="never" nodeType="tmRoot"/>
+      </p:par>
+    </p:tnLst>
+  </p:timing>
 </p:sld>
 </file>
 
@@ -17972,12 +18433,14 @@
         </p:nvSpPr>
         <p:spPr>
           <a:xfrm>
-            <a:off x="1154954" y="2470768"/>
-            <a:ext cx="8825659" cy="1054100"/>
+            <a:off x="830616" y="2470768"/>
+            <a:ext cx="10530768" cy="1054100"/>
           </a:xfrm>
         </p:spPr>
         <p:txBody>
-          <a:bodyPr/>
+          <a:bodyPr>
+            <a:normAutofit/>
+          </a:bodyPr>
           <a:lstStyle/>
           <a:p>
             <a:pPr marL="0" marR="0" lvl="0" indent="0" algn="just" defTabSz="914400" eaLnBrk="1" fontAlgn="auto" latinLnBrk="0" hangingPunct="1">
@@ -17998,337 +18461,352 @@
               <a:defRPr/>
             </a:pPr>
             <a:r>
-              <a:rPr lang="ru-RU" dirty="0"/>
+              <a:rPr lang="ru-RU" sz="2000" dirty="0"/>
               <a:t>Система отслеживает необходимость изменения температуры для ее соответствия поставленным требованиям, и, в случае необходимости, корректирует показания регуляторов.</a:t>
             </a:r>
           </a:p>
         </p:txBody>
       </p:sp>
-      <mc:AlternateContent xmlns:mc="http://schemas.openxmlformats.org/markup-compatibility/2006" xmlns:a14="http://schemas.microsoft.com/office/drawing/2010/main">
-        <mc:Choice Requires="a14">
-          <p:sp>
-            <p:nvSpPr>
-              <p:cNvPr id="6" name="Ромб 5"/>
-              <p:cNvSpPr/>
-              <p:nvPr/>
-            </p:nvSpPr>
-            <p:spPr>
-              <a:xfrm>
-                <a:off x="2942855" y="3657600"/>
-                <a:ext cx="5185610" cy="806116"/>
-              </a:xfrm>
-              <a:prstGeom prst="diamond">
-                <a:avLst/>
-              </a:prstGeom>
-            </p:spPr>
-            <p:style>
-              <a:lnRef idx="2">
-                <a:schemeClr val="accent1">
-                  <a:shade val="50000"/>
-                </a:schemeClr>
-              </a:lnRef>
-              <a:fillRef idx="1">
-                <a:schemeClr val="accent1"/>
-              </a:fillRef>
-              <a:effectRef idx="0">
-                <a:schemeClr val="accent1"/>
-              </a:effectRef>
-              <a:fontRef idx="minor">
-                <a:schemeClr val="lt1"/>
-              </a:fontRef>
-            </p:style>
-            <p:txBody>
-              <a:bodyPr rtlCol="0" anchor="ctr"/>
-              <a:lstStyle/>
-              <a:p>
-                <a:pPr algn="ctr"/>
-                <a14:m>
-                  <m:oMathPara xmlns:m="http://schemas.openxmlformats.org/officeDocument/2006/math">
-                    <m:oMathParaPr>
-                      <m:jc m:val="centerGroup"/>
-                    </m:oMathParaPr>
-                    <m:oMath xmlns:m="http://schemas.openxmlformats.org/officeDocument/2006/math">
-                      <m:r>
-                        <a:rPr lang="en-US" b="0" i="1" smtClean="0">
-                          <a:latin typeface="Cambria Math" charset="0"/>
-                        </a:rPr>
-                        <m:t>𝑇</m:t>
-                      </m:r>
-                      <m:d>
-                        <m:dPr>
-                          <m:ctrlPr>
-                            <a:rPr lang="en-US" b="0" i="1" smtClean="0">
-                              <a:latin typeface="Cambria Math" panose="02040503050406030204" pitchFamily="18" charset="0"/>
-                            </a:rPr>
-                          </m:ctrlPr>
-                        </m:dPr>
-                        <m:e>
-                          <m:r>
-                            <a:rPr lang="en-US" b="0" i="1" smtClean="0">
-                              <a:latin typeface="Cambria Math" charset="0"/>
-                            </a:rPr>
-                            <m:t>𝑡</m:t>
-                          </m:r>
-                          <m:r>
-                            <a:rPr lang="en-US" b="0" i="1" smtClean="0">
-                              <a:latin typeface="Cambria Math" charset="0"/>
-                            </a:rPr>
-                            <m:t>+∆</m:t>
-                          </m:r>
-                          <m:r>
-                            <a:rPr lang="en-US" b="0" i="1" smtClean="0">
-                              <a:latin typeface="Cambria Math" charset="0"/>
-                              <a:ea typeface="Cambria Math" charset="0"/>
-                              <a:cs typeface="Cambria Math" charset="0"/>
-                            </a:rPr>
-                            <m:t>𝑡</m:t>
-                          </m:r>
-                        </m:e>
-                      </m:d>
-                      <m:r>
-                        <a:rPr lang="en-US" b="0" i="1" smtClean="0">
-                          <a:latin typeface="Cambria Math" charset="0"/>
-                          <a:ea typeface="Cambria Math" charset="0"/>
-                          <a:cs typeface="Cambria Math" charset="0"/>
-                        </a:rPr>
-                        <m:t>−</m:t>
-                      </m:r>
-                      <m:r>
-                        <a:rPr lang="en-US" b="0" i="1" smtClean="0">
-                          <a:latin typeface="Cambria Math" charset="0"/>
-                          <a:ea typeface="Cambria Math" charset="0"/>
-                          <a:cs typeface="Cambria Math" charset="0"/>
-                        </a:rPr>
-                        <m:t>𝑇</m:t>
-                      </m:r>
-                      <m:d>
-                        <m:dPr>
-                          <m:ctrlPr>
-                            <a:rPr lang="en-US" b="0" i="1" smtClean="0">
-                              <a:latin typeface="Cambria Math" panose="02040503050406030204" pitchFamily="18" charset="0"/>
-                              <a:ea typeface="Cambria Math" charset="0"/>
-                              <a:cs typeface="Cambria Math" charset="0"/>
-                            </a:rPr>
-                          </m:ctrlPr>
-                        </m:dPr>
-                        <m:e>
-                          <m:r>
-                            <a:rPr lang="en-US" b="0" i="1" smtClean="0">
-                              <a:latin typeface="Cambria Math" charset="0"/>
-                              <a:ea typeface="Cambria Math" charset="0"/>
-                              <a:cs typeface="Cambria Math" charset="0"/>
-                            </a:rPr>
-                            <m:t>𝑡</m:t>
-                          </m:r>
-                        </m:e>
-                      </m:d>
-                      <m:r>
-                        <a:rPr lang="en-US" b="0" i="1" smtClean="0">
-                          <a:latin typeface="Cambria Math" charset="0"/>
-                          <a:ea typeface="Cambria Math" charset="0"/>
-                          <a:cs typeface="Cambria Math" charset="0"/>
-                        </a:rPr>
-                        <m:t>&gt;</m:t>
-                      </m:r>
-                      <m:r>
-                        <a:rPr lang="en-US" b="0" i="1" smtClean="0">
-                          <a:latin typeface="Cambria Math" charset="0"/>
-                          <a:ea typeface="Cambria Math" charset="0"/>
-                          <a:cs typeface="Cambria Math" charset="0"/>
-                        </a:rPr>
-                        <m:t>𝜖</m:t>
-                      </m:r>
-                      <m:r>
-                        <a:rPr lang="en-US" b="0" i="1" smtClean="0">
-                          <a:latin typeface="Cambria Math" charset="0"/>
-                          <a:ea typeface="Cambria Math" charset="0"/>
-                          <a:cs typeface="Cambria Math" charset="0"/>
-                        </a:rPr>
-                        <m:t>?</m:t>
-                      </m:r>
-                    </m:oMath>
-                  </m:oMathPara>
-                </a14:m>
-                <a:endParaRPr lang="ru-RU" dirty="0"/>
-              </a:p>
-            </p:txBody>
-          </p:sp>
-        </mc:Choice>
-        <mc:Fallback xmlns="">
-          <p:sp>
-            <p:nvSpPr>
-              <p:cNvPr id="6" name="Ромб 5"/>
-              <p:cNvSpPr>
-                <a:spLocks noRot="1" noChangeAspect="1" noMove="1" noResize="1" noEditPoints="1" noAdjustHandles="1" noChangeArrowheads="1" noChangeShapeType="1" noTextEdit="1"/>
-              </p:cNvSpPr>
-              <p:nvPr/>
-            </p:nvSpPr>
-            <p:spPr>
-              <a:xfrm>
-                <a:off x="2942855" y="3657600"/>
-                <a:ext cx="5185610" cy="806116"/>
-              </a:xfrm>
-              <a:prstGeom prst="diamond">
-                <a:avLst/>
-              </a:prstGeom>
-              <a:blipFill rotWithShape="0">
-                <a:blip r:embed="rId2"/>
-                <a:stretch>
-                  <a:fillRect/>
-                </a:stretch>
-              </a:blipFill>
-            </p:spPr>
-            <p:txBody>
-              <a:bodyPr/>
-              <a:lstStyle/>
-              <a:p>
-                <a:r>
-                  <a:rPr lang="ru-RU">
-                    <a:noFill/>
-                  </a:rPr>
-                  <a:t> </a:t>
-                </a:r>
-              </a:p>
-            </p:txBody>
-          </p:sp>
-        </mc:Fallback>
-      </mc:AlternateContent>
-      <p:cxnSp>
-        <p:nvCxnSpPr>
-          <p:cNvPr id="9" name="Прямая соединительная линия 8"/>
-          <p:cNvCxnSpPr/>
+      <p:grpSp>
+        <p:nvGrpSpPr>
+          <p:cNvPr id="4" name="Группа 3"/>
+          <p:cNvGrpSpPr/>
           <p:nvPr/>
-        </p:nvCxnSpPr>
-        <p:spPr>
+        </p:nvGrpSpPr>
+        <p:grpSpPr>
           <a:xfrm>
-            <a:off x="8128465" y="4060658"/>
-            <a:ext cx="702714" cy="0"/>
+            <a:off x="2573512" y="3607087"/>
+            <a:ext cx="7044977" cy="2976593"/>
+            <a:chOff x="2942855" y="3607087"/>
+            <a:chExt cx="7044977" cy="2976593"/>
           </a:xfrm>
-          <a:prstGeom prst="line">
-            <a:avLst/>
-          </a:prstGeom>
-          <a:ln w="38100"/>
-        </p:spPr>
-        <p:style>
-          <a:lnRef idx="1">
-            <a:schemeClr val="accent1"/>
-          </a:lnRef>
-          <a:fillRef idx="0">
-            <a:schemeClr val="accent1"/>
-          </a:fillRef>
-          <a:effectRef idx="0">
-            <a:schemeClr val="accent1"/>
-          </a:effectRef>
-          <a:fontRef idx="minor">
-            <a:schemeClr val="tx1"/>
-          </a:fontRef>
-        </p:style>
-      </p:cxnSp>
-      <p:cxnSp>
-        <p:nvCxnSpPr>
-          <p:cNvPr id="12" name="Прямая со стрелкой 11"/>
-          <p:cNvCxnSpPr/>
-          <p:nvPr/>
-        </p:nvCxnSpPr>
-        <p:spPr>
-          <a:xfrm>
-            <a:off x="8849723" y="4060658"/>
-            <a:ext cx="0" cy="949004"/>
-          </a:xfrm>
-          <a:prstGeom prst="straightConnector1">
-            <a:avLst/>
-          </a:prstGeom>
-          <a:ln w="28575">
-            <a:tailEnd type="triangle"/>
-          </a:ln>
-        </p:spPr>
-        <p:style>
-          <a:lnRef idx="1">
-            <a:schemeClr val="accent1"/>
-          </a:lnRef>
-          <a:fillRef idx="0">
-            <a:schemeClr val="accent1"/>
-          </a:fillRef>
-          <a:effectRef idx="0">
-            <a:schemeClr val="accent1"/>
-          </a:effectRef>
-          <a:fontRef idx="minor">
-            <a:schemeClr val="tx1"/>
-          </a:fontRef>
-        </p:style>
-      </p:cxnSp>
-      <p:sp>
-        <p:nvSpPr>
-          <p:cNvPr id="13" name="TextBox 12"/>
-          <p:cNvSpPr txBox="1"/>
-          <p:nvPr/>
-        </p:nvSpPr>
-        <p:spPr>
-          <a:xfrm>
-            <a:off x="8316294" y="3607087"/>
-            <a:ext cx="514885" cy="369332"/>
-          </a:xfrm>
-          <a:prstGeom prst="rect">
-            <a:avLst/>
-          </a:prstGeom>
-          <a:noFill/>
-        </p:spPr>
-        <p:txBody>
-          <a:bodyPr wrap="none" rtlCol="0">
-            <a:spAutoFit/>
-          </a:bodyPr>
-          <a:lstStyle/>
-          <a:p>
-            <a:r>
-              <a:rPr lang="ru-RU"/>
-              <a:t>Да</a:t>
-            </a:r>
-          </a:p>
-        </p:txBody>
-      </p:sp>
-      <p:sp>
-        <p:nvSpPr>
-          <p:cNvPr id="14" name="Прямоугольник 13"/>
-          <p:cNvSpPr/>
-          <p:nvPr/>
-        </p:nvSpPr>
-        <p:spPr>
-          <a:xfrm>
-            <a:off x="7745329" y="5009662"/>
-            <a:ext cx="2242503" cy="1574018"/>
-          </a:xfrm>
-          <a:prstGeom prst="rect">
-            <a:avLst/>
-          </a:prstGeom>
-        </p:spPr>
-        <p:style>
-          <a:lnRef idx="2">
-            <a:schemeClr val="accent1">
-              <a:shade val="50000"/>
-            </a:schemeClr>
-          </a:lnRef>
-          <a:fillRef idx="1">
-            <a:schemeClr val="accent1"/>
-          </a:fillRef>
-          <a:effectRef idx="0">
-            <a:schemeClr val="accent1"/>
-          </a:effectRef>
-          <a:fontRef idx="minor">
-            <a:schemeClr val="lt1"/>
-          </a:fontRef>
-        </p:style>
-        <p:txBody>
-          <a:bodyPr rtlCol="0" anchor="ctr"/>
-          <a:lstStyle/>
-          <a:p>
-            <a:pPr algn="ctr"/>
-            <a:r>
-              <a:rPr lang="ru-RU"/>
-              <a:t>Корректировка регуляторов относительно разницы температур</a:t>
-            </a:r>
-          </a:p>
-        </p:txBody>
-      </p:sp>
+        </p:grpSpPr>
+        <mc:AlternateContent xmlns:mc="http://schemas.openxmlformats.org/markup-compatibility/2006" xmlns:a14="http://schemas.microsoft.com/office/drawing/2010/main">
+          <mc:Choice Requires="a14">
+            <p:sp>
+              <p:nvSpPr>
+                <p:cNvPr id="6" name="Ромб 5"/>
+                <p:cNvSpPr/>
+                <p:nvPr/>
+              </p:nvSpPr>
+              <p:spPr>
+                <a:xfrm>
+                  <a:off x="2942855" y="3657600"/>
+                  <a:ext cx="5185610" cy="806116"/>
+                </a:xfrm>
+                <a:prstGeom prst="diamond">
+                  <a:avLst/>
+                </a:prstGeom>
+              </p:spPr>
+              <p:style>
+                <a:lnRef idx="2">
+                  <a:schemeClr val="accent1">
+                    <a:shade val="50000"/>
+                  </a:schemeClr>
+                </a:lnRef>
+                <a:fillRef idx="1">
+                  <a:schemeClr val="accent1"/>
+                </a:fillRef>
+                <a:effectRef idx="0">
+                  <a:schemeClr val="accent1"/>
+                </a:effectRef>
+                <a:fontRef idx="minor">
+                  <a:schemeClr val="lt1"/>
+                </a:fontRef>
+              </p:style>
+              <p:txBody>
+                <a:bodyPr rtlCol="0" anchor="ctr"/>
+                <a:lstStyle/>
+                <a:p>
+                  <a:pPr algn="ctr"/>
+                  <a14:m>
+                    <m:oMathPara xmlns:m="http://schemas.openxmlformats.org/officeDocument/2006/math">
+                      <m:oMathParaPr>
+                        <m:jc m:val="centerGroup"/>
+                      </m:oMathParaPr>
+                      <m:oMath xmlns:m="http://schemas.openxmlformats.org/officeDocument/2006/math">
+                        <m:r>
+                          <a:rPr lang="en-US" b="0" i="1" smtClean="0">
+                            <a:latin typeface="Cambria Math" charset="0"/>
+                          </a:rPr>
+                          <m:t>𝑇</m:t>
+                        </m:r>
+                        <m:d>
+                          <m:dPr>
+                            <m:ctrlPr>
+                              <a:rPr lang="en-US" b="0" i="1" smtClean="0">
+                                <a:latin typeface="Cambria Math"/>
+                              </a:rPr>
+                            </m:ctrlPr>
+                          </m:dPr>
+                          <m:e>
+                            <m:r>
+                              <a:rPr lang="en-US" b="0" i="1" smtClean="0">
+                                <a:latin typeface="Cambria Math" charset="0"/>
+                              </a:rPr>
+                              <m:t>𝑡</m:t>
+                            </m:r>
+                            <m:r>
+                              <a:rPr lang="en-US" b="0" i="1" smtClean="0">
+                                <a:latin typeface="Cambria Math" charset="0"/>
+                              </a:rPr>
+                              <m:t>+∆</m:t>
+                            </m:r>
+                            <m:r>
+                              <a:rPr lang="en-US" b="0" i="1" smtClean="0">
+                                <a:latin typeface="Cambria Math" charset="0"/>
+                                <a:ea typeface="Cambria Math" charset="0"/>
+                                <a:cs typeface="Cambria Math" charset="0"/>
+                              </a:rPr>
+                              <m:t>𝑡</m:t>
+                            </m:r>
+                          </m:e>
+                        </m:d>
+                        <m:r>
+                          <a:rPr lang="en-US" b="0" i="1" smtClean="0">
+                            <a:latin typeface="Cambria Math" charset="0"/>
+                            <a:ea typeface="Cambria Math" charset="0"/>
+                            <a:cs typeface="Cambria Math" charset="0"/>
+                          </a:rPr>
+                          <m:t>−</m:t>
+                        </m:r>
+                        <m:r>
+                          <a:rPr lang="en-US" b="0" i="1" smtClean="0">
+                            <a:latin typeface="Cambria Math" charset="0"/>
+                            <a:ea typeface="Cambria Math" charset="0"/>
+                            <a:cs typeface="Cambria Math" charset="0"/>
+                          </a:rPr>
+                          <m:t>𝑇</m:t>
+                        </m:r>
+                        <m:d>
+                          <m:dPr>
+                            <m:ctrlPr>
+                              <a:rPr lang="en-US" b="0" i="1" smtClean="0">
+                                <a:latin typeface="Cambria Math"/>
+                                <a:ea typeface="Cambria Math" charset="0"/>
+                                <a:cs typeface="Cambria Math" charset="0"/>
+                              </a:rPr>
+                            </m:ctrlPr>
+                          </m:dPr>
+                          <m:e>
+                            <m:r>
+                              <a:rPr lang="en-US" b="0" i="1" smtClean="0">
+                                <a:latin typeface="Cambria Math" charset="0"/>
+                                <a:ea typeface="Cambria Math" charset="0"/>
+                                <a:cs typeface="Cambria Math" charset="0"/>
+                              </a:rPr>
+                              <m:t>𝑡</m:t>
+                            </m:r>
+                          </m:e>
+                        </m:d>
+                        <m:r>
+                          <a:rPr lang="en-US" b="0" i="1" smtClean="0">
+                            <a:latin typeface="Cambria Math" charset="0"/>
+                            <a:ea typeface="Cambria Math" charset="0"/>
+                            <a:cs typeface="Cambria Math" charset="0"/>
+                          </a:rPr>
+                          <m:t>&gt;</m:t>
+                        </m:r>
+                        <m:r>
+                          <a:rPr lang="en-US" b="0" i="1" smtClean="0">
+                            <a:latin typeface="Cambria Math" charset="0"/>
+                            <a:ea typeface="Cambria Math" charset="0"/>
+                            <a:cs typeface="Cambria Math" charset="0"/>
+                          </a:rPr>
+                          <m:t>𝜖</m:t>
+                        </m:r>
+                        <m:r>
+                          <a:rPr lang="en-US" b="0" i="1" smtClean="0">
+                            <a:latin typeface="Cambria Math" charset="0"/>
+                            <a:ea typeface="Cambria Math" charset="0"/>
+                            <a:cs typeface="Cambria Math" charset="0"/>
+                          </a:rPr>
+                          <m:t>?</m:t>
+                        </m:r>
+                      </m:oMath>
+                    </m:oMathPara>
+                  </a14:m>
+                  <a:endParaRPr lang="ru-RU" dirty="0"/>
+                </a:p>
+              </p:txBody>
+            </p:sp>
+          </mc:Choice>
+          <mc:Fallback xmlns="">
+            <p:sp>
+              <p:nvSpPr>
+                <p:cNvPr id="6" name="Ромб 5"/>
+                <p:cNvSpPr>
+                  <a:spLocks noRot="1" noChangeAspect="1" noMove="1" noResize="1" noEditPoints="1" noAdjustHandles="1" noChangeArrowheads="1" noChangeShapeType="1" noTextEdit="1"/>
+                </p:cNvSpPr>
+                <p:nvPr/>
+              </p:nvSpPr>
+              <p:spPr>
+                <a:xfrm>
+                  <a:off x="2942855" y="3657600"/>
+                  <a:ext cx="5185610" cy="806116"/>
+                </a:xfrm>
+                <a:prstGeom prst="diamond">
+                  <a:avLst/>
+                </a:prstGeom>
+                <a:blipFill rotWithShape="0">
+                  <a:blip r:embed="rId2"/>
+                  <a:stretch>
+                    <a:fillRect/>
+                  </a:stretch>
+                </a:blipFill>
+              </p:spPr>
+              <p:txBody>
+                <a:bodyPr/>
+                <a:lstStyle/>
+                <a:p>
+                  <a:r>
+                    <a:rPr lang="ru-RU">
+                      <a:noFill/>
+                    </a:rPr>
+                    <a:t> </a:t>
+                  </a:r>
+                </a:p>
+              </p:txBody>
+            </p:sp>
+          </mc:Fallback>
+        </mc:AlternateContent>
+        <p:cxnSp>
+          <p:nvCxnSpPr>
+            <p:cNvPr id="9" name="Прямая соединительная линия 8"/>
+            <p:cNvCxnSpPr/>
+            <p:nvPr/>
+          </p:nvCxnSpPr>
+          <p:spPr>
+            <a:xfrm>
+              <a:off x="8128465" y="4060658"/>
+              <a:ext cx="702714" cy="0"/>
+            </a:xfrm>
+            <a:prstGeom prst="line">
+              <a:avLst/>
+            </a:prstGeom>
+            <a:ln w="38100"/>
+          </p:spPr>
+          <p:style>
+            <a:lnRef idx="1">
+              <a:schemeClr val="accent1"/>
+            </a:lnRef>
+            <a:fillRef idx="0">
+              <a:schemeClr val="accent1"/>
+            </a:fillRef>
+            <a:effectRef idx="0">
+              <a:schemeClr val="accent1"/>
+            </a:effectRef>
+            <a:fontRef idx="minor">
+              <a:schemeClr val="tx1"/>
+            </a:fontRef>
+          </p:style>
+        </p:cxnSp>
+        <p:cxnSp>
+          <p:nvCxnSpPr>
+            <p:cNvPr id="12" name="Прямая со стрелкой 11"/>
+            <p:cNvCxnSpPr/>
+            <p:nvPr/>
+          </p:nvCxnSpPr>
+          <p:spPr>
+            <a:xfrm>
+              <a:off x="8849723" y="4060658"/>
+              <a:ext cx="0" cy="949004"/>
+            </a:xfrm>
+            <a:prstGeom prst="straightConnector1">
+              <a:avLst/>
+            </a:prstGeom>
+            <a:ln w="28575">
+              <a:tailEnd type="triangle"/>
+            </a:ln>
+          </p:spPr>
+          <p:style>
+            <a:lnRef idx="1">
+              <a:schemeClr val="accent1"/>
+            </a:lnRef>
+            <a:fillRef idx="0">
+              <a:schemeClr val="accent1"/>
+            </a:fillRef>
+            <a:effectRef idx="0">
+              <a:schemeClr val="accent1"/>
+            </a:effectRef>
+            <a:fontRef idx="minor">
+              <a:schemeClr val="tx1"/>
+            </a:fontRef>
+          </p:style>
+        </p:cxnSp>
+        <p:sp>
+          <p:nvSpPr>
+            <p:cNvPr id="13" name="TextBox 12"/>
+            <p:cNvSpPr txBox="1"/>
+            <p:nvPr/>
+          </p:nvSpPr>
+          <p:spPr>
+            <a:xfrm>
+              <a:off x="8316294" y="3607087"/>
+              <a:ext cx="514885" cy="369332"/>
+            </a:xfrm>
+            <a:prstGeom prst="rect">
+              <a:avLst/>
+            </a:prstGeom>
+            <a:noFill/>
+          </p:spPr>
+          <p:txBody>
+            <a:bodyPr wrap="none" rtlCol="0">
+              <a:spAutoFit/>
+            </a:bodyPr>
+            <a:lstStyle/>
+            <a:p>
+              <a:r>
+                <a:rPr lang="ru-RU"/>
+                <a:t>Да</a:t>
+              </a:r>
+            </a:p>
+          </p:txBody>
+        </p:sp>
+        <p:sp>
+          <p:nvSpPr>
+            <p:cNvPr id="14" name="Прямоугольник 13"/>
+            <p:cNvSpPr/>
+            <p:nvPr/>
+          </p:nvSpPr>
+          <p:spPr>
+            <a:xfrm>
+              <a:off x="7745329" y="5009662"/>
+              <a:ext cx="2242503" cy="1574018"/>
+            </a:xfrm>
+            <a:prstGeom prst="rect">
+              <a:avLst/>
+            </a:prstGeom>
+          </p:spPr>
+          <p:style>
+            <a:lnRef idx="2">
+              <a:schemeClr val="accent1">
+                <a:shade val="50000"/>
+              </a:schemeClr>
+            </a:lnRef>
+            <a:fillRef idx="1">
+              <a:schemeClr val="accent1"/>
+            </a:fillRef>
+            <a:effectRef idx="0">
+              <a:schemeClr val="accent1"/>
+            </a:effectRef>
+            <a:fontRef idx="minor">
+              <a:schemeClr val="lt1"/>
+            </a:fontRef>
+          </p:style>
+          <p:txBody>
+            <a:bodyPr rtlCol="0" anchor="ctr"/>
+            <a:lstStyle/>
+            <a:p>
+              <a:pPr algn="ctr"/>
+              <a:r>
+                <a:rPr lang="ru-RU" dirty="0"/>
+                <a:t>Корректировка регуляторов относительно разницы температур</a:t>
+              </a:r>
+            </a:p>
+          </p:txBody>
+        </p:sp>
+      </p:grpSp>
     </p:spTree>
     <p:extLst>
       <p:ext uri="{BB962C8B-B14F-4D97-AF65-F5344CB8AC3E}">
@@ -18339,6 +18817,13 @@
   <p:clrMapOvr>
     <a:masterClrMapping/>
   </p:clrMapOvr>
+  <p:timing>
+    <p:tnLst>
+      <p:par>
+        <p:cTn id="1" dur="indefinite" restart="never" nodeType="tmRoot"/>
+      </p:par>
+    </p:tnLst>
+  </p:timing>
 </p:sld>
 </file>
 
@@ -18394,8 +18879,8 @@
         </p:nvSpPr>
         <p:spPr>
           <a:xfrm>
-            <a:off x="1154954" y="2603500"/>
-            <a:ext cx="8825659" cy="1054100"/>
+            <a:off x="827305" y="2603500"/>
+            <a:ext cx="10537391" cy="1054100"/>
           </a:xfrm>
         </p:spPr>
         <p:txBody>
@@ -18421,7 +18906,15 @@
             </a:pPr>
             <a:r>
               <a:rPr lang="ru-RU" dirty="0"/>
-              <a:t>Для реализации режима была разработана Нейронная Сеть, которая находит зависимость между температурами, показаниями всех регуляторов и суммарным расходом газа и электричества.</a:t>
+              <a:t>Для реализации режима была </a:t>
+            </a:r>
+            <a:r>
+              <a:rPr lang="ru-RU" sz="2000" dirty="0"/>
+              <a:t>разработана</a:t>
+            </a:r>
+            <a:r>
+              <a:rPr lang="ru-RU" dirty="0"/>
+              <a:t> Нейронная Сеть, которая находит зависимость между температурами, показаниями всех регуляторов и суммарным расходом газа и электричества.</a:t>
             </a:r>
           </a:p>
         </p:txBody>
@@ -18539,7 +19032,7 @@
                         <m:dPr>
                           <m:ctrlPr>
                             <a:rPr lang="mr-IN" i="1" smtClean="0">
-                              <a:latin typeface="Cambria Math" panose="02040503050406030204" pitchFamily="18" charset="0"/>
+                              <a:latin typeface="Cambria Math"/>
                             </a:rPr>
                           </m:ctrlPr>
                         </m:dPr>
@@ -18548,7 +19041,7 @@
                             <m:eqArrPr>
                               <m:ctrlPr>
                                 <a:rPr lang="ru-RU" b="0" i="1" smtClean="0">
-                                  <a:latin typeface="Cambria Math" panose="02040503050406030204" pitchFamily="18" charset="0"/>
+                                  <a:latin typeface="Cambria Math"/>
                                 </a:rPr>
                               </m:ctrlPr>
                             </m:eqArrPr>
@@ -18710,7 +19203,7 @@
                         <m:dPr>
                           <m:ctrlPr>
                             <a:rPr lang="mr-IN" i="1" smtClean="0">
-                              <a:latin typeface="Cambria Math" panose="02040503050406030204" pitchFamily="18" charset="0"/>
+                              <a:latin typeface="Cambria Math"/>
                             </a:rPr>
                           </m:ctrlPr>
                         </m:dPr>
@@ -18719,7 +19212,7 @@
                             <m:eqArrPr>
                               <m:ctrlPr>
                                 <a:rPr lang="ru-RU" b="0" i="1" smtClean="0">
-                                  <a:latin typeface="Cambria Math" panose="02040503050406030204" pitchFamily="18" charset="0"/>
+                                  <a:latin typeface="Cambria Math"/>
                                 </a:rPr>
                               </m:ctrlPr>
                             </m:eqArrPr>
@@ -18799,6 +19292,13 @@
   <p:clrMapOvr>
     <a:masterClrMapping/>
   </p:clrMapOvr>
+  <p:timing>
+    <p:tnLst>
+      <p:par>
+        <p:cTn id="1" dur="indefinite" restart="never" nodeType="tmRoot"/>
+      </p:par>
+    </p:tnLst>
+  </p:timing>
 </p:sld>
 </file>
 
@@ -19060,7 +19560,7 @@
   <a:extraClrSchemeLst/>
   <a:extLst>
     <a:ext uri="{05A4C25C-085E-4340-85A3-A5531E510DB2}">
-      <thm15:themeFamily xmlns:thm15="http://schemas.microsoft.com/office/thememl/2012/main" name="Ion Boardroom" id="{FC33163D-4339-46B1-8EED-24C834239D99}" vid="{B8502691-933B-45FE-8764-BA278511EF27}"/>
+      <thm15:themeFamily xmlns:thm15="http://schemas.microsoft.com/office/thememl/2012/main" xmlns="" name="Ion Boardroom" id="{FC33163D-4339-46B1-8EED-24C834239D99}" vid="{B8502691-933B-45FE-8764-BA278511EF27}"/>
     </a:ext>
   </a:extLst>
 </a:theme>
@@ -19321,7 +19821,7 @@
   <a:extraClrSchemeLst/>
   <a:extLst>
     <a:ext uri="{05A4C25C-085E-4340-85A3-A5531E510DB2}">
-      <thm15:themeFamily xmlns:thm15="http://schemas.microsoft.com/office/thememl/2012/main" name="Office Theme" id="{62F939B6-93AF-4DB8-9C6B-D6C7DFDC589F}" vid="{4A3C46E8-61CC-4603-A589-7422A47A8E4A}"/>
+      <thm15:themeFamily xmlns:thm15="http://schemas.microsoft.com/office/thememl/2012/main" xmlns="" name="Office Theme" id="{62F939B6-93AF-4DB8-9C6B-D6C7DFDC589F}" vid="{4A3C46E8-61CC-4603-A589-7422A47A8E4A}"/>
     </a:ext>
   </a:extLst>
 </a:theme>

--- a/present.pptx
+++ b/present.pptx
@@ -125,7 +125,7 @@
   </p:defaultTextStyle>
   <p:extLst>
     <p:ext uri="{EFAFB233-063F-42B5-8137-9DF3F51BA10A}">
-      <p15:sldGuideLst xmlns:p15="http://schemas.microsoft.com/office/powerpoint/2012/main" xmlns="">
+      <p15:sldGuideLst xmlns="" xmlns:p15="http://schemas.microsoft.com/office/powerpoint/2012/main">
         <p15:guide id="1" orient="horz" pos="2160">
           <p15:clr>
             <a:srgbClr val="A4A3A4"/>
@@ -14059,8 +14059,8 @@
           </a:p>
         </p:txBody>
       </p:sp>
-      <mc:AlternateContent xmlns:mc="http://schemas.openxmlformats.org/markup-compatibility/2006">
-        <mc:Choice xmlns:a14="http://schemas.microsoft.com/office/drawing/2010/main" Requires="a14">
+      <mc:AlternateContent xmlns:mc="http://schemas.openxmlformats.org/markup-compatibility/2006" xmlns:a14="http://schemas.microsoft.com/office/drawing/2010/main">
+        <mc:Choice Requires="a14">
           <p:sp>
             <p:nvSpPr>
               <p:cNvPr id="4" name="TextBox 3"/>
@@ -14451,7 +14451,7 @@
             </p:txBody>
           </p:sp>
         </mc:Choice>
-        <mc:Fallback>
+        <mc:Fallback xmlns="">
           <p:sp>
             <p:nvSpPr>
               <p:cNvPr id="4" name="TextBox 3"/>
@@ -14490,8 +14490,8 @@
           </p:sp>
         </mc:Fallback>
       </mc:AlternateContent>
-      <mc:AlternateContent xmlns:mc="http://schemas.openxmlformats.org/markup-compatibility/2006">
-        <mc:Choice xmlns:a14="http://schemas.microsoft.com/office/drawing/2010/main" Requires="a14">
+      <mc:AlternateContent xmlns:mc="http://schemas.openxmlformats.org/markup-compatibility/2006" xmlns:a14="http://schemas.microsoft.com/office/drawing/2010/main">
+        <mc:Choice Requires="a14">
           <p:sp>
             <p:nvSpPr>
               <p:cNvPr id="5" name="TextBox 4"/>
@@ -14568,13 +14568,13 @@
                         <a:rPr lang="en-US" sz="2000" b="0" i="1" smtClean="0">
                           <a:latin typeface="Cambria Math" charset="0"/>
                         </a:rPr>
-                        <m:t> −показание ре</m:t>
+                        <m:t> −показание регуля</m:t>
                       </m:r>
                       <m:r>
                         <a:rPr lang="ru-RU" sz="2000" b="0" i="1" smtClean="0">
                           <a:latin typeface="Cambria Math" charset="0"/>
                         </a:rPr>
-                        <m:t>гулятора газа,</m:t>
+                        <m:t>тора газа,</m:t>
                       </m:r>
                     </m:oMath>
                   </m:oMathPara>
@@ -14786,7 +14786,7 @@
             </p:txBody>
           </p:sp>
         </mc:Choice>
-        <mc:Fallback>
+        <mc:Fallback xmlns="">
           <p:sp>
             <p:nvSpPr>
               <p:cNvPr id="5" name="TextBox 4"/>
@@ -15133,7 +15133,7 @@
           <p:cNvPr id="2" name="Заголовок 1">
             <a:extLst>
               <a:ext uri="{FF2B5EF4-FFF2-40B4-BE49-F238E27FC236}">
-                <a16:creationId xmlns:a16="http://schemas.microsoft.com/office/drawing/2014/main" xmlns="" id="{1EDFF5A3-FBB5-461E-A9C7-923CD6FD0AC5}"/>
+                <a16:creationId xmlns="" xmlns:a16="http://schemas.microsoft.com/office/drawing/2014/main" id="{1EDFF5A3-FBB5-461E-A9C7-923CD6FD0AC5}"/>
               </a:ext>
             </a:extLst>
           </p:cNvPr>
@@ -15162,7 +15162,7 @@
           <p:cNvPr id="4" name="TextBox 3">
             <a:extLst>
               <a:ext uri="{FF2B5EF4-FFF2-40B4-BE49-F238E27FC236}">
-                <a16:creationId xmlns:a16="http://schemas.microsoft.com/office/drawing/2014/main" xmlns="" id="{4E4FA2F1-D15C-41D0-9A52-83F93757370C}"/>
+                <a16:creationId xmlns="" xmlns:a16="http://schemas.microsoft.com/office/drawing/2014/main" id="{4E4FA2F1-D15C-41D0-9A52-83F93757370C}"/>
               </a:ext>
             </a:extLst>
           </p:cNvPr>
@@ -15207,7 +15207,7 @@
           <p:cNvPr id="5" name="TextBox 4">
             <a:extLst>
               <a:ext uri="{FF2B5EF4-FFF2-40B4-BE49-F238E27FC236}">
-                <a16:creationId xmlns:a16="http://schemas.microsoft.com/office/drawing/2014/main" xmlns="" id="{3D338E15-5DA0-4290-87DD-685B0B4F9354}"/>
+                <a16:creationId xmlns="" xmlns:a16="http://schemas.microsoft.com/office/drawing/2014/main" id="{3D338E15-5DA0-4290-87DD-685B0B4F9354}"/>
               </a:ext>
             </a:extLst>
           </p:cNvPr>
@@ -15248,7 +15248,7 @@
           <p:cNvPr id="6" name="TextBox 5">
             <a:extLst>
               <a:ext uri="{FF2B5EF4-FFF2-40B4-BE49-F238E27FC236}">
-                <a16:creationId xmlns:a16="http://schemas.microsoft.com/office/drawing/2014/main" xmlns="" id="{9E4975CE-2E19-4571-8A7C-6D8D2DAC2458}"/>
+                <a16:creationId xmlns="" xmlns:a16="http://schemas.microsoft.com/office/drawing/2014/main" id="{9E4975CE-2E19-4571-8A7C-6D8D2DAC2458}"/>
               </a:ext>
             </a:extLst>
           </p:cNvPr>
@@ -15297,7 +15297,7 @@
           <p:cNvPr id="7" name="TextBox 6">
             <a:extLst>
               <a:ext uri="{FF2B5EF4-FFF2-40B4-BE49-F238E27FC236}">
-                <a16:creationId xmlns:a16="http://schemas.microsoft.com/office/drawing/2014/main" xmlns="" id="{7AB75CB3-42A9-4E90-97A9-F2EDFFD7B660}"/>
+                <a16:creationId xmlns="" xmlns:a16="http://schemas.microsoft.com/office/drawing/2014/main" id="{7AB75CB3-42A9-4E90-97A9-F2EDFFD7B660}"/>
               </a:ext>
             </a:extLst>
           </p:cNvPr>
@@ -15342,7 +15342,7 @@
           <p:cNvPr id="1026" name="Picture 2" descr="Картинки по запросу ubuntu 16.04 logo">
             <a:extLst>
               <a:ext uri="{FF2B5EF4-FFF2-40B4-BE49-F238E27FC236}">
-                <a16:creationId xmlns:a16="http://schemas.microsoft.com/office/drawing/2014/main" xmlns="" id="{649412D1-37AC-4E01-B3BF-EDB810FD218B}"/>
+                <a16:creationId xmlns="" xmlns:a16="http://schemas.microsoft.com/office/drawing/2014/main" id="{649412D1-37AC-4E01-B3BF-EDB810FD218B}"/>
               </a:ext>
             </a:extLst>
           </p:cNvPr>
@@ -15403,7 +15403,7 @@
             <p:cNvPr id="1028" name="Picture 4" descr="Картинки по запросу apache">
               <a:extLst>
                 <a:ext uri="{FF2B5EF4-FFF2-40B4-BE49-F238E27FC236}">
-                  <a16:creationId xmlns:a16="http://schemas.microsoft.com/office/drawing/2014/main" xmlns="" id="{69EC288F-3BDA-4B82-8173-C158568131B1}"/>
+                  <a16:creationId xmlns="" xmlns:a16="http://schemas.microsoft.com/office/drawing/2014/main" id="{69EC288F-3BDA-4B82-8173-C158568131B1}"/>
                 </a:ext>
               </a:extLst>
             </p:cNvPr>
@@ -15450,7 +15450,7 @@
             <p:cNvPr id="1030" name="Picture 6" descr="Картинки по запросу php 7.0">
               <a:extLst>
                 <a:ext uri="{FF2B5EF4-FFF2-40B4-BE49-F238E27FC236}">
-                  <a16:creationId xmlns:a16="http://schemas.microsoft.com/office/drawing/2014/main" xmlns="" id="{204DCBAD-AB0E-4EAA-945D-9E89B6DAD8FF}"/>
+                  <a16:creationId xmlns="" xmlns:a16="http://schemas.microsoft.com/office/drawing/2014/main" id="{204DCBAD-AB0E-4EAA-945D-9E89B6DAD8FF}"/>
                 </a:ext>
               </a:extLst>
             </p:cNvPr>
@@ -15498,7 +15498,7 @@
           <p:cNvPr id="1032" name="Picture 8" descr="Картинки по запросу postgresql 9.5 logo">
             <a:extLst>
               <a:ext uri="{FF2B5EF4-FFF2-40B4-BE49-F238E27FC236}">
-                <a16:creationId xmlns:a16="http://schemas.microsoft.com/office/drawing/2014/main" xmlns="" id="{3ECD406A-7FCA-450D-8228-497295C73D27}"/>
+                <a16:creationId xmlns="" xmlns:a16="http://schemas.microsoft.com/office/drawing/2014/main" id="{3ECD406A-7FCA-450D-8228-497295C73D27}"/>
               </a:ext>
             </a:extLst>
           </p:cNvPr>
@@ -15545,7 +15545,7 @@
           <p:cNvPr id="1034" name="Picture 10" descr="Картинки по запросу python logo">
             <a:extLst>
               <a:ext uri="{FF2B5EF4-FFF2-40B4-BE49-F238E27FC236}">
-                <a16:creationId xmlns:a16="http://schemas.microsoft.com/office/drawing/2014/main" xmlns="" id="{51419B93-0D26-4CAE-A7C8-E30AB18B17CD}"/>
+                <a16:creationId xmlns="" xmlns:a16="http://schemas.microsoft.com/office/drawing/2014/main" id="{51419B93-0D26-4CAE-A7C8-E30AB18B17CD}"/>
               </a:ext>
             </a:extLst>
           </p:cNvPr>
@@ -15629,7 +15629,7 @@
           <p:cNvPr id="2" name="Заголовок 1">
             <a:extLst>
               <a:ext uri="{FF2B5EF4-FFF2-40B4-BE49-F238E27FC236}">
-                <a16:creationId xmlns:a16="http://schemas.microsoft.com/office/drawing/2014/main" xmlns="" id="{7C40EFF8-85D0-4D1F-80A0-E53BE3B6770F}"/>
+                <a16:creationId xmlns="" xmlns:a16="http://schemas.microsoft.com/office/drawing/2014/main" id="{7C40EFF8-85D0-4D1F-80A0-E53BE3B6770F}"/>
               </a:ext>
             </a:extLst>
           </p:cNvPr>
@@ -15662,7 +15662,7 @@
           <p:cNvPr id="3" name="Объект 2">
             <a:extLst>
               <a:ext uri="{FF2B5EF4-FFF2-40B4-BE49-F238E27FC236}">
-                <a16:creationId xmlns:a16="http://schemas.microsoft.com/office/drawing/2014/main" xmlns="" id="{D68896F1-0511-40A6-9975-DD7802AA912C}"/>
+                <a16:creationId xmlns="" xmlns:a16="http://schemas.microsoft.com/office/drawing/2014/main" id="{D68896F1-0511-40A6-9975-DD7802AA912C}"/>
               </a:ext>
             </a:extLst>
           </p:cNvPr>
@@ -15731,11 +15731,7 @@
             </a:r>
             <a:r>
               <a:rPr lang="ru-RU" sz="2000" dirty="0" smtClean="0"/>
-              <a:t>предполагается использовать </a:t>
-            </a:r>
-            <a:r>
-              <a:rPr lang="ru-RU" sz="2000" dirty="0" smtClean="0"/>
-              <a:t>следующие </a:t>
+              <a:t>предполагается использовать следующие </a:t>
             </a:r>
             <a:r>
               <a:rPr lang="ru-RU" sz="2000" dirty="0"/>
@@ -15907,7 +15903,7 @@
           <p:cNvPr id="8" name="Объект 7">
             <a:extLst>
               <a:ext uri="{FF2B5EF4-FFF2-40B4-BE49-F238E27FC236}">
-                <a16:creationId xmlns:a16="http://schemas.microsoft.com/office/drawing/2014/main" xmlns="" id="{D1DF4AFA-8037-4928-AB2B-238597ABA7F1}"/>
+                <a16:creationId xmlns="" xmlns:a16="http://schemas.microsoft.com/office/drawing/2014/main" id="{D1DF4AFA-8037-4928-AB2B-238597ABA7F1}"/>
               </a:ext>
             </a:extLst>
           </p:cNvPr>
@@ -15939,7 +15935,7 @@
           <p:cNvPr id="9" name="TextBox 8">
             <a:extLst>
               <a:ext uri="{FF2B5EF4-FFF2-40B4-BE49-F238E27FC236}">
-                <a16:creationId xmlns:a16="http://schemas.microsoft.com/office/drawing/2014/main" xmlns="" id="{C097CCDC-9A2F-459B-9362-C3AEB9188317}"/>
+                <a16:creationId xmlns="" xmlns:a16="http://schemas.microsoft.com/office/drawing/2014/main" id="{C097CCDC-9A2F-459B-9362-C3AEB9188317}"/>
               </a:ext>
             </a:extLst>
           </p:cNvPr>
@@ -16001,7 +15997,7 @@
           <p:cNvPr id="5" name="Заголовок 1">
             <a:extLst>
               <a:ext uri="{FF2B5EF4-FFF2-40B4-BE49-F238E27FC236}">
-                <a16:creationId xmlns:a16="http://schemas.microsoft.com/office/drawing/2014/main" xmlns="" id="{BD7F5098-EF74-44EE-9BD1-19A65926B605}"/>
+                <a16:creationId xmlns="" xmlns:a16="http://schemas.microsoft.com/office/drawing/2014/main" id="{BD7F5098-EF74-44EE-9BD1-19A65926B605}"/>
               </a:ext>
             </a:extLst>
           </p:cNvPr>
@@ -16161,7 +16157,7 @@
           <p:cNvPr id="3" name="Заголовок 2">
             <a:extLst>
               <a:ext uri="{FF2B5EF4-FFF2-40B4-BE49-F238E27FC236}">
-                <a16:creationId xmlns:a16="http://schemas.microsoft.com/office/drawing/2014/main" xmlns="" id="{DD410EA9-3E96-462F-9D11-A92DABB58BA0}"/>
+                <a16:creationId xmlns="" xmlns:a16="http://schemas.microsoft.com/office/drawing/2014/main" id="{DD410EA9-3E96-462F-9D11-A92DABB58BA0}"/>
               </a:ext>
             </a:extLst>
           </p:cNvPr>
@@ -16198,7 +16194,7 @@
           <p:cNvPr id="4" name="Объект 3">
             <a:extLst>
               <a:ext uri="{FF2B5EF4-FFF2-40B4-BE49-F238E27FC236}">
-                <a16:creationId xmlns:a16="http://schemas.microsoft.com/office/drawing/2014/main" xmlns="" id="{220C079F-28E5-4848-958F-53DF42C29908}"/>
+                <a16:creationId xmlns="" xmlns:a16="http://schemas.microsoft.com/office/drawing/2014/main" id="{220C079F-28E5-4848-958F-53DF42C29908}"/>
               </a:ext>
             </a:extLst>
           </p:cNvPr>
@@ -16269,7 +16265,7 @@
           <p:cNvPr id="1026" name="Picture 2" descr="Картинки по запросу neuronet">
             <a:extLst>
               <a:ext uri="{FF2B5EF4-FFF2-40B4-BE49-F238E27FC236}">
-                <a16:creationId xmlns:a16="http://schemas.microsoft.com/office/drawing/2014/main" xmlns="" id="{F6A4D049-35C3-4E7A-B3ED-D0354C254FCB}"/>
+                <a16:creationId xmlns="" xmlns:a16="http://schemas.microsoft.com/office/drawing/2014/main" id="{F6A4D049-35C3-4E7A-B3ED-D0354C254FCB}"/>
               </a:ext>
             </a:extLst>
           </p:cNvPr>
@@ -16470,7 +16466,7 @@
           <p:cNvPr id="3" name="Заголовок 2">
             <a:extLst>
               <a:ext uri="{FF2B5EF4-FFF2-40B4-BE49-F238E27FC236}">
-                <a16:creationId xmlns:a16="http://schemas.microsoft.com/office/drawing/2014/main" xmlns="" id="{DD410EA9-3E96-462F-9D11-A92DABB58BA0}"/>
+                <a16:creationId xmlns="" xmlns:a16="http://schemas.microsoft.com/office/drawing/2014/main" id="{DD410EA9-3E96-462F-9D11-A92DABB58BA0}"/>
               </a:ext>
             </a:extLst>
           </p:cNvPr>
@@ -16499,7 +16495,7 @@
           <p:cNvPr id="4" name="Объект 3">
             <a:extLst>
               <a:ext uri="{FF2B5EF4-FFF2-40B4-BE49-F238E27FC236}">
-                <a16:creationId xmlns:a16="http://schemas.microsoft.com/office/drawing/2014/main" xmlns="" id="{220C079F-28E5-4848-958F-53DF42C29908}"/>
+                <a16:creationId xmlns="" xmlns:a16="http://schemas.microsoft.com/office/drawing/2014/main" id="{220C079F-28E5-4848-958F-53DF42C29908}"/>
               </a:ext>
             </a:extLst>
           </p:cNvPr>
@@ -16529,15 +16525,11 @@
             </a:r>
             <a:r>
               <a:rPr lang="ru-RU" dirty="0"/>
-              <a:t>методом привлечения клиентов в сфере </a:t>
-            </a:r>
-            <a:r>
-              <a:rPr lang="en-US" dirty="0"/>
-              <a:t>B2B </a:t>
-            </a:r>
-            <a:r>
-              <a:rPr lang="ru-RU" dirty="0"/>
-              <a:t>и </a:t>
+              <a:t>методом привлечения клиентов в </a:t>
+            </a:r>
+            <a:r>
+              <a:rPr lang="ru-RU" dirty="0" smtClean="0"/>
+              <a:t>сфере </a:t>
             </a:r>
             <a:r>
               <a:rPr lang="en-US" dirty="0"/>
@@ -16545,20 +16537,22 @@
             </a:r>
             <a:r>
               <a:rPr lang="ru-RU" dirty="0"/>
-              <a:t>(для бизнес-пользователей и частных лиц соответственно) является интернет-маркетинг, что позволит охватить достаточно широкую аудиторию за сравнительно небольшие сроки при соответствующих рекламных акциях.</a:t>
+              <a:t>(для бизнес-пользователей и частных </a:t>
+            </a:r>
+            <a:r>
+              <a:rPr lang="ru-RU" dirty="0" smtClean="0"/>
+              <a:t>лиц) </a:t>
+            </a:r>
+            <a:r>
+              <a:rPr lang="ru-RU" dirty="0"/>
+              <a:t>является интернет-маркетинг, что позволит охватить достаточно широкую аудиторию за сравнительно небольшие сроки при соответствующих рекламных акциях.</a:t>
             </a:r>
           </a:p>
         </p:txBody>
       </p:sp>
       <p:pic>
         <p:nvPicPr>
-          <p:cNvPr id="1030" name="Picture 6" descr="Картинки по запросу b2c b2b">
-            <a:extLst>
-              <a:ext uri="{FF2B5EF4-FFF2-40B4-BE49-F238E27FC236}">
-                <a16:creationId xmlns:a16="http://schemas.microsoft.com/office/drawing/2014/main" xmlns="" id="{6102A90C-1F17-4917-9101-57D36E42CE00}"/>
-              </a:ext>
-            </a:extLst>
-          </p:cNvPr>
+          <p:cNvPr id="1026" name="Picture 2" descr="C:\Users\Mislitel\Documents\ViberDownloads\0-02-05-27fea0fe0c758dcbbcfea5399d205532f541381f7a3b8cb27006223e830cbf03_full.jpg"/>
           <p:cNvPicPr>
             <a:picLocks noChangeAspect="1" noChangeArrowheads="1"/>
           </p:cNvPicPr>
@@ -16579,8 +16573,8 @@
         </p:blipFill>
         <p:spPr bwMode="auto">
           <a:xfrm>
-            <a:off x="3839091" y="3965636"/>
-            <a:ext cx="4513818" cy="2184103"/>
+            <a:off x="3933663" y="3745721"/>
+            <a:ext cx="4324674" cy="2774999"/>
           </a:xfrm>
           <a:prstGeom prst="rect">
             <a:avLst/>
@@ -16639,7 +16633,7 @@
           <p:cNvPr id="4" name="Объект 3">
             <a:extLst>
               <a:ext uri="{FF2B5EF4-FFF2-40B4-BE49-F238E27FC236}">
-                <a16:creationId xmlns:a16="http://schemas.microsoft.com/office/drawing/2014/main" xmlns="" id="{701865B6-6CF7-492B-AD9F-A6713C60D14F}"/>
+                <a16:creationId xmlns="" xmlns:a16="http://schemas.microsoft.com/office/drawing/2014/main" id="{701865B6-6CF7-492B-AD9F-A6713C60D14F}"/>
               </a:ext>
             </a:extLst>
           </p:cNvPr>
@@ -16915,7 +16909,7 @@
           <p:cNvPr id="5" name="Заголовок 4">
             <a:extLst>
               <a:ext uri="{FF2B5EF4-FFF2-40B4-BE49-F238E27FC236}">
-                <a16:creationId xmlns:a16="http://schemas.microsoft.com/office/drawing/2014/main" xmlns="" id="{5FDFC8FE-ABEA-4877-B546-94CEC0C122ED}"/>
+                <a16:creationId xmlns="" xmlns:a16="http://schemas.microsoft.com/office/drawing/2014/main" id="{5FDFC8FE-ABEA-4877-B546-94CEC0C122ED}"/>
               </a:ext>
             </a:extLst>
           </p:cNvPr>
@@ -16944,7 +16938,7 @@
           <p:cNvPr id="2050" name="Picture 2" descr="Картинки по запросу customer png">
             <a:extLst>
               <a:ext uri="{FF2B5EF4-FFF2-40B4-BE49-F238E27FC236}">
-                <a16:creationId xmlns:a16="http://schemas.microsoft.com/office/drawing/2014/main" xmlns="" id="{8E82531C-4B6C-41F8-8201-EF20A6DBC541}"/>
+                <a16:creationId xmlns="" xmlns:a16="http://schemas.microsoft.com/office/drawing/2014/main" id="{8E82531C-4B6C-41F8-8201-EF20A6DBC541}"/>
               </a:ext>
             </a:extLst>
           </p:cNvPr>
@@ -17106,7 +17100,7 @@
           <p:cNvPr id="2" name="Заголовок 1">
             <a:extLst>
               <a:ext uri="{FF2B5EF4-FFF2-40B4-BE49-F238E27FC236}">
-                <a16:creationId xmlns:a16="http://schemas.microsoft.com/office/drawing/2014/main" xmlns="" id="{C5FBDF4D-D35D-46EF-ACB0-763A5E332E5C}"/>
+                <a16:creationId xmlns="" xmlns:a16="http://schemas.microsoft.com/office/drawing/2014/main" id="{C5FBDF4D-D35D-46EF-ACB0-763A5E332E5C}"/>
               </a:ext>
             </a:extLst>
           </p:cNvPr>
@@ -17139,7 +17133,7 @@
           <p:cNvPr id="3" name="Объект 2">
             <a:extLst>
               <a:ext uri="{FF2B5EF4-FFF2-40B4-BE49-F238E27FC236}">
-                <a16:creationId xmlns:a16="http://schemas.microsoft.com/office/drawing/2014/main" xmlns="" id="{9694AABC-1145-4B60-B360-9FD98A57DAB1}"/>
+                <a16:creationId xmlns="" xmlns:a16="http://schemas.microsoft.com/office/drawing/2014/main" id="{9694AABC-1145-4B60-B360-9FD98A57DAB1}"/>
               </a:ext>
             </a:extLst>
           </p:cNvPr>
@@ -17231,7 +17225,7 @@
           <p:cNvPr id="2" name="Заголовок 1">
             <a:extLst>
               <a:ext uri="{FF2B5EF4-FFF2-40B4-BE49-F238E27FC236}">
-                <a16:creationId xmlns:a16="http://schemas.microsoft.com/office/drawing/2014/main" xmlns="" id="{7268A71C-E428-46B7-B4BE-DA2E8E9BE6EF}"/>
+                <a16:creationId xmlns="" xmlns:a16="http://schemas.microsoft.com/office/drawing/2014/main" id="{7268A71C-E428-46B7-B4BE-DA2E8E9BE6EF}"/>
               </a:ext>
             </a:extLst>
           </p:cNvPr>
@@ -17259,7 +17253,7 @@
           <p:cNvPr id="3" name="Объект 2">
             <a:extLst>
               <a:ext uri="{FF2B5EF4-FFF2-40B4-BE49-F238E27FC236}">
-                <a16:creationId xmlns:a16="http://schemas.microsoft.com/office/drawing/2014/main" xmlns="" id="{C4C87C1D-2FA7-43A3-82F0-27C5516DA9F0}"/>
+                <a16:creationId xmlns="" xmlns:a16="http://schemas.microsoft.com/office/drawing/2014/main" id="{C4C87C1D-2FA7-43A3-82F0-27C5516DA9F0}"/>
               </a:ext>
             </a:extLst>
           </p:cNvPr>
@@ -17390,7 +17384,7 @@
           <p:cNvPr id="4" name="Заголовок 1">
             <a:extLst>
               <a:ext uri="{FF2B5EF4-FFF2-40B4-BE49-F238E27FC236}">
-                <a16:creationId xmlns:a16="http://schemas.microsoft.com/office/drawing/2014/main" xmlns="" id="{BD7F5098-EF74-44EE-9BD1-19A65926B605}"/>
+                <a16:creationId xmlns="" xmlns:a16="http://schemas.microsoft.com/office/drawing/2014/main" id="{BD7F5098-EF74-44EE-9BD1-19A65926B605}"/>
               </a:ext>
             </a:extLst>
           </p:cNvPr>
@@ -17981,8 +17975,8 @@
           </a:fontRef>
         </p:style>
       </p:cxnSp>
-      <mc:AlternateContent xmlns:mc="http://schemas.openxmlformats.org/markup-compatibility/2006">
-        <mc:Choice xmlns:a14="http://schemas.microsoft.com/office/drawing/2010/main" Requires="a14">
+      <mc:AlternateContent xmlns:mc="http://schemas.openxmlformats.org/markup-compatibility/2006" xmlns:a14="http://schemas.microsoft.com/office/drawing/2010/main">
+        <mc:Choice Requires="a14">
           <p:sp>
             <p:nvSpPr>
               <p:cNvPr id="10" name="TextBox 9"/>
@@ -18168,7 +18162,7 @@
             </p:txBody>
           </p:sp>
         </mc:Choice>
-        <mc:Fallback>
+        <mc:Fallback xmlns="">
           <p:sp>
             <p:nvSpPr>
               <p:cNvPr id="10" name="TextBox 9"/>
@@ -19560,7 +19554,7 @@
   <a:extraClrSchemeLst/>
   <a:extLst>
     <a:ext uri="{05A4C25C-085E-4340-85A3-A5531E510DB2}">
-      <thm15:themeFamily xmlns:thm15="http://schemas.microsoft.com/office/thememl/2012/main" xmlns="" name="Ion Boardroom" id="{FC33163D-4339-46B1-8EED-24C834239D99}" vid="{B8502691-933B-45FE-8764-BA278511EF27}"/>
+      <thm15:themeFamily xmlns="" xmlns:thm15="http://schemas.microsoft.com/office/thememl/2012/main" name="Ion Boardroom" id="{FC33163D-4339-46B1-8EED-24C834239D99}" vid="{B8502691-933B-45FE-8764-BA278511EF27}"/>
     </a:ext>
   </a:extLst>
 </a:theme>
@@ -19821,7 +19815,7 @@
   <a:extraClrSchemeLst/>
   <a:extLst>
     <a:ext uri="{05A4C25C-085E-4340-85A3-A5531E510DB2}">
-      <thm15:themeFamily xmlns:thm15="http://schemas.microsoft.com/office/thememl/2012/main" xmlns="" name="Office Theme" id="{62F939B6-93AF-4DB8-9C6B-D6C7DFDC589F}" vid="{4A3C46E8-61CC-4603-A589-7422A47A8E4A}"/>
+      <thm15:themeFamily xmlns="" xmlns:thm15="http://schemas.microsoft.com/office/thememl/2012/main" name="Office Theme" id="{62F939B6-93AF-4DB8-9C6B-D6C7DFDC589F}" vid="{4A3C46E8-61CC-4603-A589-7422A47A8E4A}"/>
     </a:ext>
   </a:extLst>
 </a:theme>
